--- a/wrangling_with_r.pptx
+++ b/wrangling_with_r.pptx
@@ -286,7 +286,7 @@
               <a:pPr>
                 <a:defRPr/>
               </a:pPr>
-              <a:t>2/23/2017</a:t>
+              <a:t>4/6/2017</a:t>
             </a:fld>
             <a:endParaRPr lang="en-US" dirty="0">
               <a:latin typeface="Corbel"/>
@@ -518,7 +518,7 @@
               <a:pPr>
                 <a:defRPr/>
               </a:pPr>
-              <a:t>2/23/2017</a:t>
+              <a:t>4/6/2017</a:t>
             </a:fld>
             <a:endParaRPr lang="en-US" dirty="0"/>
           </a:p>
@@ -10471,14 +10471,14 @@
           </a:ln>
           <a:extLst>
             <a:ext uri="{909E8E84-426E-40dd-AFC4-6F175D3DCCD1}">
-              <a14:hiddenFill xmlns:a14="http://schemas.microsoft.com/office/drawing/2010/main" xmlns="">
+              <a14:hiddenFill xmlns="" xmlns:a14="http://schemas.microsoft.com/office/drawing/2010/main">
                 <a:solidFill>
                   <a:srgbClr val="FFFFFF"/>
                 </a:solidFill>
               </a14:hiddenFill>
             </a:ext>
             <a:ext uri="{91240B29-F687-4f45-9708-019B960494DF}">
-              <a14:hiddenLine xmlns:a14="http://schemas.microsoft.com/office/drawing/2010/main" xmlns="" w="9525">
+              <a14:hiddenLine xmlns="" xmlns:a14="http://schemas.microsoft.com/office/drawing/2010/main" w="9525">
                 <a:solidFill>
                   <a:srgbClr val="000000"/>
                 </a:solidFill>
@@ -10488,7 +10488,7 @@
               </a14:hiddenLine>
             </a:ext>
             <a:ext uri="{FAA26D3D-D897-4be2-8F04-BA451C77F1D7}">
-              <ma14:placeholderFlag xmlns:ma14="http://schemas.microsoft.com/office/mac/drawingml/2011/main" xmlns="" val="1"/>
+              <ma14:placeholderFlag xmlns="" xmlns:ma14="http://schemas.microsoft.com/office/mac/drawingml/2011/main" val="1"/>
             </a:ext>
           </a:extLst>
         </p:spPr>
@@ -13749,7 +13749,7 @@
             <a:effectLst/>
             <a:extLst>
               <a:ext uri="{91240B29-F687-4f45-9708-019B960494DF}">
-                <a14:hiddenLine xmlns:a14="http://schemas.microsoft.com/office/drawing/2010/main" xmlns="" w="9525" cap="flat">
+                <a14:hiddenLine xmlns="" xmlns:a14="http://schemas.microsoft.com/office/drawing/2010/main" w="9525" cap="flat">
                   <a:solidFill>
                     <a:srgbClr val="808080"/>
                   </a:solidFill>
@@ -13759,7 +13759,7 @@
                 </a14:hiddenLine>
               </a:ext>
               <a:ext uri="{AF507438-7753-43e0-B8FC-AC1667EBCBE1}">
-                <a14:hiddenEffects xmlns:a14="http://schemas.microsoft.com/office/drawing/2010/main" xmlns="">
+                <a14:hiddenEffects xmlns="" xmlns:a14="http://schemas.microsoft.com/office/drawing/2010/main">
                   <a:effectLst>
                     <a:outerShdw blurRad="63500" dist="38099" dir="2700000" algn="ctr" rotWithShape="0">
                       <a:srgbClr val="000000">
@@ -13957,7 +13957,7 @@
             <a:effectLst/>
             <a:extLst>
               <a:ext uri="{91240B29-F687-4f45-9708-019B960494DF}">
-                <a14:hiddenLine xmlns:a14="http://schemas.microsoft.com/office/drawing/2010/main" xmlns="" w="9525" cap="flat">
+                <a14:hiddenLine xmlns="" xmlns:a14="http://schemas.microsoft.com/office/drawing/2010/main" w="9525" cap="flat">
                   <a:solidFill>
                     <a:srgbClr val="808080"/>
                   </a:solidFill>
@@ -13967,7 +13967,7 @@
                 </a14:hiddenLine>
               </a:ext>
               <a:ext uri="{AF507438-7753-43e0-B8FC-AC1667EBCBE1}">
-                <a14:hiddenEffects xmlns:a14="http://schemas.microsoft.com/office/drawing/2010/main" xmlns="">
+                <a14:hiddenEffects xmlns="" xmlns:a14="http://schemas.microsoft.com/office/drawing/2010/main">
                   <a:effectLst>
                     <a:outerShdw blurRad="63500" dist="38099" dir="2700000" algn="ctr" rotWithShape="0">
                       <a:srgbClr val="000000">
@@ -14086,7 +14086,7 @@
             <a:effectLst/>
             <a:extLst>
               <a:ext uri="{91240B29-F687-4f45-9708-019B960494DF}">
-                <a14:hiddenLine xmlns:a14="http://schemas.microsoft.com/office/drawing/2010/main" xmlns="" w="9525" cap="flat">
+                <a14:hiddenLine xmlns="" xmlns:a14="http://schemas.microsoft.com/office/drawing/2010/main" w="9525" cap="flat">
                   <a:solidFill>
                     <a:srgbClr val="808080"/>
                   </a:solidFill>
@@ -14096,7 +14096,7 @@
                 </a14:hiddenLine>
               </a:ext>
               <a:ext uri="{AF507438-7753-43e0-B8FC-AC1667EBCBE1}">
-                <a14:hiddenEffects xmlns:a14="http://schemas.microsoft.com/office/drawing/2010/main" xmlns="">
+                <a14:hiddenEffects xmlns="" xmlns:a14="http://schemas.microsoft.com/office/drawing/2010/main">
                   <a:effectLst>
                     <a:outerShdw blurRad="63500" dist="38099" dir="2700000" algn="ctr" rotWithShape="0">
                       <a:srgbClr val="000000">
@@ -14368,7 +14368,7 @@
             <a:effectLst/>
             <a:extLst>
               <a:ext uri="{91240B29-F687-4f45-9708-019B960494DF}">
-                <a14:hiddenLine xmlns:a14="http://schemas.microsoft.com/office/drawing/2010/main" xmlns="" w="9525" cap="flat">
+                <a14:hiddenLine xmlns="" xmlns:a14="http://schemas.microsoft.com/office/drawing/2010/main" w="9525" cap="flat">
                   <a:solidFill>
                     <a:srgbClr val="808080"/>
                   </a:solidFill>
@@ -14378,7 +14378,7 @@
                 </a14:hiddenLine>
               </a:ext>
               <a:ext uri="{AF507438-7753-43e0-B8FC-AC1667EBCBE1}">
-                <a14:hiddenEffects xmlns:a14="http://schemas.microsoft.com/office/drawing/2010/main" xmlns="">
+                <a14:hiddenEffects xmlns="" xmlns:a14="http://schemas.microsoft.com/office/drawing/2010/main">
                   <a:effectLst>
                     <a:outerShdw blurRad="63500" dist="38099" dir="2700000" algn="ctr" rotWithShape="0">
                       <a:srgbClr val="000000">
@@ -14497,7 +14497,7 @@
             <a:effectLst/>
             <a:extLst>
               <a:ext uri="{91240B29-F687-4f45-9708-019B960494DF}">
-                <a14:hiddenLine xmlns:a14="http://schemas.microsoft.com/office/drawing/2010/main" xmlns="" w="9525" cap="flat">
+                <a14:hiddenLine xmlns="" xmlns:a14="http://schemas.microsoft.com/office/drawing/2010/main" w="9525" cap="flat">
                   <a:solidFill>
                     <a:srgbClr val="808080"/>
                   </a:solidFill>
@@ -14507,7 +14507,7 @@
                 </a14:hiddenLine>
               </a:ext>
               <a:ext uri="{AF507438-7753-43e0-B8FC-AC1667EBCBE1}">
-                <a14:hiddenEffects xmlns:a14="http://schemas.microsoft.com/office/drawing/2010/main" xmlns="">
+                <a14:hiddenEffects xmlns="" xmlns:a14="http://schemas.microsoft.com/office/drawing/2010/main">
                   <a:effectLst>
                     <a:outerShdw blurRad="63500" dist="38099" dir="2700000" algn="ctr" rotWithShape="0">
                       <a:srgbClr val="000000">
@@ -14693,7 +14693,7 @@
             <a:effectLst/>
             <a:extLst>
               <a:ext uri="{91240B29-F687-4f45-9708-019B960494DF}">
-                <a14:hiddenLine xmlns:a14="http://schemas.microsoft.com/office/drawing/2010/main" xmlns="" w="9525" cap="flat">
+                <a14:hiddenLine xmlns="" xmlns:a14="http://schemas.microsoft.com/office/drawing/2010/main" w="9525" cap="flat">
                   <a:solidFill>
                     <a:srgbClr val="808080"/>
                   </a:solidFill>
@@ -14703,7 +14703,7 @@
                 </a14:hiddenLine>
               </a:ext>
               <a:ext uri="{AF507438-7753-43e0-B8FC-AC1667EBCBE1}">
-                <a14:hiddenEffects xmlns:a14="http://schemas.microsoft.com/office/drawing/2010/main" xmlns="">
+                <a14:hiddenEffects xmlns="" xmlns:a14="http://schemas.microsoft.com/office/drawing/2010/main">
                   <a:effectLst>
                     <a:outerShdw blurRad="63500" dist="38099" dir="2700000" algn="ctr" rotWithShape="0">
                       <a:srgbClr val="000000">
@@ -14929,7 +14929,7 @@
             <a:effectLst/>
             <a:extLst>
               <a:ext uri="{91240B29-F687-4f45-9708-019B960494DF}">
-                <a14:hiddenLine xmlns:a14="http://schemas.microsoft.com/office/drawing/2010/main" xmlns="" w="9525" cap="flat">
+                <a14:hiddenLine xmlns="" xmlns:a14="http://schemas.microsoft.com/office/drawing/2010/main" w="9525" cap="flat">
                   <a:solidFill>
                     <a:srgbClr val="808080"/>
                   </a:solidFill>
@@ -14939,7 +14939,7 @@
                 </a14:hiddenLine>
               </a:ext>
               <a:ext uri="{AF507438-7753-43e0-B8FC-AC1667EBCBE1}">
-                <a14:hiddenEffects xmlns:a14="http://schemas.microsoft.com/office/drawing/2010/main" xmlns="">
+                <a14:hiddenEffects xmlns="" xmlns:a14="http://schemas.microsoft.com/office/drawing/2010/main">
                   <a:effectLst>
                     <a:outerShdw blurRad="63500" dist="38099" dir="2700000" algn="ctr" rotWithShape="0">
                       <a:srgbClr val="000000">
@@ -15077,7 +15077,7 @@
             <a:effectLst/>
             <a:extLst>
               <a:ext uri="{91240B29-F687-4f45-9708-019B960494DF}">
-                <a14:hiddenLine xmlns:a14="http://schemas.microsoft.com/office/drawing/2010/main" xmlns="" w="9525" cap="flat">
+                <a14:hiddenLine xmlns="" xmlns:a14="http://schemas.microsoft.com/office/drawing/2010/main" w="9525" cap="flat">
                   <a:solidFill>
                     <a:srgbClr val="808080"/>
                   </a:solidFill>
@@ -15087,7 +15087,7 @@
                 </a14:hiddenLine>
               </a:ext>
               <a:ext uri="{AF507438-7753-43e0-B8FC-AC1667EBCBE1}">
-                <a14:hiddenEffects xmlns:a14="http://schemas.microsoft.com/office/drawing/2010/main" xmlns="">
+                <a14:hiddenEffects xmlns="" xmlns:a14="http://schemas.microsoft.com/office/drawing/2010/main">
                   <a:effectLst>
                     <a:outerShdw blurRad="63500" dist="38099" dir="2700000" algn="ctr" rotWithShape="0">
                       <a:srgbClr val="000000">
@@ -15373,7 +15373,7 @@
             <a:effectLst/>
             <a:extLst>
               <a:ext uri="{91240B29-F687-4f45-9708-019B960494DF}">
-                <a14:hiddenLine xmlns:a14="http://schemas.microsoft.com/office/drawing/2010/main" xmlns="" w="9525" cap="flat">
+                <a14:hiddenLine xmlns="" xmlns:a14="http://schemas.microsoft.com/office/drawing/2010/main" w="9525" cap="flat">
                   <a:solidFill>
                     <a:srgbClr val="808080"/>
                   </a:solidFill>
@@ -15383,7 +15383,7 @@
                 </a14:hiddenLine>
               </a:ext>
               <a:ext uri="{AF507438-7753-43e0-B8FC-AC1667EBCBE1}">
-                <a14:hiddenEffects xmlns:a14="http://schemas.microsoft.com/office/drawing/2010/main" xmlns="">
+                <a14:hiddenEffects xmlns="" xmlns:a14="http://schemas.microsoft.com/office/drawing/2010/main">
                   <a:effectLst>
                     <a:outerShdw blurRad="63500" dist="38099" dir="2700000" algn="ctr" rotWithShape="0">
                       <a:srgbClr val="000000">
@@ -15621,7 +15621,7 @@
             <a:effectLst/>
             <a:extLst>
               <a:ext uri="{91240B29-F687-4f45-9708-019B960494DF}">
-                <a14:hiddenLine xmlns:a14="http://schemas.microsoft.com/office/drawing/2010/main" xmlns="" w="9525" cap="flat">
+                <a14:hiddenLine xmlns="" xmlns:a14="http://schemas.microsoft.com/office/drawing/2010/main" w="9525" cap="flat">
                   <a:solidFill>
                     <a:srgbClr val="808080"/>
                   </a:solidFill>
@@ -15631,7 +15631,7 @@
                 </a14:hiddenLine>
               </a:ext>
               <a:ext uri="{AF507438-7753-43e0-B8FC-AC1667EBCBE1}">
-                <a14:hiddenEffects xmlns:a14="http://schemas.microsoft.com/office/drawing/2010/main" xmlns="">
+                <a14:hiddenEffects xmlns="" xmlns:a14="http://schemas.microsoft.com/office/drawing/2010/main">
                   <a:effectLst>
                     <a:outerShdw blurRad="63500" dist="38099" dir="2700000" algn="ctr" rotWithShape="0">
                       <a:srgbClr val="000000">
@@ -15817,7 +15817,7 @@
             <a:effectLst/>
             <a:extLst>
               <a:ext uri="{91240B29-F687-4f45-9708-019B960494DF}">
-                <a14:hiddenLine xmlns:a14="http://schemas.microsoft.com/office/drawing/2010/main" xmlns="" w="9525" cap="flat">
+                <a14:hiddenLine xmlns="" xmlns:a14="http://schemas.microsoft.com/office/drawing/2010/main" w="9525" cap="flat">
                   <a:solidFill>
                     <a:srgbClr val="808080"/>
                   </a:solidFill>
@@ -15827,7 +15827,7 @@
                 </a14:hiddenLine>
               </a:ext>
               <a:ext uri="{AF507438-7753-43e0-B8FC-AC1667EBCBE1}">
-                <a14:hiddenEffects xmlns:a14="http://schemas.microsoft.com/office/drawing/2010/main" xmlns="">
+                <a14:hiddenEffects xmlns="" xmlns:a14="http://schemas.microsoft.com/office/drawing/2010/main">
                   <a:effectLst>
                     <a:outerShdw blurRad="63500" dist="38099" dir="2700000" algn="ctr" rotWithShape="0">
                       <a:srgbClr val="000000">
@@ -15955,7 +15955,7 @@
             <a:effectLst/>
             <a:extLst>
               <a:ext uri="{91240B29-F687-4f45-9708-019B960494DF}">
-                <a14:hiddenLine xmlns:a14="http://schemas.microsoft.com/office/drawing/2010/main" xmlns="" w="9525" cap="flat">
+                <a14:hiddenLine xmlns="" xmlns:a14="http://schemas.microsoft.com/office/drawing/2010/main" w="9525" cap="flat">
                   <a:solidFill>
                     <a:srgbClr val="808080"/>
                   </a:solidFill>
@@ -15965,7 +15965,7 @@
                 </a14:hiddenLine>
               </a:ext>
               <a:ext uri="{AF507438-7753-43e0-B8FC-AC1667EBCBE1}">
-                <a14:hiddenEffects xmlns:a14="http://schemas.microsoft.com/office/drawing/2010/main" xmlns="">
+                <a14:hiddenEffects xmlns="" xmlns:a14="http://schemas.microsoft.com/office/drawing/2010/main">
                   <a:effectLst>
                     <a:outerShdw blurRad="63500" dist="38099" dir="2700000" algn="ctr" rotWithShape="0">
                       <a:srgbClr val="000000">
@@ -16084,7 +16084,7 @@
             <a:effectLst/>
             <a:extLst>
               <a:ext uri="{91240B29-F687-4f45-9708-019B960494DF}">
-                <a14:hiddenLine xmlns:a14="http://schemas.microsoft.com/office/drawing/2010/main" xmlns="" w="9525" cap="flat">
+                <a14:hiddenLine xmlns="" xmlns:a14="http://schemas.microsoft.com/office/drawing/2010/main" w="9525" cap="flat">
                   <a:solidFill>
                     <a:srgbClr val="808080"/>
                   </a:solidFill>
@@ -16094,7 +16094,7 @@
                 </a14:hiddenLine>
               </a:ext>
               <a:ext uri="{AF507438-7753-43e0-B8FC-AC1667EBCBE1}">
-                <a14:hiddenEffects xmlns:a14="http://schemas.microsoft.com/office/drawing/2010/main" xmlns="">
+                <a14:hiddenEffects xmlns="" xmlns:a14="http://schemas.microsoft.com/office/drawing/2010/main">
                   <a:effectLst>
                     <a:outerShdw blurRad="63500" dist="38099" dir="2700000" algn="ctr" rotWithShape="0">
                       <a:srgbClr val="000000">
@@ -16240,7 +16240,7 @@
             <a:effectLst/>
             <a:extLst>
               <a:ext uri="{91240B29-F687-4f45-9708-019B960494DF}">
-                <a14:hiddenLine xmlns:a14="http://schemas.microsoft.com/office/drawing/2010/main" xmlns="" w="9525" cap="flat">
+                <a14:hiddenLine xmlns="" xmlns:a14="http://schemas.microsoft.com/office/drawing/2010/main" w="9525" cap="flat">
                   <a:solidFill>
                     <a:srgbClr val="808080"/>
                   </a:solidFill>
@@ -16250,7 +16250,7 @@
                 </a14:hiddenLine>
               </a:ext>
               <a:ext uri="{AF507438-7753-43e0-B8FC-AC1667EBCBE1}">
-                <a14:hiddenEffects xmlns:a14="http://schemas.microsoft.com/office/drawing/2010/main" xmlns="">
+                <a14:hiddenEffects xmlns="" xmlns:a14="http://schemas.microsoft.com/office/drawing/2010/main">
                   <a:effectLst>
                     <a:outerShdw blurRad="63500" dist="38099" dir="2700000" algn="ctr" rotWithShape="0">
                       <a:srgbClr val="000000">
@@ -16430,7 +16430,7 @@
             <a:effectLst/>
             <a:extLst>
               <a:ext uri="{91240B29-F687-4f45-9708-019B960494DF}">
-                <a14:hiddenLine xmlns:a14="http://schemas.microsoft.com/office/drawing/2010/main" xmlns="" w="9525" cap="flat">
+                <a14:hiddenLine xmlns="" xmlns:a14="http://schemas.microsoft.com/office/drawing/2010/main" w="9525" cap="flat">
                   <a:solidFill>
                     <a:srgbClr val="808080"/>
                   </a:solidFill>
@@ -16440,7 +16440,7 @@
                 </a14:hiddenLine>
               </a:ext>
               <a:ext uri="{AF507438-7753-43e0-B8FC-AC1667EBCBE1}">
-                <a14:hiddenEffects xmlns:a14="http://schemas.microsoft.com/office/drawing/2010/main" xmlns="">
+                <a14:hiddenEffects xmlns="" xmlns:a14="http://schemas.microsoft.com/office/drawing/2010/main">
                   <a:effectLst>
                     <a:outerShdw blurRad="63500" dist="38099" dir="2700000" algn="ctr" rotWithShape="0">
                       <a:srgbClr val="000000">
@@ -19914,14 +19914,14 @@
           </a:ln>
           <a:extLst>
             <a:ext uri="{909E8E84-426E-40dd-AFC4-6F175D3DCCD1}">
-              <a14:hiddenFill xmlns:a14="http://schemas.microsoft.com/office/drawing/2010/main" xmlns="">
+              <a14:hiddenFill xmlns="" xmlns:a14="http://schemas.microsoft.com/office/drawing/2010/main">
                 <a:solidFill>
                   <a:srgbClr val="FFFFFF"/>
                 </a:solidFill>
               </a14:hiddenFill>
             </a:ext>
             <a:ext uri="{91240B29-F687-4f45-9708-019B960494DF}">
-              <a14:hiddenLine xmlns:a14="http://schemas.microsoft.com/office/drawing/2010/main" xmlns="" w="9525">
+              <a14:hiddenLine xmlns="" xmlns:a14="http://schemas.microsoft.com/office/drawing/2010/main" w="9525">
                 <a:solidFill>
                   <a:srgbClr val="000000"/>
                 </a:solidFill>
@@ -19931,7 +19931,7 @@
               </a14:hiddenLine>
             </a:ext>
             <a:ext uri="{FAA26D3D-D897-4be2-8F04-BA451C77F1D7}">
-              <ma14:placeholderFlag xmlns:ma14="http://schemas.microsoft.com/office/mac/drawingml/2011/main" xmlns="" val="1"/>
+              <ma14:placeholderFlag xmlns="" xmlns:ma14="http://schemas.microsoft.com/office/mac/drawingml/2011/main" val="1"/>
             </a:ext>
           </a:extLst>
         </p:spPr>
@@ -19976,14 +19976,14 @@
           </a:ln>
           <a:extLst>
             <a:ext uri="{909E8E84-426E-40dd-AFC4-6F175D3DCCD1}">
-              <a14:hiddenFill xmlns:a14="http://schemas.microsoft.com/office/drawing/2010/main" xmlns="">
+              <a14:hiddenFill xmlns="" xmlns:a14="http://schemas.microsoft.com/office/drawing/2010/main">
                 <a:solidFill>
                   <a:srgbClr val="FFFFFF"/>
                 </a:solidFill>
               </a14:hiddenFill>
             </a:ext>
             <a:ext uri="{91240B29-F687-4f45-9708-019B960494DF}">
-              <a14:hiddenLine xmlns:a14="http://schemas.microsoft.com/office/drawing/2010/main" xmlns="" w="9525">
+              <a14:hiddenLine xmlns="" xmlns:a14="http://schemas.microsoft.com/office/drawing/2010/main" w="9525">
                 <a:solidFill>
                   <a:srgbClr val="000000"/>
                 </a:solidFill>
@@ -19993,7 +19993,7 @@
               </a14:hiddenLine>
             </a:ext>
             <a:ext uri="{FAA26D3D-D897-4be2-8F04-BA451C77F1D7}">
-              <ma14:placeholderFlag xmlns:ma14="http://schemas.microsoft.com/office/mac/drawingml/2011/main" xmlns="" val="1"/>
+              <ma14:placeholderFlag xmlns="" xmlns:ma14="http://schemas.microsoft.com/office/mac/drawingml/2011/main" val="1"/>
             </a:ext>
           </a:extLst>
         </p:spPr>
@@ -22034,8 +22034,17 @@
             </a:r>
             <a:r>
               <a:rPr lang="en-US" dirty="0" smtClean="0"/>
-              <a:t> functions (left, right, inner or full)</a:t>
-            </a:r>
+              <a:t> functions (left, right, inner or </a:t>
+            </a:r>
+            <a:r>
+              <a:rPr lang="en-US" smtClean="0"/>
+              <a:t>full</a:t>
+            </a:r>
+            <a:r>
+              <a:rPr lang="en-US" smtClean="0"/>
+              <a:t>)</a:t>
+            </a:r>
+            <a:endParaRPr lang="en-US" dirty="0" smtClean="0"/>
           </a:p>
           <a:p>
             <a:pPr lvl="1"/>
@@ -24981,52 +24990,6 @@
 </file>
 
 <file path=customXml/item2.xml><?xml version="1.0" encoding="utf-8"?>
-<p:properties xmlns:p="http://schemas.microsoft.com/office/2006/metadata/properties" xmlns:xsi="http://www.w3.org/2001/XMLSchema-instance" xmlns:pc="http://schemas.microsoft.com/office/infopath/2007/PartnerControls">
-  <documentManagement>
-    <PublishingRollupImage xmlns="http://schemas.microsoft.com/sharepoint/v3" xsi:nil="true"/>
-    <CSC_x0020_Language xmlns="b542780c-f3c1-48de-9090-e65480539529">
-      <Value>English</Value>
-    </CSC_x0020_Language>
-    <Translation xmlns="b542780c-f3c1-48de-9090-e65480539529">
-      <Url xsi:nil="true"/>
-      <Description xsi:nil="true"/>
-    </Translation>
-    <PublishingContactEmail xmlns="http://schemas.microsoft.com/sharepoint/v3" xsi:nil="true"/>
-    <PublishingPageContent xmlns="http://schemas.microsoft.com/sharepoint/v3" xsi:nil="true"/>
-    <PublishingVariationRelationshipLinkFieldID xmlns="http://schemas.microsoft.com/sharepoint/v3">
-      <Url xsi:nil="true"/>
-      <Description xsi:nil="true"/>
-    </PublishingVariationRelationshipLinkFieldID>
-    <CSC_x0020_Category xmlns="b542780c-f3c1-48de-9090-e65480539529">Templates</CSC_x0020_Category>
-    <SeoKeywords xmlns="http://schemas.microsoft.com/sharepoint/v3" xsi:nil="true"/>
-    <PublishingVariationGroupID xmlns="http://schemas.microsoft.com/sharepoint/v3" xsi:nil="true"/>
-    <PublishingIsFurlPage xmlns="http://schemas.microsoft.com/sharepoint/v3">false</PublishingIsFurlPage>
-    <Audience xmlns="http://schemas.microsoft.com/sharepoint/v3" xsi:nil="true"/>
-    <CSC_x0020_Group xmlns="b542780c-f3c1-48de-9090-e65480539529">MARCOM</CSC_x0020_Group>
-    <SeoBrowserTitle xmlns="http://schemas.microsoft.com/sharepoint/v3" xsi:nil="true"/>
-    <PublishingExpirationDate xmlns="http://schemas.microsoft.com/sharepoint/v3" xsi:nil="true"/>
-    <PublishingContactPicture xmlns="http://schemas.microsoft.com/sharepoint/v3">
-      <Url xsi:nil="true"/>
-      <Description xsi:nil="true"/>
-    </PublishingContactPicture>
-    <SeoRobotsNoIndex xmlns="http://schemas.microsoft.com/sharepoint/v3" xsi:nil="true"/>
-    <PublishingStartDate xmlns="http://schemas.microsoft.com/sharepoint/v3" xsi:nil="true"/>
-    <SeoMetaDescription xmlns="http://schemas.microsoft.com/sharepoint/v3" xsi:nil="true"/>
-    <PublishingContact xmlns="http://schemas.microsoft.com/sharepoint/v3">
-      <UserInfo>
-        <DisplayName/>
-        <AccountId xsi:nil="true"/>
-        <AccountType/>
-      </UserInfo>
-    </PublishingContact>
-    <PublishingContactName xmlns="http://schemas.microsoft.com/sharepoint/v3" xsi:nil="true"/>
-    <Comments xmlns="http://schemas.microsoft.com/sharepoint/v3">CSC's official PowerPoint-template
-Version 04.11.2016/Marketing and Communications</Comments>
-  </documentManagement>
-</p:properties>
-</file>
-
-<file path=customXml/item3.xml><?xml version="1.0" encoding="utf-8"?>
 <ct:contentTypeSchema xmlns:ct="http://schemas.microsoft.com/office/2006/metadata/contentType" xmlns:ma="http://schemas.microsoft.com/office/2006/metadata/properties/metaAttributes" ct:_="" ma:_="" ma:contentTypeName="Guidelines Article" ma:contentTypeID="0x010100C568DB52D9D0A14D9B2FDCC96666E9F2007948130EC3DB064584E219954237AF39005865AF1693B9994CA07D29D3EBFFF69500D5CFB1A256BDC0439FEF5B0324F021D6" ma:contentTypeVersion="30" ma:contentTypeDescription="" ma:contentTypeScope="" ma:versionID="4cb75ce876bc9bb0bf3ca65d73c8002f">
   <xsd:schema xmlns:xsd="http://www.w3.org/2001/XMLSchema" xmlns:xs="http://www.w3.org/2001/XMLSchema" xmlns:p="http://schemas.microsoft.com/office/2006/metadata/properties" xmlns:ns1="http://schemas.microsoft.com/sharepoint/v3" xmlns:ns3="b542780c-f3c1-48de-9090-e65480539529" targetNamespace="http://schemas.microsoft.com/office/2006/metadata/properties" ma:root="true" ma:fieldsID="179bbc1ef3caf76c6e1127b99eabb6f9" ns1:_="" ns3:_="">
     <xsd:import namespace="http://schemas.microsoft.com/sharepoint/v3"/>
@@ -25403,6 +25366,52 @@
 </ct:contentTypeSchema>
 </file>
 
+<file path=customXml/item3.xml><?xml version="1.0" encoding="utf-8"?>
+<p:properties xmlns:p="http://schemas.microsoft.com/office/2006/metadata/properties" xmlns:xsi="http://www.w3.org/2001/XMLSchema-instance" xmlns:pc="http://schemas.microsoft.com/office/infopath/2007/PartnerControls">
+  <documentManagement>
+    <PublishingRollupImage xmlns="http://schemas.microsoft.com/sharepoint/v3" xsi:nil="true"/>
+    <CSC_x0020_Language xmlns="b542780c-f3c1-48de-9090-e65480539529">
+      <Value>English</Value>
+    </CSC_x0020_Language>
+    <Translation xmlns="b542780c-f3c1-48de-9090-e65480539529">
+      <Url xsi:nil="true"/>
+      <Description xsi:nil="true"/>
+    </Translation>
+    <PublishingContactEmail xmlns="http://schemas.microsoft.com/sharepoint/v3" xsi:nil="true"/>
+    <PublishingPageContent xmlns="http://schemas.microsoft.com/sharepoint/v3" xsi:nil="true"/>
+    <PublishingVariationRelationshipLinkFieldID xmlns="http://schemas.microsoft.com/sharepoint/v3">
+      <Url xsi:nil="true"/>
+      <Description xsi:nil="true"/>
+    </PublishingVariationRelationshipLinkFieldID>
+    <CSC_x0020_Category xmlns="b542780c-f3c1-48de-9090-e65480539529">Templates</CSC_x0020_Category>
+    <SeoKeywords xmlns="http://schemas.microsoft.com/sharepoint/v3" xsi:nil="true"/>
+    <PublishingVariationGroupID xmlns="http://schemas.microsoft.com/sharepoint/v3" xsi:nil="true"/>
+    <PublishingIsFurlPage xmlns="http://schemas.microsoft.com/sharepoint/v3">false</PublishingIsFurlPage>
+    <Audience xmlns="http://schemas.microsoft.com/sharepoint/v3" xsi:nil="true"/>
+    <CSC_x0020_Group xmlns="b542780c-f3c1-48de-9090-e65480539529">MARCOM</CSC_x0020_Group>
+    <SeoBrowserTitle xmlns="http://schemas.microsoft.com/sharepoint/v3" xsi:nil="true"/>
+    <PublishingExpirationDate xmlns="http://schemas.microsoft.com/sharepoint/v3" xsi:nil="true"/>
+    <PublishingContactPicture xmlns="http://schemas.microsoft.com/sharepoint/v3">
+      <Url xsi:nil="true"/>
+      <Description xsi:nil="true"/>
+    </PublishingContactPicture>
+    <SeoRobotsNoIndex xmlns="http://schemas.microsoft.com/sharepoint/v3" xsi:nil="true"/>
+    <PublishingStartDate xmlns="http://schemas.microsoft.com/sharepoint/v3" xsi:nil="true"/>
+    <SeoMetaDescription xmlns="http://schemas.microsoft.com/sharepoint/v3" xsi:nil="true"/>
+    <PublishingContact xmlns="http://schemas.microsoft.com/sharepoint/v3">
+      <UserInfo>
+        <DisplayName/>
+        <AccountId xsi:nil="true"/>
+        <AccountType/>
+      </UserInfo>
+    </PublishingContact>
+    <PublishingContactName xmlns="http://schemas.microsoft.com/sharepoint/v3" xsi:nil="true"/>
+    <Comments xmlns="http://schemas.microsoft.com/sharepoint/v3">CSC's official PowerPoint-template
+Version 04.11.2016/Marketing and Communications</Comments>
+  </documentManagement>
+</p:properties>
+</file>
+
 <file path=customXml/itemProps1.xml><?xml version="1.0" encoding="utf-8"?>
 <ds:datastoreItem xmlns:ds="http://schemas.openxmlformats.org/officeDocument/2006/customXml" ds:itemID="{D4C4CBFC-2EF1-4092-8F2F-5A5B86A85C2F}">
   <ds:schemaRefs>
@@ -25412,23 +25421,6 @@
 </file>
 
 <file path=customXml/itemProps2.xml><?xml version="1.0" encoding="utf-8"?>
-<ds:datastoreItem xmlns:ds="http://schemas.openxmlformats.org/officeDocument/2006/customXml" ds:itemID="{47279921-A1B4-472D-B7BD-F638B6892104}">
-  <ds:schemaRefs>
-    <ds:schemaRef ds:uri="b542780c-f3c1-48de-9090-e65480539529"/>
-    <ds:schemaRef ds:uri="http://www.w3.org/XML/1998/namespace"/>
-    <ds:schemaRef ds:uri="http://schemas.microsoft.com/office/2006/documentManagement/types"/>
-    <ds:schemaRef ds:uri="http://purl.org/dc/terms/"/>
-    <ds:schemaRef ds:uri="http://purl.org/dc/elements/1.1/"/>
-    <ds:schemaRef ds:uri="http://schemas.openxmlformats.org/package/2006/metadata/core-properties"/>
-    <ds:schemaRef ds:uri="http://schemas.microsoft.com/office/infopath/2007/PartnerControls"/>
-    <ds:schemaRef ds:uri="http://schemas.microsoft.com/sharepoint/v3"/>
-    <ds:schemaRef ds:uri="http://schemas.microsoft.com/office/2006/metadata/properties"/>
-    <ds:schemaRef ds:uri="http://purl.org/dc/dcmitype/"/>
-  </ds:schemaRefs>
-</ds:datastoreItem>
-</file>
-
-<file path=customXml/itemProps3.xml><?xml version="1.0" encoding="utf-8"?>
 <ds:datastoreItem xmlns:ds="http://schemas.openxmlformats.org/officeDocument/2006/customXml" ds:itemID="{652D4B87-A129-49B6-A00B-E280DAE4F0D2}">
   <ds:schemaRefs>
     <ds:schemaRef ds:uri="http://schemas.microsoft.com/office/2006/metadata/contentType"/>
@@ -25445,4 +25437,21 @@
     <ds:schemaRef ds:uri="http://schemas.microsoft.com/internal/obd"/>
   </ds:schemaRefs>
 </ds:datastoreItem>
+</file>
+
+<file path=customXml/itemProps3.xml><?xml version="1.0" encoding="utf-8"?>
+<ds:datastoreItem xmlns:ds="http://schemas.openxmlformats.org/officeDocument/2006/customXml" ds:itemID="{47279921-A1B4-472D-B7BD-F638B6892104}">
+  <ds:schemaRefs>
+    <ds:schemaRef ds:uri="b542780c-f3c1-48de-9090-e65480539529"/>
+    <ds:schemaRef ds:uri="http://www.w3.org/XML/1998/namespace"/>
+    <ds:schemaRef ds:uri="http://schemas.microsoft.com/office/2006/documentManagement/types"/>
+    <ds:schemaRef ds:uri="http://purl.org/dc/terms/"/>
+    <ds:schemaRef ds:uri="http://purl.org/dc/elements/1.1/"/>
+    <ds:schemaRef ds:uri="http://schemas.openxmlformats.org/package/2006/metadata/core-properties"/>
+    <ds:schemaRef ds:uri="http://schemas.microsoft.com/office/infopath/2007/PartnerControls"/>
+    <ds:schemaRef ds:uri="http://schemas.microsoft.com/sharepoint/v3"/>
+    <ds:schemaRef ds:uri="http://schemas.microsoft.com/office/2006/metadata/properties"/>
+    <ds:schemaRef ds:uri="http://purl.org/dc/dcmitype/"/>
+  </ds:schemaRefs>
+</ds:datastoreItem>
 </file>
--- a/wrangling_with_r.pptx
+++ b/wrangling_with_r.pptx
@@ -5,25 +5,27 @@
     <p:sldMasterId id="2147483648" r:id="rId4"/>
   </p:sldMasterIdLst>
   <p:notesMasterIdLst>
-    <p:notesMasterId r:id="rId18"/>
+    <p:notesMasterId r:id="rId20"/>
   </p:notesMasterIdLst>
   <p:handoutMasterIdLst>
-    <p:handoutMasterId r:id="rId19"/>
+    <p:handoutMasterId r:id="rId21"/>
   </p:handoutMasterIdLst>
   <p:sldIdLst>
     <p:sldId id="256" r:id="rId5"/>
     <p:sldId id="257" r:id="rId6"/>
     <p:sldId id="258" r:id="rId7"/>
     <p:sldId id="263" r:id="rId8"/>
-    <p:sldId id="259" r:id="rId9"/>
-    <p:sldId id="264" r:id="rId10"/>
-    <p:sldId id="260" r:id="rId11"/>
-    <p:sldId id="265" r:id="rId12"/>
-    <p:sldId id="266" r:id="rId13"/>
-    <p:sldId id="267" r:id="rId14"/>
-    <p:sldId id="268" r:id="rId15"/>
-    <p:sldId id="262" r:id="rId16"/>
-    <p:sldId id="269" r:id="rId17"/>
+    <p:sldId id="271" r:id="rId9"/>
+    <p:sldId id="259" r:id="rId10"/>
+    <p:sldId id="264" r:id="rId11"/>
+    <p:sldId id="272" r:id="rId12"/>
+    <p:sldId id="265" r:id="rId13"/>
+    <p:sldId id="266" r:id="rId14"/>
+    <p:sldId id="267" r:id="rId15"/>
+    <p:sldId id="273" r:id="rId16"/>
+    <p:sldId id="260" r:id="rId17"/>
+    <p:sldId id="268" r:id="rId18"/>
+    <p:sldId id="269" r:id="rId19"/>
   </p:sldIdLst>
   <p:sldSz cx="12192000" cy="6858000"/>
   <p:notesSz cx="7102475" cy="10234613"/>
@@ -286,7 +288,7 @@
               <a:pPr>
                 <a:defRPr/>
               </a:pPr>
-              <a:t>4/6/2017</a:t>
+              <a:t>4/5/2017</a:t>
             </a:fld>
             <a:endParaRPr lang="en-US" dirty="0">
               <a:latin typeface="Corbel"/>
@@ -518,7 +520,7 @@
               <a:pPr>
                 <a:defRPr/>
               </a:pPr>
-              <a:t>4/6/2017</a:t>
+              <a:t>4/5/2017</a:t>
             </a:fld>
             <a:endParaRPr lang="en-US" dirty="0"/>
           </a:p>
@@ -21767,7 +21769,7 @@
           <a:p>
             <a:r>
               <a:rPr lang="en-US" smtClean="0"/>
-              <a:t>Summarising and grouping data</a:t>
+              <a:t>Making new variables</a:t>
             </a:r>
             <a:endParaRPr lang="en-US"/>
           </a:p>
@@ -21789,115 +21791,82 @@
           <a:lstStyle/>
           <a:p>
             <a:r>
-              <a:rPr lang="en-US" i="1" dirty="0" err="1" smtClean="0"/>
-              <a:t>summarise</a:t>
+              <a:rPr lang="en-US" i="1" dirty="0" smtClean="0"/>
+              <a:t>mutate</a:t>
             </a:r>
             <a:r>
               <a:rPr lang="en-US" dirty="0" smtClean="0"/>
-              <a:t> uses </a:t>
-            </a:r>
-            <a:r>
-              <a:rPr lang="en-US" b="1" dirty="0" smtClean="0"/>
-              <a:t>summary functions </a:t>
-            </a:r>
+              <a:t> is the function for creating new variables</a:t>
+            </a:r>
+          </a:p>
+          <a:p>
+            <a:pPr lvl="1"/>
             <a:r>
               <a:rPr lang="en-US" dirty="0" smtClean="0"/>
-              <a:t>to create a single value out of a vector (not to be confused with </a:t>
+              <a:t>related to </a:t>
             </a:r>
             <a:r>
               <a:rPr lang="en-US" i="1" dirty="0" smtClean="0"/>
-              <a:t>summary</a:t>
+              <a:t>with</a:t>
             </a:r>
             <a:r>
               <a:rPr lang="en-US" dirty="0" smtClean="0"/>
-              <a:t> of base R!)</a:t>
-            </a:r>
-          </a:p>
-          <a:p>
+              <a:t> and </a:t>
+            </a:r>
+            <a:r>
+              <a:rPr lang="en-US" i="1" dirty="0" smtClean="0"/>
+              <a:t>within</a:t>
+            </a:r>
             <a:r>
               <a:rPr lang="en-US" dirty="0" smtClean="0"/>
-              <a:t>perhaps makes more sense in the</a:t>
-            </a:r>
-            <a:r>
-              <a:rPr lang="en-US" i="1" dirty="0" smtClean="0"/>
-              <a:t> </a:t>
-            </a:r>
-            <a:r>
-              <a:rPr lang="en-US" i="1" dirty="0" err="1" smtClean="0"/>
-              <a:t>summarise_each</a:t>
-            </a:r>
-            <a:r>
-              <a:rPr lang="en-US" i="1" dirty="0" smtClean="0"/>
-              <a:t> </a:t>
-            </a:r>
+              <a:t> functions of base R: no need for the $ notation</a:t>
+            </a:r>
+          </a:p>
+          <a:p>
+            <a:pPr lvl="1"/>
             <a:r>
               <a:rPr lang="en-US" dirty="0" smtClean="0"/>
-              <a:t>version</a:t>
-            </a:r>
-          </a:p>
-          <a:p>
-            <a:r>
-              <a:rPr lang="en-US" dirty="0" smtClean="0"/>
-              <a:t>makes much more sense when combined with grouping:</a:t>
-            </a:r>
-          </a:p>
-          <a:p>
-            <a:pPr lvl="1"/>
-            <a:r>
-              <a:rPr lang="en-US" i="1" dirty="0" err="1" smtClean="0"/>
-              <a:t>group_by</a:t>
-            </a:r>
-            <a:r>
-              <a:rPr lang="en-US" dirty="0" smtClean="0"/>
-              <a:t> creates a new data frame that is internally split in to parts according to the values of one of the variables (factor, or factor-like)</a:t>
-            </a:r>
-          </a:p>
-          <a:p>
-            <a:pPr lvl="1"/>
-            <a:r>
-              <a:rPr lang="en-US" i="1" dirty="0" err="1" smtClean="0"/>
-              <a:t>summarise</a:t>
-            </a:r>
-            <a:r>
-              <a:rPr lang="en-US" dirty="0" smtClean="0"/>
-              <a:t> on the grouped data will do the summary </a:t>
-            </a:r>
-            <a:r>
-              <a:rPr lang="en-US" b="1" dirty="0" smtClean="0"/>
-              <a:t>by group!</a:t>
-            </a:r>
-          </a:p>
-          <a:p>
-            <a:pPr lvl="1"/>
-            <a:r>
-              <a:rPr lang="en-US" dirty="0" smtClean="0"/>
-              <a:t>this is related to </a:t>
-            </a:r>
-            <a:r>
-              <a:rPr lang="en-US" i="1" dirty="0" smtClean="0"/>
-              <a:t>aggregate</a:t>
-            </a:r>
-            <a:r>
-              <a:rPr lang="en-US" dirty="0" smtClean="0"/>
-              <a:t> of base R</a:t>
-            </a:r>
-          </a:p>
-          <a:p>
-            <a:r>
-              <a:rPr lang="en-US" dirty="0" smtClean="0"/>
-              <a:t>grouping also works with the window functions of </a:t>
-            </a:r>
+              <a:t>you can make many inside one function call, and use the new ones immediately</a:t>
+            </a:r>
+          </a:p>
+          <a:p>
             <a:r>
               <a:rPr lang="en-US" i="1" dirty="0" smtClean="0"/>
               <a:t>transmute</a:t>
             </a:r>
+            <a:r>
+              <a:rPr lang="en-US" dirty="0" smtClean="0"/>
+              <a:t> does the same but only keeps the created ones</a:t>
+            </a:r>
+          </a:p>
+          <a:p>
+            <a:r>
+              <a:rPr lang="en-US" dirty="0" smtClean="0"/>
+              <a:t>Both can be combined with </a:t>
+            </a:r>
+            <a:r>
+              <a:rPr lang="en-US" b="1" dirty="0" smtClean="0"/>
+              <a:t>window functions</a:t>
+            </a:r>
           </a:p>
           <a:p>
             <a:pPr lvl="1"/>
             <a:r>
               <a:rPr lang="en-US" dirty="0" smtClean="0"/>
-              <a:t>will do e.g. ranks within the group levels, not in total</a:t>
-            </a:r>
+              <a:t>these are functions that take one vector and return another of the same length</a:t>
+            </a:r>
+          </a:p>
+          <a:p>
+            <a:pPr lvl="1"/>
+            <a:r>
+              <a:rPr lang="en-US" dirty="0" smtClean="0"/>
+              <a:t>such as lags, ranks, cumulative sums </a:t>
+            </a:r>
+            <a:r>
+              <a:rPr lang="en-US" dirty="0" err="1" smtClean="0"/>
+              <a:t>etc</a:t>
+            </a:r>
+            <a:endParaRPr lang="en-US" dirty="0"/>
           </a:p>
         </p:txBody>
       </p:sp>
@@ -21959,7 +21928,7 @@
     </p:spTree>
     <p:extLst>
       <p:ext uri="{BB962C8B-B14F-4D97-AF65-F5344CB8AC3E}">
-        <p14:creationId xmlns:p14="http://schemas.microsoft.com/office/powerpoint/2010/main" val="4277279678"/>
+        <p14:creationId xmlns:p14="http://schemas.microsoft.com/office/powerpoint/2010/main" val="2924514008"/>
       </p:ext>
     </p:extLst>
   </p:cSld>
@@ -22003,7 +21972,7 @@
           <a:p>
             <a:r>
               <a:rPr lang="en-US" smtClean="0"/>
-              <a:t>Combining data sets</a:t>
+              <a:t>Summarising and grouping data</a:t>
             </a:r>
             <a:endParaRPr lang="en-US"/>
           </a:p>
@@ -22025,78 +21994,115 @@
           <a:lstStyle/>
           <a:p>
             <a:r>
+              <a:rPr lang="en-US" i="1" dirty="0" err="1" smtClean="0"/>
+              <a:t>summarise</a:t>
+            </a:r>
+            <a:r>
               <a:rPr lang="en-US" dirty="0" smtClean="0"/>
-              <a:t>When you have two data frames with one (or more) common variable, and you need to combine the data from the two sets, matching the common variable, use one of the </a:t>
+              <a:t> uses </a:t>
+            </a:r>
+            <a:r>
+              <a:rPr lang="en-US" b="1" dirty="0" smtClean="0"/>
+              <a:t>summary functions </a:t>
+            </a:r>
+            <a:r>
+              <a:rPr lang="en-US" dirty="0" smtClean="0"/>
+              <a:t>to create a single value out of a vector (not to be confused with </a:t>
             </a:r>
             <a:r>
               <a:rPr lang="en-US" i="1" dirty="0" smtClean="0"/>
-              <a:t>join</a:t>
+              <a:t>summary</a:t>
             </a:r>
             <a:r>
               <a:rPr lang="en-US" dirty="0" smtClean="0"/>
-              <a:t> functions (left, right, inner or </a:t>
-            </a:r>
-            <a:r>
-              <a:rPr lang="en-US" smtClean="0"/>
-              <a:t>full</a:t>
-            </a:r>
-            <a:r>
-              <a:rPr lang="en-US" smtClean="0"/>
-              <a:t>)</a:t>
-            </a:r>
-            <a:endParaRPr lang="en-US" dirty="0" smtClean="0"/>
+              <a:t> of base R!)</a:t>
+            </a:r>
+          </a:p>
+          <a:p>
+            <a:r>
+              <a:rPr lang="en-US" dirty="0" smtClean="0"/>
+              <a:t>perhaps makes more sense in the</a:t>
+            </a:r>
+            <a:r>
+              <a:rPr lang="en-US" i="1" dirty="0" smtClean="0"/>
+              <a:t> </a:t>
+            </a:r>
+            <a:r>
+              <a:rPr lang="en-US" i="1" dirty="0" err="1" smtClean="0"/>
+              <a:t>summarise_each</a:t>
+            </a:r>
+            <a:r>
+              <a:rPr lang="en-US" i="1" dirty="0" smtClean="0"/>
+              <a:t> </a:t>
+            </a:r>
+            <a:r>
+              <a:rPr lang="en-US" dirty="0" smtClean="0"/>
+              <a:t>version</a:t>
+            </a:r>
+          </a:p>
+          <a:p>
+            <a:r>
+              <a:rPr lang="en-US" dirty="0" smtClean="0"/>
+              <a:t>makes much more sense when combined with grouping:</a:t>
+            </a:r>
           </a:p>
           <a:p>
             <a:pPr lvl="1"/>
             <a:r>
+              <a:rPr lang="en-US" i="1" dirty="0" err="1" smtClean="0"/>
+              <a:t>group_by</a:t>
+            </a:r>
+            <a:r>
               <a:rPr lang="en-US" dirty="0" smtClean="0"/>
-              <a:t>or </a:t>
+              <a:t> creates a new data frame that is internally split in to parts according to the values of one of the variables (factor, or factor-like)</a:t>
+            </a:r>
+          </a:p>
+          <a:p>
+            <a:pPr lvl="1"/>
+            <a:r>
+              <a:rPr lang="en-US" i="1" dirty="0" err="1" smtClean="0"/>
+              <a:t>summarise</a:t>
+            </a:r>
+            <a:r>
+              <a:rPr lang="en-US" dirty="0" smtClean="0"/>
+              <a:t> on the grouped data will do the summary </a:t>
+            </a:r>
+            <a:r>
+              <a:rPr lang="en-US" b="1" dirty="0" smtClean="0"/>
+              <a:t>by group!</a:t>
+            </a:r>
+          </a:p>
+          <a:p>
+            <a:pPr lvl="1"/>
+            <a:r>
+              <a:rPr lang="en-US" dirty="0" smtClean="0"/>
+              <a:t>this is related to </a:t>
             </a:r>
             <a:r>
               <a:rPr lang="en-US" i="1" dirty="0" smtClean="0"/>
-              <a:t>merge</a:t>
+              <a:t>aggregate</a:t>
             </a:r>
             <a:r>
               <a:rPr lang="en-US" dirty="0" smtClean="0"/>
-              <a:t> from the base R</a:t>
+              <a:t> of base R</a:t>
+            </a:r>
+          </a:p>
+          <a:p>
+            <a:r>
+              <a:rPr lang="en-US" dirty="0" smtClean="0"/>
+              <a:t>grouping also works with the window functions of </a:t>
+            </a:r>
+            <a:r>
+              <a:rPr lang="en-US" i="1" dirty="0" smtClean="0"/>
+              <a:t>transmute</a:t>
             </a:r>
           </a:p>
           <a:p>
             <a:pPr lvl="1"/>
             <a:r>
               <a:rPr lang="en-US" dirty="0" smtClean="0"/>
-              <a:t>the versions differ in what they do in case there are unmatched values</a:t>
-            </a:r>
-          </a:p>
-          <a:p>
-            <a:r>
-              <a:rPr lang="en-US" dirty="0" smtClean="0"/>
-              <a:t>When you have two data frames with the same variables (columns), you can stick them together with </a:t>
-            </a:r>
-            <a:r>
-              <a:rPr lang="en-US" i="1" dirty="0" err="1" smtClean="0"/>
-              <a:t>bind_rows</a:t>
-            </a:r>
-            <a:endParaRPr lang="en-US" i="1" dirty="0" smtClean="0"/>
-          </a:p>
-          <a:p>
-            <a:pPr lvl="1"/>
-            <a:r>
-              <a:rPr lang="en-US" dirty="0" smtClean="0"/>
-              <a:t>note that the columns need not be in the same order</a:t>
-            </a:r>
-          </a:p>
-          <a:p>
-            <a:pPr lvl="1"/>
-            <a:r>
-              <a:rPr lang="en-US" i="1" dirty="0" err="1" smtClean="0"/>
-              <a:t>bind_cols</a:t>
-            </a:r>
-            <a:r>
-              <a:rPr lang="en-US" dirty="0" smtClean="0"/>
-              <a:t> also exists, but maybe join is what you actually need in that case?</a:t>
-            </a:r>
-            <a:endParaRPr lang="en-US" dirty="0"/>
+              <a:t>will do e.g. ranks within the group levels, not in total</a:t>
+            </a:r>
           </a:p>
         </p:txBody>
       </p:sp>
@@ -22158,7 +22164,7 @@
     </p:spTree>
     <p:extLst>
       <p:ext uri="{BB962C8B-B14F-4D97-AF65-F5344CB8AC3E}">
-        <p14:creationId xmlns:p14="http://schemas.microsoft.com/office/powerpoint/2010/main" val="434757249"/>
+        <p14:creationId xmlns:p14="http://schemas.microsoft.com/office/powerpoint/2010/main" val="4277279678"/>
       </p:ext>
     </p:extLst>
   </p:cSld>
@@ -22202,7 +22208,217 @@
           <a:p>
             <a:r>
               <a:rPr lang="en-US" smtClean="0"/>
-              <a:t>ggplot2</a:t>
+              <a:t>Pipe</a:t>
+            </a:r>
+            <a:endParaRPr lang="en-US"/>
+          </a:p>
+        </p:txBody>
+      </p:sp>
+      <p:sp>
+        <p:nvSpPr>
+          <p:cNvPr id="3" name="Content Placeholder 2"/>
+          <p:cNvSpPr>
+            <a:spLocks noGrp="1"/>
+          </p:cNvSpPr>
+          <p:nvPr>
+            <p:ph idx="1"/>
+          </p:nvPr>
+        </p:nvSpPr>
+        <p:spPr>
+          <a:xfrm>
+            <a:off x="609600" y="1600200"/>
+            <a:ext cx="9247321" cy="4525963"/>
+          </a:xfrm>
+        </p:spPr>
+        <p:txBody>
+          <a:bodyPr/>
+          <a:lstStyle/>
+          <a:p>
+            <a:r>
+              <a:rPr lang="en-US" smtClean="0"/>
+              <a:t>Piping improves readability of the R code, and also helps simultaneous thinking and writing</a:t>
+            </a:r>
+          </a:p>
+          <a:p>
+            <a:r>
+              <a:rPr lang="en-US" smtClean="0"/>
+              <a:t>Choose between these:</a:t>
+            </a:r>
+          </a:p>
+          <a:p>
+            <a:pPr lvl="1"/>
+            <a:r>
+              <a:rPr lang="en-US" i="1"/>
+              <a:t>iris.new &lt;- mutate(iris,s.area=Sepal.Width*Sepal.Length)</a:t>
+            </a:r>
+            <a:br>
+              <a:rPr lang="en-US" i="1"/>
+            </a:br>
+            <a:r>
+              <a:rPr lang="en-US" i="1"/>
+              <a:t>filter(iris.new,s.area&lt;15</a:t>
+            </a:r>
+            <a:r>
+              <a:rPr lang="en-US" i="1" smtClean="0"/>
+              <a:t>)</a:t>
+            </a:r>
+          </a:p>
+          <a:p>
+            <a:pPr lvl="1"/>
+            <a:r>
+              <a:rPr lang="en-US" i="1" smtClean="0"/>
+              <a:t>filter(mutate(iris,s.area=Sepal.Width*Sepal.Length),s.area&lt;15)</a:t>
+            </a:r>
+            <a:endParaRPr lang="en-US" i="1"/>
+          </a:p>
+          <a:p>
+            <a:pPr lvl="1"/>
+            <a:r>
+              <a:rPr lang="en-US" i="1" smtClean="0"/>
+              <a:t>mutate(iris,s.area=Sepal.Width*Sepal.Length) %&gt;% </a:t>
+            </a:r>
+            <a:br>
+              <a:rPr lang="en-US" i="1" smtClean="0"/>
+            </a:br>
+            <a:r>
+              <a:rPr lang="en-US" i="1" smtClean="0"/>
+              <a:t>filter(s.area&lt;15)</a:t>
+            </a:r>
+          </a:p>
+          <a:p>
+            <a:r>
+              <a:rPr lang="en-US" smtClean="0"/>
+              <a:t>the result on the left becomes the first argument on the right:</a:t>
+            </a:r>
+            <a:br>
+              <a:rPr lang="en-US" smtClean="0"/>
+            </a:br>
+            <a:r>
+              <a:rPr lang="en-US" i="1"/>
+              <a:t>firstfun(x) </a:t>
+            </a:r>
+            <a:r>
+              <a:rPr lang="en-US" i="1"/>
+              <a:t>%&gt;% </a:t>
+            </a:r>
+            <a:r>
+              <a:rPr lang="en-US" i="1" smtClean="0"/>
+              <a:t>secondfun(y) </a:t>
+            </a:r>
+            <a:r>
+              <a:rPr lang="en-US"/>
+              <a:t>is the same as </a:t>
+            </a:r>
+            <a:r>
+              <a:rPr lang="en-US" i="1" smtClean="0"/>
+              <a:t>secondfun(firstfun(x),y)</a:t>
+            </a:r>
+          </a:p>
+        </p:txBody>
+      </p:sp>
+      <p:sp>
+        <p:nvSpPr>
+          <p:cNvPr id="4" name="Date Placeholder 3"/>
+          <p:cNvSpPr>
+            <a:spLocks noGrp="1"/>
+          </p:cNvSpPr>
+          <p:nvPr>
+            <p:ph type="dt" sz="half" idx="10"/>
+          </p:nvPr>
+        </p:nvSpPr>
+        <p:spPr/>
+        <p:txBody>
+          <a:bodyPr/>
+          <a:lstStyle/>
+          <a:p>
+            <a:pPr>
+              <a:defRPr/>
+            </a:pPr>
+            <a:r>
+              <a:rPr lang="fi-FI" smtClean="0"/>
+              <a:t>2017-03-08</a:t>
+            </a:r>
+            <a:endParaRPr lang="en-US"/>
+          </a:p>
+        </p:txBody>
+      </p:sp>
+      <p:sp>
+        <p:nvSpPr>
+          <p:cNvPr id="5" name="Slide Number Placeholder 4"/>
+          <p:cNvSpPr>
+            <a:spLocks noGrp="1"/>
+          </p:cNvSpPr>
+          <p:nvPr>
+            <p:ph type="sldNum" sz="quarter" idx="12"/>
+          </p:nvPr>
+        </p:nvSpPr>
+        <p:spPr/>
+        <p:txBody>
+          <a:bodyPr/>
+          <a:lstStyle/>
+          <a:p>
+            <a:pPr>
+              <a:defRPr/>
+            </a:pPr>
+            <a:fld id="{2BC46539-7FEE-8846-9EF1-6D13C0293C6C}" type="slidenum">
+              <a:rPr lang="en-US" smtClean="0"/>
+              <a:pPr>
+                <a:defRPr/>
+              </a:pPr>
+              <a:t>12</a:t>
+            </a:fld>
+            <a:endParaRPr lang="en-US"/>
+          </a:p>
+        </p:txBody>
+      </p:sp>
+    </p:spTree>
+    <p:extLst>
+      <p:ext uri="{BB962C8B-B14F-4D97-AF65-F5344CB8AC3E}">
+        <p14:creationId xmlns:p14="http://schemas.microsoft.com/office/powerpoint/2010/main" val="1368817280"/>
+      </p:ext>
+    </p:extLst>
+  </p:cSld>
+  <p:clrMapOvr>
+    <a:masterClrMapping/>
+  </p:clrMapOvr>
+</p:sld>
+</file>
+
+<file path=ppt/slides/slide13.xml><?xml version="1.0" encoding="utf-8"?>
+<p:sld xmlns:a="http://schemas.openxmlformats.org/drawingml/2006/main" xmlns:r="http://schemas.openxmlformats.org/officeDocument/2006/relationships" xmlns:p="http://schemas.openxmlformats.org/presentationml/2006/main">
+  <p:cSld>
+    <p:spTree>
+      <p:nvGrpSpPr>
+        <p:cNvPr id="1" name=""/>
+        <p:cNvGrpSpPr/>
+        <p:nvPr/>
+      </p:nvGrpSpPr>
+      <p:grpSpPr>
+        <a:xfrm>
+          <a:off x="0" y="0"/>
+          <a:ext cx="0" cy="0"/>
+          <a:chOff x="0" y="0"/>
+          <a:chExt cx="0" cy="0"/>
+        </a:xfrm>
+      </p:grpSpPr>
+      <p:sp>
+        <p:nvSpPr>
+          <p:cNvPr id="2" name="Title 1"/>
+          <p:cNvSpPr>
+            <a:spLocks noGrp="1"/>
+          </p:cNvSpPr>
+          <p:nvPr>
+            <p:ph type="title"/>
+          </p:nvPr>
+        </p:nvSpPr>
+        <p:spPr/>
+        <p:txBody>
+          <a:bodyPr/>
+          <a:lstStyle/>
+          <a:p>
+            <a:r>
+              <a:rPr lang="en-US" smtClean="0"/>
+              <a:t>Tidy data</a:t>
             </a:r>
             <a:endParaRPr lang="en-US"/>
           </a:p>
@@ -22224,54 +22440,108 @@
           <a:lstStyle/>
           <a:p>
             <a:r>
+              <a:rPr lang="en-US" dirty="0" smtClean="0"/>
+              <a:t>Please also read through the vignette of </a:t>
+            </a:r>
+            <a:r>
+              <a:rPr lang="en-US" i="1" dirty="0" err="1" smtClean="0"/>
+              <a:t>tidyr</a:t>
+            </a:r>
+            <a:r>
+              <a:rPr lang="en-US" dirty="0" smtClean="0"/>
+              <a:t> package and/or the JSS article</a:t>
+            </a:r>
+          </a:p>
+          <a:p>
+            <a:r>
+              <a:rPr lang="en-US" dirty="0" smtClean="0"/>
+              <a:t>The short version:</a:t>
+            </a:r>
+          </a:p>
+          <a:p>
+            <a:pPr lvl="1"/>
+            <a:r>
+              <a:rPr lang="en-US" dirty="0" smtClean="0"/>
+              <a:t>you want single columns to be single variables</a:t>
+            </a:r>
+          </a:p>
+          <a:p>
+            <a:pPr lvl="1"/>
+            <a:r>
+              <a:rPr lang="en-US" dirty="0" smtClean="0"/>
+              <a:t>you want single rows to be single observations</a:t>
+            </a:r>
+          </a:p>
+          <a:p>
+            <a:pPr lvl="1"/>
+            <a:r>
+              <a:rPr lang="en-US" dirty="0" smtClean="0"/>
+              <a:t>(you want one type of data in one table)</a:t>
+            </a:r>
+          </a:p>
+          <a:p>
+            <a:r>
+              <a:rPr lang="en-US" dirty="0" smtClean="0"/>
+              <a:t>All of </a:t>
+            </a:r>
+            <a:r>
+              <a:rPr lang="en-US" i="1" dirty="0" err="1" smtClean="0"/>
+              <a:t>tidyverse</a:t>
+            </a:r>
+            <a:r>
+              <a:rPr lang="en-US" dirty="0" smtClean="0"/>
+              <a:t> </a:t>
+            </a:r>
+            <a:r>
               <a:rPr lang="en-US" smtClean="0"/>
-              <a:t>"It's </a:t>
-            </a:r>
-            <a:r>
-              <a:rPr lang="en-US"/>
-              <a:t>hard to succintly describe how ggplot2 works because it embodies a deep philosophy of visualisation</a:t>
+              <a:t>(</a:t>
+            </a:r>
+            <a:r>
+              <a:rPr lang="en-US" i="1" smtClean="0"/>
+              <a:t>ggplot2</a:t>
             </a:r>
             <a:r>
               <a:rPr lang="en-US" smtClean="0"/>
-              <a:t>."</a:t>
-            </a:r>
-          </a:p>
-          <a:p>
-            <a:r>
-              <a:rPr lang="en-US" smtClean="0"/>
-              <a:t>But here's a simple example:</a:t>
-            </a:r>
-          </a:p>
-          <a:p>
-            <a:pPr marL="349200" lvl="1" indent="0">
-              <a:buNone/>
-            </a:pPr>
-            <a:r>
-              <a:rPr lang="en-US" smtClean="0"/>
-              <a:t>ggplot(iris,aes(Sepal.Width,Sepal.Length))+</a:t>
-            </a:r>
-          </a:p>
-          <a:p>
-            <a:pPr marL="349200" lvl="1" indent="0">
-              <a:buNone/>
-            </a:pPr>
-            <a:r>
-              <a:rPr lang="en-US" smtClean="0"/>
-              <a:t>geom_points(aes(col=Species))</a:t>
-            </a:r>
-            <a:endParaRPr lang="en-US"/>
-          </a:p>
-          <a:p>
-            <a:r>
-              <a:rPr lang="en-US" smtClean="0"/>
-              <a:t>Think of that as saying: "Hey ggplot, I want to make a graph out of the iris data set, so that Sepal.Width maps to x axis, and Sepal.Length to y axis. And I want there to be points, that are colored by Species."</a:t>
-            </a:r>
-          </a:p>
-          <a:p>
-            <a:r>
-              <a:rPr lang="en-US" smtClean="0"/>
-              <a:t>Study the cheat sheet, study the other material, take a course</a:t>
-            </a:r>
+              <a:t> </a:t>
+            </a:r>
+            <a:r>
+              <a:rPr lang="en-US" dirty="0" smtClean="0"/>
+              <a:t>in particular) relies on this idea</a:t>
+            </a:r>
+          </a:p>
+          <a:p>
+            <a:pPr lvl="1"/>
+            <a:r>
+              <a:rPr lang="en-US" dirty="0" smtClean="0"/>
+              <a:t>but some other packages / software might not, and you have to deal with this</a:t>
+            </a:r>
+          </a:p>
+          <a:p>
+            <a:r>
+              <a:rPr lang="en-US" dirty="0" smtClean="0"/>
+              <a:t>The relevant functions are </a:t>
+            </a:r>
+            <a:r>
+              <a:rPr lang="en-US" i="1" dirty="0" smtClean="0"/>
+              <a:t>gather</a:t>
+            </a:r>
+            <a:r>
+              <a:rPr lang="en-US" dirty="0" smtClean="0"/>
+              <a:t> and </a:t>
+            </a:r>
+            <a:r>
+              <a:rPr lang="en-US" i="1" dirty="0" smtClean="0"/>
+              <a:t>spread</a:t>
+            </a:r>
+            <a:r>
+              <a:rPr lang="en-US" dirty="0" smtClean="0"/>
+              <a:t>, and </a:t>
+            </a:r>
+            <a:r>
+              <a:rPr lang="en-US" i="1" dirty="0" smtClean="0"/>
+              <a:t>separate</a:t>
+            </a:r>
+            <a:endParaRPr lang="en-US" i="1" dirty="0"/>
           </a:p>
         </p:txBody>
       </p:sp>
@@ -22324,7 +22594,7 @@
               <a:pPr>
                 <a:defRPr/>
               </a:pPr>
-              <a:t>12</a:t>
+              <a:t>13</a:t>
             </a:fld>
             <a:endParaRPr lang="en-US"/>
           </a:p>
@@ -22333,7 +22603,204 @@
     </p:spTree>
     <p:extLst>
       <p:ext uri="{BB962C8B-B14F-4D97-AF65-F5344CB8AC3E}">
-        <p14:creationId xmlns:p14="http://schemas.microsoft.com/office/powerpoint/2010/main" val="1613498524"/>
+        <p14:creationId xmlns:p14="http://schemas.microsoft.com/office/powerpoint/2010/main" val="915466383"/>
+      </p:ext>
+    </p:extLst>
+  </p:cSld>
+  <p:clrMapOvr>
+    <a:masterClrMapping/>
+  </p:clrMapOvr>
+  <p:timing>
+    <p:tnLst>
+      <p:par>
+        <p:cTn id="1" dur="indefinite" restart="never" nodeType="tmRoot"/>
+      </p:par>
+    </p:tnLst>
+  </p:timing>
+</p:sld>
+</file>
+
+<file path=ppt/slides/slide14.xml><?xml version="1.0" encoding="utf-8"?>
+<p:sld xmlns:a="http://schemas.openxmlformats.org/drawingml/2006/main" xmlns:r="http://schemas.openxmlformats.org/officeDocument/2006/relationships" xmlns:p="http://schemas.openxmlformats.org/presentationml/2006/main">
+  <p:cSld>
+    <p:spTree>
+      <p:nvGrpSpPr>
+        <p:cNvPr id="1" name=""/>
+        <p:cNvGrpSpPr/>
+        <p:nvPr/>
+      </p:nvGrpSpPr>
+      <p:grpSpPr>
+        <a:xfrm>
+          <a:off x="0" y="0"/>
+          <a:ext cx="0" cy="0"/>
+          <a:chOff x="0" y="0"/>
+          <a:chExt cx="0" cy="0"/>
+        </a:xfrm>
+      </p:grpSpPr>
+      <p:sp>
+        <p:nvSpPr>
+          <p:cNvPr id="2" name="Title 1"/>
+          <p:cNvSpPr>
+            <a:spLocks noGrp="1"/>
+          </p:cNvSpPr>
+          <p:nvPr>
+            <p:ph type="title"/>
+          </p:nvPr>
+        </p:nvSpPr>
+        <p:spPr/>
+        <p:txBody>
+          <a:bodyPr/>
+          <a:lstStyle/>
+          <a:p>
+            <a:r>
+              <a:rPr lang="en-US" smtClean="0"/>
+              <a:t>Combining data sets</a:t>
+            </a:r>
+            <a:endParaRPr lang="en-US"/>
+          </a:p>
+        </p:txBody>
+      </p:sp>
+      <p:sp>
+        <p:nvSpPr>
+          <p:cNvPr id="3" name="Content Placeholder 2"/>
+          <p:cNvSpPr>
+            <a:spLocks noGrp="1"/>
+          </p:cNvSpPr>
+          <p:nvPr>
+            <p:ph idx="1"/>
+          </p:nvPr>
+        </p:nvSpPr>
+        <p:spPr/>
+        <p:txBody>
+          <a:bodyPr/>
+          <a:lstStyle/>
+          <a:p>
+            <a:r>
+              <a:rPr lang="en-US" dirty="0" smtClean="0"/>
+              <a:t>When you have two data frames with one (or more) common variable, and you need to combine the data from the two sets, matching the common variable, use one of the </a:t>
+            </a:r>
+            <a:r>
+              <a:rPr lang="en-US" i="1" dirty="0" smtClean="0"/>
+              <a:t>join</a:t>
+            </a:r>
+            <a:r>
+              <a:rPr lang="en-US" dirty="0" smtClean="0"/>
+              <a:t> functions (left, right, inner or full)</a:t>
+            </a:r>
+          </a:p>
+          <a:p>
+            <a:pPr lvl="1"/>
+            <a:r>
+              <a:rPr lang="en-US" dirty="0" smtClean="0"/>
+              <a:t>or </a:t>
+            </a:r>
+            <a:r>
+              <a:rPr lang="en-US" i="1" dirty="0" smtClean="0"/>
+              <a:t>merge</a:t>
+            </a:r>
+            <a:r>
+              <a:rPr lang="en-US" dirty="0" smtClean="0"/>
+              <a:t> from the base R</a:t>
+            </a:r>
+          </a:p>
+          <a:p>
+            <a:pPr lvl="1"/>
+            <a:r>
+              <a:rPr lang="en-US" dirty="0" smtClean="0"/>
+              <a:t>the versions differ in what they do in case there are unmatched values</a:t>
+            </a:r>
+          </a:p>
+          <a:p>
+            <a:r>
+              <a:rPr lang="en-US" dirty="0" smtClean="0"/>
+              <a:t>When you have two data frames with the same variables (columns), you can stick them together with </a:t>
+            </a:r>
+            <a:r>
+              <a:rPr lang="en-US" i="1" dirty="0" err="1" smtClean="0"/>
+              <a:t>bind_rows</a:t>
+            </a:r>
+            <a:endParaRPr lang="en-US" i="1" dirty="0" smtClean="0"/>
+          </a:p>
+          <a:p>
+            <a:pPr lvl="1"/>
+            <a:r>
+              <a:rPr lang="en-US" dirty="0" smtClean="0"/>
+              <a:t>note that the columns need not be in the same order</a:t>
+            </a:r>
+          </a:p>
+          <a:p>
+            <a:pPr lvl="1"/>
+            <a:r>
+              <a:rPr lang="en-US" i="1" dirty="0" err="1" smtClean="0"/>
+              <a:t>bind_cols</a:t>
+            </a:r>
+            <a:r>
+              <a:rPr lang="en-US" dirty="0" smtClean="0"/>
+              <a:t> also exists, but maybe join is what you actually need in that case?</a:t>
+            </a:r>
+            <a:endParaRPr lang="en-US" dirty="0"/>
+          </a:p>
+        </p:txBody>
+      </p:sp>
+      <p:sp>
+        <p:nvSpPr>
+          <p:cNvPr id="4" name="Date Placeholder 3"/>
+          <p:cNvSpPr>
+            <a:spLocks noGrp="1"/>
+          </p:cNvSpPr>
+          <p:nvPr>
+            <p:ph type="dt" sz="half" idx="10"/>
+          </p:nvPr>
+        </p:nvSpPr>
+        <p:spPr/>
+        <p:txBody>
+          <a:bodyPr/>
+          <a:lstStyle/>
+          <a:p>
+            <a:pPr>
+              <a:defRPr/>
+            </a:pPr>
+            <a:r>
+              <a:rPr lang="fi-FI" smtClean="0"/>
+              <a:t>2017-03-08</a:t>
+            </a:r>
+            <a:endParaRPr lang="en-US"/>
+          </a:p>
+        </p:txBody>
+      </p:sp>
+      <p:sp>
+        <p:nvSpPr>
+          <p:cNvPr id="5" name="Slide Number Placeholder 4"/>
+          <p:cNvSpPr>
+            <a:spLocks noGrp="1"/>
+          </p:cNvSpPr>
+          <p:nvPr>
+            <p:ph type="sldNum" sz="quarter" idx="12"/>
+          </p:nvPr>
+        </p:nvSpPr>
+        <p:spPr/>
+        <p:txBody>
+          <a:bodyPr/>
+          <a:lstStyle/>
+          <a:p>
+            <a:pPr>
+              <a:defRPr/>
+            </a:pPr>
+            <a:fld id="{2BC46539-7FEE-8846-9EF1-6D13C0293C6C}" type="slidenum">
+              <a:rPr lang="en-US" smtClean="0"/>
+              <a:pPr>
+                <a:defRPr/>
+              </a:pPr>
+              <a:t>14</a:t>
+            </a:fld>
+            <a:endParaRPr lang="en-US"/>
+          </a:p>
+        </p:txBody>
+      </p:sp>
+    </p:spTree>
+    <p:extLst>
+      <p:ext uri="{BB962C8B-B14F-4D97-AF65-F5344CB8AC3E}">
+        <p14:creationId xmlns:p14="http://schemas.microsoft.com/office/powerpoint/2010/main" val="434757249"/>
       </p:ext>
     </p:extLst>
   </p:cSld>
@@ -22343,7 +22810,7 @@
 </p:sld>
 </file>
 
-<file path=ppt/slides/slide13.xml><?xml version="1.0" encoding="utf-8"?>
+<file path=ppt/slides/slide15.xml><?xml version="1.0" encoding="utf-8"?>
 <p:sld xmlns:a="http://schemas.openxmlformats.org/drawingml/2006/main" xmlns:r="http://schemas.openxmlformats.org/officeDocument/2006/relationships" xmlns:p="http://schemas.openxmlformats.org/presentationml/2006/main">
   <p:cSld>
     <p:spTree>
@@ -22684,8 +23151,17 @@
             <a:pPr lvl="1"/>
             <a:r>
               <a:rPr lang="en-US" dirty="0" smtClean="0"/>
-              <a:t>bottom right: everything else</a:t>
-            </a:r>
+              <a:t>bottom right</a:t>
+            </a:r>
+            <a:r>
+              <a:rPr lang="en-US" smtClean="0"/>
+              <a:t>: </a:t>
+            </a:r>
+            <a:r>
+              <a:rPr lang="en-US" smtClean="0"/>
+              <a:t>plots, help, file viewer, package viewer</a:t>
+            </a:r>
+            <a:endParaRPr lang="en-US" dirty="0" smtClean="0"/>
           </a:p>
           <a:p>
             <a:r>
@@ -22839,88 +23315,87 @@
             </a:r>
             <a:r>
               <a:rPr lang="en-US" dirty="0"/>
-              <a:t> will keep you organized when you need to switch from one context to </a:t>
-            </a:r>
+              <a:t> will keep you organized when you need to switch from one context </a:t>
+            </a:r>
+            <a:r>
+              <a:rPr lang="en-US"/>
+              <a:t>to </a:t>
+            </a:r>
+            <a:r>
+              <a:rPr lang="en-US" smtClean="0"/>
+              <a:t>another</a:t>
+            </a:r>
+          </a:p>
+          <a:p>
+            <a:r>
+              <a:rPr lang="en-US" smtClean="0"/>
+              <a:t>A project corresponds to a folder (also the working directory)</a:t>
+            </a:r>
+          </a:p>
+          <a:p>
+            <a:pPr lvl="1"/>
+            <a:r>
+              <a:rPr lang="en-US" smtClean="0"/>
+              <a:t>and/or a version control repository, an R package in development etc</a:t>
+            </a:r>
+          </a:p>
+          <a:p>
+            <a:pPr lvl="1"/>
+            <a:r>
+              <a:rPr lang="en-US" smtClean="0"/>
+              <a:t>when you create a new project, you choose either a new or existing folder, where the .Rproj file then be created</a:t>
+            </a:r>
+            <a:endParaRPr lang="en-US" dirty="0"/>
+          </a:p>
+          <a:p>
+            <a:r>
+              <a:rPr lang="en-US" smtClean="0"/>
+              <a:t>When </a:t>
+            </a:r>
+            <a:r>
+              <a:rPr lang="en-US"/>
+              <a:t>you </a:t>
+            </a:r>
+            <a:r>
+              <a:rPr lang="en-US" smtClean="0"/>
+              <a:t>close a </a:t>
+            </a:r>
+            <a:r>
+              <a:rPr lang="en-US" dirty="0"/>
+              <a:t>project</a:t>
+            </a:r>
+            <a:r>
+              <a:rPr lang="en-US"/>
+              <a:t>, </a:t>
+            </a:r>
+            <a:r>
+              <a:rPr lang="en-US" smtClean="0"/>
+              <a:t>the currently open script tabs etc. will be saved, and restored when the project is reopened</a:t>
+            </a:r>
+            <a:endParaRPr lang="en-US" dirty="0" smtClean="0"/>
+          </a:p>
+          <a:p>
+            <a:pPr lvl="1"/>
             <a:r>
               <a:rPr lang="en-US" dirty="0" smtClean="0"/>
-              <a:t>another</a:t>
+              <a:t>... but not loaded packages, since the R session is restarted </a:t>
+            </a:r>
+            <a:r>
+              <a:rPr lang="en-US" smtClean="0"/>
+              <a:t>every </a:t>
+            </a:r>
+            <a:r>
+              <a:rPr lang="en-US" smtClean="0"/>
+              <a:t>time</a:t>
+            </a:r>
+          </a:p>
+          <a:p>
+            <a:pPr lvl="1"/>
+            <a:r>
+              <a:rPr lang="en-US" smtClean="0"/>
+              <a:t>the environment and history are saved to and loaded from the .RData and .Rhistory files just like when using only "base" R</a:t>
             </a:r>
             <a:endParaRPr lang="en-US" dirty="0"/>
-          </a:p>
-          <a:p>
-            <a:pPr lvl="1"/>
-            <a:r>
-              <a:rPr lang="en-US" dirty="0"/>
-              <a:t>when you re-open a project, it brings back the scripts and the environment just like you left </a:t>
-            </a:r>
-            <a:r>
-              <a:rPr lang="en-US" dirty="0" smtClean="0"/>
-              <a:t>them</a:t>
-            </a:r>
-          </a:p>
-          <a:p>
-            <a:pPr lvl="1"/>
-            <a:r>
-              <a:rPr lang="en-US" dirty="0" smtClean="0"/>
-              <a:t>... but not loaded packages, since the R session is restarted every time</a:t>
-            </a:r>
-            <a:endParaRPr lang="en-US" dirty="0"/>
-          </a:p>
-          <a:p>
-            <a:pPr lvl="1"/>
-            <a:r>
-              <a:rPr lang="en-US" dirty="0"/>
-              <a:t> project directory as the working directory simplifies </a:t>
-            </a:r>
-            <a:r>
-              <a:rPr lang="en-US" dirty="0" smtClean="0"/>
-              <a:t>things</a:t>
-            </a:r>
-          </a:p>
-          <a:p>
-            <a:r>
-              <a:rPr lang="en-US" dirty="0" smtClean="0"/>
-              <a:t>You can install and load packages, and access their vignettes and other documentation, on the </a:t>
-            </a:r>
-            <a:r>
-              <a:rPr lang="en-US" b="1" dirty="0" smtClean="0"/>
-              <a:t>Packages</a:t>
-            </a:r>
-            <a:r>
-              <a:rPr lang="en-US" dirty="0" smtClean="0"/>
-              <a:t> tab</a:t>
-            </a:r>
-          </a:p>
-          <a:p>
-            <a:pPr lvl="1"/>
-            <a:r>
-              <a:rPr lang="en-US" dirty="0" smtClean="0"/>
-              <a:t>you can still also install and load them using the code commands</a:t>
-            </a:r>
-            <a:endParaRPr lang="en-US" dirty="0"/>
-          </a:p>
-          <a:p>
-            <a:pPr lvl="1"/>
-            <a:r>
-              <a:rPr lang="en-US" dirty="0" smtClean="0"/>
-              <a:t>in fact, you might want to put all the </a:t>
-            </a:r>
-            <a:r>
-              <a:rPr lang="en-US" i="1" dirty="0" smtClean="0"/>
-              <a:t>library(</a:t>
-            </a:r>
-            <a:r>
-              <a:rPr lang="en-US" i="1" dirty="0" err="1" smtClean="0"/>
-              <a:t>dplyr</a:t>
-            </a:r>
-            <a:r>
-              <a:rPr lang="en-US" i="1" dirty="0" smtClean="0"/>
-              <a:t>) </a:t>
-            </a:r>
-            <a:r>
-              <a:rPr lang="en-US" dirty="0" smtClean="0"/>
-              <a:t>etc. commands at the start of your script</a:t>
-            </a:r>
           </a:p>
         </p:txBody>
       </p:sp>
@@ -23026,7 +23501,7 @@
           <a:p>
             <a:r>
               <a:rPr lang="en-US" smtClean="0"/>
-              <a:t>Tibble and data.table</a:t>
+              <a:t>RStudio interface</a:t>
             </a:r>
             <a:endParaRPr lang="en-US"/>
           </a:p>
@@ -23048,144 +23523,52 @@
           <a:lstStyle/>
           <a:p>
             <a:r>
+              <a:rPr lang="en-US" smtClean="0"/>
+              <a:t>You </a:t>
+            </a:r>
+            <a:r>
+              <a:rPr lang="en-US" dirty="0" smtClean="0"/>
+              <a:t>can install and load packages, and access their vignettes and other documentation, on the </a:t>
+            </a:r>
+            <a:r>
+              <a:rPr lang="en-US" b="1" dirty="0" smtClean="0"/>
+              <a:t>Packages</a:t>
+            </a:r>
+            <a:r>
+              <a:rPr lang="en-US" dirty="0" smtClean="0"/>
+              <a:t> tab</a:t>
+            </a:r>
+          </a:p>
+          <a:p>
+            <a:pPr lvl="1"/>
+            <a:r>
+              <a:rPr lang="en-US" dirty="0" smtClean="0"/>
+              <a:t>you can still also install and load them using the code commands</a:t>
+            </a:r>
+            <a:endParaRPr lang="en-US" dirty="0"/>
+          </a:p>
+          <a:p>
+            <a:pPr lvl="1"/>
+            <a:r>
+              <a:rPr lang="en-US" dirty="0" smtClean="0"/>
+              <a:t>in fact, you might want to put all the </a:t>
+            </a:r>
+            <a:r>
+              <a:rPr lang="en-US" i="1" dirty="0" smtClean="0"/>
+              <a:t>library(</a:t>
+            </a:r>
+            <a:r>
               <a:rPr lang="en-US" i="1" dirty="0" err="1" smtClean="0"/>
-              <a:t>tibble</a:t>
+              <a:t>dplyr</a:t>
+            </a:r>
+            <a:r>
+              <a:rPr lang="en-US" i="1" dirty="0" smtClean="0"/>
+              <a:t>) </a:t>
             </a:r>
             <a:r>
               <a:rPr lang="en-US" dirty="0" smtClean="0"/>
-              <a:t> and </a:t>
-            </a:r>
-            <a:r>
-              <a:rPr lang="en-US" i="1" dirty="0" err="1" smtClean="0"/>
-              <a:t>data.table</a:t>
-            </a:r>
-            <a:r>
-              <a:rPr lang="en-US" dirty="0" smtClean="0"/>
-              <a:t> are enhanced versions of the base R </a:t>
-            </a:r>
-            <a:r>
-              <a:rPr lang="en-US" i="1" dirty="0" err="1" smtClean="0"/>
-              <a:t>data.frame</a:t>
-            </a:r>
-            <a:r>
-              <a:rPr lang="en-US" dirty="0" smtClean="0"/>
-              <a:t>, implemented in packages with the same names</a:t>
-            </a:r>
-          </a:p>
-          <a:p>
-            <a:pPr lvl="1"/>
-            <a:r>
-              <a:rPr lang="en-US" i="1" dirty="0" err="1" smtClean="0"/>
-              <a:t>tibble</a:t>
-            </a:r>
-            <a:r>
-              <a:rPr lang="en-US" dirty="0" smtClean="0"/>
-              <a:t> is included in the</a:t>
-            </a:r>
-            <a:r>
-              <a:rPr lang="en-US" i="1" dirty="0" smtClean="0"/>
-              <a:t> </a:t>
-            </a:r>
-            <a:r>
-              <a:rPr lang="en-US" i="1" dirty="0" err="1" smtClean="0"/>
-              <a:t>tidyverse</a:t>
-            </a:r>
-            <a:r>
-              <a:rPr lang="en-US" i="1" dirty="0" smtClean="0"/>
-              <a:t> </a:t>
-            </a:r>
-            <a:r>
-              <a:rPr lang="en-US" dirty="0" smtClean="0"/>
-              <a:t>collection, </a:t>
-            </a:r>
-            <a:r>
-              <a:rPr lang="en-US" i="1" dirty="0" err="1" smtClean="0"/>
-              <a:t>data.table</a:t>
-            </a:r>
-            <a:r>
-              <a:rPr lang="en-US" dirty="0" smtClean="0"/>
-              <a:t> you would need to install yourself - or possibly </a:t>
-            </a:r>
-            <a:r>
-              <a:rPr lang="en-US" dirty="0" err="1" smtClean="0"/>
-              <a:t>RStudio</a:t>
-            </a:r>
-            <a:r>
-              <a:rPr lang="en-US" dirty="0" smtClean="0"/>
-              <a:t> will automatically install it for you when needed</a:t>
-            </a:r>
-          </a:p>
-          <a:p>
-            <a:r>
-              <a:rPr lang="en-US" dirty="0" smtClean="0"/>
-              <a:t>(At the time of writing this) </a:t>
-            </a:r>
-            <a:r>
-              <a:rPr lang="en-US" dirty="0" err="1" smtClean="0"/>
-              <a:t>RStudio's</a:t>
-            </a:r>
-            <a:r>
-              <a:rPr lang="en-US" dirty="0" smtClean="0"/>
-              <a:t> data import wizard will produce (at least) </a:t>
-            </a:r>
-            <a:r>
-              <a:rPr lang="en-US" dirty="0" err="1" smtClean="0"/>
-              <a:t>tibbles</a:t>
-            </a:r>
-            <a:endParaRPr lang="en-US" dirty="0" smtClean="0"/>
-          </a:p>
-          <a:p>
-            <a:r>
-              <a:rPr lang="en-US" dirty="0" smtClean="0"/>
-              <a:t>Both work just like a data frame, but better</a:t>
-            </a:r>
-          </a:p>
-          <a:p>
-            <a:pPr lvl="1"/>
-            <a:r>
-              <a:rPr lang="en-US" dirty="0" smtClean="0"/>
-              <a:t>except when they don't</a:t>
-            </a:r>
-          </a:p>
-          <a:p>
-            <a:pPr lvl="1"/>
-            <a:r>
-              <a:rPr lang="en-US" dirty="0" smtClean="0"/>
-              <a:t>both actually </a:t>
-            </a:r>
-            <a:r>
-              <a:rPr lang="en-US" b="1" dirty="0" smtClean="0"/>
-              <a:t>are</a:t>
-            </a:r>
-            <a:r>
-              <a:rPr lang="en-US" dirty="0" smtClean="0"/>
-              <a:t> </a:t>
-            </a:r>
-            <a:r>
-              <a:rPr lang="en-US" dirty="0" err="1" smtClean="0"/>
-              <a:t>data.frames</a:t>
-            </a:r>
-            <a:r>
-              <a:rPr lang="en-US" dirty="0" smtClean="0"/>
-              <a:t>, in a sense: </a:t>
-            </a:r>
-            <a:r>
-              <a:rPr lang="en-US" i="1" dirty="0" err="1" smtClean="0"/>
-              <a:t>is.data.frame</a:t>
-            </a:r>
-            <a:r>
-              <a:rPr lang="en-US" i="1" dirty="0" smtClean="0"/>
-              <a:t>()</a:t>
-            </a:r>
-            <a:r>
-              <a:rPr lang="en-US" dirty="0" smtClean="0"/>
-              <a:t> will return </a:t>
-            </a:r>
-            <a:r>
-              <a:rPr lang="en-US" i="1" dirty="0" smtClean="0"/>
-              <a:t>TRUE</a:t>
-            </a:r>
-            <a:endParaRPr lang="en-US" i="1" dirty="0"/>
+              <a:t>etc. commands at the start of your script</a:t>
+            </a:r>
           </a:p>
         </p:txBody>
       </p:sp>
@@ -23247,7 +23630,7 @@
     </p:spTree>
     <p:extLst>
       <p:ext uri="{BB962C8B-B14F-4D97-AF65-F5344CB8AC3E}">
-        <p14:creationId xmlns:p14="http://schemas.microsoft.com/office/powerpoint/2010/main" val="3318352732"/>
+        <p14:creationId xmlns:p14="http://schemas.microsoft.com/office/powerpoint/2010/main" val="3031207083"/>
       </p:ext>
     </p:extLst>
   </p:cSld>
@@ -23291,7 +23674,7 @@
           <a:p>
             <a:r>
               <a:rPr lang="en-US" smtClean="0"/>
-              <a:t>Data import wizard</a:t>
+              <a:t>Tibble and data.table</a:t>
             </a:r>
             <a:endParaRPr lang="en-US"/>
           </a:p>
@@ -23313,43 +23696,144 @@
           <a:lstStyle/>
           <a:p>
             <a:r>
-              <a:rPr lang="en-US" smtClean="0"/>
-              <a:t>The wizard opens a dialogue where you can easily browse for the file, or paste the URL, of the CSV you want to import</a:t>
+              <a:rPr lang="en-US" i="1" dirty="0" err="1" smtClean="0"/>
+              <a:t>tibble</a:t>
+            </a:r>
+            <a:r>
+              <a:rPr lang="en-US" dirty="0" smtClean="0"/>
+              <a:t> and </a:t>
+            </a:r>
+            <a:r>
+              <a:rPr lang="en-US" i="1" dirty="0" err="1" smtClean="0"/>
+              <a:t>data.table</a:t>
+            </a:r>
+            <a:r>
+              <a:rPr lang="en-US" dirty="0" smtClean="0"/>
+              <a:t> are enhanced versions of the base R </a:t>
+            </a:r>
+            <a:r>
+              <a:rPr lang="en-US" i="1" dirty="0" err="1" smtClean="0"/>
+              <a:t>data.frame</a:t>
+            </a:r>
+            <a:r>
+              <a:rPr lang="en-US" dirty="0" smtClean="0"/>
+              <a:t>, implemented in packages with the same names</a:t>
             </a:r>
           </a:p>
           <a:p>
             <a:pPr lvl="1"/>
             <a:r>
-              <a:rPr lang="en-US" smtClean="0"/>
-              <a:t>Instead of CSV you can (maybe?) also import some proprietary file formats</a:t>
-            </a:r>
-          </a:p>
-          <a:p>
-            <a:r>
-              <a:rPr lang="en-US" smtClean="0"/>
-              <a:t>You can make several choices on the wizard, about delimiters, encoding, etc.</a:t>
+              <a:rPr lang="en-US" i="1" dirty="0" err="1" smtClean="0"/>
+              <a:t>tibble</a:t>
+            </a:r>
+            <a:r>
+              <a:rPr lang="en-US" dirty="0" smtClean="0"/>
+              <a:t> is included in the</a:t>
+            </a:r>
+            <a:r>
+              <a:rPr lang="en-US" i="1" dirty="0" smtClean="0"/>
+              <a:t> </a:t>
+            </a:r>
+            <a:r>
+              <a:rPr lang="en-US" i="1" dirty="0" err="1" smtClean="0"/>
+              <a:t>tidyverse</a:t>
+            </a:r>
+            <a:r>
+              <a:rPr lang="en-US" i="1" dirty="0" smtClean="0"/>
+              <a:t> </a:t>
+            </a:r>
+            <a:r>
+              <a:rPr lang="en-US" dirty="0" smtClean="0"/>
+              <a:t>collection, </a:t>
+            </a:r>
+            <a:r>
+              <a:rPr lang="en-US" i="1" dirty="0" err="1" smtClean="0"/>
+              <a:t>data.table</a:t>
+            </a:r>
+            <a:r>
+              <a:rPr lang="en-US" dirty="0" smtClean="0"/>
+              <a:t> you would need to install yourself - or possibly </a:t>
+            </a:r>
+            <a:r>
+              <a:rPr lang="en-US" dirty="0" err="1" smtClean="0"/>
+              <a:t>RStudio</a:t>
+            </a:r>
+            <a:r>
+              <a:rPr lang="en-US" dirty="0" smtClean="0"/>
+              <a:t> will automatically install it for you when needed</a:t>
+            </a:r>
+          </a:p>
+          <a:p>
+            <a:r>
+              <a:rPr lang="en-US" dirty="0" smtClean="0"/>
+              <a:t>(At the time of writing this) </a:t>
+            </a:r>
+            <a:r>
+              <a:rPr lang="en-US" dirty="0" err="1" smtClean="0"/>
+              <a:t>RStudio's</a:t>
+            </a:r>
+            <a:r>
+              <a:rPr lang="en-US" dirty="0" smtClean="0"/>
+              <a:t> data import wizard will produce (at least) </a:t>
+            </a:r>
+            <a:r>
+              <a:rPr lang="en-US" dirty="0" err="1" smtClean="0"/>
+              <a:t>tibbles</a:t>
+            </a:r>
+            <a:endParaRPr lang="en-US" dirty="0" smtClean="0"/>
+          </a:p>
+          <a:p>
+            <a:r>
+              <a:rPr lang="en-US" dirty="0" smtClean="0"/>
+              <a:t>Both work just like a data frame, but better</a:t>
             </a:r>
           </a:p>
           <a:p>
             <a:pPr lvl="1"/>
             <a:r>
-              <a:rPr lang="en-US" smtClean="0"/>
-              <a:t>but not all choices that are actually possible, e.g. row names</a:t>
-            </a:r>
-          </a:p>
-          <a:p>
-            <a:r>
-              <a:rPr lang="en-US" smtClean="0"/>
-              <a:t>You get to preview the result, and the code the wizard creates that will actually do the importing</a:t>
+              <a:rPr lang="en-US" dirty="0" smtClean="0"/>
+              <a:t>except when they don't</a:t>
             </a:r>
           </a:p>
           <a:p>
             <a:pPr lvl="1"/>
             <a:r>
-              <a:rPr lang="en-US" smtClean="0"/>
-              <a:t>sometimes you might want to edit the code in your script, and rerun</a:t>
-            </a:r>
-            <a:endParaRPr lang="en-US"/>
+              <a:rPr lang="en-US" dirty="0" smtClean="0"/>
+              <a:t>both actually </a:t>
+            </a:r>
+            <a:r>
+              <a:rPr lang="en-US" b="1" dirty="0" smtClean="0"/>
+              <a:t>are</a:t>
+            </a:r>
+            <a:r>
+              <a:rPr lang="en-US" dirty="0" smtClean="0"/>
+              <a:t> </a:t>
+            </a:r>
+            <a:r>
+              <a:rPr lang="en-US" dirty="0" err="1" smtClean="0"/>
+              <a:t>data.frames</a:t>
+            </a:r>
+            <a:r>
+              <a:rPr lang="en-US" dirty="0" smtClean="0"/>
+              <a:t>, in a sense: </a:t>
+            </a:r>
+            <a:r>
+              <a:rPr lang="en-US" i="1" dirty="0" err="1" smtClean="0"/>
+              <a:t>is.data.frame</a:t>
+            </a:r>
+            <a:r>
+              <a:rPr lang="en-US" i="1" dirty="0" smtClean="0"/>
+              <a:t>()</a:t>
+            </a:r>
+            <a:r>
+              <a:rPr lang="en-US" dirty="0" smtClean="0"/>
+              <a:t> will return </a:t>
+            </a:r>
+            <a:r>
+              <a:rPr lang="en-US" i="1" dirty="0" smtClean="0"/>
+              <a:t>TRUE</a:t>
+            </a:r>
+            <a:endParaRPr lang="en-US" i="1" dirty="0"/>
           </a:p>
         </p:txBody>
       </p:sp>
@@ -23411,7 +23895,7 @@
     </p:spTree>
     <p:extLst>
       <p:ext uri="{BB962C8B-B14F-4D97-AF65-F5344CB8AC3E}">
-        <p14:creationId xmlns:p14="http://schemas.microsoft.com/office/powerpoint/2010/main" val="1902030502"/>
+        <p14:creationId xmlns:p14="http://schemas.microsoft.com/office/powerpoint/2010/main" val="3318352732"/>
       </p:ext>
     </p:extLst>
   </p:cSld>
@@ -23455,7 +23939,7 @@
           <a:p>
             <a:r>
               <a:rPr lang="en-US" smtClean="0"/>
-              <a:t>Tidy data</a:t>
+              <a:t>Data import wizard</a:t>
             </a:r>
             <a:endParaRPr lang="en-US"/>
           </a:p>
@@ -23477,108 +23961,91 @@
           <a:lstStyle/>
           <a:p>
             <a:r>
-              <a:rPr lang="en-US" dirty="0" smtClean="0"/>
-              <a:t>Please also read through the vignette of </a:t>
-            </a:r>
-            <a:r>
-              <a:rPr lang="en-US" i="1" dirty="0" err="1" smtClean="0"/>
-              <a:t>tidyr</a:t>
-            </a:r>
-            <a:r>
-              <a:rPr lang="en-US" dirty="0" smtClean="0"/>
-              <a:t> package and/or the JSS article</a:t>
-            </a:r>
-          </a:p>
-          <a:p>
-            <a:r>
-              <a:rPr lang="en-US" dirty="0" smtClean="0"/>
-              <a:t>The short version:</a:t>
+              <a:rPr lang="en-US" smtClean="0"/>
+              <a:t>The wizard opens a dialogue where you can easily browse for the file, or paste the URL, of the CSV you want to import</a:t>
             </a:r>
           </a:p>
           <a:p>
             <a:pPr lvl="1"/>
             <a:r>
-              <a:rPr lang="en-US" dirty="0" smtClean="0"/>
-              <a:t>you want single columns to be single variables</a:t>
+              <a:rPr lang="en-US" smtClean="0"/>
+              <a:t>Instead of CSV you can (maybe?) also import some proprietary file formats</a:t>
+            </a:r>
+          </a:p>
+          <a:p>
+            <a:r>
+              <a:rPr lang="en-US" smtClean="0"/>
+              <a:t>You can make several choices on the wizard, about delimiters, encoding, etc</a:t>
+            </a:r>
+            <a:r>
+              <a:rPr lang="en-US" smtClean="0"/>
+              <a:t>.</a:t>
             </a:r>
           </a:p>
           <a:p>
             <a:pPr lvl="1"/>
             <a:r>
-              <a:rPr lang="en-US" dirty="0" smtClean="0"/>
-              <a:t>you want single rows to be single observations</a:t>
+              <a:rPr lang="en-US" smtClean="0"/>
+              <a:t>choices match to the arguments of </a:t>
+            </a:r>
+            <a:r>
+              <a:rPr lang="en-US" i="1" smtClean="0"/>
+              <a:t>readr::read_csv</a:t>
+            </a:r>
+            <a:r>
+              <a:rPr lang="en-US" smtClean="0"/>
+              <a:t> function</a:t>
             </a:r>
           </a:p>
           <a:p>
             <a:pPr lvl="1"/>
             <a:r>
-              <a:rPr lang="en-US" dirty="0" smtClean="0"/>
-              <a:t>(you want one type of data in one table)</a:t>
-            </a:r>
-          </a:p>
-          <a:p>
-            <a:r>
-              <a:rPr lang="en-US" dirty="0" smtClean="0"/>
-              <a:t>All of </a:t>
-            </a:r>
-            <a:r>
-              <a:rPr lang="en-US" i="1" dirty="0" err="1" smtClean="0"/>
-              <a:t>tidyverse</a:t>
-            </a:r>
-            <a:r>
-              <a:rPr lang="en-US" dirty="0" smtClean="0"/>
-              <a:t> </a:t>
-            </a:r>
-            <a:r>
               <a:rPr lang="en-US" smtClean="0"/>
-              <a:t>(</a:t>
-            </a:r>
-            <a:r>
-              <a:rPr lang="en-US" i="1" smtClean="0"/>
-              <a:t>ggplot2</a:t>
-            </a:r>
+              <a:t>things like row names will be a problem </a:t>
+            </a:r>
+            <a:endParaRPr lang="en-US" smtClean="0"/>
+          </a:p>
+          <a:p>
             <a:r>
               <a:rPr lang="en-US" smtClean="0"/>
-              <a:t> </a:t>
-            </a:r>
-            <a:r>
-              <a:rPr lang="en-US" dirty="0" smtClean="0"/>
-              <a:t>in particular) relies on this idea</a:t>
+              <a:t>the </a:t>
+            </a:r>
+            <a:r>
+              <a:rPr lang="en-US" smtClean="0"/>
+              <a:t>wizard creates </a:t>
+            </a:r>
+            <a:r>
+              <a:rPr lang="en-US" smtClean="0"/>
+              <a:t>a piece of code that </a:t>
+            </a:r>
+            <a:r>
+              <a:rPr lang="en-US" smtClean="0"/>
+              <a:t>will actually do the importing</a:t>
             </a:r>
           </a:p>
           <a:p>
             <a:pPr lvl="1"/>
             <a:r>
-              <a:rPr lang="en-US" dirty="0" smtClean="0"/>
-              <a:t>but some other packages / software might not, and you have to deal with this</a:t>
-            </a:r>
-          </a:p>
-          <a:p>
-            <a:r>
-              <a:rPr lang="en-US" dirty="0" smtClean="0"/>
-              <a:t>The relevant functions are </a:t>
-            </a:r>
-            <a:r>
-              <a:rPr lang="en-US" i="1" dirty="0" smtClean="0"/>
-              <a:t>gather</a:t>
-            </a:r>
-            <a:r>
-              <a:rPr lang="en-US" dirty="0" smtClean="0"/>
-              <a:t> and </a:t>
-            </a:r>
-            <a:r>
-              <a:rPr lang="en-US" i="1" dirty="0" smtClean="0"/>
-              <a:t>spread</a:t>
-            </a:r>
-            <a:r>
-              <a:rPr lang="en-US" dirty="0" smtClean="0"/>
-              <a:t>, and </a:t>
-            </a:r>
-            <a:r>
-              <a:rPr lang="en-US" i="1" dirty="0" smtClean="0"/>
-              <a:t>separate</a:t>
-            </a:r>
-            <a:endParaRPr lang="en-US" i="1" dirty="0"/>
+              <a:rPr lang="en-US" smtClean="0"/>
+              <a:t>you </a:t>
+            </a:r>
+            <a:r>
+              <a:rPr lang="en-US" smtClean="0"/>
+              <a:t>might want to </a:t>
+            </a:r>
+            <a:r>
+              <a:rPr lang="en-US" smtClean="0"/>
+              <a:t>save, edit and rerun it in </a:t>
+            </a:r>
+            <a:r>
+              <a:rPr lang="en-US" smtClean="0"/>
+              <a:t>your </a:t>
+            </a:r>
+            <a:r>
+              <a:rPr lang="en-US" smtClean="0"/>
+              <a:t>script</a:t>
+            </a:r>
+            <a:endParaRPr lang="en-US"/>
           </a:p>
         </p:txBody>
       </p:sp>
@@ -23640,13 +24107,20 @@
     </p:spTree>
     <p:extLst>
       <p:ext uri="{BB962C8B-B14F-4D97-AF65-F5344CB8AC3E}">
-        <p14:creationId xmlns:p14="http://schemas.microsoft.com/office/powerpoint/2010/main" val="915466383"/>
+        <p14:creationId xmlns:p14="http://schemas.microsoft.com/office/powerpoint/2010/main" val="1902030502"/>
       </p:ext>
     </p:extLst>
   </p:cSld>
   <p:clrMapOvr>
     <a:masterClrMapping/>
   </p:clrMapOvr>
+  <p:timing>
+    <p:tnLst>
+      <p:par>
+        <p:cTn id="1" dur="indefinite" restart="never" nodeType="tmRoot"/>
+      </p:par>
+    </p:tnLst>
+  </p:timing>
 </p:sld>
 </file>
 
@@ -23683,12 +24157,8 @@
           <a:lstStyle/>
           <a:p>
             <a:r>
-              <a:rPr lang="en-US"/>
-              <a:t>f</a:t>
-            </a:r>
-            <a:r>
               <a:rPr lang="en-US" smtClean="0"/>
-              <a:t>ilter, select, arrange</a:t>
+              <a:t>ggplot2</a:t>
             </a:r>
             <a:endParaRPr lang="en-US"/>
           </a:p>
@@ -23710,76 +24180,110 @@
           <a:lstStyle/>
           <a:p>
             <a:r>
-              <a:rPr lang="en-US" dirty="0" smtClean="0"/>
-              <a:t>Please look at the Data Wrangling cheat sheet!</a:t>
-            </a:r>
-          </a:p>
-          <a:p>
-            <a:r>
-              <a:rPr lang="en-US" i="1" dirty="0" smtClean="0"/>
-              <a:t>filter</a:t>
-            </a:r>
-            <a:r>
-              <a:rPr lang="en-US" dirty="0" smtClean="0"/>
-              <a:t> is the function in </a:t>
-            </a:r>
-            <a:r>
-              <a:rPr lang="en-US" i="1" dirty="0" err="1" smtClean="0"/>
-              <a:t>dplyr</a:t>
-            </a:r>
-            <a:r>
-              <a:rPr lang="en-US" dirty="0" smtClean="0"/>
-              <a:t> that works like subset in base R</a:t>
-            </a:r>
-          </a:p>
-          <a:p>
-            <a:pPr lvl="1"/>
-            <a:r>
-              <a:rPr lang="en-US" dirty="0" smtClean="0"/>
-              <a:t>note the ready made functions for random sampling, and extracting unique rows</a:t>
-            </a:r>
-          </a:p>
-          <a:p>
-            <a:r>
-              <a:rPr lang="en-US" i="1" dirty="0" smtClean="0"/>
-              <a:t>select</a:t>
-            </a:r>
-            <a:r>
-              <a:rPr lang="en-US" dirty="0" smtClean="0"/>
-              <a:t> is the function for selecting columns</a:t>
-            </a:r>
-          </a:p>
-          <a:p>
-            <a:pPr lvl="1"/>
-            <a:r>
-              <a:rPr lang="en-US" dirty="0" smtClean="0"/>
-              <a:t>note the helper functions</a:t>
-            </a:r>
-          </a:p>
-          <a:p>
-            <a:r>
-              <a:rPr lang="en-US" i="1" dirty="0" smtClean="0"/>
-              <a:t>arrange</a:t>
-            </a:r>
-            <a:r>
-              <a:rPr lang="en-US" dirty="0" smtClean="0"/>
-              <a:t> is the function for arranging rows according to values of a column</a:t>
-            </a:r>
-          </a:p>
-          <a:p>
-            <a:r>
-              <a:rPr lang="en-US" dirty="0" smtClean="0"/>
-              <a:t>If you only want to </a:t>
-            </a:r>
-            <a:r>
-              <a:rPr lang="en-US" b="1" dirty="0" smtClean="0"/>
-              <a:t>see</a:t>
-            </a:r>
-            <a:r>
-              <a:rPr lang="en-US" dirty="0" smtClean="0"/>
-              <a:t> the data frame filtered/arranged, you can use the buttons on the data viewer</a:t>
-            </a:r>
-            <a:endParaRPr lang="en-US" i="1" dirty="0"/>
+              <a:rPr lang="en-US" smtClean="0"/>
+              <a:t>"It's </a:t>
+            </a:r>
+            <a:r>
+              <a:rPr lang="en-US"/>
+              <a:t>hard to succintly describe how ggplot2 works because it embodies a deep philosophy of visualisation</a:t>
+            </a:r>
+            <a:r>
+              <a:rPr lang="en-US" smtClean="0"/>
+              <a:t>."</a:t>
+            </a:r>
+          </a:p>
+          <a:p>
+            <a:r>
+              <a:rPr lang="en-US" smtClean="0"/>
+              <a:t>But here's a simple example:</a:t>
+            </a:r>
+          </a:p>
+          <a:p>
+            <a:pPr marL="349200" lvl="1" indent="0">
+              <a:buNone/>
+            </a:pPr>
+            <a:r>
+              <a:rPr lang="en-US" smtClean="0"/>
+              <a:t>ggplot(iris)+</a:t>
+            </a:r>
+            <a:endParaRPr lang="en-US" smtClean="0"/>
+          </a:p>
+          <a:p>
+            <a:pPr marL="349200" lvl="1" indent="0">
+              <a:buNone/>
+            </a:pPr>
+            <a:r>
+              <a:rPr lang="en-US" smtClean="0"/>
+              <a:t>geom_points(aes(x=Sepal.Width, y=Sepal.Length, col=Species</a:t>
+            </a:r>
+            <a:r>
+              <a:rPr lang="en-US" smtClean="0"/>
+              <a:t>))</a:t>
+            </a:r>
+            <a:endParaRPr lang="en-US"/>
+          </a:p>
+          <a:p>
+            <a:r>
+              <a:rPr lang="en-US" smtClean="0"/>
+              <a:t>Think of that as saying: "Hey ggplot, I want to make a graph out of the iris data </a:t>
+            </a:r>
+            <a:r>
+              <a:rPr lang="en-US"/>
+              <a:t>set. And I want there to </a:t>
+            </a:r>
+            <a:r>
+              <a:rPr lang="en-US"/>
+              <a:t>be </a:t>
+            </a:r>
+            <a:r>
+              <a:rPr lang="en-US" smtClean="0"/>
+              <a:t>points, </a:t>
+            </a:r>
+            <a:r>
+              <a:rPr lang="en-US"/>
+              <a:t>so </a:t>
+            </a:r>
+            <a:r>
+              <a:rPr lang="en-US" smtClean="0"/>
+              <a:t>that Sepal.Width maps </a:t>
+            </a:r>
+            <a:r>
+              <a:rPr lang="en-US" smtClean="0"/>
+              <a:t>to their </a:t>
+            </a:r>
+            <a:r>
+              <a:rPr lang="en-US" smtClean="0"/>
+              <a:t>x </a:t>
+            </a:r>
+            <a:r>
+              <a:rPr lang="en-US" smtClean="0"/>
+              <a:t>coord., Sepal.Length </a:t>
+            </a:r>
+            <a:r>
+              <a:rPr lang="en-US" smtClean="0"/>
+              <a:t>to y </a:t>
+            </a:r>
+            <a:r>
+              <a:rPr lang="en-US" smtClean="0"/>
+              <a:t>coord., and Species to their color."</a:t>
+            </a:r>
+          </a:p>
+          <a:p>
+            <a:r>
+              <a:rPr lang="en-US"/>
+              <a:t>Please </a:t>
+            </a:r>
+            <a:r>
+              <a:rPr lang="en-US" smtClean="0"/>
+              <a:t>read </a:t>
+            </a:r>
+            <a:r>
+              <a:rPr lang="en-US">
+                <a:hlinkClick r:id="rId2" tooltip="http://r4ds.had.co.nz/data-visualisation.html"/>
+              </a:rPr>
+              <a:t>http://r4ds.had.co.nz/data-visualisation.html</a:t>
+            </a:r>
+            <a:endParaRPr lang="en-US" smtClean="0"/>
           </a:p>
         </p:txBody>
       </p:sp>
@@ -23841,13 +24345,20 @@
     </p:spTree>
     <p:extLst>
       <p:ext uri="{BB962C8B-B14F-4D97-AF65-F5344CB8AC3E}">
-        <p14:creationId xmlns:p14="http://schemas.microsoft.com/office/powerpoint/2010/main" val="581569891"/>
+        <p14:creationId xmlns:p14="http://schemas.microsoft.com/office/powerpoint/2010/main" val="2176735659"/>
       </p:ext>
     </p:extLst>
   </p:cSld>
   <p:clrMapOvr>
     <a:masterClrMapping/>
   </p:clrMapOvr>
+  <p:timing>
+    <p:tnLst>
+      <p:par>
+        <p:cTn id="1" dur="indefinite" restart="never" nodeType="tmRoot"/>
+      </p:par>
+    </p:tnLst>
+  </p:timing>
 </p:sld>
 </file>
 
@@ -23884,8 +24395,16 @@
           <a:lstStyle/>
           <a:p>
             <a:r>
+              <a:rPr lang="en-US"/>
+              <a:t>f</a:t>
+            </a:r>
+            <a:r>
               <a:rPr lang="en-US" smtClean="0"/>
-              <a:t>Making new variables</a:t>
+              <a:t>ilter, </a:t>
+            </a:r>
+            <a:r>
+              <a:rPr lang="en-US" smtClean="0"/>
+              <a:t>arrange, select</a:t>
             </a:r>
             <a:endParaRPr lang="en-US"/>
           </a:p>
@@ -23907,82 +24426,94 @@
           <a:lstStyle/>
           <a:p>
             <a:r>
+              <a:rPr lang="en-US" smtClean="0"/>
+              <a:t>Please read </a:t>
+            </a:r>
+            <a:r>
+              <a:rPr lang="en-US" smtClean="0">
+                <a:hlinkClick r:id="rId2"/>
+              </a:rPr>
+              <a:t>http://r4ds.had.co.nz/transform.html</a:t>
+            </a:r>
+            <a:r>
+              <a:rPr lang="en-US" smtClean="0"/>
+              <a:t> and the Data Wrangling cheat sheet</a:t>
+            </a:r>
+            <a:endParaRPr lang="en-US" dirty="0" smtClean="0"/>
+          </a:p>
+          <a:p>
+            <a:r>
               <a:rPr lang="en-US" i="1" dirty="0" smtClean="0"/>
-              <a:t>mutate</a:t>
+              <a:t>filter</a:t>
             </a:r>
             <a:r>
               <a:rPr lang="en-US" dirty="0" smtClean="0"/>
-              <a:t> is the function for creating new variables</a:t>
+              <a:t> is the function in </a:t>
+            </a:r>
+            <a:r>
+              <a:rPr lang="en-US" i="1" dirty="0" err="1" smtClean="0"/>
+              <a:t>dplyr</a:t>
+            </a:r>
+            <a:r>
+              <a:rPr lang="en-US" dirty="0" smtClean="0"/>
+              <a:t> that works like subset in base R</a:t>
             </a:r>
           </a:p>
           <a:p>
             <a:pPr lvl="1"/>
             <a:r>
               <a:rPr lang="en-US" dirty="0" smtClean="0"/>
-              <a:t>related to </a:t>
-            </a:r>
-            <a:r>
-              <a:rPr lang="en-US" i="1" dirty="0" smtClean="0"/>
-              <a:t>with</a:t>
+              <a:t>note the ready made functions for random sampling, and extracting unique rows</a:t>
+            </a:r>
+          </a:p>
+          <a:p>
+            <a:r>
+              <a:rPr lang="en-US" i="1"/>
+              <a:t>arrange</a:t>
+            </a:r>
+            <a:r>
+              <a:rPr lang="en-US"/>
+              <a:t> is the function for arranging rows according to values of </a:t>
+            </a:r>
+            <a:r>
+              <a:rPr lang="en-US"/>
+              <a:t>a </a:t>
+            </a:r>
+            <a:r>
+              <a:rPr lang="en-US" smtClean="0"/>
+              <a:t>column</a:t>
+            </a:r>
+            <a:endParaRPr lang="en-US" i="1" smtClean="0"/>
+          </a:p>
+          <a:p>
+            <a:r>
+              <a:rPr lang="en-US" i="1" smtClean="0"/>
+              <a:t>select</a:t>
+            </a:r>
+            <a:r>
+              <a:rPr lang="en-US" smtClean="0"/>
+              <a:t> </a:t>
             </a:r>
             <a:r>
               <a:rPr lang="en-US" dirty="0" smtClean="0"/>
-              <a:t> and </a:t>
-            </a:r>
-            <a:r>
-              <a:rPr lang="en-US" i="1" dirty="0" smtClean="0"/>
-              <a:t>within</a:t>
-            </a:r>
+              <a:t>is the function for selecting columns</a:t>
+            </a:r>
+          </a:p>
+          <a:p>
+            <a:pPr lvl="1"/>
             <a:r>
               <a:rPr lang="en-US" dirty="0" smtClean="0"/>
-              <a:t> functions of base R: no need for the $ notation</a:t>
-            </a:r>
-          </a:p>
-          <a:p>
-            <a:pPr lvl="1"/>
-            <a:r>
-              <a:rPr lang="en-US" dirty="0" smtClean="0"/>
-              <a:t>you can make many inside one function call, and use the new ones immediately</a:t>
-            </a:r>
-          </a:p>
-          <a:p>
-            <a:r>
-              <a:rPr lang="en-US" i="1" dirty="0" smtClean="0"/>
-              <a:t>transmute</a:t>
-            </a:r>
-            <a:r>
-              <a:rPr lang="en-US" dirty="0" smtClean="0"/>
-              <a:t> does the same but only keeps the created ones</a:t>
-            </a:r>
-          </a:p>
-          <a:p>
-            <a:r>
-              <a:rPr lang="en-US" dirty="0" smtClean="0"/>
-              <a:t>Both can be combined with </a:t>
-            </a:r>
-            <a:r>
-              <a:rPr lang="en-US" b="1" dirty="0" smtClean="0"/>
-              <a:t>window functions</a:t>
-            </a:r>
-          </a:p>
-          <a:p>
-            <a:pPr lvl="1"/>
-            <a:r>
-              <a:rPr lang="en-US" dirty="0" smtClean="0"/>
-              <a:t>these are functions that take one vector and return another of the same length</a:t>
-            </a:r>
-          </a:p>
-          <a:p>
-            <a:pPr lvl="1"/>
-            <a:r>
-              <a:rPr lang="en-US" dirty="0" smtClean="0"/>
-              <a:t>such as lags, ranks, cumulative sums </a:t>
-            </a:r>
-            <a:r>
-              <a:rPr lang="en-US" dirty="0" err="1" smtClean="0"/>
-              <a:t>etc</a:t>
-            </a:r>
-            <a:endParaRPr lang="en-US" dirty="0"/>
+              <a:t>note the </a:t>
+            </a:r>
+            <a:r>
+              <a:rPr lang="en-US" smtClean="0"/>
+              <a:t>helper </a:t>
+            </a:r>
+            <a:r>
+              <a:rPr lang="en-US" smtClean="0"/>
+              <a:t>functions</a:t>
+            </a:r>
+            <a:endParaRPr lang="en-US" dirty="0" smtClean="0"/>
           </a:p>
         </p:txBody>
       </p:sp>
@@ -24044,13 +24575,20 @@
     </p:spTree>
     <p:extLst>
       <p:ext uri="{BB962C8B-B14F-4D97-AF65-F5344CB8AC3E}">
-        <p14:creationId xmlns:p14="http://schemas.microsoft.com/office/powerpoint/2010/main" val="2924514008"/>
+        <p14:creationId xmlns:p14="http://schemas.microsoft.com/office/powerpoint/2010/main" val="581569891"/>
       </p:ext>
     </p:extLst>
   </p:cSld>
   <p:clrMapOvr>
     <a:masterClrMapping/>
   </p:clrMapOvr>
+  <p:timing>
+    <p:tnLst>
+      <p:par>
+        <p:cTn id="1" dur="indefinite" restart="never" nodeType="tmRoot"/>
+      </p:par>
+    </p:tnLst>
+  </p:timing>
 </p:sld>
 </file>
 
@@ -24981,6 +25519,52 @@
 </file>
 
 <file path=customXml/item1.xml><?xml version="1.0" encoding="utf-8"?>
+<p:properties xmlns:p="http://schemas.microsoft.com/office/2006/metadata/properties" xmlns:xsi="http://www.w3.org/2001/XMLSchema-instance" xmlns:pc="http://schemas.microsoft.com/office/infopath/2007/PartnerControls">
+  <documentManagement>
+    <PublishingRollupImage xmlns="http://schemas.microsoft.com/sharepoint/v3" xsi:nil="true"/>
+    <CSC_x0020_Language xmlns="b542780c-f3c1-48de-9090-e65480539529">
+      <Value>English</Value>
+    </CSC_x0020_Language>
+    <Translation xmlns="b542780c-f3c1-48de-9090-e65480539529">
+      <Url xsi:nil="true"/>
+      <Description xsi:nil="true"/>
+    </Translation>
+    <PublishingContactEmail xmlns="http://schemas.microsoft.com/sharepoint/v3" xsi:nil="true"/>
+    <PublishingPageContent xmlns="http://schemas.microsoft.com/sharepoint/v3" xsi:nil="true"/>
+    <PublishingVariationRelationshipLinkFieldID xmlns="http://schemas.microsoft.com/sharepoint/v3">
+      <Url xsi:nil="true"/>
+      <Description xsi:nil="true"/>
+    </PublishingVariationRelationshipLinkFieldID>
+    <CSC_x0020_Category xmlns="b542780c-f3c1-48de-9090-e65480539529">Templates</CSC_x0020_Category>
+    <SeoKeywords xmlns="http://schemas.microsoft.com/sharepoint/v3" xsi:nil="true"/>
+    <PublishingVariationGroupID xmlns="http://schemas.microsoft.com/sharepoint/v3" xsi:nil="true"/>
+    <PublishingIsFurlPage xmlns="http://schemas.microsoft.com/sharepoint/v3">false</PublishingIsFurlPage>
+    <Audience xmlns="http://schemas.microsoft.com/sharepoint/v3" xsi:nil="true"/>
+    <CSC_x0020_Group xmlns="b542780c-f3c1-48de-9090-e65480539529">MARCOM</CSC_x0020_Group>
+    <SeoBrowserTitle xmlns="http://schemas.microsoft.com/sharepoint/v3" xsi:nil="true"/>
+    <PublishingExpirationDate xmlns="http://schemas.microsoft.com/sharepoint/v3" xsi:nil="true"/>
+    <PublishingContactPicture xmlns="http://schemas.microsoft.com/sharepoint/v3">
+      <Url xsi:nil="true"/>
+      <Description xsi:nil="true"/>
+    </PublishingContactPicture>
+    <SeoRobotsNoIndex xmlns="http://schemas.microsoft.com/sharepoint/v3" xsi:nil="true"/>
+    <PublishingStartDate xmlns="http://schemas.microsoft.com/sharepoint/v3" xsi:nil="true"/>
+    <SeoMetaDescription xmlns="http://schemas.microsoft.com/sharepoint/v3" xsi:nil="true"/>
+    <PublishingContact xmlns="http://schemas.microsoft.com/sharepoint/v3">
+      <UserInfo>
+        <DisplayName/>
+        <AccountId xsi:nil="true"/>
+        <AccountType/>
+      </UserInfo>
+    </PublishingContact>
+    <PublishingContactName xmlns="http://schemas.microsoft.com/sharepoint/v3" xsi:nil="true"/>
+    <Comments xmlns="http://schemas.microsoft.com/sharepoint/v3">CSC's official PowerPoint-template
+Version 04.11.2016/Marketing and Communications</Comments>
+  </documentManagement>
+</p:properties>
+</file>
+
+<file path=customXml/item2.xml><?xml version="1.0" encoding="utf-8"?>
 <?mso-contentType ?>
 <FormTemplates xmlns="http://schemas.microsoft.com/sharepoint/v3/contenttype/forms">
   <Display>DocumentLibraryForm</Display>
@@ -24989,7 +25573,7 @@
 </FormTemplates>
 </file>
 
-<file path=customXml/item2.xml><?xml version="1.0" encoding="utf-8"?>
+<file path=customXml/item3.xml><?xml version="1.0" encoding="utf-8"?>
 <ct:contentTypeSchema xmlns:ct="http://schemas.microsoft.com/office/2006/metadata/contentType" xmlns:ma="http://schemas.microsoft.com/office/2006/metadata/properties/metaAttributes" ct:_="" ma:_="" ma:contentTypeName="Guidelines Article" ma:contentTypeID="0x010100C568DB52D9D0A14D9B2FDCC96666E9F2007948130EC3DB064584E219954237AF39005865AF1693B9994CA07D29D3EBFFF69500D5CFB1A256BDC0439FEF5B0324F021D6" ma:contentTypeVersion="30" ma:contentTypeDescription="" ma:contentTypeScope="" ma:versionID="4cb75ce876bc9bb0bf3ca65d73c8002f">
   <xsd:schema xmlns:xsd="http://www.w3.org/2001/XMLSchema" xmlns:xs="http://www.w3.org/2001/XMLSchema" xmlns:p="http://schemas.microsoft.com/office/2006/metadata/properties" xmlns:ns1="http://schemas.microsoft.com/sharepoint/v3" xmlns:ns3="b542780c-f3c1-48de-9090-e65480539529" targetNamespace="http://schemas.microsoft.com/office/2006/metadata/properties" ma:root="true" ma:fieldsID="179bbc1ef3caf76c6e1127b99eabb6f9" ns1:_="" ns3:_="">
     <xsd:import namespace="http://schemas.microsoft.com/sharepoint/v3"/>
@@ -25366,53 +25950,24 @@
 </ct:contentTypeSchema>
 </file>
 
-<file path=customXml/item3.xml><?xml version="1.0" encoding="utf-8"?>
-<p:properties xmlns:p="http://schemas.microsoft.com/office/2006/metadata/properties" xmlns:xsi="http://www.w3.org/2001/XMLSchema-instance" xmlns:pc="http://schemas.microsoft.com/office/infopath/2007/PartnerControls">
-  <documentManagement>
-    <PublishingRollupImage xmlns="http://schemas.microsoft.com/sharepoint/v3" xsi:nil="true"/>
-    <CSC_x0020_Language xmlns="b542780c-f3c1-48de-9090-e65480539529">
-      <Value>English</Value>
-    </CSC_x0020_Language>
-    <Translation xmlns="b542780c-f3c1-48de-9090-e65480539529">
-      <Url xsi:nil="true"/>
-      <Description xsi:nil="true"/>
-    </Translation>
-    <PublishingContactEmail xmlns="http://schemas.microsoft.com/sharepoint/v3" xsi:nil="true"/>
-    <PublishingPageContent xmlns="http://schemas.microsoft.com/sharepoint/v3" xsi:nil="true"/>
-    <PublishingVariationRelationshipLinkFieldID xmlns="http://schemas.microsoft.com/sharepoint/v3">
-      <Url xsi:nil="true"/>
-      <Description xsi:nil="true"/>
-    </PublishingVariationRelationshipLinkFieldID>
-    <CSC_x0020_Category xmlns="b542780c-f3c1-48de-9090-e65480539529">Templates</CSC_x0020_Category>
-    <SeoKeywords xmlns="http://schemas.microsoft.com/sharepoint/v3" xsi:nil="true"/>
-    <PublishingVariationGroupID xmlns="http://schemas.microsoft.com/sharepoint/v3" xsi:nil="true"/>
-    <PublishingIsFurlPage xmlns="http://schemas.microsoft.com/sharepoint/v3">false</PublishingIsFurlPage>
-    <Audience xmlns="http://schemas.microsoft.com/sharepoint/v3" xsi:nil="true"/>
-    <CSC_x0020_Group xmlns="b542780c-f3c1-48de-9090-e65480539529">MARCOM</CSC_x0020_Group>
-    <SeoBrowserTitle xmlns="http://schemas.microsoft.com/sharepoint/v3" xsi:nil="true"/>
-    <PublishingExpirationDate xmlns="http://schemas.microsoft.com/sharepoint/v3" xsi:nil="true"/>
-    <PublishingContactPicture xmlns="http://schemas.microsoft.com/sharepoint/v3">
-      <Url xsi:nil="true"/>
-      <Description xsi:nil="true"/>
-    </PublishingContactPicture>
-    <SeoRobotsNoIndex xmlns="http://schemas.microsoft.com/sharepoint/v3" xsi:nil="true"/>
-    <PublishingStartDate xmlns="http://schemas.microsoft.com/sharepoint/v3" xsi:nil="true"/>
-    <SeoMetaDescription xmlns="http://schemas.microsoft.com/sharepoint/v3" xsi:nil="true"/>
-    <PublishingContact xmlns="http://schemas.microsoft.com/sharepoint/v3">
-      <UserInfo>
-        <DisplayName/>
-        <AccountId xsi:nil="true"/>
-        <AccountType/>
-      </UserInfo>
-    </PublishingContact>
-    <PublishingContactName xmlns="http://schemas.microsoft.com/sharepoint/v3" xsi:nil="true"/>
-    <Comments xmlns="http://schemas.microsoft.com/sharepoint/v3">CSC's official PowerPoint-template
-Version 04.11.2016/Marketing and Communications</Comments>
-  </documentManagement>
-</p:properties>
+<file path=customXml/itemProps1.xml><?xml version="1.0" encoding="utf-8"?>
+<ds:datastoreItem xmlns:ds="http://schemas.openxmlformats.org/officeDocument/2006/customXml" ds:itemID="{47279921-A1B4-472D-B7BD-F638B6892104}">
+  <ds:schemaRefs>
+    <ds:schemaRef ds:uri="b542780c-f3c1-48de-9090-e65480539529"/>
+    <ds:schemaRef ds:uri="http://www.w3.org/XML/1998/namespace"/>
+    <ds:schemaRef ds:uri="http://schemas.microsoft.com/office/2006/documentManagement/types"/>
+    <ds:schemaRef ds:uri="http://purl.org/dc/terms/"/>
+    <ds:schemaRef ds:uri="http://purl.org/dc/elements/1.1/"/>
+    <ds:schemaRef ds:uri="http://schemas.openxmlformats.org/package/2006/metadata/core-properties"/>
+    <ds:schemaRef ds:uri="http://schemas.microsoft.com/office/infopath/2007/PartnerControls"/>
+    <ds:schemaRef ds:uri="http://schemas.microsoft.com/sharepoint/v3"/>
+    <ds:schemaRef ds:uri="http://schemas.microsoft.com/office/2006/metadata/properties"/>
+    <ds:schemaRef ds:uri="http://purl.org/dc/dcmitype/"/>
+  </ds:schemaRefs>
+</ds:datastoreItem>
 </file>
 
-<file path=customXml/itemProps1.xml><?xml version="1.0" encoding="utf-8"?>
+<file path=customXml/itemProps2.xml><?xml version="1.0" encoding="utf-8"?>
 <ds:datastoreItem xmlns:ds="http://schemas.openxmlformats.org/officeDocument/2006/customXml" ds:itemID="{D4C4CBFC-2EF1-4092-8F2F-5A5B86A85C2F}">
   <ds:schemaRefs>
     <ds:schemaRef ds:uri="http://schemas.microsoft.com/sharepoint/v3/contenttype/forms"/>
@@ -25420,7 +25975,7 @@
 </ds:datastoreItem>
 </file>
 
-<file path=customXml/itemProps2.xml><?xml version="1.0" encoding="utf-8"?>
+<file path=customXml/itemProps3.xml><?xml version="1.0" encoding="utf-8"?>
 <ds:datastoreItem xmlns:ds="http://schemas.openxmlformats.org/officeDocument/2006/customXml" ds:itemID="{652D4B87-A129-49B6-A00B-E280DAE4F0D2}">
   <ds:schemaRefs>
     <ds:schemaRef ds:uri="http://schemas.microsoft.com/office/2006/metadata/contentType"/>
@@ -25437,21 +25992,4 @@
     <ds:schemaRef ds:uri="http://schemas.microsoft.com/internal/obd"/>
   </ds:schemaRefs>
 </ds:datastoreItem>
-</file>
-
-<file path=customXml/itemProps3.xml><?xml version="1.0" encoding="utf-8"?>
-<ds:datastoreItem xmlns:ds="http://schemas.openxmlformats.org/officeDocument/2006/customXml" ds:itemID="{47279921-A1B4-472D-B7BD-F638B6892104}">
-  <ds:schemaRefs>
-    <ds:schemaRef ds:uri="b542780c-f3c1-48de-9090-e65480539529"/>
-    <ds:schemaRef ds:uri="http://www.w3.org/XML/1998/namespace"/>
-    <ds:schemaRef ds:uri="http://schemas.microsoft.com/office/2006/documentManagement/types"/>
-    <ds:schemaRef ds:uri="http://purl.org/dc/terms/"/>
-    <ds:schemaRef ds:uri="http://purl.org/dc/elements/1.1/"/>
-    <ds:schemaRef ds:uri="http://schemas.openxmlformats.org/package/2006/metadata/core-properties"/>
-    <ds:schemaRef ds:uri="http://schemas.microsoft.com/office/infopath/2007/PartnerControls"/>
-    <ds:schemaRef ds:uri="http://schemas.microsoft.com/sharepoint/v3"/>
-    <ds:schemaRef ds:uri="http://schemas.microsoft.com/office/2006/metadata/properties"/>
-    <ds:schemaRef ds:uri="http://purl.org/dc/dcmitype/"/>
-  </ds:schemaRefs>
-</ds:datastoreItem>
 </file>
--- a/wrangling_with_r.pptx
+++ b/wrangling_with_r.pptx
@@ -288,7 +288,7 @@
               <a:pPr>
                 <a:defRPr/>
               </a:pPr>
-              <a:t>4/5/2017</a:t>
+              <a:t>6/28/2017</a:t>
             </a:fld>
             <a:endParaRPr lang="en-US" dirty="0">
               <a:latin typeface="Corbel"/>
@@ -520,7 +520,7 @@
               <a:pPr>
                 <a:defRPr/>
               </a:pPr>
-              <a:t>4/5/2017</a:t>
+              <a:t>6/28/2017</a:t>
             </a:fld>
             <a:endParaRPr lang="en-US" dirty="0"/>
           </a:p>
@@ -10473,14 +10473,14 @@
           </a:ln>
           <a:extLst>
             <a:ext uri="{909E8E84-426E-40dd-AFC4-6F175D3DCCD1}">
-              <a14:hiddenFill xmlns="" xmlns:a14="http://schemas.microsoft.com/office/drawing/2010/main">
+              <a14:hiddenFill xmlns:a14="http://schemas.microsoft.com/office/drawing/2010/main" xmlns="">
                 <a:solidFill>
                   <a:srgbClr val="FFFFFF"/>
                 </a:solidFill>
               </a14:hiddenFill>
             </a:ext>
             <a:ext uri="{91240B29-F687-4f45-9708-019B960494DF}">
-              <a14:hiddenLine xmlns="" xmlns:a14="http://schemas.microsoft.com/office/drawing/2010/main" w="9525">
+              <a14:hiddenLine xmlns:a14="http://schemas.microsoft.com/office/drawing/2010/main" xmlns="" w="9525">
                 <a:solidFill>
                   <a:srgbClr val="000000"/>
                 </a:solidFill>
@@ -10490,7 +10490,7 @@
               </a14:hiddenLine>
             </a:ext>
             <a:ext uri="{FAA26D3D-D897-4be2-8F04-BA451C77F1D7}">
-              <ma14:placeholderFlag xmlns="" xmlns:ma14="http://schemas.microsoft.com/office/mac/drawingml/2011/main" val="1"/>
+              <ma14:placeholderFlag xmlns:ma14="http://schemas.microsoft.com/office/mac/drawingml/2011/main" xmlns="" val="1"/>
             </a:ext>
           </a:extLst>
         </p:spPr>
@@ -13751,7 +13751,7 @@
             <a:effectLst/>
             <a:extLst>
               <a:ext uri="{91240B29-F687-4f45-9708-019B960494DF}">
-                <a14:hiddenLine xmlns="" xmlns:a14="http://schemas.microsoft.com/office/drawing/2010/main" w="9525" cap="flat">
+                <a14:hiddenLine xmlns:a14="http://schemas.microsoft.com/office/drawing/2010/main" xmlns="" w="9525" cap="flat">
                   <a:solidFill>
                     <a:srgbClr val="808080"/>
                   </a:solidFill>
@@ -13761,7 +13761,7 @@
                 </a14:hiddenLine>
               </a:ext>
               <a:ext uri="{AF507438-7753-43e0-B8FC-AC1667EBCBE1}">
-                <a14:hiddenEffects xmlns="" xmlns:a14="http://schemas.microsoft.com/office/drawing/2010/main">
+                <a14:hiddenEffects xmlns:a14="http://schemas.microsoft.com/office/drawing/2010/main" xmlns="">
                   <a:effectLst>
                     <a:outerShdw blurRad="63500" dist="38099" dir="2700000" algn="ctr" rotWithShape="0">
                       <a:srgbClr val="000000">
@@ -13959,7 +13959,7 @@
             <a:effectLst/>
             <a:extLst>
               <a:ext uri="{91240B29-F687-4f45-9708-019B960494DF}">
-                <a14:hiddenLine xmlns="" xmlns:a14="http://schemas.microsoft.com/office/drawing/2010/main" w="9525" cap="flat">
+                <a14:hiddenLine xmlns:a14="http://schemas.microsoft.com/office/drawing/2010/main" xmlns="" w="9525" cap="flat">
                   <a:solidFill>
                     <a:srgbClr val="808080"/>
                   </a:solidFill>
@@ -13969,7 +13969,7 @@
                 </a14:hiddenLine>
               </a:ext>
               <a:ext uri="{AF507438-7753-43e0-B8FC-AC1667EBCBE1}">
-                <a14:hiddenEffects xmlns="" xmlns:a14="http://schemas.microsoft.com/office/drawing/2010/main">
+                <a14:hiddenEffects xmlns:a14="http://schemas.microsoft.com/office/drawing/2010/main" xmlns="">
                   <a:effectLst>
                     <a:outerShdw blurRad="63500" dist="38099" dir="2700000" algn="ctr" rotWithShape="0">
                       <a:srgbClr val="000000">
@@ -14088,7 +14088,7 @@
             <a:effectLst/>
             <a:extLst>
               <a:ext uri="{91240B29-F687-4f45-9708-019B960494DF}">
-                <a14:hiddenLine xmlns="" xmlns:a14="http://schemas.microsoft.com/office/drawing/2010/main" w="9525" cap="flat">
+                <a14:hiddenLine xmlns:a14="http://schemas.microsoft.com/office/drawing/2010/main" xmlns="" w="9525" cap="flat">
                   <a:solidFill>
                     <a:srgbClr val="808080"/>
                   </a:solidFill>
@@ -14098,7 +14098,7 @@
                 </a14:hiddenLine>
               </a:ext>
               <a:ext uri="{AF507438-7753-43e0-B8FC-AC1667EBCBE1}">
-                <a14:hiddenEffects xmlns="" xmlns:a14="http://schemas.microsoft.com/office/drawing/2010/main">
+                <a14:hiddenEffects xmlns:a14="http://schemas.microsoft.com/office/drawing/2010/main" xmlns="">
                   <a:effectLst>
                     <a:outerShdw blurRad="63500" dist="38099" dir="2700000" algn="ctr" rotWithShape="0">
                       <a:srgbClr val="000000">
@@ -14370,7 +14370,7 @@
             <a:effectLst/>
             <a:extLst>
               <a:ext uri="{91240B29-F687-4f45-9708-019B960494DF}">
-                <a14:hiddenLine xmlns="" xmlns:a14="http://schemas.microsoft.com/office/drawing/2010/main" w="9525" cap="flat">
+                <a14:hiddenLine xmlns:a14="http://schemas.microsoft.com/office/drawing/2010/main" xmlns="" w="9525" cap="flat">
                   <a:solidFill>
                     <a:srgbClr val="808080"/>
                   </a:solidFill>
@@ -14380,7 +14380,7 @@
                 </a14:hiddenLine>
               </a:ext>
               <a:ext uri="{AF507438-7753-43e0-B8FC-AC1667EBCBE1}">
-                <a14:hiddenEffects xmlns="" xmlns:a14="http://schemas.microsoft.com/office/drawing/2010/main">
+                <a14:hiddenEffects xmlns:a14="http://schemas.microsoft.com/office/drawing/2010/main" xmlns="">
                   <a:effectLst>
                     <a:outerShdw blurRad="63500" dist="38099" dir="2700000" algn="ctr" rotWithShape="0">
                       <a:srgbClr val="000000">
@@ -14499,7 +14499,7 @@
             <a:effectLst/>
             <a:extLst>
               <a:ext uri="{91240B29-F687-4f45-9708-019B960494DF}">
-                <a14:hiddenLine xmlns="" xmlns:a14="http://schemas.microsoft.com/office/drawing/2010/main" w="9525" cap="flat">
+                <a14:hiddenLine xmlns:a14="http://schemas.microsoft.com/office/drawing/2010/main" xmlns="" w="9525" cap="flat">
                   <a:solidFill>
                     <a:srgbClr val="808080"/>
                   </a:solidFill>
@@ -14509,7 +14509,7 @@
                 </a14:hiddenLine>
               </a:ext>
               <a:ext uri="{AF507438-7753-43e0-B8FC-AC1667EBCBE1}">
-                <a14:hiddenEffects xmlns="" xmlns:a14="http://schemas.microsoft.com/office/drawing/2010/main">
+                <a14:hiddenEffects xmlns:a14="http://schemas.microsoft.com/office/drawing/2010/main" xmlns="">
                   <a:effectLst>
                     <a:outerShdw blurRad="63500" dist="38099" dir="2700000" algn="ctr" rotWithShape="0">
                       <a:srgbClr val="000000">
@@ -14695,7 +14695,7 @@
             <a:effectLst/>
             <a:extLst>
               <a:ext uri="{91240B29-F687-4f45-9708-019B960494DF}">
-                <a14:hiddenLine xmlns="" xmlns:a14="http://schemas.microsoft.com/office/drawing/2010/main" w="9525" cap="flat">
+                <a14:hiddenLine xmlns:a14="http://schemas.microsoft.com/office/drawing/2010/main" xmlns="" w="9525" cap="flat">
                   <a:solidFill>
                     <a:srgbClr val="808080"/>
                   </a:solidFill>
@@ -14705,7 +14705,7 @@
                 </a14:hiddenLine>
               </a:ext>
               <a:ext uri="{AF507438-7753-43e0-B8FC-AC1667EBCBE1}">
-                <a14:hiddenEffects xmlns="" xmlns:a14="http://schemas.microsoft.com/office/drawing/2010/main">
+                <a14:hiddenEffects xmlns:a14="http://schemas.microsoft.com/office/drawing/2010/main" xmlns="">
                   <a:effectLst>
                     <a:outerShdw blurRad="63500" dist="38099" dir="2700000" algn="ctr" rotWithShape="0">
                       <a:srgbClr val="000000">
@@ -14931,7 +14931,7 @@
             <a:effectLst/>
             <a:extLst>
               <a:ext uri="{91240B29-F687-4f45-9708-019B960494DF}">
-                <a14:hiddenLine xmlns="" xmlns:a14="http://schemas.microsoft.com/office/drawing/2010/main" w="9525" cap="flat">
+                <a14:hiddenLine xmlns:a14="http://schemas.microsoft.com/office/drawing/2010/main" xmlns="" w="9525" cap="flat">
                   <a:solidFill>
                     <a:srgbClr val="808080"/>
                   </a:solidFill>
@@ -14941,7 +14941,7 @@
                 </a14:hiddenLine>
               </a:ext>
               <a:ext uri="{AF507438-7753-43e0-B8FC-AC1667EBCBE1}">
-                <a14:hiddenEffects xmlns="" xmlns:a14="http://schemas.microsoft.com/office/drawing/2010/main">
+                <a14:hiddenEffects xmlns:a14="http://schemas.microsoft.com/office/drawing/2010/main" xmlns="">
                   <a:effectLst>
                     <a:outerShdw blurRad="63500" dist="38099" dir="2700000" algn="ctr" rotWithShape="0">
                       <a:srgbClr val="000000">
@@ -15079,7 +15079,7 @@
             <a:effectLst/>
             <a:extLst>
               <a:ext uri="{91240B29-F687-4f45-9708-019B960494DF}">
-                <a14:hiddenLine xmlns="" xmlns:a14="http://schemas.microsoft.com/office/drawing/2010/main" w="9525" cap="flat">
+                <a14:hiddenLine xmlns:a14="http://schemas.microsoft.com/office/drawing/2010/main" xmlns="" w="9525" cap="flat">
                   <a:solidFill>
                     <a:srgbClr val="808080"/>
                   </a:solidFill>
@@ -15089,7 +15089,7 @@
                 </a14:hiddenLine>
               </a:ext>
               <a:ext uri="{AF507438-7753-43e0-B8FC-AC1667EBCBE1}">
-                <a14:hiddenEffects xmlns="" xmlns:a14="http://schemas.microsoft.com/office/drawing/2010/main">
+                <a14:hiddenEffects xmlns:a14="http://schemas.microsoft.com/office/drawing/2010/main" xmlns="">
                   <a:effectLst>
                     <a:outerShdw blurRad="63500" dist="38099" dir="2700000" algn="ctr" rotWithShape="0">
                       <a:srgbClr val="000000">
@@ -15375,7 +15375,7 @@
             <a:effectLst/>
             <a:extLst>
               <a:ext uri="{91240B29-F687-4f45-9708-019B960494DF}">
-                <a14:hiddenLine xmlns="" xmlns:a14="http://schemas.microsoft.com/office/drawing/2010/main" w="9525" cap="flat">
+                <a14:hiddenLine xmlns:a14="http://schemas.microsoft.com/office/drawing/2010/main" xmlns="" w="9525" cap="flat">
                   <a:solidFill>
                     <a:srgbClr val="808080"/>
                   </a:solidFill>
@@ -15385,7 +15385,7 @@
                 </a14:hiddenLine>
               </a:ext>
               <a:ext uri="{AF507438-7753-43e0-B8FC-AC1667EBCBE1}">
-                <a14:hiddenEffects xmlns="" xmlns:a14="http://schemas.microsoft.com/office/drawing/2010/main">
+                <a14:hiddenEffects xmlns:a14="http://schemas.microsoft.com/office/drawing/2010/main" xmlns="">
                   <a:effectLst>
                     <a:outerShdw blurRad="63500" dist="38099" dir="2700000" algn="ctr" rotWithShape="0">
                       <a:srgbClr val="000000">
@@ -15623,7 +15623,7 @@
             <a:effectLst/>
             <a:extLst>
               <a:ext uri="{91240B29-F687-4f45-9708-019B960494DF}">
-                <a14:hiddenLine xmlns="" xmlns:a14="http://schemas.microsoft.com/office/drawing/2010/main" w="9525" cap="flat">
+                <a14:hiddenLine xmlns:a14="http://schemas.microsoft.com/office/drawing/2010/main" xmlns="" w="9525" cap="flat">
                   <a:solidFill>
                     <a:srgbClr val="808080"/>
                   </a:solidFill>
@@ -15633,7 +15633,7 @@
                 </a14:hiddenLine>
               </a:ext>
               <a:ext uri="{AF507438-7753-43e0-B8FC-AC1667EBCBE1}">
-                <a14:hiddenEffects xmlns="" xmlns:a14="http://schemas.microsoft.com/office/drawing/2010/main">
+                <a14:hiddenEffects xmlns:a14="http://schemas.microsoft.com/office/drawing/2010/main" xmlns="">
                   <a:effectLst>
                     <a:outerShdw blurRad="63500" dist="38099" dir="2700000" algn="ctr" rotWithShape="0">
                       <a:srgbClr val="000000">
@@ -15819,7 +15819,7 @@
             <a:effectLst/>
             <a:extLst>
               <a:ext uri="{91240B29-F687-4f45-9708-019B960494DF}">
-                <a14:hiddenLine xmlns="" xmlns:a14="http://schemas.microsoft.com/office/drawing/2010/main" w="9525" cap="flat">
+                <a14:hiddenLine xmlns:a14="http://schemas.microsoft.com/office/drawing/2010/main" xmlns="" w="9525" cap="flat">
                   <a:solidFill>
                     <a:srgbClr val="808080"/>
                   </a:solidFill>
@@ -15829,7 +15829,7 @@
                 </a14:hiddenLine>
               </a:ext>
               <a:ext uri="{AF507438-7753-43e0-B8FC-AC1667EBCBE1}">
-                <a14:hiddenEffects xmlns="" xmlns:a14="http://schemas.microsoft.com/office/drawing/2010/main">
+                <a14:hiddenEffects xmlns:a14="http://schemas.microsoft.com/office/drawing/2010/main" xmlns="">
                   <a:effectLst>
                     <a:outerShdw blurRad="63500" dist="38099" dir="2700000" algn="ctr" rotWithShape="0">
                       <a:srgbClr val="000000">
@@ -15957,7 +15957,7 @@
             <a:effectLst/>
             <a:extLst>
               <a:ext uri="{91240B29-F687-4f45-9708-019B960494DF}">
-                <a14:hiddenLine xmlns="" xmlns:a14="http://schemas.microsoft.com/office/drawing/2010/main" w="9525" cap="flat">
+                <a14:hiddenLine xmlns:a14="http://schemas.microsoft.com/office/drawing/2010/main" xmlns="" w="9525" cap="flat">
                   <a:solidFill>
                     <a:srgbClr val="808080"/>
                   </a:solidFill>
@@ -15967,7 +15967,7 @@
                 </a14:hiddenLine>
               </a:ext>
               <a:ext uri="{AF507438-7753-43e0-B8FC-AC1667EBCBE1}">
-                <a14:hiddenEffects xmlns="" xmlns:a14="http://schemas.microsoft.com/office/drawing/2010/main">
+                <a14:hiddenEffects xmlns:a14="http://schemas.microsoft.com/office/drawing/2010/main" xmlns="">
                   <a:effectLst>
                     <a:outerShdw blurRad="63500" dist="38099" dir="2700000" algn="ctr" rotWithShape="0">
                       <a:srgbClr val="000000">
@@ -16086,7 +16086,7 @@
             <a:effectLst/>
             <a:extLst>
               <a:ext uri="{91240B29-F687-4f45-9708-019B960494DF}">
-                <a14:hiddenLine xmlns="" xmlns:a14="http://schemas.microsoft.com/office/drawing/2010/main" w="9525" cap="flat">
+                <a14:hiddenLine xmlns:a14="http://schemas.microsoft.com/office/drawing/2010/main" xmlns="" w="9525" cap="flat">
                   <a:solidFill>
                     <a:srgbClr val="808080"/>
                   </a:solidFill>
@@ -16096,7 +16096,7 @@
                 </a14:hiddenLine>
               </a:ext>
               <a:ext uri="{AF507438-7753-43e0-B8FC-AC1667EBCBE1}">
-                <a14:hiddenEffects xmlns="" xmlns:a14="http://schemas.microsoft.com/office/drawing/2010/main">
+                <a14:hiddenEffects xmlns:a14="http://schemas.microsoft.com/office/drawing/2010/main" xmlns="">
                   <a:effectLst>
                     <a:outerShdw blurRad="63500" dist="38099" dir="2700000" algn="ctr" rotWithShape="0">
                       <a:srgbClr val="000000">
@@ -16242,7 +16242,7 @@
             <a:effectLst/>
             <a:extLst>
               <a:ext uri="{91240B29-F687-4f45-9708-019B960494DF}">
-                <a14:hiddenLine xmlns="" xmlns:a14="http://schemas.microsoft.com/office/drawing/2010/main" w="9525" cap="flat">
+                <a14:hiddenLine xmlns:a14="http://schemas.microsoft.com/office/drawing/2010/main" xmlns="" w="9525" cap="flat">
                   <a:solidFill>
                     <a:srgbClr val="808080"/>
                   </a:solidFill>
@@ -16252,7 +16252,7 @@
                 </a14:hiddenLine>
               </a:ext>
               <a:ext uri="{AF507438-7753-43e0-B8FC-AC1667EBCBE1}">
-                <a14:hiddenEffects xmlns="" xmlns:a14="http://schemas.microsoft.com/office/drawing/2010/main">
+                <a14:hiddenEffects xmlns:a14="http://schemas.microsoft.com/office/drawing/2010/main" xmlns="">
                   <a:effectLst>
                     <a:outerShdw blurRad="63500" dist="38099" dir="2700000" algn="ctr" rotWithShape="0">
                       <a:srgbClr val="000000">
@@ -16432,7 +16432,7 @@
             <a:effectLst/>
             <a:extLst>
               <a:ext uri="{91240B29-F687-4f45-9708-019B960494DF}">
-                <a14:hiddenLine xmlns="" xmlns:a14="http://schemas.microsoft.com/office/drawing/2010/main" w="9525" cap="flat">
+                <a14:hiddenLine xmlns:a14="http://schemas.microsoft.com/office/drawing/2010/main" xmlns="" w="9525" cap="flat">
                   <a:solidFill>
                     <a:srgbClr val="808080"/>
                   </a:solidFill>
@@ -16442,7 +16442,7 @@
                 </a14:hiddenLine>
               </a:ext>
               <a:ext uri="{AF507438-7753-43e0-B8FC-AC1667EBCBE1}">
-                <a14:hiddenEffects xmlns="" xmlns:a14="http://schemas.microsoft.com/office/drawing/2010/main">
+                <a14:hiddenEffects xmlns:a14="http://schemas.microsoft.com/office/drawing/2010/main" xmlns="">
                   <a:effectLst>
                     <a:outerShdw blurRad="63500" dist="38099" dir="2700000" algn="ctr" rotWithShape="0">
                       <a:srgbClr val="000000">
@@ -19916,14 +19916,14 @@
           </a:ln>
           <a:extLst>
             <a:ext uri="{909E8E84-426E-40dd-AFC4-6F175D3DCCD1}">
-              <a14:hiddenFill xmlns="" xmlns:a14="http://schemas.microsoft.com/office/drawing/2010/main">
+              <a14:hiddenFill xmlns:a14="http://schemas.microsoft.com/office/drawing/2010/main" xmlns="">
                 <a:solidFill>
                   <a:srgbClr val="FFFFFF"/>
                 </a:solidFill>
               </a14:hiddenFill>
             </a:ext>
             <a:ext uri="{91240B29-F687-4f45-9708-019B960494DF}">
-              <a14:hiddenLine xmlns="" xmlns:a14="http://schemas.microsoft.com/office/drawing/2010/main" w="9525">
+              <a14:hiddenLine xmlns:a14="http://schemas.microsoft.com/office/drawing/2010/main" xmlns="" w="9525">
                 <a:solidFill>
                   <a:srgbClr val="000000"/>
                 </a:solidFill>
@@ -19933,7 +19933,7 @@
               </a14:hiddenLine>
             </a:ext>
             <a:ext uri="{FAA26D3D-D897-4be2-8F04-BA451C77F1D7}">
-              <ma14:placeholderFlag xmlns="" xmlns:ma14="http://schemas.microsoft.com/office/mac/drawingml/2011/main" val="1"/>
+              <ma14:placeholderFlag xmlns:ma14="http://schemas.microsoft.com/office/mac/drawingml/2011/main" xmlns="" val="1"/>
             </a:ext>
           </a:extLst>
         </p:spPr>
@@ -19978,14 +19978,14 @@
           </a:ln>
           <a:extLst>
             <a:ext uri="{909E8E84-426E-40dd-AFC4-6F175D3DCCD1}">
-              <a14:hiddenFill xmlns="" xmlns:a14="http://schemas.microsoft.com/office/drawing/2010/main">
+              <a14:hiddenFill xmlns:a14="http://schemas.microsoft.com/office/drawing/2010/main" xmlns="">
                 <a:solidFill>
                   <a:srgbClr val="FFFFFF"/>
                 </a:solidFill>
               </a14:hiddenFill>
             </a:ext>
             <a:ext uri="{91240B29-F687-4f45-9708-019B960494DF}">
-              <a14:hiddenLine xmlns="" xmlns:a14="http://schemas.microsoft.com/office/drawing/2010/main" w="9525">
+              <a14:hiddenLine xmlns:a14="http://schemas.microsoft.com/office/drawing/2010/main" xmlns="" w="9525">
                 <a:solidFill>
                   <a:srgbClr val="000000"/>
                 </a:solidFill>
@@ -19995,7 +19995,7 @@
               </a14:hiddenLine>
             </a:ext>
             <a:ext uri="{FAA26D3D-D897-4be2-8F04-BA451C77F1D7}">
-              <ma14:placeholderFlag xmlns="" xmlns:ma14="http://schemas.microsoft.com/office/mac/drawingml/2011/main" val="1"/>
+              <ma14:placeholderFlag xmlns:ma14="http://schemas.microsoft.com/office/mac/drawingml/2011/main" xmlns="" val="1"/>
             </a:ext>
           </a:extLst>
         </p:spPr>
@@ -21935,6 +21935,13 @@
   <p:clrMapOvr>
     <a:masterClrMapping/>
   </p:clrMapOvr>
+  <p:timing>
+    <p:tnLst>
+      <p:par>
+        <p:cTn id="1" dur="indefinite" restart="never" nodeType="tmRoot"/>
+      </p:par>
+    </p:tnLst>
+  </p:timing>
 </p:sld>
 </file>
 
@@ -22171,6 +22178,13 @@
   <p:clrMapOvr>
     <a:masterClrMapping/>
   </p:clrMapOvr>
+  <p:timing>
+    <p:tnLst>
+      <p:par>
+        <p:cTn id="1" dur="indefinite" restart="never" nodeType="tmRoot"/>
+      </p:par>
+    </p:tnLst>
+  </p:timing>
 </p:sld>
 </file>
 
@@ -22295,11 +22309,7 @@
             </a:br>
             <a:r>
               <a:rPr lang="en-US" i="1"/>
-              <a:t>firstfun(x) </a:t>
-            </a:r>
-            <a:r>
-              <a:rPr lang="en-US" i="1"/>
-              <a:t>%&gt;% </a:t>
+              <a:t>firstfun(x) %&gt;% </a:t>
             </a:r>
             <a:r>
               <a:rPr lang="en-US" i="1" smtClean="0"/>
@@ -22381,6 +22391,13 @@
   <p:clrMapOvr>
     <a:masterClrMapping/>
   </p:clrMapOvr>
+  <p:timing>
+    <p:tnLst>
+      <p:par>
+        <p:cTn id="1" dur="indefinite" restart="never" nodeType="tmRoot"/>
+      </p:par>
+    </p:tnLst>
+  </p:timing>
 </p:sld>
 </file>
 
@@ -22807,6 +22824,13 @@
   <p:clrMapOvr>
     <a:masterClrMapping/>
   </p:clrMapOvr>
+  <p:timing>
+    <p:tnLst>
+      <p:par>
+        <p:cTn id="1" dur="indefinite" restart="never" nodeType="tmRoot"/>
+      </p:par>
+    </p:tnLst>
+  </p:timing>
 </p:sld>
 </file>
 
@@ -22909,6 +22933,13 @@
   <p:clrMapOvr>
     <a:masterClrMapping/>
   </p:clrMapOvr>
+  <p:timing>
+    <p:tnLst>
+      <p:par>
+        <p:cTn id="1" dur="indefinite" restart="never" nodeType="tmRoot"/>
+      </p:par>
+    </p:tnLst>
+  </p:timing>
 </p:sld>
 </file>
 
@@ -23057,6 +23088,13 @@
   <p:clrMapOvr>
     <a:masterClrMapping/>
   </p:clrMapOvr>
+  <p:timing>
+    <p:tnLst>
+      <p:par>
+        <p:cTn id="1" dur="indefinite" restart="never" nodeType="tmRoot"/>
+      </p:par>
+    </p:tnLst>
+  </p:timing>
 </p:sld>
 </file>
 
@@ -23155,11 +23193,7 @@
             </a:r>
             <a:r>
               <a:rPr lang="en-US" smtClean="0"/>
-              <a:t>: </a:t>
-            </a:r>
-            <a:r>
-              <a:rPr lang="en-US" smtClean="0"/>
-              <a:t>plots, help, file viewer, package viewer</a:t>
+              <a:t>: plots, help, file viewer, package viewer</a:t>
             </a:r>
             <a:endParaRPr lang="en-US" dirty="0" smtClean="0"/>
           </a:p>
@@ -23251,6 +23285,13 @@
   <p:clrMapOvr>
     <a:masterClrMapping/>
   </p:clrMapOvr>
+  <p:timing>
+    <p:tnLst>
+      <p:par>
+        <p:cTn id="1" dur="indefinite" restart="never" nodeType="tmRoot"/>
+      </p:par>
+    </p:tnLst>
+  </p:timing>
 </p:sld>
 </file>
 
@@ -23382,11 +23423,7 @@
             </a:r>
             <a:r>
               <a:rPr lang="en-US" smtClean="0"/>
-              <a:t>every </a:t>
-            </a:r>
-            <a:r>
-              <a:rPr lang="en-US" smtClean="0"/>
-              <a:t>time</a:t>
+              <a:t>every time</a:t>
             </a:r>
           </a:p>
           <a:p>
@@ -23464,6 +23501,13 @@
   <p:clrMapOvr>
     <a:masterClrMapping/>
   </p:clrMapOvr>
+  <p:timing>
+    <p:tnLst>
+      <p:par>
+        <p:cTn id="1" dur="indefinite" restart="never" nodeType="tmRoot"/>
+      </p:par>
+    </p:tnLst>
+  </p:timing>
 </p:sld>
 </file>
 
@@ -23637,6 +23681,13 @@
   <p:clrMapOvr>
     <a:masterClrMapping/>
   </p:clrMapOvr>
+  <p:timing>
+    <p:tnLst>
+      <p:par>
+        <p:cTn id="1" dur="indefinite" restart="never" nodeType="tmRoot"/>
+      </p:par>
+    </p:tnLst>
+  </p:timing>
 </p:sld>
 </file>
 
@@ -23902,6 +23953,13 @@
   <p:clrMapOvr>
     <a:masterClrMapping/>
   </p:clrMapOvr>
+  <p:timing>
+    <p:tnLst>
+      <p:par>
+        <p:cTn id="1" dur="indefinite" restart="never" nodeType="tmRoot"/>
+      </p:par>
+    </p:tnLst>
+  </p:timing>
 </p:sld>
 </file>
 
@@ -23975,11 +24033,7 @@
           <a:p>
             <a:r>
               <a:rPr lang="en-US" smtClean="0"/>
-              <a:t>You can make several choices on the wizard, about delimiters, encoding, etc</a:t>
-            </a:r>
-            <a:r>
-              <a:rPr lang="en-US" smtClean="0"/>
-              <a:t>.</a:t>
+              <a:t>You can make several choices on the wizard, about delimiters, encoding, etc.</a:t>
             </a:r>
           </a:p>
           <a:p>
@@ -24003,47 +24057,18 @@
               <a:rPr lang="en-US" smtClean="0"/>
               <a:t>things like row names will be a problem </a:t>
             </a:r>
-            <a:endParaRPr lang="en-US" smtClean="0"/>
           </a:p>
           <a:p>
             <a:r>
               <a:rPr lang="en-US" smtClean="0"/>
-              <a:t>the </a:t>
-            </a:r>
+              <a:t>the wizard creates a piece of code that will actually do the importing</a:t>
+            </a:r>
+          </a:p>
+          <a:p>
+            <a:pPr lvl="1"/>
             <a:r>
               <a:rPr lang="en-US" smtClean="0"/>
-              <a:t>wizard creates </a:t>
-            </a:r>
-            <a:r>
-              <a:rPr lang="en-US" smtClean="0"/>
-              <a:t>a piece of code that </a:t>
-            </a:r>
-            <a:r>
-              <a:rPr lang="en-US" smtClean="0"/>
-              <a:t>will actually do the importing</a:t>
-            </a:r>
-          </a:p>
-          <a:p>
-            <a:pPr lvl="1"/>
-            <a:r>
-              <a:rPr lang="en-US" smtClean="0"/>
-              <a:t>you </a:t>
-            </a:r>
-            <a:r>
-              <a:rPr lang="en-US" smtClean="0"/>
-              <a:t>might want to </a:t>
-            </a:r>
-            <a:r>
-              <a:rPr lang="en-US" smtClean="0"/>
-              <a:t>save, edit and rerun it in </a:t>
-            </a:r>
-            <a:r>
-              <a:rPr lang="en-US" smtClean="0"/>
-              <a:t>your </a:t>
-            </a:r>
-            <a:r>
-              <a:rPr lang="en-US" smtClean="0"/>
-              <a:t>script</a:t>
+              <a:t>you might want to save, edit and rerun it in your script</a:t>
             </a:r>
             <a:endParaRPr lang="en-US"/>
           </a:p>
@@ -24206,7 +24231,6 @@
               <a:rPr lang="en-US" smtClean="0"/>
               <a:t>ggplot(iris)+</a:t>
             </a:r>
-            <a:endParaRPr lang="en-US" smtClean="0"/>
           </a:p>
           <a:p>
             <a:pPr marL="349200" lvl="1" indent="0">
@@ -24214,11 +24238,11 @@
             </a:pPr>
             <a:r>
               <a:rPr lang="en-US" smtClean="0"/>
-              <a:t>geom_points(aes(x=Sepal.Width, y=Sepal.Length, col=Species</a:t>
+              <a:t>geom_point(aes(x=Sepal.Width</a:t>
             </a:r>
             <a:r>
               <a:rPr lang="en-US" smtClean="0"/>
-              <a:t>))</a:t>
+              <a:t>, y=Sepal.Length, col=Species))</a:t>
             </a:r>
             <a:endParaRPr lang="en-US"/>
           </a:p>
@@ -24229,11 +24253,7 @@
             </a:r>
             <a:r>
               <a:rPr lang="en-US"/>
-              <a:t>set. And I want there to </a:t>
-            </a:r>
-            <a:r>
-              <a:rPr lang="en-US"/>
-              <a:t>be </a:t>
+              <a:t>set. And I want there to be </a:t>
             </a:r>
             <a:r>
               <a:rPr lang="en-US" smtClean="0"/>
@@ -24245,27 +24265,7 @@
             </a:r>
             <a:r>
               <a:rPr lang="en-US" smtClean="0"/>
-              <a:t>that Sepal.Width maps </a:t>
-            </a:r>
-            <a:r>
-              <a:rPr lang="en-US" smtClean="0"/>
-              <a:t>to their </a:t>
-            </a:r>
-            <a:r>
-              <a:rPr lang="en-US" smtClean="0"/>
-              <a:t>x </a:t>
-            </a:r>
-            <a:r>
-              <a:rPr lang="en-US" smtClean="0"/>
-              <a:t>coord., Sepal.Length </a:t>
-            </a:r>
-            <a:r>
-              <a:rPr lang="en-US" smtClean="0"/>
-              <a:t>to y </a:t>
-            </a:r>
-            <a:r>
-              <a:rPr lang="en-US" smtClean="0"/>
-              <a:t>coord., and Species to their color."</a:t>
+              <a:t>that Sepal.Width maps to their x coord., Sepal.Length to y coord., and Species to their color."</a:t>
             </a:r>
           </a:p>
           <a:p>
@@ -24400,11 +24400,7 @@
             </a:r>
             <a:r>
               <a:rPr lang="en-US" smtClean="0"/>
-              <a:t>ilter, </a:t>
-            </a:r>
-            <a:r>
-              <a:rPr lang="en-US" smtClean="0"/>
-              <a:t>arrange, select</a:t>
+              <a:t>ilter, arrange, select</a:t>
             </a:r>
             <a:endParaRPr lang="en-US"/>
           </a:p>
@@ -24473,11 +24469,7 @@
             </a:r>
             <a:r>
               <a:rPr lang="en-US"/>
-              <a:t> is the function for arranging rows according to values of </a:t>
-            </a:r>
-            <a:r>
-              <a:rPr lang="en-US"/>
-              <a:t>a </a:t>
+              <a:t> is the function for arranging rows according to values of a </a:t>
             </a:r>
             <a:r>
               <a:rPr lang="en-US" smtClean="0"/>
@@ -24507,11 +24499,7 @@
             </a:r>
             <a:r>
               <a:rPr lang="en-US" smtClean="0"/>
-              <a:t>helper </a:t>
-            </a:r>
-            <a:r>
-              <a:rPr lang="en-US" smtClean="0"/>
-              <a:t>functions</a:t>
+              <a:t>helper functions</a:t>
             </a:r>
             <a:endParaRPr lang="en-US" dirty="0" smtClean="0"/>
           </a:p>
@@ -25519,6 +25507,15 @@
 </file>
 
 <file path=customXml/item1.xml><?xml version="1.0" encoding="utf-8"?>
+<?mso-contentType ?>
+<FormTemplates xmlns="http://schemas.microsoft.com/sharepoint/v3/contenttype/forms">
+  <Display>DocumentLibraryForm</Display>
+  <Edit>DocumentLibraryForm</Edit>
+  <New>DocumentLibraryForm</New>
+</FormTemplates>
+</file>
+
+<file path=customXml/item2.xml><?xml version="1.0" encoding="utf-8"?>
 <p:properties xmlns:p="http://schemas.microsoft.com/office/2006/metadata/properties" xmlns:xsi="http://www.w3.org/2001/XMLSchema-instance" xmlns:pc="http://schemas.microsoft.com/office/infopath/2007/PartnerControls">
   <documentManagement>
     <PublishingRollupImage xmlns="http://schemas.microsoft.com/sharepoint/v3" xsi:nil="true"/>
@@ -25562,15 +25559,6 @@
 Version 04.11.2016/Marketing and Communications</Comments>
   </documentManagement>
 </p:properties>
-</file>
-
-<file path=customXml/item2.xml><?xml version="1.0" encoding="utf-8"?>
-<?mso-contentType ?>
-<FormTemplates xmlns="http://schemas.microsoft.com/sharepoint/v3/contenttype/forms">
-  <Display>DocumentLibraryForm</Display>
-  <Edit>DocumentLibraryForm</Edit>
-  <New>DocumentLibraryForm</New>
-</FormTemplates>
 </file>
 
 <file path=customXml/item3.xml><?xml version="1.0" encoding="utf-8"?>
@@ -25951,6 +25939,14 @@
 </file>
 
 <file path=customXml/itemProps1.xml><?xml version="1.0" encoding="utf-8"?>
+<ds:datastoreItem xmlns:ds="http://schemas.openxmlformats.org/officeDocument/2006/customXml" ds:itemID="{D4C4CBFC-2EF1-4092-8F2F-5A5B86A85C2F}">
+  <ds:schemaRefs>
+    <ds:schemaRef ds:uri="http://schemas.microsoft.com/sharepoint/v3/contenttype/forms"/>
+  </ds:schemaRefs>
+</ds:datastoreItem>
+</file>
+
+<file path=customXml/itemProps2.xml><?xml version="1.0" encoding="utf-8"?>
 <ds:datastoreItem xmlns:ds="http://schemas.openxmlformats.org/officeDocument/2006/customXml" ds:itemID="{47279921-A1B4-472D-B7BD-F638B6892104}">
   <ds:schemaRefs>
     <ds:schemaRef ds:uri="b542780c-f3c1-48de-9090-e65480539529"/>
@@ -25963,14 +25959,6 @@
     <ds:schemaRef ds:uri="http://schemas.microsoft.com/sharepoint/v3"/>
     <ds:schemaRef ds:uri="http://schemas.microsoft.com/office/2006/metadata/properties"/>
     <ds:schemaRef ds:uri="http://purl.org/dc/dcmitype/"/>
-  </ds:schemaRefs>
-</ds:datastoreItem>
-</file>
-
-<file path=customXml/itemProps2.xml><?xml version="1.0" encoding="utf-8"?>
-<ds:datastoreItem xmlns:ds="http://schemas.openxmlformats.org/officeDocument/2006/customXml" ds:itemID="{D4C4CBFC-2EF1-4092-8F2F-5A5B86A85C2F}">
-  <ds:schemaRefs>
-    <ds:schemaRef ds:uri="http://schemas.microsoft.com/sharepoint/v3/contenttype/forms"/>
   </ds:schemaRefs>
 </ds:datastoreItem>
 </file>

--- a/wrangling_with_r.pptx
+++ b/wrangling_with_r.pptx
@@ -5,27 +5,47 @@
     <p:sldMasterId id="2147483648" r:id="rId4"/>
   </p:sldMasterIdLst>
   <p:notesMasterIdLst>
-    <p:notesMasterId r:id="rId20"/>
+    <p:notesMasterId r:id="rId40"/>
   </p:notesMasterIdLst>
   <p:handoutMasterIdLst>
-    <p:handoutMasterId r:id="rId21"/>
+    <p:handoutMasterId r:id="rId41"/>
   </p:handoutMasterIdLst>
   <p:sldIdLst>
     <p:sldId id="256" r:id="rId5"/>
     <p:sldId id="257" r:id="rId6"/>
-    <p:sldId id="258" r:id="rId7"/>
-    <p:sldId id="263" r:id="rId8"/>
-    <p:sldId id="271" r:id="rId9"/>
-    <p:sldId id="259" r:id="rId10"/>
-    <p:sldId id="264" r:id="rId11"/>
-    <p:sldId id="272" r:id="rId12"/>
-    <p:sldId id="265" r:id="rId13"/>
-    <p:sldId id="266" r:id="rId14"/>
-    <p:sldId id="267" r:id="rId15"/>
-    <p:sldId id="273" r:id="rId16"/>
-    <p:sldId id="260" r:id="rId17"/>
-    <p:sldId id="268" r:id="rId18"/>
-    <p:sldId id="269" r:id="rId19"/>
+    <p:sldId id="298" r:id="rId7"/>
+    <p:sldId id="299" r:id="rId8"/>
+    <p:sldId id="258" r:id="rId9"/>
+    <p:sldId id="271" r:id="rId10"/>
+    <p:sldId id="263" r:id="rId11"/>
+    <p:sldId id="264" r:id="rId12"/>
+    <p:sldId id="300" r:id="rId13"/>
+    <p:sldId id="274" r:id="rId14"/>
+    <p:sldId id="275" r:id="rId15"/>
+    <p:sldId id="276" r:id="rId16"/>
+    <p:sldId id="278" r:id="rId17"/>
+    <p:sldId id="279" r:id="rId18"/>
+    <p:sldId id="280" r:id="rId19"/>
+    <p:sldId id="281" r:id="rId20"/>
+    <p:sldId id="283" r:id="rId21"/>
+    <p:sldId id="284" r:id="rId22"/>
+    <p:sldId id="285" r:id="rId23"/>
+    <p:sldId id="286" r:id="rId24"/>
+    <p:sldId id="301" r:id="rId25"/>
+    <p:sldId id="287" r:id="rId26"/>
+    <p:sldId id="288" r:id="rId27"/>
+    <p:sldId id="290" r:id="rId28"/>
+    <p:sldId id="291" r:id="rId29"/>
+    <p:sldId id="292" r:id="rId30"/>
+    <p:sldId id="293" r:id="rId31"/>
+    <p:sldId id="294" r:id="rId32"/>
+    <p:sldId id="295" r:id="rId33"/>
+    <p:sldId id="297" r:id="rId34"/>
+    <p:sldId id="296" r:id="rId35"/>
+    <p:sldId id="302" r:id="rId36"/>
+    <p:sldId id="260" r:id="rId37"/>
+    <p:sldId id="268" r:id="rId38"/>
+    <p:sldId id="269" r:id="rId39"/>
   </p:sldIdLst>
   <p:sldSz cx="12192000" cy="6858000"/>
   <p:notesSz cx="7102475" cy="10234613"/>
@@ -288,7 +308,7 @@
               <a:pPr>
                 <a:defRPr/>
               </a:pPr>
-              <a:t>6/28/2017</a:t>
+              <a:t>2/4/2018</a:t>
             </a:fld>
             <a:endParaRPr lang="en-US" dirty="0">
               <a:latin typeface="Corbel"/>
@@ -520,7 +540,7 @@
               <a:pPr>
                 <a:defRPr/>
               </a:pPr>
-              <a:t>6/28/2017</a:t>
+              <a:t>2/4/2018</a:t>
             </a:fld>
             <a:endParaRPr lang="en-US" dirty="0"/>
           </a:p>
@@ -980,7 +1000,97 @@
               <a:pPr>
                 <a:defRPr/>
               </a:pPr>
-              <a:t>3</a:t>
+              <a:t>2</a:t>
+            </a:fld>
+            <a:endParaRPr lang="en-US" dirty="0"/>
+          </a:p>
+        </p:txBody>
+      </p:sp>
+    </p:spTree>
+    <p:extLst>
+      <p:ext uri="{BB962C8B-B14F-4D97-AF65-F5344CB8AC3E}">
+        <p14:creationId xmlns:p14="http://schemas.microsoft.com/office/powerpoint/2010/main" val="76247734"/>
+      </p:ext>
+    </p:extLst>
+  </p:cSld>
+  <p:clrMapOvr>
+    <a:masterClrMapping/>
+  </p:clrMapOvr>
+</p:notes>
+</file>
+
+<file path=ppt/notesSlides/notesSlide2.xml><?xml version="1.0" encoding="utf-8"?>
+<p:notes xmlns:a="http://schemas.openxmlformats.org/drawingml/2006/main" xmlns:r="http://schemas.openxmlformats.org/officeDocument/2006/relationships" xmlns:p="http://schemas.openxmlformats.org/presentationml/2006/main">
+  <p:cSld>
+    <p:spTree>
+      <p:nvGrpSpPr>
+        <p:cNvPr id="1" name=""/>
+        <p:cNvGrpSpPr/>
+        <p:nvPr/>
+      </p:nvGrpSpPr>
+      <p:grpSpPr>
+        <a:xfrm>
+          <a:off x="0" y="0"/>
+          <a:ext cx="0" cy="0"/>
+          <a:chOff x="0" y="0"/>
+          <a:chExt cx="0" cy="0"/>
+        </a:xfrm>
+      </p:grpSpPr>
+      <p:sp>
+        <p:nvSpPr>
+          <p:cNvPr id="2" name="Slide Image Placeholder 1"/>
+          <p:cNvSpPr>
+            <a:spLocks noGrp="1" noRot="1" noChangeAspect="1"/>
+          </p:cNvSpPr>
+          <p:nvPr>
+            <p:ph type="sldImg"/>
+          </p:nvPr>
+        </p:nvSpPr>
+        <p:spPr/>
+      </p:sp>
+      <p:sp>
+        <p:nvSpPr>
+          <p:cNvPr id="3" name="Notes Placeholder 2"/>
+          <p:cNvSpPr>
+            <a:spLocks noGrp="1"/>
+          </p:cNvSpPr>
+          <p:nvPr>
+            <p:ph type="body" idx="1"/>
+          </p:nvPr>
+        </p:nvSpPr>
+        <p:spPr/>
+        <p:txBody>
+          <a:bodyPr/>
+          <a:lstStyle/>
+          <a:p>
+            <a:endParaRPr lang="en-US"/>
+          </a:p>
+        </p:txBody>
+      </p:sp>
+      <p:sp>
+        <p:nvSpPr>
+          <p:cNvPr id="4" name="Slide Number Placeholder 3"/>
+          <p:cNvSpPr>
+            <a:spLocks noGrp="1"/>
+          </p:cNvSpPr>
+          <p:nvPr>
+            <p:ph type="sldNum" sz="quarter" idx="10"/>
+          </p:nvPr>
+        </p:nvSpPr>
+        <p:spPr/>
+        <p:txBody>
+          <a:bodyPr/>
+          <a:lstStyle/>
+          <a:p>
+            <a:pPr>
+              <a:defRPr/>
+            </a:pPr>
+            <a:fld id="{BE4ECE71-DADD-A94D-928E-31D778B1F7AC}" type="slidenum">
+              <a:rPr lang="en-US" smtClean="0"/>
+              <a:pPr>
+                <a:defRPr/>
+              </a:pPr>
+              <a:t>5</a:t>
             </a:fld>
             <a:endParaRPr lang="en-US" dirty="0"/>
           </a:p>
@@ -2915,7 +3025,7 @@
             </a:pPr>
             <a:r>
               <a:rPr lang="fi-FI" smtClean="0"/>
-              <a:t>2017-03-08</a:t>
+              <a:t>2018-02-06</a:t>
             </a:r>
             <a:endParaRPr lang="en-US"/>
           </a:p>
@@ -3201,7 +3311,7 @@
             </a:pPr>
             <a:r>
               <a:rPr lang="fi-FI" smtClean="0"/>
-              <a:t>2017-03-08</a:t>
+              <a:t>2018-02-06</a:t>
             </a:r>
             <a:endParaRPr lang="en-US"/>
           </a:p>
@@ -3483,7 +3593,7 @@
             </a:pPr>
             <a:r>
               <a:rPr lang="fi-FI" smtClean="0"/>
-              <a:t>2017-03-08</a:t>
+              <a:t>2018-02-06</a:t>
             </a:r>
             <a:endParaRPr lang="en-US"/>
           </a:p>
@@ -4593,7 +4703,7 @@
             </a:pPr>
             <a:r>
               <a:rPr lang="fi-FI" smtClean="0"/>
-              <a:t>2017-03-08</a:t>
+              <a:t>2018-02-06</a:t>
             </a:r>
             <a:endParaRPr lang="en-US"/>
           </a:p>
@@ -5703,7 +5813,7 @@
             </a:pPr>
             <a:r>
               <a:rPr lang="fi-FI" smtClean="0"/>
-              <a:t>2017-03-08</a:t>
+              <a:t>2018-02-06</a:t>
             </a:r>
             <a:endParaRPr lang="en-US"/>
           </a:p>
@@ -6718,7 +6828,7 @@
             </a:pPr>
             <a:r>
               <a:rPr lang="fi-FI" smtClean="0"/>
-              <a:t>2017-03-08</a:t>
+              <a:t>2018-02-06</a:t>
             </a:r>
             <a:endParaRPr lang="en-US"/>
           </a:p>
@@ -7033,7 +7143,7 @@
             </a:pPr>
             <a:r>
               <a:rPr lang="fi-FI" smtClean="0"/>
-              <a:t>2017-03-08</a:t>
+              <a:t>2018-02-06</a:t>
             </a:r>
             <a:endParaRPr lang="en-US"/>
           </a:p>
@@ -7310,7 +7420,7 @@
             </a:pPr>
             <a:r>
               <a:rPr lang="fi-FI" smtClean="0"/>
-              <a:t>2017-03-08</a:t>
+              <a:t>2018-02-06</a:t>
             </a:r>
             <a:endParaRPr lang="en-US"/>
           </a:p>
@@ -7587,7 +7697,7 @@
             </a:pPr>
             <a:r>
               <a:rPr lang="fi-FI" smtClean="0"/>
-              <a:t>2017-03-08</a:t>
+              <a:t>2018-02-06</a:t>
             </a:r>
             <a:endParaRPr lang="en-US"/>
           </a:p>
@@ -7864,7 +7974,7 @@
             </a:pPr>
             <a:r>
               <a:rPr lang="fi-FI" smtClean="0"/>
-              <a:t>2017-03-08</a:t>
+              <a:t>2018-02-06</a:t>
             </a:r>
             <a:endParaRPr lang="en-US"/>
           </a:p>
@@ -9819,7 +9929,7 @@
             </a:pPr>
             <a:r>
               <a:rPr lang="fi-FI" smtClean="0"/>
-              <a:t>2017-03-08</a:t>
+              <a:t>2018-02-06</a:t>
             </a:r>
             <a:endParaRPr lang="en-US"/>
           </a:p>
@@ -17970,7 +18080,7 @@
             </a:pPr>
             <a:r>
               <a:rPr lang="fi-FI" smtClean="0"/>
-              <a:t>2017-03-08</a:t>
+              <a:t>2018-02-06</a:t>
             </a:r>
             <a:endParaRPr lang="en-US"/>
           </a:p>
@@ -18222,7 +18332,7 @@
             </a:pPr>
             <a:r>
               <a:rPr lang="fi-FI" smtClean="0"/>
-              <a:t>2017-03-08</a:t>
+              <a:t>2018-02-06</a:t>
             </a:r>
             <a:endParaRPr lang="en-US"/>
           </a:p>
@@ -18578,7 +18688,7 @@
             </a:pPr>
             <a:r>
               <a:rPr lang="fi-FI" smtClean="0"/>
-              <a:t>2017-03-08</a:t>
+              <a:t>2018-02-06</a:t>
             </a:r>
             <a:endParaRPr lang="en-US"/>
           </a:p>
@@ -18857,7 +18967,7 @@
             </a:pPr>
             <a:r>
               <a:rPr lang="fi-FI" smtClean="0"/>
-              <a:t>2017-03-08</a:t>
+              <a:t>2018-02-06</a:t>
             </a:r>
             <a:endParaRPr lang="en-US"/>
           </a:p>
@@ -19136,7 +19246,7 @@
             </a:pPr>
             <a:r>
               <a:rPr lang="fi-FI" smtClean="0"/>
-              <a:t>2017-03-08</a:t>
+              <a:t>2018-02-06</a:t>
             </a:r>
             <a:endParaRPr lang="en-US"/>
           </a:p>
@@ -19513,7 +19623,7 @@
             </a:pPr>
             <a:r>
               <a:rPr lang="fi-FI" smtClean="0"/>
-              <a:t>2017-03-08</a:t>
+              <a:t>2018-02-06</a:t>
             </a:r>
             <a:endParaRPr lang="en-US"/>
           </a:p>
@@ -19792,7 +19902,7 @@
             </a:pPr>
             <a:r>
               <a:rPr lang="fi-FI" smtClean="0"/>
-              <a:t>2017-03-08</a:t>
+              <a:t>2018-02-06</a:t>
             </a:r>
             <a:endParaRPr lang="en-US"/>
           </a:p>
@@ -20138,7 +20248,7 @@
             </a:pPr>
             <a:r>
               <a:rPr lang="fi-FI" smtClean="0"/>
-              <a:t>2017-03-08</a:t>
+              <a:t>2018-02-06</a:t>
             </a:r>
             <a:endParaRPr lang="en-US" dirty="0"/>
           </a:p>
@@ -21690,7 +21800,11 @@
           <a:p>
             <a:r>
               <a:rPr lang="en-US" smtClean="0"/>
-              <a:t>Data wrangling with R and RStudio</a:t>
+              <a:t>Data </a:t>
+            </a:r>
+            <a:r>
+              <a:rPr lang="en-US" smtClean="0"/>
+              <a:t>visualization using RStudio and ggplot </a:t>
             </a:r>
             <a:endParaRPr lang="en-US"/>
           </a:p>
@@ -21711,6 +21825,10 @@
           <a:bodyPr/>
           <a:lstStyle/>
           <a:p>
+            <a:r>
+              <a:rPr lang="en-US" smtClean="0"/>
+              <a:t>Bioweek 2018, 2018-02-06</a:t>
+            </a:r>
             <a:endParaRPr lang="en-US"/>
           </a:p>
         </p:txBody>
@@ -21768,8 +21886,12 @@
           <a:lstStyle/>
           <a:p>
             <a:r>
-              <a:rPr lang="en-US" smtClean="0"/>
-              <a:t>Making new variables</a:t>
+              <a:rPr lang="fi-FI"/>
+              <a:t>3.2.2 Creating a </a:t>
+            </a:r>
+            <a:r>
+              <a:rPr lang="fi-FI" smtClean="0"/>
+              <a:t>ggplot</a:t>
             </a:r>
             <a:endParaRPr lang="en-US"/>
           </a:p>
@@ -21791,82 +21913,101 @@
           <a:lstStyle/>
           <a:p>
             <a:r>
-              <a:rPr lang="en-US" i="1" dirty="0" smtClean="0"/>
-              <a:t>mutate</a:t>
-            </a:r>
-            <a:r>
-              <a:rPr lang="en-US" dirty="0" smtClean="0"/>
-              <a:t> is the function for creating new variables</a:t>
-            </a:r>
-          </a:p>
-          <a:p>
-            <a:pPr lvl="1"/>
-            <a:r>
-              <a:rPr lang="en-US" dirty="0" smtClean="0"/>
-              <a:t>related to </a:t>
-            </a:r>
-            <a:r>
-              <a:rPr lang="en-US" i="1" dirty="0" smtClean="0"/>
-              <a:t>with</a:t>
-            </a:r>
-            <a:r>
-              <a:rPr lang="en-US" dirty="0" smtClean="0"/>
-              <a:t> and </a:t>
-            </a:r>
-            <a:r>
-              <a:rPr lang="en-US" i="1" dirty="0" smtClean="0"/>
-              <a:t>within</a:t>
-            </a:r>
-            <a:r>
-              <a:rPr lang="en-US" dirty="0" smtClean="0"/>
-              <a:t> functions of base R: no need for the $ notation</a:t>
-            </a:r>
-          </a:p>
-          <a:p>
-            <a:pPr lvl="1"/>
-            <a:r>
-              <a:rPr lang="en-US" dirty="0" smtClean="0"/>
-              <a:t>you can make many inside one function call, and use the new ones immediately</a:t>
-            </a:r>
-          </a:p>
-          <a:p>
-            <a:r>
-              <a:rPr lang="en-US" i="1" dirty="0" smtClean="0"/>
-              <a:t>transmute</a:t>
-            </a:r>
-            <a:r>
-              <a:rPr lang="en-US" dirty="0" smtClean="0"/>
-              <a:t> does the same but only keeps the created ones</a:t>
-            </a:r>
-          </a:p>
-          <a:p>
-            <a:r>
-              <a:rPr lang="en-US" dirty="0" smtClean="0"/>
-              <a:t>Both can be combined with </a:t>
-            </a:r>
-            <a:r>
-              <a:rPr lang="en-US" b="1" dirty="0" smtClean="0"/>
-              <a:t>window functions</a:t>
-            </a:r>
-          </a:p>
-          <a:p>
-            <a:pPr lvl="1"/>
-            <a:r>
-              <a:rPr lang="en-US" dirty="0" smtClean="0"/>
-              <a:t>these are functions that take one vector and return another of the same length</a:t>
-            </a:r>
-          </a:p>
-          <a:p>
-            <a:pPr lvl="1"/>
-            <a:r>
-              <a:rPr lang="en-US" dirty="0" smtClean="0"/>
-              <a:t>such as lags, ranks, cumulative sums </a:t>
-            </a:r>
-            <a:r>
-              <a:rPr lang="en-US" dirty="0" err="1" smtClean="0"/>
-              <a:t>etc</a:t>
-            </a:r>
-            <a:endParaRPr lang="en-US" dirty="0"/>
+              <a:rPr lang="en-US">
+                <a:latin typeface="Consolas" panose="020B0609020204030204" pitchFamily="49" charset="0"/>
+                <a:cs typeface="Consolas" panose="020B0609020204030204" pitchFamily="49" charset="0"/>
+              </a:rPr>
+              <a:t>ggplot(data = mpg) + </a:t>
+            </a:r>
+            <a:r>
+              <a:rPr lang="en-US" smtClean="0">
+                <a:latin typeface="Consolas" panose="020B0609020204030204" pitchFamily="49" charset="0"/>
+                <a:cs typeface="Consolas" panose="020B0609020204030204" pitchFamily="49" charset="0"/>
+              </a:rPr>
+              <a:t/>
+            </a:r>
+            <a:br>
+              <a:rPr lang="en-US" smtClean="0">
+                <a:latin typeface="Consolas" panose="020B0609020204030204" pitchFamily="49" charset="0"/>
+                <a:cs typeface="Consolas" panose="020B0609020204030204" pitchFamily="49" charset="0"/>
+              </a:rPr>
+            </a:br>
+            <a:r>
+              <a:rPr lang="en-US" smtClean="0">
+                <a:latin typeface="Consolas" panose="020B0609020204030204" pitchFamily="49" charset="0"/>
+                <a:cs typeface="Consolas" panose="020B0609020204030204" pitchFamily="49" charset="0"/>
+              </a:rPr>
+              <a:t>geom_point(mapping </a:t>
+            </a:r>
+            <a:r>
+              <a:rPr lang="en-US">
+                <a:latin typeface="Consolas" panose="020B0609020204030204" pitchFamily="49" charset="0"/>
+                <a:cs typeface="Consolas" panose="020B0609020204030204" pitchFamily="49" charset="0"/>
+              </a:rPr>
+              <a:t>= aes(x = displ</a:t>
+            </a:r>
+            <a:r>
+              <a:rPr lang="en-US" smtClean="0">
+                <a:latin typeface="Consolas" panose="020B0609020204030204" pitchFamily="49" charset="0"/>
+                <a:cs typeface="Consolas" panose="020B0609020204030204" pitchFamily="49" charset="0"/>
+              </a:rPr>
+              <a:t>, </a:t>
+            </a:r>
+            <a:r>
+              <a:rPr lang="en-US">
+                <a:latin typeface="Consolas" panose="020B0609020204030204" pitchFamily="49" charset="0"/>
+                <a:cs typeface="Consolas" panose="020B0609020204030204" pitchFamily="49" charset="0"/>
+              </a:rPr>
+              <a:t>y = hwy</a:t>
+            </a:r>
+            <a:r>
+              <a:rPr lang="en-US" smtClean="0">
+                <a:latin typeface="Consolas" panose="020B0609020204030204" pitchFamily="49" charset="0"/>
+                <a:cs typeface="Consolas" panose="020B0609020204030204" pitchFamily="49" charset="0"/>
+              </a:rPr>
+              <a:t>))</a:t>
+            </a:r>
+          </a:p>
+          <a:p>
+            <a:r>
+              <a:rPr lang="en-US" smtClean="0">
+                <a:latin typeface="Corbel" panose="020B0503020204020204" pitchFamily="34" charset="0"/>
+                <a:cs typeface="Consolas" panose="020B0609020204030204" pitchFamily="49" charset="0"/>
+              </a:rPr>
+              <a:t>"Hey ggplot! I want to make a plot with this dataset mpg </a:t>
+            </a:r>
+            <a:br>
+              <a:rPr lang="en-US" smtClean="0">
+                <a:latin typeface="Corbel" panose="020B0503020204020204" pitchFamily="34" charset="0"/>
+                <a:cs typeface="Consolas" panose="020B0609020204030204" pitchFamily="49" charset="0"/>
+              </a:rPr>
+            </a:br>
+            <a:r>
+              <a:rPr lang="en-US" smtClean="0">
+                <a:latin typeface="Corbel" panose="020B0503020204020204" pitchFamily="34" charset="0"/>
+                <a:cs typeface="Consolas" panose="020B0609020204030204" pitchFamily="49" charset="0"/>
+              </a:rPr>
+              <a:t>and</a:t>
+            </a:r>
+            <a:br>
+              <a:rPr lang="en-US" smtClean="0">
+                <a:latin typeface="Corbel" panose="020B0503020204020204" pitchFamily="34" charset="0"/>
+                <a:cs typeface="Consolas" panose="020B0609020204030204" pitchFamily="49" charset="0"/>
+              </a:rPr>
+            </a:br>
+            <a:r>
+              <a:rPr lang="en-US" smtClean="0">
+                <a:latin typeface="Corbel" panose="020B0503020204020204" pitchFamily="34" charset="0"/>
+                <a:cs typeface="Consolas" panose="020B0609020204030204" pitchFamily="49" charset="0"/>
+              </a:rPr>
+              <a:t>I want there to be points with displ as x-coordinate and hwy as y-coordinate."</a:t>
+            </a:r>
+          </a:p>
+          <a:p>
+            <a:endParaRPr lang="en-US">
+              <a:latin typeface="+mn-lt"/>
+              <a:cs typeface="Consolas" panose="020B0609020204030204" pitchFamily="49" charset="0"/>
+            </a:endParaRPr>
           </a:p>
         </p:txBody>
       </p:sp>
@@ -21890,7 +22031,7 @@
             </a:pPr>
             <a:r>
               <a:rPr lang="fi-FI" smtClean="0"/>
-              <a:t>2017-03-08</a:t>
+              <a:t>2018-02-06</a:t>
             </a:r>
             <a:endParaRPr lang="en-US"/>
           </a:p>
@@ -21928,20 +22069,13 @@
     </p:spTree>
     <p:extLst>
       <p:ext uri="{BB962C8B-B14F-4D97-AF65-F5344CB8AC3E}">
-        <p14:creationId xmlns:p14="http://schemas.microsoft.com/office/powerpoint/2010/main" val="2924514008"/>
+        <p14:creationId xmlns:p14="http://schemas.microsoft.com/office/powerpoint/2010/main" val="1466264882"/>
       </p:ext>
     </p:extLst>
   </p:cSld>
   <p:clrMapOvr>
     <a:masterClrMapping/>
   </p:clrMapOvr>
-  <p:timing>
-    <p:tnLst>
-      <p:par>
-        <p:cTn id="1" dur="indefinite" restart="never" nodeType="tmRoot"/>
-      </p:par>
-    </p:tnLst>
-  </p:timing>
 </p:sld>
 </file>
 
@@ -21978,8 +22112,12 @@
           <a:lstStyle/>
           <a:p>
             <a:r>
-              <a:rPr lang="en-US" smtClean="0"/>
-              <a:t>Summarising and grouping data</a:t>
+              <a:rPr lang="fi-FI"/>
+              <a:t>3.2.3 A graphing </a:t>
+            </a:r>
+            <a:r>
+              <a:rPr lang="fi-FI" smtClean="0"/>
+              <a:t>template</a:t>
             </a:r>
             <a:endParaRPr lang="en-US"/>
           </a:p>
@@ -22001,115 +22139,132 @@
           <a:lstStyle/>
           <a:p>
             <a:r>
-              <a:rPr lang="en-US" i="1" dirty="0" err="1" smtClean="0"/>
-              <a:t>summarise</a:t>
-            </a:r>
-            <a:r>
-              <a:rPr lang="en-US" dirty="0" smtClean="0"/>
-              <a:t> uses </a:t>
-            </a:r>
-            <a:r>
-              <a:rPr lang="en-US" b="1" dirty="0" smtClean="0"/>
-              <a:t>summary functions </a:t>
-            </a:r>
-            <a:r>
-              <a:rPr lang="en-US" dirty="0" smtClean="0"/>
-              <a:t>to create a single value out of a vector (not to be confused with </a:t>
-            </a:r>
-            <a:r>
-              <a:rPr lang="en-US" i="1" dirty="0" smtClean="0"/>
-              <a:t>summary</a:t>
-            </a:r>
-            <a:r>
-              <a:rPr lang="en-US" dirty="0" smtClean="0"/>
-              <a:t> of base R!)</a:t>
-            </a:r>
-          </a:p>
-          <a:p>
-            <a:r>
-              <a:rPr lang="en-US" dirty="0" smtClean="0"/>
-              <a:t>perhaps makes more sense in the</a:t>
-            </a:r>
-            <a:r>
-              <a:rPr lang="en-US" i="1" dirty="0" smtClean="0"/>
-              <a:t> </a:t>
-            </a:r>
-            <a:r>
-              <a:rPr lang="en-US" i="1" dirty="0" err="1" smtClean="0"/>
-              <a:t>summarise_each</a:t>
-            </a:r>
-            <a:r>
-              <a:rPr lang="en-US" i="1" dirty="0" smtClean="0"/>
-              <a:t> </a:t>
-            </a:r>
-            <a:r>
-              <a:rPr lang="en-US" dirty="0" smtClean="0"/>
-              <a:t>version</a:t>
-            </a:r>
-          </a:p>
-          <a:p>
-            <a:r>
-              <a:rPr lang="en-US" dirty="0" smtClean="0"/>
-              <a:t>makes much more sense when combined with grouping:</a:t>
-            </a:r>
-          </a:p>
-          <a:p>
-            <a:pPr lvl="1"/>
-            <a:r>
-              <a:rPr lang="en-US" i="1" dirty="0" err="1" smtClean="0"/>
-              <a:t>group_by</a:t>
-            </a:r>
-            <a:r>
-              <a:rPr lang="en-US" dirty="0" smtClean="0"/>
-              <a:t> creates a new data frame that is internally split in to parts according to the values of one of the variables (factor, or factor-like)</a:t>
-            </a:r>
-          </a:p>
-          <a:p>
-            <a:pPr lvl="1"/>
-            <a:r>
-              <a:rPr lang="en-US" i="1" dirty="0" err="1" smtClean="0"/>
-              <a:t>summarise</a:t>
-            </a:r>
-            <a:r>
-              <a:rPr lang="en-US" dirty="0" smtClean="0"/>
-              <a:t> on the grouped data will do the summary </a:t>
-            </a:r>
-            <a:r>
-              <a:rPr lang="en-US" b="1" dirty="0" smtClean="0"/>
-              <a:t>by group!</a:t>
-            </a:r>
-          </a:p>
-          <a:p>
-            <a:pPr lvl="1"/>
-            <a:r>
-              <a:rPr lang="en-US" dirty="0" smtClean="0"/>
-              <a:t>this is related to </a:t>
-            </a:r>
-            <a:r>
-              <a:rPr lang="en-US" i="1" dirty="0" smtClean="0"/>
-              <a:t>aggregate</a:t>
-            </a:r>
-            <a:r>
-              <a:rPr lang="en-US" dirty="0" smtClean="0"/>
-              <a:t> of base R</a:t>
-            </a:r>
-          </a:p>
-          <a:p>
-            <a:r>
-              <a:rPr lang="en-US" dirty="0" smtClean="0"/>
-              <a:t>grouping also works with the window functions of </a:t>
-            </a:r>
-            <a:r>
-              <a:rPr lang="en-US" i="1" dirty="0" smtClean="0"/>
-              <a:t>transmute</a:t>
-            </a:r>
-          </a:p>
-          <a:p>
-            <a:pPr lvl="1"/>
-            <a:r>
-              <a:rPr lang="en-US" dirty="0" smtClean="0"/>
-              <a:t>will do e.g. ranks within the group levels, not in total</a:t>
-            </a:r>
+              <a:rPr lang="en-US">
+                <a:latin typeface="Consolas" panose="020B0609020204030204" pitchFamily="49" charset="0"/>
+                <a:cs typeface="Consolas" panose="020B0609020204030204" pitchFamily="49" charset="0"/>
+              </a:rPr>
+              <a:t>ggplot(data = &lt;DATA&gt;) + </a:t>
+            </a:r>
+            <a:br>
+              <a:rPr lang="en-US">
+                <a:latin typeface="Consolas" panose="020B0609020204030204" pitchFamily="49" charset="0"/>
+                <a:cs typeface="Consolas" panose="020B0609020204030204" pitchFamily="49" charset="0"/>
+              </a:rPr>
+            </a:br>
+            <a:r>
+              <a:rPr lang="en-US">
+                <a:latin typeface="Consolas" panose="020B0609020204030204" pitchFamily="49" charset="0"/>
+                <a:cs typeface="Consolas" panose="020B0609020204030204" pitchFamily="49" charset="0"/>
+              </a:rPr>
+              <a:t>&lt;GEOM_FUNCTION&gt;(mapping = </a:t>
+            </a:r>
+            <a:r>
+              <a:rPr lang="en-US" smtClean="0">
+                <a:latin typeface="Consolas" panose="020B0609020204030204" pitchFamily="49" charset="0"/>
+                <a:cs typeface="Consolas" panose="020B0609020204030204" pitchFamily="49" charset="0"/>
+              </a:rPr>
+              <a:t>aes</a:t>
+            </a:r>
+            <a:r>
+              <a:rPr lang="en-US">
+                <a:latin typeface="Consolas" panose="020B0609020204030204" pitchFamily="49" charset="0"/>
+                <a:cs typeface="Consolas" panose="020B0609020204030204" pitchFamily="49" charset="0"/>
+              </a:rPr>
+              <a:t>(&lt;MAPPINGS</a:t>
+            </a:r>
+            <a:r>
+              <a:rPr lang="en-US" smtClean="0">
+                <a:latin typeface="Consolas" panose="020B0609020204030204" pitchFamily="49" charset="0"/>
+                <a:cs typeface="Consolas" panose="020B0609020204030204" pitchFamily="49" charset="0"/>
+              </a:rPr>
+              <a:t>&gt;))</a:t>
+            </a:r>
+          </a:p>
+          <a:p>
+            <a:r>
+              <a:rPr lang="en-US">
+                <a:latin typeface="Corbel" panose="020B0503020204020204" pitchFamily="34" charset="0"/>
+                <a:cs typeface="Consolas" panose="020B0609020204030204" pitchFamily="49" charset="0"/>
+              </a:rPr>
+              <a:t>"Hey ggplot! I want to make a plot with this dataset </a:t>
+            </a:r>
+            <a:r>
+              <a:rPr lang="en-US" smtClean="0">
+                <a:latin typeface="Corbel" panose="020B0503020204020204" pitchFamily="34" charset="0"/>
+                <a:cs typeface="Consolas" panose="020B0609020204030204" pitchFamily="49" charset="0"/>
+              </a:rPr>
+              <a:t>&lt;DATA&gt; </a:t>
+            </a:r>
+            <a:r>
+              <a:rPr lang="en-US">
+                <a:latin typeface="Corbel" panose="020B0503020204020204" pitchFamily="34" charset="0"/>
+                <a:cs typeface="Consolas" panose="020B0609020204030204" pitchFamily="49" charset="0"/>
+              </a:rPr>
+              <a:t/>
+            </a:r>
+            <a:br>
+              <a:rPr lang="en-US">
+                <a:latin typeface="Corbel" panose="020B0503020204020204" pitchFamily="34" charset="0"/>
+                <a:cs typeface="Consolas" panose="020B0609020204030204" pitchFamily="49" charset="0"/>
+              </a:rPr>
+            </a:br>
+            <a:r>
+              <a:rPr lang="en-US">
+                <a:latin typeface="Corbel" panose="020B0503020204020204" pitchFamily="34" charset="0"/>
+                <a:cs typeface="Consolas" panose="020B0609020204030204" pitchFamily="49" charset="0"/>
+              </a:rPr>
+              <a:t>and</a:t>
+            </a:r>
+            <a:br>
+              <a:rPr lang="en-US">
+                <a:latin typeface="Corbel" panose="020B0503020204020204" pitchFamily="34" charset="0"/>
+                <a:cs typeface="Consolas" panose="020B0609020204030204" pitchFamily="49" charset="0"/>
+              </a:rPr>
+            </a:br>
+            <a:r>
+              <a:rPr lang="en-US">
+                <a:latin typeface="Corbel" panose="020B0503020204020204" pitchFamily="34" charset="0"/>
+                <a:cs typeface="Consolas" panose="020B0609020204030204" pitchFamily="49" charset="0"/>
+              </a:rPr>
+              <a:t>I want there to be </a:t>
+            </a:r>
+            <a:r>
+              <a:rPr lang="en-US" smtClean="0">
+                <a:latin typeface="Corbel" panose="020B0503020204020204" pitchFamily="34" charset="0"/>
+                <a:cs typeface="Consolas" panose="020B0609020204030204" pitchFamily="49" charset="0"/>
+              </a:rPr>
+              <a:t>a &lt;GEOM&gt; </a:t>
+            </a:r>
+            <a:r>
+              <a:rPr lang="en-US">
+                <a:latin typeface="Corbel" panose="020B0503020204020204" pitchFamily="34" charset="0"/>
+                <a:cs typeface="Consolas" panose="020B0609020204030204" pitchFamily="49" charset="0"/>
+              </a:rPr>
+              <a:t>with </a:t>
+            </a:r>
+            <a:r>
+              <a:rPr lang="en-US" smtClean="0">
+                <a:latin typeface="Corbel" panose="020B0503020204020204" pitchFamily="34" charset="0"/>
+                <a:cs typeface="Consolas" panose="020B0609020204030204" pitchFamily="49" charset="0"/>
+              </a:rPr>
+              <a:t>such and such &lt;MAPPINGS&gt;"</a:t>
+            </a:r>
+            <a:endParaRPr lang="en-US">
+              <a:latin typeface="Corbel" panose="020B0503020204020204" pitchFamily="34" charset="0"/>
+              <a:cs typeface="Consolas" panose="020B0609020204030204" pitchFamily="49" charset="0"/>
+            </a:endParaRPr>
+          </a:p>
+          <a:p>
+            <a:endParaRPr lang="en-US" smtClean="0">
+              <a:latin typeface="Consolas" panose="020B0609020204030204" pitchFamily="49" charset="0"/>
+              <a:cs typeface="Consolas" panose="020B0609020204030204" pitchFamily="49" charset="0"/>
+            </a:endParaRPr>
+          </a:p>
+          <a:p>
+            <a:endParaRPr lang="en-US">
+              <a:latin typeface="Consolas" panose="020B0609020204030204" pitchFamily="49" charset="0"/>
+              <a:cs typeface="Consolas" panose="020B0609020204030204" pitchFamily="49" charset="0"/>
+            </a:endParaRPr>
           </a:p>
         </p:txBody>
       </p:sp>
@@ -22133,7 +22288,7 @@
             </a:pPr>
             <a:r>
               <a:rPr lang="fi-FI" smtClean="0"/>
-              <a:t>2017-03-08</a:t>
+              <a:t>2018-02-06</a:t>
             </a:r>
             <a:endParaRPr lang="en-US"/>
           </a:p>
@@ -22171,20 +22326,13 @@
     </p:spTree>
     <p:extLst>
       <p:ext uri="{BB962C8B-B14F-4D97-AF65-F5344CB8AC3E}">
-        <p14:creationId xmlns:p14="http://schemas.microsoft.com/office/powerpoint/2010/main" val="4277279678"/>
+        <p14:creationId xmlns:p14="http://schemas.microsoft.com/office/powerpoint/2010/main" val="1633994728"/>
       </p:ext>
     </p:extLst>
   </p:cSld>
   <p:clrMapOvr>
     <a:masterClrMapping/>
   </p:clrMapOvr>
-  <p:timing>
-    <p:tnLst>
-      <p:par>
-        <p:cTn id="1" dur="indefinite" restart="never" nodeType="tmRoot"/>
-      </p:par>
-    </p:tnLst>
-  </p:timing>
 </p:sld>
 </file>
 
@@ -22221,8 +22369,12 @@
           <a:lstStyle/>
           <a:p>
             <a:r>
-              <a:rPr lang="en-US" smtClean="0"/>
-              <a:t>Pipe</a:t>
+              <a:rPr lang="fi-FI"/>
+              <a:t>3.2.4 </a:t>
+            </a:r>
+            <a:r>
+              <a:rPr lang="fi-FI" smtClean="0"/>
+              <a:t>Exercises</a:t>
             </a:r>
             <a:endParaRPr lang="en-US"/>
           </a:p>
@@ -22238,91 +22390,82 @@
             <p:ph idx="1"/>
           </p:nvPr>
         </p:nvSpPr>
-        <p:spPr>
-          <a:xfrm>
-            <a:off x="609600" y="1600200"/>
-            <a:ext cx="9247321" cy="4525963"/>
-          </a:xfrm>
-        </p:spPr>
+        <p:spPr/>
         <p:txBody>
           <a:bodyPr/>
           <a:lstStyle/>
           <a:p>
+            <a:pPr marL="457200" indent="-457200">
+              <a:buFont typeface="+mj-lt"/>
+              <a:buAutoNum type="arabicPeriod"/>
+            </a:pPr>
             <a:r>
               <a:rPr lang="en-US" smtClean="0"/>
-              <a:t>Piping improves readability of the R code, and also helps simultaneous thinking and writing</a:t>
-            </a:r>
-          </a:p>
-          <a:p>
+              <a:t>Run </a:t>
+            </a:r>
+            <a:r>
+              <a:rPr lang="en-US"/>
+              <a:t>ggplot(data = mpg). What do you see?</a:t>
+            </a:r>
+          </a:p>
+          <a:p>
+            <a:pPr marL="457200" indent="-457200">
+              <a:buFont typeface="+mj-lt"/>
+              <a:buAutoNum type="arabicPeriod"/>
+            </a:pPr>
             <a:r>
               <a:rPr lang="en-US" smtClean="0"/>
-              <a:t>Choose between these:</a:t>
-            </a:r>
-          </a:p>
-          <a:p>
-            <a:pPr lvl="1"/>
-            <a:r>
-              <a:rPr lang="en-US" i="1"/>
-              <a:t>iris.new &lt;- mutate(iris,s.area=Sepal.Width*Sepal.Length)</a:t>
-            </a:r>
-            <a:br>
-              <a:rPr lang="en-US" i="1"/>
-            </a:br>
-            <a:r>
-              <a:rPr lang="en-US" i="1"/>
-              <a:t>filter(iris.new,s.area&lt;15</a:t>
-            </a:r>
-            <a:r>
-              <a:rPr lang="en-US" i="1" smtClean="0"/>
-              <a:t>)</a:t>
-            </a:r>
-          </a:p>
-          <a:p>
-            <a:pPr lvl="1"/>
-            <a:r>
-              <a:rPr lang="en-US" i="1" smtClean="0"/>
-              <a:t>filter(mutate(iris,s.area=Sepal.Width*Sepal.Length),s.area&lt;15)</a:t>
-            </a:r>
-            <a:endParaRPr lang="en-US" i="1"/>
-          </a:p>
-          <a:p>
-            <a:pPr lvl="1"/>
-            <a:r>
-              <a:rPr lang="en-US" i="1" smtClean="0"/>
-              <a:t>mutate(iris,s.area=Sepal.Width*Sepal.Length) %&gt;% </a:t>
-            </a:r>
-            <a:br>
-              <a:rPr lang="en-US" i="1" smtClean="0"/>
-            </a:br>
-            <a:r>
-              <a:rPr lang="en-US" i="1" smtClean="0"/>
-              <a:t>filter(s.area&lt;15)</a:t>
-            </a:r>
-          </a:p>
-          <a:p>
+              <a:t>How </a:t>
+            </a:r>
+            <a:r>
+              <a:rPr lang="en-US"/>
+              <a:t>many rows are in mpg? How many columns?</a:t>
+            </a:r>
+          </a:p>
+          <a:p>
+            <a:pPr marL="457200" indent="-457200">
+              <a:buFont typeface="+mj-lt"/>
+              <a:buAutoNum type="arabicPeriod"/>
+            </a:pPr>
             <a:r>
               <a:rPr lang="en-US" smtClean="0"/>
-              <a:t>the result on the left becomes the first argument on the right:</a:t>
-            </a:r>
-            <a:br>
+              <a:t>What </a:t>
+            </a:r>
+            <a:r>
+              <a:rPr lang="en-US"/>
+              <a:t>does the drv variable describe? Read the help for ?mpg to find out.</a:t>
+            </a:r>
+          </a:p>
+          <a:p>
+            <a:pPr marL="457200" indent="-457200">
+              <a:buFont typeface="+mj-lt"/>
+              <a:buAutoNum type="arabicPeriod"/>
+            </a:pPr>
+            <a:r>
               <a:rPr lang="en-US" smtClean="0"/>
-            </a:br>
-            <a:r>
-              <a:rPr lang="en-US" i="1"/>
-              <a:t>firstfun(x) %&gt;% </a:t>
-            </a:r>
-            <a:r>
-              <a:rPr lang="en-US" i="1" smtClean="0"/>
-              <a:t>secondfun(y) </a:t>
+              <a:t>Make </a:t>
             </a:r>
             <a:r>
               <a:rPr lang="en-US"/>
-              <a:t>is the same as </a:t>
-            </a:r>
-            <a:r>
-              <a:rPr lang="en-US" i="1" smtClean="0"/>
-              <a:t>secondfun(firstfun(x),y)</a:t>
-            </a:r>
+              <a:t>a scatterplot of hwy vs cyl.</a:t>
+            </a:r>
+          </a:p>
+          <a:p>
+            <a:pPr marL="457200" indent="-457200">
+              <a:buFont typeface="+mj-lt"/>
+              <a:buAutoNum type="arabicPeriod"/>
+            </a:pPr>
+            <a:r>
+              <a:rPr lang="en-US" smtClean="0"/>
+              <a:t>What </a:t>
+            </a:r>
+            <a:r>
+              <a:rPr lang="en-US"/>
+              <a:t>happens if you make a scatterplot of class vs drv? Why is the plot not useful?</a:t>
+            </a:r>
+          </a:p>
+          <a:p>
+            <a:endParaRPr lang="en-US"/>
           </a:p>
         </p:txBody>
       </p:sp>
@@ -22346,7 +22489,7 @@
             </a:pPr>
             <a:r>
               <a:rPr lang="fi-FI" smtClean="0"/>
-              <a:t>2017-03-08</a:t>
+              <a:t>2018-02-06</a:t>
             </a:r>
             <a:endParaRPr lang="en-US"/>
           </a:p>
@@ -22384,20 +22527,13 @@
     </p:spTree>
     <p:extLst>
       <p:ext uri="{BB962C8B-B14F-4D97-AF65-F5344CB8AC3E}">
-        <p14:creationId xmlns:p14="http://schemas.microsoft.com/office/powerpoint/2010/main" val="1368817280"/>
+        <p14:creationId xmlns:p14="http://schemas.microsoft.com/office/powerpoint/2010/main" val="4134237844"/>
       </p:ext>
     </p:extLst>
   </p:cSld>
   <p:clrMapOvr>
     <a:masterClrMapping/>
   </p:clrMapOvr>
-  <p:timing>
-    <p:tnLst>
-      <p:par>
-        <p:cTn id="1" dur="indefinite" restart="never" nodeType="tmRoot"/>
-      </p:par>
-    </p:tnLst>
-  </p:timing>
 </p:sld>
 </file>
 
@@ -22434,8 +22570,8 @@
           <a:lstStyle/>
           <a:p>
             <a:r>
-              <a:rPr lang="en-US" smtClean="0"/>
-              <a:t>Tidy data</a:t>
+              <a:rPr lang="fi-FI" smtClean="0"/>
+              <a:t>3.3 Aesthetic mapping</a:t>
             </a:r>
             <a:endParaRPr lang="en-US"/>
           </a:p>
@@ -22457,108 +22593,147 @@
           <a:lstStyle/>
           <a:p>
             <a:r>
-              <a:rPr lang="en-US" dirty="0" smtClean="0"/>
-              <a:t>Please also read through the vignette of </a:t>
-            </a:r>
-            <a:r>
-              <a:rPr lang="en-US" i="1" dirty="0" err="1" smtClean="0"/>
-              <a:t>tidyr</a:t>
-            </a:r>
-            <a:r>
-              <a:rPr lang="en-US" dirty="0" smtClean="0"/>
-              <a:t> package and/or the JSS article</a:t>
-            </a:r>
-          </a:p>
-          <a:p>
-            <a:r>
-              <a:rPr lang="en-US" dirty="0" smtClean="0"/>
-              <a:t>The short version:</a:t>
-            </a:r>
-          </a:p>
-          <a:p>
-            <a:pPr lvl="1"/>
-            <a:r>
-              <a:rPr lang="en-US" dirty="0" smtClean="0"/>
-              <a:t>you want single columns to be single variables</a:t>
-            </a:r>
-          </a:p>
-          <a:p>
-            <a:pPr lvl="1"/>
-            <a:r>
-              <a:rPr lang="en-US" dirty="0" smtClean="0"/>
-              <a:t>you want single rows to be single observations</a:t>
-            </a:r>
-          </a:p>
-          <a:p>
-            <a:pPr lvl="1"/>
-            <a:r>
-              <a:rPr lang="en-US" dirty="0" smtClean="0"/>
-              <a:t>(you want one type of data in one table)</a:t>
-            </a:r>
-          </a:p>
-          <a:p>
-            <a:r>
-              <a:rPr lang="en-US" dirty="0" smtClean="0"/>
-              <a:t>All of </a:t>
-            </a:r>
-            <a:r>
-              <a:rPr lang="en-US" i="1" dirty="0" err="1" smtClean="0"/>
-              <a:t>tidyverse</a:t>
-            </a:r>
-            <a:r>
-              <a:rPr lang="en-US" dirty="0" smtClean="0"/>
-              <a:t> </a:t>
-            </a:r>
-            <a:r>
-              <a:rPr lang="en-US" smtClean="0"/>
-              <a:t>(</a:t>
-            </a:r>
-            <a:r>
-              <a:rPr lang="en-US" i="1" smtClean="0"/>
-              <a:t>ggplot2</a:t>
-            </a:r>
-            <a:r>
-              <a:rPr lang="en-US" smtClean="0"/>
-              <a:t> </a:t>
-            </a:r>
-            <a:r>
-              <a:rPr lang="en-US" dirty="0" smtClean="0"/>
-              <a:t>in particular) relies on this idea</a:t>
-            </a:r>
-          </a:p>
-          <a:p>
-            <a:pPr lvl="1"/>
-            <a:r>
-              <a:rPr lang="en-US" dirty="0" smtClean="0"/>
-              <a:t>but some other packages / software might not, and you have to deal with this</a:t>
-            </a:r>
-          </a:p>
-          <a:p>
-            <a:r>
-              <a:rPr lang="en-US" dirty="0" smtClean="0"/>
-              <a:t>The relevant functions are </a:t>
-            </a:r>
-            <a:r>
-              <a:rPr lang="en-US" i="1" dirty="0" smtClean="0"/>
-              <a:t>gather</a:t>
-            </a:r>
-            <a:r>
-              <a:rPr lang="en-US" dirty="0" smtClean="0"/>
-              <a:t> and </a:t>
-            </a:r>
-            <a:r>
-              <a:rPr lang="en-US" i="1" dirty="0" smtClean="0"/>
-              <a:t>spread</a:t>
-            </a:r>
-            <a:r>
-              <a:rPr lang="en-US" dirty="0" smtClean="0"/>
-              <a:t>, and </a:t>
-            </a:r>
-            <a:r>
-              <a:rPr lang="en-US" i="1" dirty="0" smtClean="0"/>
-              <a:t>separate</a:t>
-            </a:r>
-            <a:endParaRPr lang="en-US" i="1" dirty="0"/>
+              <a:rPr lang="en-US">
+                <a:latin typeface="Consolas" panose="020B0609020204030204" pitchFamily="49" charset="0"/>
+                <a:cs typeface="Consolas" panose="020B0609020204030204" pitchFamily="49" charset="0"/>
+              </a:rPr>
+              <a:t>ggplot(data = mpg) + </a:t>
+            </a:r>
+            <a:r>
+              <a:rPr lang="en-US" smtClean="0">
+                <a:latin typeface="Consolas" panose="020B0609020204030204" pitchFamily="49" charset="0"/>
+                <a:cs typeface="Consolas" panose="020B0609020204030204" pitchFamily="49" charset="0"/>
+              </a:rPr>
+              <a:t/>
+            </a:r>
+            <a:br>
+              <a:rPr lang="en-US" smtClean="0">
+                <a:latin typeface="Consolas" panose="020B0609020204030204" pitchFamily="49" charset="0"/>
+                <a:cs typeface="Consolas" panose="020B0609020204030204" pitchFamily="49" charset="0"/>
+              </a:rPr>
+            </a:br>
+            <a:r>
+              <a:rPr lang="en-US" smtClean="0">
+                <a:latin typeface="Consolas" panose="020B0609020204030204" pitchFamily="49" charset="0"/>
+                <a:cs typeface="Consolas" panose="020B0609020204030204" pitchFamily="49" charset="0"/>
+              </a:rPr>
+              <a:t>geom_point(mapping </a:t>
+            </a:r>
+            <a:r>
+              <a:rPr lang="en-US">
+                <a:latin typeface="Consolas" panose="020B0609020204030204" pitchFamily="49" charset="0"/>
+                <a:cs typeface="Consolas" panose="020B0609020204030204" pitchFamily="49" charset="0"/>
+              </a:rPr>
+              <a:t>= aes(x = displ</a:t>
+            </a:r>
+            <a:r>
+              <a:rPr lang="en-US" smtClean="0">
+                <a:latin typeface="Consolas" panose="020B0609020204030204" pitchFamily="49" charset="0"/>
+                <a:cs typeface="Consolas" panose="020B0609020204030204" pitchFamily="49" charset="0"/>
+              </a:rPr>
+              <a:t>, </a:t>
+            </a:r>
+            <a:r>
+              <a:rPr lang="en-US">
+                <a:latin typeface="Consolas" panose="020B0609020204030204" pitchFamily="49" charset="0"/>
+                <a:cs typeface="Consolas" panose="020B0609020204030204" pitchFamily="49" charset="0"/>
+              </a:rPr>
+              <a:t>y = </a:t>
+            </a:r>
+            <a:r>
+              <a:rPr lang="en-US" smtClean="0">
+                <a:latin typeface="Consolas" panose="020B0609020204030204" pitchFamily="49" charset="0"/>
+                <a:cs typeface="Consolas" panose="020B0609020204030204" pitchFamily="49" charset="0"/>
+              </a:rPr>
+              <a:t>hwy, </a:t>
+            </a:r>
+            <a:r>
+              <a:rPr lang="en-US" b="1" smtClean="0">
+                <a:latin typeface="Consolas" panose="020B0609020204030204" pitchFamily="49" charset="0"/>
+                <a:cs typeface="Consolas" panose="020B0609020204030204" pitchFamily="49" charset="0"/>
+              </a:rPr>
+              <a:t>color = class</a:t>
+            </a:r>
+            <a:r>
+              <a:rPr lang="en-US" smtClean="0">
+                <a:latin typeface="Consolas" panose="020B0609020204030204" pitchFamily="49" charset="0"/>
+                <a:cs typeface="Consolas" panose="020B0609020204030204" pitchFamily="49" charset="0"/>
+              </a:rPr>
+              <a:t>))</a:t>
+            </a:r>
+          </a:p>
+          <a:p>
+            <a:r>
+              <a:rPr lang="en-US" smtClean="0">
+                <a:latin typeface="Corbel" panose="020B0503020204020204" pitchFamily="34" charset="0"/>
+                <a:cs typeface="Consolas" panose="020B0609020204030204" pitchFamily="49" charset="0"/>
+              </a:rPr>
+              <a:t>"Hey ggplot! I want to make a plot with this dataset mpg </a:t>
+            </a:r>
+            <a:br>
+              <a:rPr lang="en-US" smtClean="0">
+                <a:latin typeface="Corbel" panose="020B0503020204020204" pitchFamily="34" charset="0"/>
+                <a:cs typeface="Consolas" panose="020B0609020204030204" pitchFamily="49" charset="0"/>
+              </a:rPr>
+            </a:br>
+            <a:r>
+              <a:rPr lang="en-US" smtClean="0">
+                <a:latin typeface="Corbel" panose="020B0503020204020204" pitchFamily="34" charset="0"/>
+                <a:cs typeface="Consolas" panose="020B0609020204030204" pitchFamily="49" charset="0"/>
+              </a:rPr>
+              <a:t>and</a:t>
+            </a:r>
+            <a:br>
+              <a:rPr lang="en-US" smtClean="0">
+                <a:latin typeface="Corbel" panose="020B0503020204020204" pitchFamily="34" charset="0"/>
+                <a:cs typeface="Consolas" panose="020B0609020204030204" pitchFamily="49" charset="0"/>
+              </a:rPr>
+            </a:br>
+            <a:r>
+              <a:rPr lang="en-US" smtClean="0">
+                <a:latin typeface="Corbel" panose="020B0503020204020204" pitchFamily="34" charset="0"/>
+                <a:cs typeface="Consolas" panose="020B0609020204030204" pitchFamily="49" charset="0"/>
+              </a:rPr>
+              <a:t>I want there to be points with displ as x-coordinate and hwy as y-coordinate and </a:t>
+            </a:r>
+            <a:r>
+              <a:rPr lang="en-US" b="1" smtClean="0">
+                <a:latin typeface="Corbel" panose="020B0503020204020204" pitchFamily="34" charset="0"/>
+                <a:cs typeface="Consolas" panose="020B0609020204030204" pitchFamily="49" charset="0"/>
+              </a:rPr>
+              <a:t>class as color</a:t>
+            </a:r>
+            <a:r>
+              <a:rPr lang="en-US" smtClean="0">
+                <a:latin typeface="Corbel" panose="020B0503020204020204" pitchFamily="34" charset="0"/>
+                <a:cs typeface="Consolas" panose="020B0609020204030204" pitchFamily="49" charset="0"/>
+              </a:rPr>
+              <a:t>."</a:t>
+            </a:r>
+          </a:p>
+          <a:p>
+            <a:r>
+              <a:rPr lang="en-US" smtClean="0">
+                <a:latin typeface="Corbel" panose="020B0503020204020204" pitchFamily="34" charset="0"/>
+                <a:cs typeface="Consolas" panose="020B0609020204030204" pitchFamily="49" charset="0"/>
+              </a:rPr>
+              <a:t>There's also size, shape, alpha...</a:t>
+            </a:r>
+          </a:p>
+          <a:p>
+            <a:r>
+              <a:rPr lang="en-US" smtClean="0">
+                <a:latin typeface="Corbel" panose="020B0503020204020204" pitchFamily="34" charset="0"/>
+                <a:cs typeface="Consolas" panose="020B0609020204030204" pitchFamily="49" charset="0"/>
+              </a:rPr>
+              <a:t>NB: "and they should be blue" is not an aesthetic mapping!</a:t>
+            </a:r>
+          </a:p>
+          <a:p>
+            <a:endParaRPr lang="en-US">
+              <a:latin typeface="+mn-lt"/>
+              <a:cs typeface="Consolas" panose="020B0609020204030204" pitchFamily="49" charset="0"/>
+            </a:endParaRPr>
           </a:p>
         </p:txBody>
       </p:sp>
@@ -22582,7 +22757,7 @@
             </a:pPr>
             <a:r>
               <a:rPr lang="fi-FI" smtClean="0"/>
-              <a:t>2017-03-08</a:t>
+              <a:t>2018-02-06</a:t>
             </a:r>
             <a:endParaRPr lang="en-US"/>
           </a:p>
@@ -22612,6 +22787,5052 @@
                 <a:defRPr/>
               </a:pPr>
               <a:t>13</a:t>
+            </a:fld>
+            <a:endParaRPr lang="en-US"/>
+          </a:p>
+        </p:txBody>
+      </p:sp>
+    </p:spTree>
+    <p:extLst>
+      <p:ext uri="{BB962C8B-B14F-4D97-AF65-F5344CB8AC3E}">
+        <p14:creationId xmlns:p14="http://schemas.microsoft.com/office/powerpoint/2010/main" val="4272200509"/>
+      </p:ext>
+    </p:extLst>
+  </p:cSld>
+  <p:clrMapOvr>
+    <a:masterClrMapping/>
+  </p:clrMapOvr>
+</p:sld>
+</file>
+
+<file path=ppt/slides/slide14.xml><?xml version="1.0" encoding="utf-8"?>
+<p:sld xmlns:a="http://schemas.openxmlformats.org/drawingml/2006/main" xmlns:r="http://schemas.openxmlformats.org/officeDocument/2006/relationships" xmlns:p="http://schemas.openxmlformats.org/presentationml/2006/main">
+  <p:cSld>
+    <p:spTree>
+      <p:nvGrpSpPr>
+        <p:cNvPr id="1" name=""/>
+        <p:cNvGrpSpPr/>
+        <p:nvPr/>
+      </p:nvGrpSpPr>
+      <p:grpSpPr>
+        <a:xfrm>
+          <a:off x="0" y="0"/>
+          <a:ext cx="0" cy="0"/>
+          <a:chOff x="0" y="0"/>
+          <a:chExt cx="0" cy="0"/>
+        </a:xfrm>
+      </p:grpSpPr>
+      <p:sp>
+        <p:nvSpPr>
+          <p:cNvPr id="2" name="Title 1"/>
+          <p:cNvSpPr>
+            <a:spLocks noGrp="1"/>
+          </p:cNvSpPr>
+          <p:nvPr>
+            <p:ph type="title"/>
+          </p:nvPr>
+        </p:nvSpPr>
+        <p:spPr/>
+        <p:txBody>
+          <a:bodyPr/>
+          <a:lstStyle/>
+          <a:p>
+            <a:r>
+              <a:rPr lang="fi-FI"/>
+              <a:t>3.3.1 </a:t>
+            </a:r>
+            <a:r>
+              <a:rPr lang="fi-FI" smtClean="0"/>
+              <a:t>Exercises</a:t>
+            </a:r>
+            <a:endParaRPr lang="en-US"/>
+          </a:p>
+        </p:txBody>
+      </p:sp>
+      <p:sp>
+        <p:nvSpPr>
+          <p:cNvPr id="3" name="Content Placeholder 2"/>
+          <p:cNvSpPr>
+            <a:spLocks noGrp="1"/>
+          </p:cNvSpPr>
+          <p:nvPr>
+            <p:ph idx="1"/>
+          </p:nvPr>
+        </p:nvSpPr>
+        <p:spPr>
+          <a:xfrm>
+            <a:off x="609600" y="1600200"/>
+            <a:ext cx="9796529" cy="4525963"/>
+          </a:xfrm>
+        </p:spPr>
+        <p:txBody>
+          <a:bodyPr/>
+          <a:lstStyle/>
+          <a:p>
+            <a:pPr marL="457200" indent="-457200">
+              <a:buFont typeface="+mj-lt"/>
+              <a:buAutoNum type="arabicPeriod"/>
+            </a:pPr>
+            <a:r>
+              <a:rPr lang="en-US" sz="1600"/>
+              <a:t>What’s gone wrong with this code? Why are the points not </a:t>
+            </a:r>
+            <a:r>
+              <a:rPr lang="en-US" sz="1600" smtClean="0"/>
+              <a:t>blue? </a:t>
+            </a:r>
+            <a:br>
+              <a:rPr lang="en-US" sz="1600" smtClean="0"/>
+            </a:br>
+            <a:r>
+              <a:rPr lang="en-US" sz="1600" smtClean="0">
+                <a:latin typeface="Consolas" panose="020B0609020204030204" pitchFamily="49" charset="0"/>
+                <a:cs typeface="Consolas" panose="020B0609020204030204" pitchFamily="49" charset="0"/>
+              </a:rPr>
+              <a:t>ggplot(data </a:t>
+            </a:r>
+            <a:r>
+              <a:rPr lang="en-US" sz="1600">
+                <a:latin typeface="Consolas" panose="020B0609020204030204" pitchFamily="49" charset="0"/>
+                <a:cs typeface="Consolas" panose="020B0609020204030204" pitchFamily="49" charset="0"/>
+              </a:rPr>
+              <a:t>= mpg) + </a:t>
+            </a:r>
+            <a:r>
+              <a:rPr lang="en-US" sz="1600" smtClean="0">
+                <a:latin typeface="Consolas" panose="020B0609020204030204" pitchFamily="49" charset="0"/>
+                <a:cs typeface="Consolas" panose="020B0609020204030204" pitchFamily="49" charset="0"/>
+              </a:rPr>
+              <a:t>geom_point(mapping </a:t>
+            </a:r>
+            <a:r>
+              <a:rPr lang="en-US" sz="1600">
+                <a:latin typeface="Consolas" panose="020B0609020204030204" pitchFamily="49" charset="0"/>
+                <a:cs typeface="Consolas" panose="020B0609020204030204" pitchFamily="49" charset="0"/>
+              </a:rPr>
+              <a:t>= aes(x = displ, y = hwy, color = "blue</a:t>
+            </a:r>
+            <a:r>
+              <a:rPr lang="en-US" sz="1600" smtClean="0">
+                <a:latin typeface="Consolas" panose="020B0609020204030204" pitchFamily="49" charset="0"/>
+                <a:cs typeface="Consolas" panose="020B0609020204030204" pitchFamily="49" charset="0"/>
+              </a:rPr>
+              <a:t>"))</a:t>
+            </a:r>
+          </a:p>
+          <a:p>
+            <a:pPr marL="457200" indent="-457200">
+              <a:buFont typeface="+mj-lt"/>
+              <a:buAutoNum type="arabicPeriod"/>
+            </a:pPr>
+            <a:r>
+              <a:rPr lang="en-US" sz="1600"/>
+              <a:t>Which variables in mpg are categorical? Which variables are continuous? (Hint: type ?mpg to read the documentation for the dataset). How can you see this information when you run mpg</a:t>
+            </a:r>
+            <a:r>
+              <a:rPr lang="en-US" sz="1600" smtClean="0"/>
+              <a:t>?</a:t>
+            </a:r>
+            <a:endParaRPr lang="en-US" sz="1600"/>
+          </a:p>
+          <a:p>
+            <a:pPr marL="457200" indent="-457200">
+              <a:buFont typeface="+mj-lt"/>
+              <a:buAutoNum type="arabicPeriod"/>
+            </a:pPr>
+            <a:r>
+              <a:rPr lang="en-US" sz="1600"/>
+              <a:t>Map a continuous variable to color, size, and shape. How do these aesthetics behave differently for categorical vs. continuous variables</a:t>
+            </a:r>
+            <a:r>
+              <a:rPr lang="en-US" sz="1600" smtClean="0"/>
+              <a:t>?</a:t>
+            </a:r>
+            <a:endParaRPr lang="en-US" sz="1600"/>
+          </a:p>
+          <a:p>
+            <a:pPr marL="457200" indent="-457200">
+              <a:buFont typeface="+mj-lt"/>
+              <a:buAutoNum type="arabicPeriod"/>
+            </a:pPr>
+            <a:r>
+              <a:rPr lang="en-US" sz="1600"/>
+              <a:t>What happens if you map the same variable to multiple aesthetics</a:t>
+            </a:r>
+            <a:r>
+              <a:rPr lang="en-US" sz="1600" smtClean="0"/>
+              <a:t>?</a:t>
+            </a:r>
+            <a:endParaRPr lang="en-US" sz="1600"/>
+          </a:p>
+          <a:p>
+            <a:pPr marL="457200" indent="-457200">
+              <a:buFont typeface="+mj-lt"/>
+              <a:buAutoNum type="arabicPeriod"/>
+            </a:pPr>
+            <a:r>
+              <a:rPr lang="en-US" sz="1600"/>
+              <a:t>What does the stroke aesthetic do? What shapes does it work with? (Hint: use ?geom_point</a:t>
+            </a:r>
+            <a:r>
+              <a:rPr lang="en-US" sz="1600" smtClean="0"/>
+              <a:t>)</a:t>
+            </a:r>
+            <a:endParaRPr lang="en-US" sz="1600"/>
+          </a:p>
+          <a:p>
+            <a:pPr marL="457200" indent="-457200">
+              <a:buFont typeface="+mj-lt"/>
+              <a:buAutoNum type="arabicPeriod"/>
+            </a:pPr>
+            <a:r>
+              <a:rPr lang="en-US" sz="1600"/>
+              <a:t>What happens if you map an aesthetic to something other than a variable name, like aes(colour = displ &lt; 5)?</a:t>
+            </a:r>
+          </a:p>
+          <a:p>
+            <a:r>
+              <a:rPr lang="en-US" sz="1600" smtClean="0"/>
+              <a:t>Suggested order/importance: 1 through 3</a:t>
+            </a:r>
+          </a:p>
+          <a:p>
+            <a:endParaRPr lang="en-US" sz="1600"/>
+          </a:p>
+        </p:txBody>
+      </p:sp>
+      <p:sp>
+        <p:nvSpPr>
+          <p:cNvPr id="4" name="Date Placeholder 3"/>
+          <p:cNvSpPr>
+            <a:spLocks noGrp="1"/>
+          </p:cNvSpPr>
+          <p:nvPr>
+            <p:ph type="dt" sz="half" idx="10"/>
+          </p:nvPr>
+        </p:nvSpPr>
+        <p:spPr/>
+        <p:txBody>
+          <a:bodyPr/>
+          <a:lstStyle/>
+          <a:p>
+            <a:pPr>
+              <a:defRPr/>
+            </a:pPr>
+            <a:r>
+              <a:rPr lang="fi-FI" smtClean="0"/>
+              <a:t>2018-02-06</a:t>
+            </a:r>
+            <a:endParaRPr lang="en-US"/>
+          </a:p>
+        </p:txBody>
+      </p:sp>
+      <p:sp>
+        <p:nvSpPr>
+          <p:cNvPr id="5" name="Slide Number Placeholder 4"/>
+          <p:cNvSpPr>
+            <a:spLocks noGrp="1"/>
+          </p:cNvSpPr>
+          <p:nvPr>
+            <p:ph type="sldNum" sz="quarter" idx="12"/>
+          </p:nvPr>
+        </p:nvSpPr>
+        <p:spPr/>
+        <p:txBody>
+          <a:bodyPr/>
+          <a:lstStyle/>
+          <a:p>
+            <a:pPr>
+              <a:defRPr/>
+            </a:pPr>
+            <a:fld id="{2BC46539-7FEE-8846-9EF1-6D13C0293C6C}" type="slidenum">
+              <a:rPr lang="en-US" smtClean="0"/>
+              <a:pPr>
+                <a:defRPr/>
+              </a:pPr>
+              <a:t>14</a:t>
+            </a:fld>
+            <a:endParaRPr lang="en-US"/>
+          </a:p>
+        </p:txBody>
+      </p:sp>
+    </p:spTree>
+    <p:extLst>
+      <p:ext uri="{BB962C8B-B14F-4D97-AF65-F5344CB8AC3E}">
+        <p14:creationId xmlns:p14="http://schemas.microsoft.com/office/powerpoint/2010/main" val="3654264167"/>
+      </p:ext>
+    </p:extLst>
+  </p:cSld>
+  <p:clrMapOvr>
+    <a:masterClrMapping/>
+  </p:clrMapOvr>
+</p:sld>
+</file>
+
+<file path=ppt/slides/slide15.xml><?xml version="1.0" encoding="utf-8"?>
+<p:sld xmlns:a="http://schemas.openxmlformats.org/drawingml/2006/main" xmlns:r="http://schemas.openxmlformats.org/officeDocument/2006/relationships" xmlns:p="http://schemas.openxmlformats.org/presentationml/2006/main">
+  <p:cSld>
+    <p:spTree>
+      <p:nvGrpSpPr>
+        <p:cNvPr id="1" name=""/>
+        <p:cNvGrpSpPr/>
+        <p:nvPr/>
+      </p:nvGrpSpPr>
+      <p:grpSpPr>
+        <a:xfrm>
+          <a:off x="0" y="0"/>
+          <a:ext cx="0" cy="0"/>
+          <a:chOff x="0" y="0"/>
+          <a:chExt cx="0" cy="0"/>
+        </a:xfrm>
+      </p:grpSpPr>
+      <p:sp>
+        <p:nvSpPr>
+          <p:cNvPr id="2" name="Title 1"/>
+          <p:cNvSpPr>
+            <a:spLocks noGrp="1"/>
+          </p:cNvSpPr>
+          <p:nvPr>
+            <p:ph type="title"/>
+          </p:nvPr>
+        </p:nvSpPr>
+        <p:spPr/>
+        <p:txBody>
+          <a:bodyPr/>
+          <a:lstStyle/>
+          <a:p>
+            <a:r>
+              <a:rPr lang="fi-FI" smtClean="0"/>
+              <a:t>3.5 Facets</a:t>
+            </a:r>
+            <a:endParaRPr lang="en-US"/>
+          </a:p>
+        </p:txBody>
+      </p:sp>
+      <p:sp>
+        <p:nvSpPr>
+          <p:cNvPr id="3" name="Content Placeholder 2"/>
+          <p:cNvSpPr>
+            <a:spLocks noGrp="1"/>
+          </p:cNvSpPr>
+          <p:nvPr>
+            <p:ph idx="1"/>
+          </p:nvPr>
+        </p:nvSpPr>
+        <p:spPr>
+          <a:xfrm>
+            <a:off x="609600" y="1600200"/>
+            <a:ext cx="8560157" cy="4525963"/>
+          </a:xfrm>
+        </p:spPr>
+        <p:txBody>
+          <a:bodyPr/>
+          <a:lstStyle/>
+          <a:p>
+            <a:r>
+              <a:rPr lang="en-US">
+                <a:latin typeface="Consolas" panose="020B0609020204030204" pitchFamily="49" charset="0"/>
+                <a:cs typeface="Consolas" panose="020B0609020204030204" pitchFamily="49" charset="0"/>
+              </a:rPr>
+              <a:t>ggplot(data = mpg) + </a:t>
+            </a:r>
+            <a:r>
+              <a:rPr lang="en-US" smtClean="0">
+                <a:latin typeface="Consolas" panose="020B0609020204030204" pitchFamily="49" charset="0"/>
+                <a:cs typeface="Consolas" panose="020B0609020204030204" pitchFamily="49" charset="0"/>
+              </a:rPr>
+              <a:t/>
+            </a:r>
+            <a:br>
+              <a:rPr lang="en-US" smtClean="0">
+                <a:latin typeface="Consolas" panose="020B0609020204030204" pitchFamily="49" charset="0"/>
+                <a:cs typeface="Consolas" panose="020B0609020204030204" pitchFamily="49" charset="0"/>
+              </a:rPr>
+            </a:br>
+            <a:r>
+              <a:rPr lang="en-US" smtClean="0">
+                <a:latin typeface="Consolas" panose="020B0609020204030204" pitchFamily="49" charset="0"/>
+                <a:cs typeface="Consolas" panose="020B0609020204030204" pitchFamily="49" charset="0"/>
+              </a:rPr>
+              <a:t>geom_point(mapping </a:t>
+            </a:r>
+            <a:r>
+              <a:rPr lang="en-US">
+                <a:latin typeface="Consolas" panose="020B0609020204030204" pitchFamily="49" charset="0"/>
+                <a:cs typeface="Consolas" panose="020B0609020204030204" pitchFamily="49" charset="0"/>
+              </a:rPr>
+              <a:t>= aes(x = displ</a:t>
+            </a:r>
+            <a:r>
+              <a:rPr lang="en-US" smtClean="0">
+                <a:latin typeface="Consolas" panose="020B0609020204030204" pitchFamily="49" charset="0"/>
+                <a:cs typeface="Consolas" panose="020B0609020204030204" pitchFamily="49" charset="0"/>
+              </a:rPr>
+              <a:t>, </a:t>
+            </a:r>
+            <a:r>
+              <a:rPr lang="en-US">
+                <a:latin typeface="Consolas" panose="020B0609020204030204" pitchFamily="49" charset="0"/>
+                <a:cs typeface="Consolas" panose="020B0609020204030204" pitchFamily="49" charset="0"/>
+              </a:rPr>
+              <a:t>y = hwy)) +</a:t>
+            </a:r>
+            <a:br>
+              <a:rPr lang="en-US">
+                <a:latin typeface="Consolas" panose="020B0609020204030204" pitchFamily="49" charset="0"/>
+                <a:cs typeface="Consolas" panose="020B0609020204030204" pitchFamily="49" charset="0"/>
+              </a:rPr>
+            </a:br>
+            <a:r>
+              <a:rPr lang="en-US" b="1">
+                <a:latin typeface="Consolas" panose="020B0609020204030204" pitchFamily="49" charset="0"/>
+                <a:cs typeface="Consolas" panose="020B0609020204030204" pitchFamily="49" charset="0"/>
+              </a:rPr>
+              <a:t>facet_wrap(~ class, nrow = 2)</a:t>
+            </a:r>
+          </a:p>
+          <a:p>
+            <a:r>
+              <a:rPr lang="en-US" smtClean="0">
+                <a:latin typeface="Corbel" panose="020B0503020204020204" pitchFamily="34" charset="0"/>
+                <a:cs typeface="Consolas" panose="020B0609020204030204" pitchFamily="49" charset="0"/>
+              </a:rPr>
+              <a:t>"Hey ggplot! I want to make a plot with this dataset mpg </a:t>
+            </a:r>
+            <a:br>
+              <a:rPr lang="en-US" smtClean="0">
+                <a:latin typeface="Corbel" panose="020B0503020204020204" pitchFamily="34" charset="0"/>
+                <a:cs typeface="Consolas" panose="020B0609020204030204" pitchFamily="49" charset="0"/>
+              </a:rPr>
+            </a:br>
+            <a:r>
+              <a:rPr lang="en-US" smtClean="0">
+                <a:latin typeface="Corbel" panose="020B0503020204020204" pitchFamily="34" charset="0"/>
+                <a:cs typeface="Consolas" panose="020B0609020204030204" pitchFamily="49" charset="0"/>
+              </a:rPr>
+              <a:t>and</a:t>
+            </a:r>
+            <a:br>
+              <a:rPr lang="en-US" smtClean="0">
+                <a:latin typeface="Corbel" panose="020B0503020204020204" pitchFamily="34" charset="0"/>
+                <a:cs typeface="Consolas" panose="020B0609020204030204" pitchFamily="49" charset="0"/>
+              </a:rPr>
+            </a:br>
+            <a:r>
+              <a:rPr lang="en-US" smtClean="0">
+                <a:latin typeface="Corbel" panose="020B0503020204020204" pitchFamily="34" charset="0"/>
+                <a:cs typeface="Consolas" panose="020B0609020204030204" pitchFamily="49" charset="0"/>
+              </a:rPr>
+              <a:t>I want there to be points with displ as x-coordinate and hwy as y-coordinate.</a:t>
+            </a:r>
+            <a:br>
+              <a:rPr lang="en-US" smtClean="0">
+                <a:latin typeface="Corbel" panose="020B0503020204020204" pitchFamily="34" charset="0"/>
+                <a:cs typeface="Consolas" panose="020B0609020204030204" pitchFamily="49" charset="0"/>
+              </a:rPr>
+            </a:br>
+            <a:r>
+              <a:rPr lang="en-US" smtClean="0">
+                <a:latin typeface="Corbel" panose="020B0503020204020204" pitchFamily="34" charset="0"/>
+                <a:cs typeface="Consolas" panose="020B0609020204030204" pitchFamily="49" charset="0"/>
+              </a:rPr>
+              <a:t>and</a:t>
+            </a:r>
+            <a:br>
+              <a:rPr lang="en-US" smtClean="0">
+                <a:latin typeface="Corbel" panose="020B0503020204020204" pitchFamily="34" charset="0"/>
+                <a:cs typeface="Consolas" panose="020B0609020204030204" pitchFamily="49" charset="0"/>
+              </a:rPr>
+            </a:br>
+            <a:r>
+              <a:rPr lang="en-US" smtClean="0">
+                <a:latin typeface="Corbel" panose="020B0503020204020204" pitchFamily="34" charset="0"/>
+                <a:cs typeface="Consolas" panose="020B0609020204030204" pitchFamily="49" charset="0"/>
+              </a:rPr>
+              <a:t>they should be </a:t>
+            </a:r>
+            <a:r>
+              <a:rPr lang="en-US" b="1" smtClean="0">
+                <a:latin typeface="Corbel" panose="020B0503020204020204" pitchFamily="34" charset="0"/>
+                <a:cs typeface="Consolas" panose="020B0609020204030204" pitchFamily="49" charset="0"/>
+              </a:rPr>
+              <a:t>faceted by class</a:t>
+            </a:r>
+            <a:r>
+              <a:rPr lang="en-US" smtClean="0">
+                <a:latin typeface="Corbel" panose="020B0503020204020204" pitchFamily="34" charset="0"/>
+                <a:cs typeface="Consolas" panose="020B0609020204030204" pitchFamily="49" charset="0"/>
+              </a:rPr>
+              <a:t>, wrapping on two rows."</a:t>
+            </a:r>
+          </a:p>
+          <a:p>
+            <a:endParaRPr lang="en-US">
+              <a:latin typeface="+mn-lt"/>
+              <a:cs typeface="Consolas" panose="020B0609020204030204" pitchFamily="49" charset="0"/>
+            </a:endParaRPr>
+          </a:p>
+        </p:txBody>
+      </p:sp>
+      <p:sp>
+        <p:nvSpPr>
+          <p:cNvPr id="4" name="Date Placeholder 3"/>
+          <p:cNvSpPr>
+            <a:spLocks noGrp="1"/>
+          </p:cNvSpPr>
+          <p:nvPr>
+            <p:ph type="dt" sz="half" idx="10"/>
+          </p:nvPr>
+        </p:nvSpPr>
+        <p:spPr/>
+        <p:txBody>
+          <a:bodyPr/>
+          <a:lstStyle/>
+          <a:p>
+            <a:pPr>
+              <a:defRPr/>
+            </a:pPr>
+            <a:r>
+              <a:rPr lang="fi-FI" smtClean="0"/>
+              <a:t>2018-02-06</a:t>
+            </a:r>
+            <a:endParaRPr lang="en-US"/>
+          </a:p>
+        </p:txBody>
+      </p:sp>
+      <p:sp>
+        <p:nvSpPr>
+          <p:cNvPr id="5" name="Slide Number Placeholder 4"/>
+          <p:cNvSpPr>
+            <a:spLocks noGrp="1"/>
+          </p:cNvSpPr>
+          <p:nvPr>
+            <p:ph type="sldNum" sz="quarter" idx="12"/>
+          </p:nvPr>
+        </p:nvSpPr>
+        <p:spPr/>
+        <p:txBody>
+          <a:bodyPr/>
+          <a:lstStyle/>
+          <a:p>
+            <a:pPr>
+              <a:defRPr/>
+            </a:pPr>
+            <a:fld id="{2BC46539-7FEE-8846-9EF1-6D13C0293C6C}" type="slidenum">
+              <a:rPr lang="en-US" smtClean="0"/>
+              <a:pPr>
+                <a:defRPr/>
+              </a:pPr>
+              <a:t>15</a:t>
+            </a:fld>
+            <a:endParaRPr lang="en-US"/>
+          </a:p>
+        </p:txBody>
+      </p:sp>
+    </p:spTree>
+    <p:extLst>
+      <p:ext uri="{BB962C8B-B14F-4D97-AF65-F5344CB8AC3E}">
+        <p14:creationId xmlns:p14="http://schemas.microsoft.com/office/powerpoint/2010/main" val="2208426685"/>
+      </p:ext>
+    </p:extLst>
+  </p:cSld>
+  <p:clrMapOvr>
+    <a:masterClrMapping/>
+  </p:clrMapOvr>
+</p:sld>
+</file>
+
+<file path=ppt/slides/slide16.xml><?xml version="1.0" encoding="utf-8"?>
+<p:sld xmlns:a="http://schemas.openxmlformats.org/drawingml/2006/main" xmlns:r="http://schemas.openxmlformats.org/officeDocument/2006/relationships" xmlns:p="http://schemas.openxmlformats.org/presentationml/2006/main">
+  <p:cSld>
+    <p:spTree>
+      <p:nvGrpSpPr>
+        <p:cNvPr id="1" name=""/>
+        <p:cNvGrpSpPr/>
+        <p:nvPr/>
+      </p:nvGrpSpPr>
+      <p:grpSpPr>
+        <a:xfrm>
+          <a:off x="0" y="0"/>
+          <a:ext cx="0" cy="0"/>
+          <a:chOff x="0" y="0"/>
+          <a:chExt cx="0" cy="0"/>
+        </a:xfrm>
+      </p:grpSpPr>
+      <p:sp>
+        <p:nvSpPr>
+          <p:cNvPr id="2" name="Title 1"/>
+          <p:cNvSpPr>
+            <a:spLocks noGrp="1"/>
+          </p:cNvSpPr>
+          <p:nvPr>
+            <p:ph type="title"/>
+          </p:nvPr>
+        </p:nvSpPr>
+        <p:spPr/>
+        <p:txBody>
+          <a:bodyPr/>
+          <a:lstStyle/>
+          <a:p>
+            <a:r>
+              <a:rPr lang="en-US" smtClean="0"/>
+              <a:t>3.5.1 Exercises</a:t>
+            </a:r>
+            <a:endParaRPr lang="en-US"/>
+          </a:p>
+        </p:txBody>
+      </p:sp>
+      <p:sp>
+        <p:nvSpPr>
+          <p:cNvPr id="3" name="Content Placeholder 2"/>
+          <p:cNvSpPr>
+            <a:spLocks noGrp="1"/>
+          </p:cNvSpPr>
+          <p:nvPr>
+            <p:ph idx="1"/>
+          </p:nvPr>
+        </p:nvSpPr>
+        <p:spPr>
+          <a:xfrm>
+            <a:off x="609600" y="1262130"/>
+            <a:ext cx="10749565" cy="4864033"/>
+          </a:xfrm>
+        </p:spPr>
+        <p:txBody>
+          <a:bodyPr/>
+          <a:lstStyle/>
+          <a:p>
+            <a:pPr marL="457200" indent="-457200">
+              <a:buFont typeface="+mj-lt"/>
+              <a:buAutoNum type="arabicPeriod"/>
+            </a:pPr>
+            <a:r>
+              <a:rPr lang="en-US" sz="1600"/>
+              <a:t>What happens if you facet on a continuous variable?</a:t>
+            </a:r>
+          </a:p>
+          <a:p>
+            <a:pPr marL="457200" indent="-457200">
+              <a:buFont typeface="+mj-lt"/>
+              <a:buAutoNum type="arabicPeriod"/>
+            </a:pPr>
+            <a:r>
+              <a:rPr lang="en-US" sz="1600"/>
+              <a:t>What do the empty cells in plot with facet_grid(drv ~ cyl) mean? How do they relate to this </a:t>
+            </a:r>
+            <a:r>
+              <a:rPr lang="en-US" sz="1600" smtClean="0"/>
+              <a:t>plot?</a:t>
+            </a:r>
+            <a:br>
+              <a:rPr lang="en-US" sz="1600" smtClean="0"/>
+            </a:br>
+            <a:r>
+              <a:rPr lang="en-US" sz="1600" smtClean="0">
+                <a:latin typeface="Consolas" panose="020B0609020204030204" pitchFamily="49" charset="0"/>
+                <a:cs typeface="Consolas" panose="020B0609020204030204" pitchFamily="49" charset="0"/>
+              </a:rPr>
+              <a:t>ggplot(data </a:t>
+            </a:r>
+            <a:r>
+              <a:rPr lang="en-US" sz="1600">
+                <a:latin typeface="Consolas" panose="020B0609020204030204" pitchFamily="49" charset="0"/>
+                <a:cs typeface="Consolas" panose="020B0609020204030204" pitchFamily="49" charset="0"/>
+              </a:rPr>
+              <a:t>= mpg) + </a:t>
+            </a:r>
+            <a:r>
+              <a:rPr lang="en-US" sz="1600" smtClean="0">
+                <a:latin typeface="Consolas" panose="020B0609020204030204" pitchFamily="49" charset="0"/>
+                <a:cs typeface="Consolas" panose="020B0609020204030204" pitchFamily="49" charset="0"/>
+              </a:rPr>
+              <a:t>geom_point(mapping </a:t>
+            </a:r>
+            <a:r>
+              <a:rPr lang="en-US" sz="1600">
+                <a:latin typeface="Consolas" panose="020B0609020204030204" pitchFamily="49" charset="0"/>
+                <a:cs typeface="Consolas" panose="020B0609020204030204" pitchFamily="49" charset="0"/>
+              </a:rPr>
+              <a:t>= aes(x = drv, y = cyl))</a:t>
+            </a:r>
+          </a:p>
+          <a:p>
+            <a:pPr marL="457200" indent="-457200">
+              <a:buFont typeface="+mj-lt"/>
+              <a:buAutoNum type="arabicPeriod"/>
+            </a:pPr>
+            <a:r>
+              <a:rPr lang="en-US" sz="1600"/>
+              <a:t>What plots does the following code make? What does . </a:t>
+            </a:r>
+            <a:r>
+              <a:rPr lang="en-US" sz="1600" smtClean="0"/>
+              <a:t>do?</a:t>
+            </a:r>
+          </a:p>
+          <a:p>
+            <a:pPr marL="785950" lvl="1" indent="-457200"/>
+            <a:r>
+              <a:rPr lang="en-US" sz="1600" smtClean="0">
+                <a:latin typeface="Consolas" panose="020B0609020204030204" pitchFamily="49" charset="0"/>
+                <a:cs typeface="Consolas" panose="020B0609020204030204" pitchFamily="49" charset="0"/>
+              </a:rPr>
+              <a:t>ggplot(data </a:t>
+            </a:r>
+            <a:r>
+              <a:rPr lang="en-US" sz="1600">
+                <a:latin typeface="Consolas" panose="020B0609020204030204" pitchFamily="49" charset="0"/>
+                <a:cs typeface="Consolas" panose="020B0609020204030204" pitchFamily="49" charset="0"/>
+              </a:rPr>
+              <a:t>= mpg) + </a:t>
+            </a:r>
+            <a:r>
+              <a:rPr lang="en-US" sz="1600" smtClean="0">
+                <a:latin typeface="Consolas" panose="020B0609020204030204" pitchFamily="49" charset="0"/>
+                <a:cs typeface="Consolas" panose="020B0609020204030204" pitchFamily="49" charset="0"/>
+              </a:rPr>
+              <a:t>geom_point(mapping </a:t>
+            </a:r>
+            <a:r>
+              <a:rPr lang="en-US" sz="1600">
+                <a:latin typeface="Consolas" panose="020B0609020204030204" pitchFamily="49" charset="0"/>
+                <a:cs typeface="Consolas" panose="020B0609020204030204" pitchFamily="49" charset="0"/>
+              </a:rPr>
+              <a:t>= aes(x = displ, y = hwy)) </a:t>
+            </a:r>
+            <a:r>
+              <a:rPr lang="en-US" sz="1600" smtClean="0">
+                <a:latin typeface="Consolas" panose="020B0609020204030204" pitchFamily="49" charset="0"/>
+                <a:cs typeface="Consolas" panose="020B0609020204030204" pitchFamily="49" charset="0"/>
+              </a:rPr>
+              <a:t>+ facet_grid(drv </a:t>
+            </a:r>
+            <a:r>
+              <a:rPr lang="en-US" sz="1600">
+                <a:latin typeface="Consolas" panose="020B0609020204030204" pitchFamily="49" charset="0"/>
+                <a:cs typeface="Consolas" panose="020B0609020204030204" pitchFamily="49" charset="0"/>
+              </a:rPr>
+              <a:t>~ </a:t>
+            </a:r>
+            <a:r>
+              <a:rPr lang="en-US" sz="1600" smtClean="0">
+                <a:latin typeface="Consolas" panose="020B0609020204030204" pitchFamily="49" charset="0"/>
+                <a:cs typeface="Consolas" panose="020B0609020204030204" pitchFamily="49" charset="0"/>
+              </a:rPr>
+              <a:t>.)</a:t>
+            </a:r>
+          </a:p>
+          <a:p>
+            <a:pPr marL="785950" lvl="1" indent="-457200"/>
+            <a:r>
+              <a:rPr lang="en-US" sz="1600" smtClean="0">
+                <a:latin typeface="Consolas" panose="020B0609020204030204" pitchFamily="49" charset="0"/>
+                <a:cs typeface="Consolas" panose="020B0609020204030204" pitchFamily="49" charset="0"/>
+              </a:rPr>
+              <a:t>ggplot(data </a:t>
+            </a:r>
+            <a:r>
+              <a:rPr lang="en-US" sz="1600">
+                <a:latin typeface="Consolas" panose="020B0609020204030204" pitchFamily="49" charset="0"/>
+                <a:cs typeface="Consolas" panose="020B0609020204030204" pitchFamily="49" charset="0"/>
+              </a:rPr>
+              <a:t>= mpg) + </a:t>
+            </a:r>
+            <a:r>
+              <a:rPr lang="en-US" sz="1600" smtClean="0">
+                <a:latin typeface="Consolas" panose="020B0609020204030204" pitchFamily="49" charset="0"/>
+                <a:cs typeface="Consolas" panose="020B0609020204030204" pitchFamily="49" charset="0"/>
+              </a:rPr>
+              <a:t>geom_point(mapping </a:t>
+            </a:r>
+            <a:r>
+              <a:rPr lang="en-US" sz="1600">
+                <a:latin typeface="Consolas" panose="020B0609020204030204" pitchFamily="49" charset="0"/>
+                <a:cs typeface="Consolas" panose="020B0609020204030204" pitchFamily="49" charset="0"/>
+              </a:rPr>
+              <a:t>= aes(x = displ, y = hwy)) </a:t>
+            </a:r>
+            <a:r>
+              <a:rPr lang="en-US" sz="1600" smtClean="0">
+                <a:latin typeface="Consolas" panose="020B0609020204030204" pitchFamily="49" charset="0"/>
+                <a:cs typeface="Consolas" panose="020B0609020204030204" pitchFamily="49" charset="0"/>
+              </a:rPr>
+              <a:t>+ facet_grid</a:t>
+            </a:r>
+            <a:r>
+              <a:rPr lang="en-US" sz="1600">
+                <a:latin typeface="Consolas" panose="020B0609020204030204" pitchFamily="49" charset="0"/>
+                <a:cs typeface="Consolas" panose="020B0609020204030204" pitchFamily="49" charset="0"/>
+              </a:rPr>
+              <a:t>(. ~ cyl</a:t>
+            </a:r>
+            <a:r>
+              <a:rPr lang="en-US" sz="1600" smtClean="0">
+                <a:latin typeface="Consolas" panose="020B0609020204030204" pitchFamily="49" charset="0"/>
+                <a:cs typeface="Consolas" panose="020B0609020204030204" pitchFamily="49" charset="0"/>
+              </a:rPr>
+              <a:t>)</a:t>
+            </a:r>
+          </a:p>
+          <a:p>
+            <a:pPr marL="457200" indent="-457200"/>
+            <a:endParaRPr lang="en-US">
+              <a:latin typeface="Consolas" panose="020B0609020204030204" pitchFamily="49" charset="0"/>
+              <a:cs typeface="Consolas" panose="020B0609020204030204" pitchFamily="49" charset="0"/>
+            </a:endParaRPr>
+          </a:p>
+          <a:p>
+            <a:pPr marL="457200" indent="-457200"/>
+            <a:r>
+              <a:rPr lang="en-US" sz="1600" smtClean="0">
+                <a:latin typeface="Corbel" panose="020B0503020204020204" pitchFamily="34" charset="0"/>
+                <a:cs typeface="Consolas" panose="020B0609020204030204" pitchFamily="49" charset="0"/>
+              </a:rPr>
+              <a:t>Suggested order/importance: these three first, you can look at the rest too if you have time.</a:t>
+            </a:r>
+            <a:endParaRPr lang="en-US" sz="1600">
+              <a:latin typeface="Corbel" panose="020B0503020204020204" pitchFamily="34" charset="0"/>
+              <a:cs typeface="Consolas" panose="020B0609020204030204" pitchFamily="49" charset="0"/>
+            </a:endParaRPr>
+          </a:p>
+          <a:p>
+            <a:endParaRPr lang="en-US" sz="1600"/>
+          </a:p>
+        </p:txBody>
+      </p:sp>
+      <p:sp>
+        <p:nvSpPr>
+          <p:cNvPr id="4" name="Date Placeholder 3"/>
+          <p:cNvSpPr>
+            <a:spLocks noGrp="1"/>
+          </p:cNvSpPr>
+          <p:nvPr>
+            <p:ph type="dt" sz="half" idx="10"/>
+          </p:nvPr>
+        </p:nvSpPr>
+        <p:spPr/>
+        <p:txBody>
+          <a:bodyPr/>
+          <a:lstStyle/>
+          <a:p>
+            <a:pPr>
+              <a:defRPr/>
+            </a:pPr>
+            <a:r>
+              <a:rPr lang="fi-FI" smtClean="0"/>
+              <a:t>2018-02-06</a:t>
+            </a:r>
+            <a:endParaRPr lang="en-US"/>
+          </a:p>
+        </p:txBody>
+      </p:sp>
+      <p:sp>
+        <p:nvSpPr>
+          <p:cNvPr id="5" name="Slide Number Placeholder 4"/>
+          <p:cNvSpPr>
+            <a:spLocks noGrp="1"/>
+          </p:cNvSpPr>
+          <p:nvPr>
+            <p:ph type="sldNum" sz="quarter" idx="12"/>
+          </p:nvPr>
+        </p:nvSpPr>
+        <p:spPr/>
+        <p:txBody>
+          <a:bodyPr/>
+          <a:lstStyle/>
+          <a:p>
+            <a:pPr>
+              <a:defRPr/>
+            </a:pPr>
+            <a:fld id="{2BC46539-7FEE-8846-9EF1-6D13C0293C6C}" type="slidenum">
+              <a:rPr lang="en-US" smtClean="0"/>
+              <a:pPr>
+                <a:defRPr/>
+              </a:pPr>
+              <a:t>16</a:t>
+            </a:fld>
+            <a:endParaRPr lang="en-US"/>
+          </a:p>
+        </p:txBody>
+      </p:sp>
+    </p:spTree>
+    <p:extLst>
+      <p:ext uri="{BB962C8B-B14F-4D97-AF65-F5344CB8AC3E}">
+        <p14:creationId xmlns:p14="http://schemas.microsoft.com/office/powerpoint/2010/main" val="3319339488"/>
+      </p:ext>
+    </p:extLst>
+  </p:cSld>
+  <p:clrMapOvr>
+    <a:masterClrMapping/>
+  </p:clrMapOvr>
+</p:sld>
+</file>
+
+<file path=ppt/slides/slide17.xml><?xml version="1.0" encoding="utf-8"?>
+<p:sld xmlns:a="http://schemas.openxmlformats.org/drawingml/2006/main" xmlns:r="http://schemas.openxmlformats.org/officeDocument/2006/relationships" xmlns:p="http://schemas.openxmlformats.org/presentationml/2006/main">
+  <p:cSld>
+    <p:spTree>
+      <p:nvGrpSpPr>
+        <p:cNvPr id="1" name=""/>
+        <p:cNvGrpSpPr/>
+        <p:nvPr/>
+      </p:nvGrpSpPr>
+      <p:grpSpPr>
+        <a:xfrm>
+          <a:off x="0" y="0"/>
+          <a:ext cx="0" cy="0"/>
+          <a:chOff x="0" y="0"/>
+          <a:chExt cx="0" cy="0"/>
+        </a:xfrm>
+      </p:grpSpPr>
+      <p:sp>
+        <p:nvSpPr>
+          <p:cNvPr id="2" name="Title 1"/>
+          <p:cNvSpPr>
+            <a:spLocks noGrp="1"/>
+          </p:cNvSpPr>
+          <p:nvPr>
+            <p:ph type="title"/>
+          </p:nvPr>
+        </p:nvSpPr>
+        <p:spPr/>
+        <p:txBody>
+          <a:bodyPr/>
+          <a:lstStyle/>
+          <a:p>
+            <a:r>
+              <a:rPr lang="en-US"/>
+              <a:t>3.6 Geometric objects</a:t>
+            </a:r>
+          </a:p>
+        </p:txBody>
+      </p:sp>
+      <p:sp>
+        <p:nvSpPr>
+          <p:cNvPr id="3" name="Content Placeholder 2"/>
+          <p:cNvSpPr>
+            <a:spLocks noGrp="1"/>
+          </p:cNvSpPr>
+          <p:nvPr>
+            <p:ph idx="1"/>
+          </p:nvPr>
+        </p:nvSpPr>
+        <p:spPr>
+          <a:xfrm>
+            <a:off x="609600" y="1625958"/>
+            <a:ext cx="10066986" cy="4525963"/>
+          </a:xfrm>
+        </p:spPr>
+        <p:txBody>
+          <a:bodyPr/>
+          <a:lstStyle/>
+          <a:p>
+            <a:r>
+              <a:rPr lang="en-US">
+                <a:latin typeface="Consolas" panose="020B0609020204030204" pitchFamily="49" charset="0"/>
+                <a:cs typeface="Consolas" panose="020B0609020204030204" pitchFamily="49" charset="0"/>
+              </a:rPr>
+              <a:t>ggplot(data = mpg) + </a:t>
+            </a:r>
+            <a:r>
+              <a:rPr lang="en-US" smtClean="0">
+                <a:latin typeface="Consolas" panose="020B0609020204030204" pitchFamily="49" charset="0"/>
+                <a:cs typeface="Consolas" panose="020B0609020204030204" pitchFamily="49" charset="0"/>
+              </a:rPr>
+              <a:t/>
+            </a:r>
+            <a:br>
+              <a:rPr lang="en-US" smtClean="0">
+                <a:latin typeface="Consolas" panose="020B0609020204030204" pitchFamily="49" charset="0"/>
+                <a:cs typeface="Consolas" panose="020B0609020204030204" pitchFamily="49" charset="0"/>
+              </a:rPr>
+            </a:br>
+            <a:r>
+              <a:rPr lang="en-US" smtClean="0">
+                <a:latin typeface="Consolas" panose="020B0609020204030204" pitchFamily="49" charset="0"/>
+                <a:cs typeface="Consolas" panose="020B0609020204030204" pitchFamily="49" charset="0"/>
+              </a:rPr>
+              <a:t>geom_</a:t>
+            </a:r>
+            <a:r>
+              <a:rPr lang="en-US" b="1" smtClean="0">
+                <a:latin typeface="Consolas" panose="020B0609020204030204" pitchFamily="49" charset="0"/>
+                <a:cs typeface="Consolas" panose="020B0609020204030204" pitchFamily="49" charset="0"/>
+              </a:rPr>
+              <a:t>smooth</a:t>
+            </a:r>
+            <a:r>
+              <a:rPr lang="en-US" smtClean="0">
+                <a:latin typeface="Consolas" panose="020B0609020204030204" pitchFamily="49" charset="0"/>
+                <a:cs typeface="Consolas" panose="020B0609020204030204" pitchFamily="49" charset="0"/>
+              </a:rPr>
+              <a:t>(mapping </a:t>
+            </a:r>
+            <a:r>
+              <a:rPr lang="en-US">
+                <a:latin typeface="Consolas" panose="020B0609020204030204" pitchFamily="49" charset="0"/>
+                <a:cs typeface="Consolas" panose="020B0609020204030204" pitchFamily="49" charset="0"/>
+              </a:rPr>
+              <a:t>= aes(x = displ</a:t>
+            </a:r>
+            <a:r>
+              <a:rPr lang="en-US" smtClean="0">
+                <a:latin typeface="Consolas" panose="020B0609020204030204" pitchFamily="49" charset="0"/>
+                <a:cs typeface="Consolas" panose="020B0609020204030204" pitchFamily="49" charset="0"/>
+              </a:rPr>
+              <a:t>, </a:t>
+            </a:r>
+            <a:r>
+              <a:rPr lang="en-US">
+                <a:latin typeface="Consolas" panose="020B0609020204030204" pitchFamily="49" charset="0"/>
+                <a:cs typeface="Consolas" panose="020B0609020204030204" pitchFamily="49" charset="0"/>
+              </a:rPr>
+              <a:t>y = hwy</a:t>
+            </a:r>
+            <a:r>
+              <a:rPr lang="en-US" smtClean="0">
+                <a:latin typeface="Consolas" panose="020B0609020204030204" pitchFamily="49" charset="0"/>
+                <a:cs typeface="Consolas" panose="020B0609020204030204" pitchFamily="49" charset="0"/>
+              </a:rPr>
+              <a:t>))</a:t>
+            </a:r>
+            <a:endParaRPr lang="en-US" b="1">
+              <a:latin typeface="Consolas" panose="020B0609020204030204" pitchFamily="49" charset="0"/>
+              <a:cs typeface="Consolas" panose="020B0609020204030204" pitchFamily="49" charset="0"/>
+            </a:endParaRPr>
+          </a:p>
+          <a:p>
+            <a:r>
+              <a:rPr lang="en-US" smtClean="0">
+                <a:latin typeface="Corbel" panose="020B0503020204020204" pitchFamily="34" charset="0"/>
+                <a:cs typeface="Consolas" panose="020B0609020204030204" pitchFamily="49" charset="0"/>
+              </a:rPr>
+              <a:t>"Hey ggplot! I want to make a plot with this dataset mpg </a:t>
+            </a:r>
+            <a:br>
+              <a:rPr lang="en-US" smtClean="0">
+                <a:latin typeface="Corbel" panose="020B0503020204020204" pitchFamily="34" charset="0"/>
+                <a:cs typeface="Consolas" panose="020B0609020204030204" pitchFamily="49" charset="0"/>
+              </a:rPr>
+            </a:br>
+            <a:r>
+              <a:rPr lang="en-US" smtClean="0">
+                <a:latin typeface="Corbel" panose="020B0503020204020204" pitchFamily="34" charset="0"/>
+                <a:cs typeface="Consolas" panose="020B0609020204030204" pitchFamily="49" charset="0"/>
+              </a:rPr>
+              <a:t>and</a:t>
+            </a:r>
+            <a:br>
+              <a:rPr lang="en-US" smtClean="0">
+                <a:latin typeface="Corbel" panose="020B0503020204020204" pitchFamily="34" charset="0"/>
+                <a:cs typeface="Consolas" panose="020B0609020204030204" pitchFamily="49" charset="0"/>
+              </a:rPr>
+            </a:br>
+            <a:r>
+              <a:rPr lang="en-US" smtClean="0">
+                <a:latin typeface="Corbel" panose="020B0503020204020204" pitchFamily="34" charset="0"/>
+                <a:cs typeface="Consolas" panose="020B0609020204030204" pitchFamily="49" charset="0"/>
+              </a:rPr>
+              <a:t>I want there to be </a:t>
+            </a:r>
+            <a:r>
+              <a:rPr lang="en-US" b="1" smtClean="0">
+                <a:latin typeface="Corbel" panose="020B0503020204020204" pitchFamily="34" charset="0"/>
+                <a:cs typeface="Consolas" panose="020B0609020204030204" pitchFamily="49" charset="0"/>
+              </a:rPr>
+              <a:t>a smoothing curve</a:t>
+            </a:r>
+            <a:r>
+              <a:rPr lang="en-US" smtClean="0">
+                <a:latin typeface="Corbel" panose="020B0503020204020204" pitchFamily="34" charset="0"/>
+                <a:cs typeface="Consolas" panose="020B0609020204030204" pitchFamily="49" charset="0"/>
+              </a:rPr>
+              <a:t> with displ as x-coordinate and hwy as y-coordinate..."</a:t>
+            </a:r>
+          </a:p>
+          <a:p>
+            <a:r>
+              <a:rPr lang="en-US">
+                <a:latin typeface="Consolas" panose="020B0609020204030204" pitchFamily="49" charset="0"/>
+                <a:cs typeface="Consolas" panose="020B0609020204030204" pitchFamily="49" charset="0"/>
+              </a:rPr>
+              <a:t>ggplot(data = mpg) + </a:t>
+            </a:r>
+            <a:br>
+              <a:rPr lang="en-US">
+                <a:latin typeface="Consolas" panose="020B0609020204030204" pitchFamily="49" charset="0"/>
+                <a:cs typeface="Consolas" panose="020B0609020204030204" pitchFamily="49" charset="0"/>
+              </a:rPr>
+            </a:br>
+            <a:r>
+              <a:rPr lang="en-US">
+                <a:latin typeface="Consolas" panose="020B0609020204030204" pitchFamily="49" charset="0"/>
+                <a:cs typeface="Consolas" panose="020B0609020204030204" pitchFamily="49" charset="0"/>
+              </a:rPr>
+              <a:t>geom_smooth(mapping = aes(x = displ, y = </a:t>
+            </a:r>
+            <a:r>
+              <a:rPr lang="en-US" smtClean="0">
+                <a:latin typeface="Consolas" panose="020B0609020204030204" pitchFamily="49" charset="0"/>
+                <a:cs typeface="Consolas" panose="020B0609020204030204" pitchFamily="49" charset="0"/>
+              </a:rPr>
+              <a:t>hwy, linetype = drv))</a:t>
+            </a:r>
+          </a:p>
+          <a:p>
+            <a:r>
+              <a:rPr lang="en-US" smtClean="0">
+                <a:latin typeface="Corbel" panose="020B0503020204020204" pitchFamily="34" charset="0"/>
+                <a:cs typeface="Consolas" panose="020B0609020204030204" pitchFamily="49" charset="0"/>
+              </a:rPr>
+              <a:t>"...and a different curve per drv, marked by linetype."</a:t>
+            </a:r>
+            <a:endParaRPr lang="en-US">
+              <a:latin typeface="Corbel" panose="020B0503020204020204" pitchFamily="34" charset="0"/>
+              <a:cs typeface="Consolas" panose="020B0609020204030204" pitchFamily="49" charset="0"/>
+            </a:endParaRPr>
+          </a:p>
+          <a:p>
+            <a:endParaRPr lang="en-US">
+              <a:latin typeface="+mn-lt"/>
+              <a:cs typeface="Consolas" panose="020B0609020204030204" pitchFamily="49" charset="0"/>
+            </a:endParaRPr>
+          </a:p>
+        </p:txBody>
+      </p:sp>
+      <p:sp>
+        <p:nvSpPr>
+          <p:cNvPr id="4" name="Date Placeholder 3"/>
+          <p:cNvSpPr>
+            <a:spLocks noGrp="1"/>
+          </p:cNvSpPr>
+          <p:nvPr>
+            <p:ph type="dt" sz="half" idx="10"/>
+          </p:nvPr>
+        </p:nvSpPr>
+        <p:spPr/>
+        <p:txBody>
+          <a:bodyPr/>
+          <a:lstStyle/>
+          <a:p>
+            <a:pPr>
+              <a:defRPr/>
+            </a:pPr>
+            <a:r>
+              <a:rPr lang="fi-FI" smtClean="0"/>
+              <a:t>2018-02-06</a:t>
+            </a:r>
+            <a:endParaRPr lang="en-US"/>
+          </a:p>
+        </p:txBody>
+      </p:sp>
+      <p:sp>
+        <p:nvSpPr>
+          <p:cNvPr id="5" name="Slide Number Placeholder 4"/>
+          <p:cNvSpPr>
+            <a:spLocks noGrp="1"/>
+          </p:cNvSpPr>
+          <p:nvPr>
+            <p:ph type="sldNum" sz="quarter" idx="12"/>
+          </p:nvPr>
+        </p:nvSpPr>
+        <p:spPr/>
+        <p:txBody>
+          <a:bodyPr/>
+          <a:lstStyle/>
+          <a:p>
+            <a:pPr>
+              <a:defRPr/>
+            </a:pPr>
+            <a:fld id="{2BC46539-7FEE-8846-9EF1-6D13C0293C6C}" type="slidenum">
+              <a:rPr lang="en-US" smtClean="0"/>
+              <a:pPr>
+                <a:defRPr/>
+              </a:pPr>
+              <a:t>17</a:t>
+            </a:fld>
+            <a:endParaRPr lang="en-US"/>
+          </a:p>
+        </p:txBody>
+      </p:sp>
+    </p:spTree>
+    <p:extLst>
+      <p:ext uri="{BB962C8B-B14F-4D97-AF65-F5344CB8AC3E}">
+        <p14:creationId xmlns:p14="http://schemas.microsoft.com/office/powerpoint/2010/main" val="2420443720"/>
+      </p:ext>
+    </p:extLst>
+  </p:cSld>
+  <p:clrMapOvr>
+    <a:masterClrMapping/>
+  </p:clrMapOvr>
+</p:sld>
+</file>
+
+<file path=ppt/slides/slide18.xml><?xml version="1.0" encoding="utf-8"?>
+<p:sld xmlns:a="http://schemas.openxmlformats.org/drawingml/2006/main" xmlns:r="http://schemas.openxmlformats.org/officeDocument/2006/relationships" xmlns:p="http://schemas.openxmlformats.org/presentationml/2006/main">
+  <p:cSld>
+    <p:spTree>
+      <p:nvGrpSpPr>
+        <p:cNvPr id="1" name=""/>
+        <p:cNvGrpSpPr/>
+        <p:nvPr/>
+      </p:nvGrpSpPr>
+      <p:grpSpPr>
+        <a:xfrm>
+          <a:off x="0" y="0"/>
+          <a:ext cx="0" cy="0"/>
+          <a:chOff x="0" y="0"/>
+          <a:chExt cx="0" cy="0"/>
+        </a:xfrm>
+      </p:grpSpPr>
+      <p:sp>
+        <p:nvSpPr>
+          <p:cNvPr id="2" name="Title 1"/>
+          <p:cNvSpPr>
+            <a:spLocks noGrp="1"/>
+          </p:cNvSpPr>
+          <p:nvPr>
+            <p:ph type="title"/>
+          </p:nvPr>
+        </p:nvSpPr>
+        <p:spPr/>
+        <p:txBody>
+          <a:bodyPr/>
+          <a:lstStyle/>
+          <a:p>
+            <a:r>
+              <a:rPr lang="en-US"/>
+              <a:t>3.6 Geometric </a:t>
+            </a:r>
+            <a:r>
+              <a:rPr lang="en-US" smtClean="0"/>
+              <a:t>objects (contd.)</a:t>
+            </a:r>
+            <a:endParaRPr lang="en-US"/>
+          </a:p>
+        </p:txBody>
+      </p:sp>
+      <p:sp>
+        <p:nvSpPr>
+          <p:cNvPr id="3" name="Content Placeholder 2"/>
+          <p:cNvSpPr>
+            <a:spLocks noGrp="1"/>
+          </p:cNvSpPr>
+          <p:nvPr>
+            <p:ph idx="1"/>
+          </p:nvPr>
+        </p:nvSpPr>
+        <p:spPr>
+          <a:xfrm>
+            <a:off x="609600" y="1625958"/>
+            <a:ext cx="10066986" cy="4525963"/>
+          </a:xfrm>
+        </p:spPr>
+        <p:txBody>
+          <a:bodyPr/>
+          <a:lstStyle/>
+          <a:p>
+            <a:r>
+              <a:rPr lang="en-US">
+                <a:latin typeface="Consolas" panose="020B0609020204030204" pitchFamily="49" charset="0"/>
+                <a:cs typeface="Consolas" panose="020B0609020204030204" pitchFamily="49" charset="0"/>
+              </a:rPr>
+              <a:t>ggplot(</a:t>
+            </a:r>
+            <a:r>
+              <a:rPr lang="en-US" b="1">
+                <a:latin typeface="Consolas" panose="020B0609020204030204" pitchFamily="49" charset="0"/>
+                <a:cs typeface="Consolas" panose="020B0609020204030204" pitchFamily="49" charset="0"/>
+              </a:rPr>
+              <a:t>data = mpg, mapping = aes(x = displ, y = hwy)</a:t>
+            </a:r>
+            <a:r>
+              <a:rPr lang="en-US">
+                <a:latin typeface="Consolas" panose="020B0609020204030204" pitchFamily="49" charset="0"/>
+                <a:cs typeface="Consolas" panose="020B0609020204030204" pitchFamily="49" charset="0"/>
+              </a:rPr>
+              <a:t>) </a:t>
+            </a:r>
+            <a:r>
+              <a:rPr lang="en-US" smtClean="0">
+                <a:latin typeface="Consolas" panose="020B0609020204030204" pitchFamily="49" charset="0"/>
+                <a:cs typeface="Consolas" panose="020B0609020204030204" pitchFamily="49" charset="0"/>
+              </a:rPr>
+              <a:t>+</a:t>
+            </a:r>
+            <a:br>
+              <a:rPr lang="en-US" smtClean="0">
+                <a:latin typeface="Consolas" panose="020B0609020204030204" pitchFamily="49" charset="0"/>
+                <a:cs typeface="Consolas" panose="020B0609020204030204" pitchFamily="49" charset="0"/>
+              </a:rPr>
+            </a:br>
+            <a:r>
+              <a:rPr lang="en-US" smtClean="0">
+                <a:latin typeface="Consolas" panose="020B0609020204030204" pitchFamily="49" charset="0"/>
+                <a:cs typeface="Consolas" panose="020B0609020204030204" pitchFamily="49" charset="0"/>
+              </a:rPr>
+              <a:t>geom_point</a:t>
+            </a:r>
+            <a:r>
+              <a:rPr lang="en-US">
+                <a:latin typeface="Consolas" panose="020B0609020204030204" pitchFamily="49" charset="0"/>
+                <a:cs typeface="Consolas" panose="020B0609020204030204" pitchFamily="49" charset="0"/>
+              </a:rPr>
+              <a:t>() + </a:t>
+            </a:r>
+            <a:r>
+              <a:rPr lang="en-US" smtClean="0">
+                <a:latin typeface="Consolas" panose="020B0609020204030204" pitchFamily="49" charset="0"/>
+                <a:cs typeface="Consolas" panose="020B0609020204030204" pitchFamily="49" charset="0"/>
+              </a:rPr>
+              <a:t/>
+            </a:r>
+            <a:br>
+              <a:rPr lang="en-US" smtClean="0">
+                <a:latin typeface="Consolas" panose="020B0609020204030204" pitchFamily="49" charset="0"/>
+                <a:cs typeface="Consolas" panose="020B0609020204030204" pitchFamily="49" charset="0"/>
+              </a:rPr>
+            </a:br>
+            <a:r>
+              <a:rPr lang="en-US" smtClean="0">
+                <a:latin typeface="Consolas" panose="020B0609020204030204" pitchFamily="49" charset="0"/>
+                <a:cs typeface="Consolas" panose="020B0609020204030204" pitchFamily="49" charset="0"/>
+              </a:rPr>
+              <a:t>geom_smooth()</a:t>
+            </a:r>
+          </a:p>
+          <a:p>
+            <a:r>
+              <a:rPr lang="en-US" smtClean="0">
+                <a:latin typeface="Corbel" panose="020B0503020204020204" pitchFamily="34" charset="0"/>
+                <a:cs typeface="Consolas" panose="020B0609020204030204" pitchFamily="49" charset="0"/>
+              </a:rPr>
+              <a:t>"Hey ggplot! I want to make a plot </a:t>
+            </a:r>
+            <a:r>
+              <a:rPr lang="en-US" b="1" smtClean="0">
+                <a:latin typeface="Corbel" panose="020B0503020204020204" pitchFamily="34" charset="0"/>
+                <a:cs typeface="Consolas" panose="020B0609020204030204" pitchFamily="49" charset="0"/>
+              </a:rPr>
+              <a:t>with this dataset mpg with displ as x-coordinate and hwy as y-coordinate</a:t>
+            </a:r>
+            <a:r>
+              <a:rPr lang="en-US">
+                <a:latin typeface="Corbel" panose="020B0503020204020204" pitchFamily="34" charset="0"/>
+                <a:cs typeface="Consolas" panose="020B0609020204030204" pitchFamily="49" charset="0"/>
+              </a:rPr>
+              <a:t/>
+            </a:r>
+            <a:br>
+              <a:rPr lang="en-US">
+                <a:latin typeface="Corbel" panose="020B0503020204020204" pitchFamily="34" charset="0"/>
+                <a:cs typeface="Consolas" panose="020B0609020204030204" pitchFamily="49" charset="0"/>
+              </a:rPr>
+            </a:br>
+            <a:r>
+              <a:rPr lang="en-US" smtClean="0">
+                <a:latin typeface="Corbel" panose="020B0503020204020204" pitchFamily="34" charset="0"/>
+                <a:cs typeface="Consolas" panose="020B0609020204030204" pitchFamily="49" charset="0"/>
+              </a:rPr>
+              <a:t>and I want there to be points</a:t>
+            </a:r>
+            <a:br>
+              <a:rPr lang="en-US" smtClean="0">
+                <a:latin typeface="Corbel" panose="020B0503020204020204" pitchFamily="34" charset="0"/>
+                <a:cs typeface="Consolas" panose="020B0609020204030204" pitchFamily="49" charset="0"/>
+              </a:rPr>
+            </a:br>
+            <a:r>
+              <a:rPr lang="en-US" smtClean="0">
+                <a:latin typeface="Corbel" panose="020B0503020204020204" pitchFamily="34" charset="0"/>
+                <a:cs typeface="Consolas" panose="020B0609020204030204" pitchFamily="49" charset="0"/>
+              </a:rPr>
+              <a:t>and I want there to be a smoothing curve."</a:t>
+            </a:r>
+          </a:p>
+          <a:p>
+            <a:endParaRPr lang="en-US">
+              <a:latin typeface="+mn-lt"/>
+              <a:cs typeface="Consolas" panose="020B0609020204030204" pitchFamily="49" charset="0"/>
+            </a:endParaRPr>
+          </a:p>
+        </p:txBody>
+      </p:sp>
+      <p:sp>
+        <p:nvSpPr>
+          <p:cNvPr id="4" name="Date Placeholder 3"/>
+          <p:cNvSpPr>
+            <a:spLocks noGrp="1"/>
+          </p:cNvSpPr>
+          <p:nvPr>
+            <p:ph type="dt" sz="half" idx="10"/>
+          </p:nvPr>
+        </p:nvSpPr>
+        <p:spPr/>
+        <p:txBody>
+          <a:bodyPr/>
+          <a:lstStyle/>
+          <a:p>
+            <a:pPr>
+              <a:defRPr/>
+            </a:pPr>
+            <a:r>
+              <a:rPr lang="fi-FI" smtClean="0"/>
+              <a:t>2018-02-06</a:t>
+            </a:r>
+            <a:endParaRPr lang="en-US"/>
+          </a:p>
+        </p:txBody>
+      </p:sp>
+      <p:sp>
+        <p:nvSpPr>
+          <p:cNvPr id="5" name="Slide Number Placeholder 4"/>
+          <p:cNvSpPr>
+            <a:spLocks noGrp="1"/>
+          </p:cNvSpPr>
+          <p:nvPr>
+            <p:ph type="sldNum" sz="quarter" idx="12"/>
+          </p:nvPr>
+        </p:nvSpPr>
+        <p:spPr/>
+        <p:txBody>
+          <a:bodyPr/>
+          <a:lstStyle/>
+          <a:p>
+            <a:pPr>
+              <a:defRPr/>
+            </a:pPr>
+            <a:fld id="{2BC46539-7FEE-8846-9EF1-6D13C0293C6C}" type="slidenum">
+              <a:rPr lang="en-US" smtClean="0"/>
+              <a:pPr>
+                <a:defRPr/>
+              </a:pPr>
+              <a:t>18</a:t>
+            </a:fld>
+            <a:endParaRPr lang="en-US"/>
+          </a:p>
+        </p:txBody>
+      </p:sp>
+    </p:spTree>
+    <p:extLst>
+      <p:ext uri="{BB962C8B-B14F-4D97-AF65-F5344CB8AC3E}">
+        <p14:creationId xmlns:p14="http://schemas.microsoft.com/office/powerpoint/2010/main" val="3559652413"/>
+      </p:ext>
+    </p:extLst>
+  </p:cSld>
+  <p:clrMapOvr>
+    <a:masterClrMapping/>
+  </p:clrMapOvr>
+</p:sld>
+</file>
+
+<file path=ppt/slides/slide19.xml><?xml version="1.0" encoding="utf-8"?>
+<p:sld xmlns:a="http://schemas.openxmlformats.org/drawingml/2006/main" xmlns:r="http://schemas.openxmlformats.org/officeDocument/2006/relationships" xmlns:p="http://schemas.openxmlformats.org/presentationml/2006/main">
+  <p:cSld>
+    <p:spTree>
+      <p:nvGrpSpPr>
+        <p:cNvPr id="1" name=""/>
+        <p:cNvGrpSpPr/>
+        <p:nvPr/>
+      </p:nvGrpSpPr>
+      <p:grpSpPr>
+        <a:xfrm>
+          <a:off x="0" y="0"/>
+          <a:ext cx="0" cy="0"/>
+          <a:chOff x="0" y="0"/>
+          <a:chExt cx="0" cy="0"/>
+        </a:xfrm>
+      </p:grpSpPr>
+      <p:sp>
+        <p:nvSpPr>
+          <p:cNvPr id="2" name="Title 1"/>
+          <p:cNvSpPr>
+            <a:spLocks noGrp="1"/>
+          </p:cNvSpPr>
+          <p:nvPr>
+            <p:ph type="title"/>
+          </p:nvPr>
+        </p:nvSpPr>
+        <p:spPr/>
+        <p:txBody>
+          <a:bodyPr/>
+          <a:lstStyle/>
+          <a:p>
+            <a:r>
+              <a:rPr lang="en-US" smtClean="0"/>
+              <a:t>3.5.1 Exercises</a:t>
+            </a:r>
+            <a:endParaRPr lang="en-US"/>
+          </a:p>
+        </p:txBody>
+      </p:sp>
+      <p:sp>
+        <p:nvSpPr>
+          <p:cNvPr id="3" name="Content Placeholder 2"/>
+          <p:cNvSpPr>
+            <a:spLocks noGrp="1"/>
+          </p:cNvSpPr>
+          <p:nvPr>
+            <p:ph idx="1"/>
+          </p:nvPr>
+        </p:nvSpPr>
+        <p:spPr>
+          <a:xfrm>
+            <a:off x="609600" y="1262130"/>
+            <a:ext cx="10749565" cy="4864033"/>
+          </a:xfrm>
+        </p:spPr>
+        <p:txBody>
+          <a:bodyPr/>
+          <a:lstStyle/>
+          <a:p>
+            <a:pPr marL="457200" indent="-457200">
+              <a:buFont typeface="+mj-lt"/>
+              <a:buAutoNum type="arabicPeriod"/>
+            </a:pPr>
+            <a:r>
+              <a:rPr lang="en-US" sz="1600"/>
+              <a:t>What geom would you use to draw a line chart? A boxplot? A histogram? An area chart?</a:t>
+            </a:r>
+          </a:p>
+          <a:p>
+            <a:pPr marL="457200" indent="-457200">
+              <a:buFont typeface="+mj-lt"/>
+              <a:buAutoNum type="arabicPeriod"/>
+            </a:pPr>
+            <a:r>
+              <a:rPr lang="en-US" sz="1600"/>
+              <a:t>Run this code in your head and predict what the output will look like. Then, run the code in R and check your </a:t>
+            </a:r>
+            <a:r>
+              <a:rPr lang="en-US" sz="1600" smtClean="0"/>
+              <a:t>predictions.</a:t>
+            </a:r>
+            <a:br>
+              <a:rPr lang="en-US" sz="1600" smtClean="0"/>
+            </a:br>
+            <a:r>
+              <a:rPr lang="en-US" sz="1600" smtClean="0">
+                <a:latin typeface="Consolas" panose="020B0609020204030204" pitchFamily="49" charset="0"/>
+                <a:cs typeface="Consolas" panose="020B0609020204030204" pitchFamily="49" charset="0"/>
+              </a:rPr>
+              <a:t>ggplot(data </a:t>
+            </a:r>
+            <a:r>
+              <a:rPr lang="en-US" sz="1600">
+                <a:latin typeface="Consolas" panose="020B0609020204030204" pitchFamily="49" charset="0"/>
+                <a:cs typeface="Consolas" panose="020B0609020204030204" pitchFamily="49" charset="0"/>
+              </a:rPr>
+              <a:t>= mpg, mapping = aes(x = displ, y = hwy, color = drv)) + </a:t>
+            </a:r>
+            <a:r>
+              <a:rPr lang="en-US" sz="1600" smtClean="0">
+                <a:latin typeface="Consolas" panose="020B0609020204030204" pitchFamily="49" charset="0"/>
+                <a:cs typeface="Consolas" panose="020B0609020204030204" pitchFamily="49" charset="0"/>
+              </a:rPr>
+              <a:t>geom_point</a:t>
+            </a:r>
+            <a:r>
+              <a:rPr lang="en-US" sz="1600">
+                <a:latin typeface="Consolas" panose="020B0609020204030204" pitchFamily="49" charset="0"/>
+                <a:cs typeface="Consolas" panose="020B0609020204030204" pitchFamily="49" charset="0"/>
+              </a:rPr>
+              <a:t>() + </a:t>
+            </a:r>
+            <a:r>
+              <a:rPr lang="en-US" sz="1600" smtClean="0">
+                <a:latin typeface="Consolas" panose="020B0609020204030204" pitchFamily="49" charset="0"/>
+                <a:cs typeface="Consolas" panose="020B0609020204030204" pitchFamily="49" charset="0"/>
+              </a:rPr>
+              <a:t>geom_smooth(se </a:t>
+            </a:r>
+            <a:r>
+              <a:rPr lang="en-US" sz="1600">
+                <a:latin typeface="Consolas" panose="020B0609020204030204" pitchFamily="49" charset="0"/>
+                <a:cs typeface="Consolas" panose="020B0609020204030204" pitchFamily="49" charset="0"/>
+              </a:rPr>
+              <a:t>= FALSE)</a:t>
+            </a:r>
+          </a:p>
+          <a:p>
+            <a:pPr marL="457200" indent="-457200">
+              <a:buFont typeface="+mj-lt"/>
+              <a:buAutoNum type="arabicPeriod"/>
+            </a:pPr>
+            <a:r>
+              <a:rPr lang="en-US" sz="1600"/>
+              <a:t>What does show.legend = FALSE do? What happens if you remove </a:t>
+            </a:r>
+            <a:r>
+              <a:rPr lang="en-US" sz="1600" smtClean="0"/>
+              <a:t>it? Why </a:t>
+            </a:r>
+            <a:r>
+              <a:rPr lang="en-US" sz="1600"/>
+              <a:t>do you think I used it earlier in the chapter?</a:t>
+            </a:r>
+          </a:p>
+          <a:p>
+            <a:pPr marL="457200" indent="-457200">
+              <a:buFont typeface="+mj-lt"/>
+              <a:buAutoNum type="arabicPeriod"/>
+            </a:pPr>
+            <a:r>
+              <a:rPr lang="en-US" sz="1600"/>
+              <a:t>What does the se argument to geom_smooth() do?</a:t>
+            </a:r>
+          </a:p>
+          <a:p>
+            <a:pPr marL="457200" indent="-457200">
+              <a:buFont typeface="+mj-lt"/>
+              <a:buAutoNum type="arabicPeriod"/>
+            </a:pPr>
+            <a:r>
+              <a:rPr lang="en-US" sz="1600"/>
+              <a:t>Will these two graphs look different? Why/why not</a:t>
+            </a:r>
+            <a:r>
+              <a:rPr lang="en-US" sz="1600" smtClean="0"/>
+              <a:t>? [see codes in the book]</a:t>
+            </a:r>
+            <a:endParaRPr lang="en-US" sz="1600"/>
+          </a:p>
+          <a:p>
+            <a:pPr marL="457200" indent="-457200">
+              <a:buFont typeface="+mj-lt"/>
+              <a:buAutoNum type="arabicPeriod"/>
+            </a:pPr>
+            <a:r>
+              <a:rPr lang="en-US" sz="1600" b="1" smtClean="0"/>
+              <a:t>Recreate </a:t>
+            </a:r>
+            <a:r>
+              <a:rPr lang="en-US" sz="1600" b="1"/>
+              <a:t>the R code necessary to generate the following graphs</a:t>
+            </a:r>
+            <a:r>
+              <a:rPr lang="en-US" sz="1600" b="1" smtClean="0"/>
+              <a:t>. [see graphs in the book]</a:t>
+            </a:r>
+          </a:p>
+          <a:p>
+            <a:pPr marL="0" indent="0">
+              <a:buNone/>
+            </a:pPr>
+            <a:endParaRPr lang="en-US" sz="1600" b="1"/>
+          </a:p>
+          <a:p>
+            <a:r>
+              <a:rPr lang="en-US" sz="1600">
+                <a:latin typeface="Corbel" panose="020B0503020204020204" pitchFamily="34" charset="0"/>
+                <a:cs typeface="Consolas" panose="020B0609020204030204" pitchFamily="49" charset="0"/>
+              </a:rPr>
+              <a:t>Suggested order/importance</a:t>
+            </a:r>
+            <a:r>
+              <a:rPr lang="en-US" sz="1600" smtClean="0">
+                <a:latin typeface="Corbel" panose="020B0503020204020204" pitchFamily="34" charset="0"/>
+                <a:cs typeface="Consolas" panose="020B0609020204030204" pitchFamily="49" charset="0"/>
+              </a:rPr>
+              <a:t>: 1 (see your cheatsheet), then 2, and </a:t>
+            </a:r>
+            <a:r>
+              <a:rPr lang="en-US" sz="1600" b="1" smtClean="0">
+                <a:latin typeface="Corbel" panose="020B0503020204020204" pitchFamily="34" charset="0"/>
+                <a:cs typeface="Consolas" panose="020B0609020204030204" pitchFamily="49" charset="0"/>
+              </a:rPr>
+              <a:t>6 as much as you can!</a:t>
+            </a:r>
+            <a:r>
+              <a:rPr lang="en-US" sz="1600" smtClean="0">
+                <a:latin typeface="Corbel" panose="020B0503020204020204" pitchFamily="34" charset="0"/>
+                <a:cs typeface="Consolas" panose="020B0609020204030204" pitchFamily="49" charset="0"/>
+              </a:rPr>
+              <a:t> If 6 seems like too much trouble, feel free to look at 3-5 as well.</a:t>
+            </a:r>
+            <a:r>
+              <a:rPr lang="en-US" sz="1600" b="1" smtClean="0"/>
+              <a:t/>
+            </a:r>
+            <a:br>
+              <a:rPr lang="en-US" sz="1600" b="1" smtClean="0"/>
+            </a:br>
+            <a:endParaRPr lang="en-US" sz="1600" b="1" smtClean="0"/>
+          </a:p>
+          <a:p>
+            <a:endParaRPr lang="en-US" sz="1600" b="1"/>
+          </a:p>
+        </p:txBody>
+      </p:sp>
+      <p:sp>
+        <p:nvSpPr>
+          <p:cNvPr id="4" name="Date Placeholder 3"/>
+          <p:cNvSpPr>
+            <a:spLocks noGrp="1"/>
+          </p:cNvSpPr>
+          <p:nvPr>
+            <p:ph type="dt" sz="half" idx="10"/>
+          </p:nvPr>
+        </p:nvSpPr>
+        <p:spPr/>
+        <p:txBody>
+          <a:bodyPr/>
+          <a:lstStyle/>
+          <a:p>
+            <a:pPr>
+              <a:defRPr/>
+            </a:pPr>
+            <a:r>
+              <a:rPr lang="fi-FI" smtClean="0"/>
+              <a:t>2018-02-06</a:t>
+            </a:r>
+            <a:endParaRPr lang="en-US"/>
+          </a:p>
+        </p:txBody>
+      </p:sp>
+      <p:sp>
+        <p:nvSpPr>
+          <p:cNvPr id="5" name="Slide Number Placeholder 4"/>
+          <p:cNvSpPr>
+            <a:spLocks noGrp="1"/>
+          </p:cNvSpPr>
+          <p:nvPr>
+            <p:ph type="sldNum" sz="quarter" idx="12"/>
+          </p:nvPr>
+        </p:nvSpPr>
+        <p:spPr/>
+        <p:txBody>
+          <a:bodyPr/>
+          <a:lstStyle/>
+          <a:p>
+            <a:pPr>
+              <a:defRPr/>
+            </a:pPr>
+            <a:fld id="{2BC46539-7FEE-8846-9EF1-6D13C0293C6C}" type="slidenum">
+              <a:rPr lang="en-US" smtClean="0"/>
+              <a:pPr>
+                <a:defRPr/>
+              </a:pPr>
+              <a:t>19</a:t>
+            </a:fld>
+            <a:endParaRPr lang="en-US"/>
+          </a:p>
+        </p:txBody>
+      </p:sp>
+    </p:spTree>
+    <p:extLst>
+      <p:ext uri="{BB962C8B-B14F-4D97-AF65-F5344CB8AC3E}">
+        <p14:creationId xmlns:p14="http://schemas.microsoft.com/office/powerpoint/2010/main" val="2607104495"/>
+      </p:ext>
+    </p:extLst>
+  </p:cSld>
+  <p:clrMapOvr>
+    <a:masterClrMapping/>
+  </p:clrMapOvr>
+</p:sld>
+</file>
+
+<file path=ppt/slides/slide2.xml><?xml version="1.0" encoding="utf-8"?>
+<p:sld xmlns:a="http://schemas.openxmlformats.org/drawingml/2006/main" xmlns:r="http://schemas.openxmlformats.org/officeDocument/2006/relationships" xmlns:p="http://schemas.openxmlformats.org/presentationml/2006/main">
+  <p:cSld>
+    <p:spTree>
+      <p:nvGrpSpPr>
+        <p:cNvPr id="1" name=""/>
+        <p:cNvGrpSpPr/>
+        <p:nvPr/>
+      </p:nvGrpSpPr>
+      <p:grpSpPr>
+        <a:xfrm>
+          <a:off x="0" y="0"/>
+          <a:ext cx="0" cy="0"/>
+          <a:chOff x="0" y="0"/>
+          <a:chExt cx="0" cy="0"/>
+        </a:xfrm>
+      </p:grpSpPr>
+      <p:sp>
+        <p:nvSpPr>
+          <p:cNvPr id="6" name="Title 5"/>
+          <p:cNvSpPr>
+            <a:spLocks noGrp="1"/>
+          </p:cNvSpPr>
+          <p:nvPr>
+            <p:ph type="title"/>
+          </p:nvPr>
+        </p:nvSpPr>
+        <p:spPr/>
+        <p:txBody>
+          <a:bodyPr/>
+          <a:lstStyle/>
+          <a:p>
+            <a:r>
+              <a:rPr lang="en-US" smtClean="0"/>
+              <a:t>Foreword</a:t>
+            </a:r>
+            <a:endParaRPr lang="en-US"/>
+          </a:p>
+        </p:txBody>
+      </p:sp>
+      <p:sp>
+        <p:nvSpPr>
+          <p:cNvPr id="7" name="Content Placeholder 6"/>
+          <p:cNvSpPr>
+            <a:spLocks noGrp="1"/>
+          </p:cNvSpPr>
+          <p:nvPr>
+            <p:ph idx="1"/>
+          </p:nvPr>
+        </p:nvSpPr>
+        <p:spPr>
+          <a:xfrm>
+            <a:off x="609601" y="1600200"/>
+            <a:ext cx="10323512" cy="4525963"/>
+          </a:xfrm>
+        </p:spPr>
+        <p:txBody>
+          <a:bodyPr/>
+          <a:lstStyle/>
+          <a:p>
+            <a:pPr marL="0" indent="0">
+              <a:buNone/>
+            </a:pPr>
+            <a:r>
+              <a:rPr lang="en-US" dirty="0" smtClean="0"/>
+              <a:t>This document is intended to go together with a course day with roughly the same name. Therefore, it is not self-supporting: it serves as reminder to both the teacher and the course participants of what will be or what was talked about. Most of the actual content is somewhere else: in the R documentation, cheat sheets, examples shown during the course </a:t>
+            </a:r>
+            <a:r>
+              <a:rPr lang="en-US" smtClean="0"/>
+              <a:t>etc</a:t>
+            </a:r>
+            <a:r>
+              <a:rPr lang="en-US"/>
+              <a:t>. and most importantly in the "R for data science" book, by Garrett Grolemund </a:t>
+            </a:r>
+            <a:r>
+              <a:rPr lang="en-US" smtClean="0"/>
+              <a:t>and Hadley Wickham, available </a:t>
+            </a:r>
+            <a:r>
+              <a:rPr lang="en-US" smtClean="0">
+                <a:hlinkClick r:id="rId3"/>
+              </a:rPr>
+              <a:t>online</a:t>
+            </a:r>
+            <a:r>
+              <a:rPr lang="en-US" smtClean="0"/>
+              <a:t>.</a:t>
+            </a:r>
+            <a:endParaRPr lang="en-US" dirty="0" smtClean="0"/>
+          </a:p>
+          <a:p>
+            <a:pPr marL="0" indent="0">
+              <a:buNone/>
+            </a:pPr>
+            <a:r>
+              <a:rPr lang="en-US" dirty="0" smtClean="0"/>
+              <a:t>So if you are reading this to learn on your own, treat it as a roadmap, not as study material. These things were deemed important enough to mention, and they were mentioned in this order, but you will need another source to actually study.</a:t>
+            </a:r>
+            <a:endParaRPr lang="en-US" dirty="0"/>
+          </a:p>
+        </p:txBody>
+      </p:sp>
+      <p:sp>
+        <p:nvSpPr>
+          <p:cNvPr id="2" name="Date Placeholder 1"/>
+          <p:cNvSpPr>
+            <a:spLocks noGrp="1"/>
+          </p:cNvSpPr>
+          <p:nvPr>
+            <p:ph type="dt" sz="half" idx="10"/>
+          </p:nvPr>
+        </p:nvSpPr>
+        <p:spPr/>
+        <p:txBody>
+          <a:bodyPr/>
+          <a:lstStyle/>
+          <a:p>
+            <a:pPr>
+              <a:defRPr/>
+            </a:pPr>
+            <a:r>
+              <a:rPr lang="fi-FI" smtClean="0"/>
+              <a:t>2018-02-06</a:t>
+            </a:r>
+            <a:endParaRPr lang="en-US"/>
+          </a:p>
+        </p:txBody>
+      </p:sp>
+      <p:sp>
+        <p:nvSpPr>
+          <p:cNvPr id="3" name="Slide Number Placeholder 2"/>
+          <p:cNvSpPr>
+            <a:spLocks noGrp="1"/>
+          </p:cNvSpPr>
+          <p:nvPr>
+            <p:ph type="sldNum" sz="quarter" idx="12"/>
+          </p:nvPr>
+        </p:nvSpPr>
+        <p:spPr/>
+        <p:txBody>
+          <a:bodyPr/>
+          <a:lstStyle/>
+          <a:p>
+            <a:pPr>
+              <a:defRPr/>
+            </a:pPr>
+            <a:fld id="{02605DE2-1972-E240-9BF7-5A80054B62E0}" type="slidenum">
+              <a:rPr lang="en-US" smtClean="0"/>
+              <a:pPr>
+                <a:defRPr/>
+              </a:pPr>
+              <a:t>2</a:t>
+            </a:fld>
+            <a:endParaRPr lang="en-US"/>
+          </a:p>
+        </p:txBody>
+      </p:sp>
+    </p:spTree>
+    <p:extLst>
+      <p:ext uri="{BB962C8B-B14F-4D97-AF65-F5344CB8AC3E}">
+        <p14:creationId xmlns:p14="http://schemas.microsoft.com/office/powerpoint/2010/main" val="4219158439"/>
+      </p:ext>
+    </p:extLst>
+  </p:cSld>
+  <p:clrMapOvr>
+    <a:masterClrMapping/>
+  </p:clrMapOvr>
+  <p:timing>
+    <p:tnLst>
+      <p:par>
+        <p:cTn id="1" dur="indefinite" restart="never" nodeType="tmRoot"/>
+      </p:par>
+    </p:tnLst>
+  </p:timing>
+</p:sld>
+</file>
+
+<file path=ppt/slides/slide20.xml><?xml version="1.0" encoding="utf-8"?>
+<p:sld xmlns:a="http://schemas.openxmlformats.org/drawingml/2006/main" xmlns:r="http://schemas.openxmlformats.org/officeDocument/2006/relationships" xmlns:p="http://schemas.openxmlformats.org/presentationml/2006/main">
+  <p:cSld>
+    <p:spTree>
+      <p:nvGrpSpPr>
+        <p:cNvPr id="1" name=""/>
+        <p:cNvGrpSpPr/>
+        <p:nvPr/>
+      </p:nvGrpSpPr>
+      <p:grpSpPr>
+        <a:xfrm>
+          <a:off x="0" y="0"/>
+          <a:ext cx="0" cy="0"/>
+          <a:chOff x="0" y="0"/>
+          <a:chExt cx="0" cy="0"/>
+        </a:xfrm>
+      </p:grpSpPr>
+      <p:sp>
+        <p:nvSpPr>
+          <p:cNvPr id="2" name="Title 1"/>
+          <p:cNvSpPr>
+            <a:spLocks noGrp="1"/>
+          </p:cNvSpPr>
+          <p:nvPr>
+            <p:ph type="title"/>
+          </p:nvPr>
+        </p:nvSpPr>
+        <p:spPr/>
+        <p:txBody>
+          <a:bodyPr/>
+          <a:lstStyle/>
+          <a:p>
+            <a:r>
+              <a:rPr lang="en-US" smtClean="0"/>
+              <a:t>geom_bar (chapters 3.7-3.9)</a:t>
+            </a:r>
+            <a:endParaRPr lang="en-US"/>
+          </a:p>
+        </p:txBody>
+      </p:sp>
+      <p:sp>
+        <p:nvSpPr>
+          <p:cNvPr id="3" name="Content Placeholder 2"/>
+          <p:cNvSpPr>
+            <a:spLocks noGrp="1"/>
+          </p:cNvSpPr>
+          <p:nvPr>
+            <p:ph idx="1"/>
+          </p:nvPr>
+        </p:nvSpPr>
+        <p:spPr/>
+        <p:txBody>
+          <a:bodyPr/>
+          <a:lstStyle/>
+          <a:p>
+            <a:r>
+              <a:rPr lang="en-US">
+                <a:latin typeface="Consolas" panose="020B0609020204030204" pitchFamily="49" charset="0"/>
+                <a:cs typeface="Consolas" panose="020B0609020204030204" pitchFamily="49" charset="0"/>
+              </a:rPr>
+              <a:t>ggplot(data = diamonds) </a:t>
+            </a:r>
+            <a:r>
+              <a:rPr lang="en-US" smtClean="0">
+                <a:latin typeface="Consolas" panose="020B0609020204030204" pitchFamily="49" charset="0"/>
+                <a:cs typeface="Consolas" panose="020B0609020204030204" pitchFamily="49" charset="0"/>
+              </a:rPr>
+              <a:t>+</a:t>
+            </a:r>
+            <a:br>
+              <a:rPr lang="en-US" smtClean="0">
+                <a:latin typeface="Consolas" panose="020B0609020204030204" pitchFamily="49" charset="0"/>
+                <a:cs typeface="Consolas" panose="020B0609020204030204" pitchFamily="49" charset="0"/>
+              </a:rPr>
+            </a:br>
+            <a:r>
+              <a:rPr lang="en-US" smtClean="0">
+                <a:latin typeface="Consolas" panose="020B0609020204030204" pitchFamily="49" charset="0"/>
+                <a:cs typeface="Consolas" panose="020B0609020204030204" pitchFamily="49" charset="0"/>
+              </a:rPr>
+              <a:t>geom_</a:t>
+            </a:r>
+            <a:r>
+              <a:rPr lang="en-US" b="1" smtClean="0">
+                <a:latin typeface="Consolas" panose="020B0609020204030204" pitchFamily="49" charset="0"/>
+                <a:cs typeface="Consolas" panose="020B0609020204030204" pitchFamily="49" charset="0"/>
+              </a:rPr>
+              <a:t>bar</a:t>
+            </a:r>
+            <a:r>
+              <a:rPr lang="en-US" smtClean="0">
+                <a:latin typeface="Consolas" panose="020B0609020204030204" pitchFamily="49" charset="0"/>
+                <a:cs typeface="Consolas" panose="020B0609020204030204" pitchFamily="49" charset="0"/>
+              </a:rPr>
+              <a:t>(mapping </a:t>
+            </a:r>
+            <a:r>
+              <a:rPr lang="en-US">
+                <a:latin typeface="Consolas" panose="020B0609020204030204" pitchFamily="49" charset="0"/>
+                <a:cs typeface="Consolas" panose="020B0609020204030204" pitchFamily="49" charset="0"/>
+              </a:rPr>
+              <a:t>= aes(x = cut</a:t>
+            </a:r>
+            <a:r>
+              <a:rPr lang="en-US" smtClean="0">
+                <a:latin typeface="Consolas" panose="020B0609020204030204" pitchFamily="49" charset="0"/>
+                <a:cs typeface="Consolas" panose="020B0609020204030204" pitchFamily="49" charset="0"/>
+              </a:rPr>
+              <a:t>))</a:t>
+            </a:r>
+          </a:p>
+          <a:p>
+            <a:r>
+              <a:rPr lang="en-US" smtClean="0">
+                <a:latin typeface="Corbel" panose="020B0503020204020204" pitchFamily="34" charset="0"/>
+                <a:cs typeface="Consolas" panose="020B0609020204030204" pitchFamily="49" charset="0"/>
+              </a:rPr>
+              <a:t>"Hey </a:t>
+            </a:r>
+            <a:r>
+              <a:rPr lang="en-US">
+                <a:latin typeface="Corbel" panose="020B0503020204020204" pitchFamily="34" charset="0"/>
+                <a:cs typeface="Consolas" panose="020B0609020204030204" pitchFamily="49" charset="0"/>
+              </a:rPr>
+              <a:t>ggplot! I want to make a </a:t>
+            </a:r>
+            <a:r>
+              <a:rPr lang="en-US" smtClean="0">
+                <a:latin typeface="Corbel" panose="020B0503020204020204" pitchFamily="34" charset="0"/>
+                <a:cs typeface="Consolas" panose="020B0609020204030204" pitchFamily="49" charset="0"/>
+              </a:rPr>
+              <a:t>plot with this dataset diamonds</a:t>
+            </a:r>
+            <a:br>
+              <a:rPr lang="en-US" smtClean="0">
+                <a:latin typeface="Corbel" panose="020B0503020204020204" pitchFamily="34" charset="0"/>
+                <a:cs typeface="Consolas" panose="020B0609020204030204" pitchFamily="49" charset="0"/>
+              </a:rPr>
+            </a:br>
+            <a:r>
+              <a:rPr lang="en-US" smtClean="0">
+                <a:latin typeface="Corbel" panose="020B0503020204020204" pitchFamily="34" charset="0"/>
+                <a:cs typeface="Consolas" panose="020B0609020204030204" pitchFamily="49" charset="0"/>
+              </a:rPr>
+              <a:t>and I want it to be a </a:t>
+            </a:r>
+            <a:r>
+              <a:rPr lang="en-US" b="1" smtClean="0">
+                <a:latin typeface="Corbel" panose="020B0503020204020204" pitchFamily="34" charset="0"/>
+                <a:cs typeface="Consolas" panose="020B0609020204030204" pitchFamily="49" charset="0"/>
+              </a:rPr>
+              <a:t>barplot</a:t>
+            </a:r>
+            <a:r>
+              <a:rPr lang="en-US" smtClean="0">
+                <a:latin typeface="Corbel" panose="020B0503020204020204" pitchFamily="34" charset="0"/>
+                <a:cs typeface="Consolas" panose="020B0609020204030204" pitchFamily="49" charset="0"/>
+              </a:rPr>
+              <a:t> with cut on the x-axis..."</a:t>
+            </a:r>
+          </a:p>
+          <a:p>
+            <a:r>
+              <a:rPr lang="en-US" smtClean="0">
+                <a:latin typeface="Consolas" panose="020B0609020204030204" pitchFamily="49" charset="0"/>
+                <a:cs typeface="Consolas" panose="020B0609020204030204" pitchFamily="49" charset="0"/>
+              </a:rPr>
+              <a:t>geom_bar(mapping </a:t>
+            </a:r>
+            <a:r>
+              <a:rPr lang="en-US">
+                <a:latin typeface="Consolas" panose="020B0609020204030204" pitchFamily="49" charset="0"/>
+                <a:cs typeface="Consolas" panose="020B0609020204030204" pitchFamily="49" charset="0"/>
+              </a:rPr>
+              <a:t>= aes(x = cut, fill = clarity), position = "dodge")</a:t>
+            </a:r>
+          </a:p>
+          <a:p>
+            <a:r>
+              <a:rPr lang="en-US" smtClean="0"/>
+              <a:t>"with the bars color-filled by clarity, and put side by side."</a:t>
+            </a:r>
+          </a:p>
+          <a:p>
+            <a:r>
+              <a:rPr lang="en-US" smtClean="0">
+                <a:latin typeface="Consolas" panose="020B0609020204030204" pitchFamily="49" charset="0"/>
+                <a:cs typeface="Consolas" panose="020B0609020204030204" pitchFamily="49" charset="0"/>
+              </a:rPr>
+              <a:t>+ coord_flip()</a:t>
+            </a:r>
+          </a:p>
+          <a:p>
+            <a:r>
+              <a:rPr lang="en-US" smtClean="0">
+                <a:latin typeface="Corbel" panose="020B0503020204020204" pitchFamily="34" charset="0"/>
+              </a:rPr>
+              <a:t>"and with the coordinate axes flipped."</a:t>
+            </a:r>
+            <a:endParaRPr lang="en-US">
+              <a:latin typeface="Corbel" panose="020B0503020204020204" pitchFamily="34" charset="0"/>
+            </a:endParaRPr>
+          </a:p>
+          <a:p>
+            <a:endParaRPr lang="en-US"/>
+          </a:p>
+        </p:txBody>
+      </p:sp>
+      <p:sp>
+        <p:nvSpPr>
+          <p:cNvPr id="4" name="Date Placeholder 3"/>
+          <p:cNvSpPr>
+            <a:spLocks noGrp="1"/>
+          </p:cNvSpPr>
+          <p:nvPr>
+            <p:ph type="dt" sz="half" idx="10"/>
+          </p:nvPr>
+        </p:nvSpPr>
+        <p:spPr/>
+        <p:txBody>
+          <a:bodyPr/>
+          <a:lstStyle/>
+          <a:p>
+            <a:pPr>
+              <a:defRPr/>
+            </a:pPr>
+            <a:r>
+              <a:rPr lang="fi-FI" smtClean="0"/>
+              <a:t>2018-02-06</a:t>
+            </a:r>
+            <a:endParaRPr lang="en-US"/>
+          </a:p>
+        </p:txBody>
+      </p:sp>
+      <p:sp>
+        <p:nvSpPr>
+          <p:cNvPr id="5" name="Slide Number Placeholder 4"/>
+          <p:cNvSpPr>
+            <a:spLocks noGrp="1"/>
+          </p:cNvSpPr>
+          <p:nvPr>
+            <p:ph type="sldNum" sz="quarter" idx="12"/>
+          </p:nvPr>
+        </p:nvSpPr>
+        <p:spPr/>
+        <p:txBody>
+          <a:bodyPr/>
+          <a:lstStyle/>
+          <a:p>
+            <a:pPr>
+              <a:defRPr/>
+            </a:pPr>
+            <a:fld id="{2BC46539-7FEE-8846-9EF1-6D13C0293C6C}" type="slidenum">
+              <a:rPr lang="en-US" smtClean="0"/>
+              <a:pPr>
+                <a:defRPr/>
+              </a:pPr>
+              <a:t>20</a:t>
+            </a:fld>
+            <a:endParaRPr lang="en-US"/>
+          </a:p>
+        </p:txBody>
+      </p:sp>
+    </p:spTree>
+    <p:extLst>
+      <p:ext uri="{BB962C8B-B14F-4D97-AF65-F5344CB8AC3E}">
+        <p14:creationId xmlns:p14="http://schemas.microsoft.com/office/powerpoint/2010/main" val="3124542592"/>
+      </p:ext>
+    </p:extLst>
+  </p:cSld>
+  <p:clrMapOvr>
+    <a:masterClrMapping/>
+  </p:clrMapOvr>
+</p:sld>
+</file>
+
+<file path=ppt/slides/slide21.xml><?xml version="1.0" encoding="utf-8"?>
+<p:sld xmlns:a="http://schemas.openxmlformats.org/drawingml/2006/main" xmlns:r="http://schemas.openxmlformats.org/officeDocument/2006/relationships" xmlns:p="http://schemas.openxmlformats.org/presentationml/2006/main">
+  <p:cSld>
+    <p:spTree>
+      <p:nvGrpSpPr>
+        <p:cNvPr id="1" name=""/>
+        <p:cNvGrpSpPr/>
+        <p:nvPr/>
+      </p:nvGrpSpPr>
+      <p:grpSpPr>
+        <a:xfrm>
+          <a:off x="0" y="0"/>
+          <a:ext cx="0" cy="0"/>
+          <a:chOff x="0" y="0"/>
+          <a:chExt cx="0" cy="0"/>
+        </a:xfrm>
+      </p:grpSpPr>
+      <p:sp>
+        <p:nvSpPr>
+          <p:cNvPr id="6" name="Title 5"/>
+          <p:cNvSpPr>
+            <a:spLocks noGrp="1"/>
+          </p:cNvSpPr>
+          <p:nvPr>
+            <p:ph type="ctrTitle"/>
+          </p:nvPr>
+        </p:nvSpPr>
+        <p:spPr/>
+        <p:txBody>
+          <a:bodyPr/>
+          <a:lstStyle/>
+          <a:p>
+            <a:r>
+              <a:rPr lang="en-US" smtClean="0"/>
+              <a:t>Data transformation</a:t>
+            </a:r>
+            <a:endParaRPr lang="en-US"/>
+          </a:p>
+        </p:txBody>
+      </p:sp>
+      <p:sp>
+        <p:nvSpPr>
+          <p:cNvPr id="4" name="Date Placeholder 3"/>
+          <p:cNvSpPr>
+            <a:spLocks noGrp="1"/>
+          </p:cNvSpPr>
+          <p:nvPr>
+            <p:ph type="dt" sz="half" idx="4294967295"/>
+          </p:nvPr>
+        </p:nvSpPr>
+        <p:spPr>
+          <a:xfrm>
+            <a:off x="0" y="6378575"/>
+            <a:ext cx="1300163" cy="315913"/>
+          </a:xfrm>
+        </p:spPr>
+        <p:txBody>
+          <a:bodyPr/>
+          <a:lstStyle/>
+          <a:p>
+            <a:pPr>
+              <a:defRPr/>
+            </a:pPr>
+            <a:r>
+              <a:rPr lang="fi-FI" smtClean="0"/>
+              <a:t>2018-02-06</a:t>
+            </a:r>
+            <a:endParaRPr lang="en-US"/>
+          </a:p>
+        </p:txBody>
+      </p:sp>
+      <p:sp>
+        <p:nvSpPr>
+          <p:cNvPr id="5" name="Slide Number Placeholder 4"/>
+          <p:cNvSpPr>
+            <a:spLocks noGrp="1"/>
+          </p:cNvSpPr>
+          <p:nvPr>
+            <p:ph type="sldNum" sz="quarter" idx="4294967295"/>
+          </p:nvPr>
+        </p:nvSpPr>
+        <p:spPr>
+          <a:xfrm>
+            <a:off x="0" y="6378575"/>
+            <a:ext cx="862013" cy="315913"/>
+          </a:xfrm>
+        </p:spPr>
+        <p:txBody>
+          <a:bodyPr/>
+          <a:lstStyle/>
+          <a:p>
+            <a:pPr>
+              <a:defRPr/>
+            </a:pPr>
+            <a:fld id="{2BC46539-7FEE-8846-9EF1-6D13C0293C6C}" type="slidenum">
+              <a:rPr lang="en-US" smtClean="0"/>
+              <a:pPr>
+                <a:defRPr/>
+              </a:pPr>
+              <a:t>21</a:t>
+            </a:fld>
+            <a:endParaRPr lang="en-US"/>
+          </a:p>
+        </p:txBody>
+      </p:sp>
+    </p:spTree>
+    <p:extLst>
+      <p:ext uri="{BB962C8B-B14F-4D97-AF65-F5344CB8AC3E}">
+        <p14:creationId xmlns:p14="http://schemas.microsoft.com/office/powerpoint/2010/main" val="3766102113"/>
+      </p:ext>
+    </p:extLst>
+  </p:cSld>
+  <p:clrMapOvr>
+    <a:masterClrMapping/>
+  </p:clrMapOvr>
+</p:sld>
+</file>
+
+<file path=ppt/slides/slide22.xml><?xml version="1.0" encoding="utf-8"?>
+<p:sld xmlns:a="http://schemas.openxmlformats.org/drawingml/2006/main" xmlns:r="http://schemas.openxmlformats.org/officeDocument/2006/relationships" xmlns:p="http://schemas.openxmlformats.org/presentationml/2006/main">
+  <p:cSld>
+    <p:spTree>
+      <p:nvGrpSpPr>
+        <p:cNvPr id="1" name=""/>
+        <p:cNvGrpSpPr/>
+        <p:nvPr/>
+      </p:nvGrpSpPr>
+      <p:grpSpPr>
+        <a:xfrm>
+          <a:off x="0" y="0"/>
+          <a:ext cx="0" cy="0"/>
+          <a:chOff x="0" y="0"/>
+          <a:chExt cx="0" cy="0"/>
+        </a:xfrm>
+      </p:grpSpPr>
+      <p:sp>
+        <p:nvSpPr>
+          <p:cNvPr id="2" name="Title 1"/>
+          <p:cNvSpPr>
+            <a:spLocks noGrp="1"/>
+          </p:cNvSpPr>
+          <p:nvPr>
+            <p:ph type="title"/>
+          </p:nvPr>
+        </p:nvSpPr>
+        <p:spPr/>
+        <p:txBody>
+          <a:bodyPr/>
+          <a:lstStyle/>
+          <a:p>
+            <a:r>
+              <a:rPr lang="en-US" smtClean="0"/>
+              <a:t>5.1.3 dplyr basics</a:t>
+            </a:r>
+            <a:endParaRPr lang="en-US"/>
+          </a:p>
+        </p:txBody>
+      </p:sp>
+      <p:sp>
+        <p:nvSpPr>
+          <p:cNvPr id="3" name="Content Placeholder 2"/>
+          <p:cNvSpPr>
+            <a:spLocks noGrp="1"/>
+          </p:cNvSpPr>
+          <p:nvPr>
+            <p:ph idx="1"/>
+          </p:nvPr>
+        </p:nvSpPr>
+        <p:spPr/>
+        <p:txBody>
+          <a:bodyPr/>
+          <a:lstStyle/>
+          <a:p>
+            <a:r>
+              <a:rPr lang="en-US" smtClean="0"/>
+              <a:t>We have 6 </a:t>
+            </a:r>
+            <a:r>
+              <a:rPr lang="en-US" i="1" smtClean="0"/>
+              <a:t>verbs</a:t>
+            </a:r>
+            <a:r>
+              <a:rPr lang="en-US" smtClean="0"/>
+              <a:t>: </a:t>
+            </a:r>
+            <a:r>
+              <a:rPr lang="en-US">
+                <a:latin typeface="Consolas" panose="020B0609020204030204" pitchFamily="49" charset="0"/>
+                <a:cs typeface="Consolas" panose="020B0609020204030204" pitchFamily="49" charset="0"/>
+              </a:rPr>
+              <a:t>filter</a:t>
+            </a:r>
+            <a:r>
+              <a:rPr lang="en-US" smtClean="0"/>
+              <a:t>, </a:t>
+            </a:r>
+            <a:r>
+              <a:rPr lang="en-US">
+                <a:latin typeface="Consolas" panose="020B0609020204030204" pitchFamily="49" charset="0"/>
+                <a:cs typeface="Consolas" panose="020B0609020204030204" pitchFamily="49" charset="0"/>
+              </a:rPr>
+              <a:t>arrange</a:t>
+            </a:r>
+            <a:r>
+              <a:rPr lang="en-US" smtClean="0"/>
+              <a:t>, </a:t>
+            </a:r>
+            <a:r>
+              <a:rPr lang="en-US">
+                <a:latin typeface="Consolas" panose="020B0609020204030204" pitchFamily="49" charset="0"/>
+                <a:cs typeface="Consolas" panose="020B0609020204030204" pitchFamily="49" charset="0"/>
+              </a:rPr>
+              <a:t>select</a:t>
+            </a:r>
+            <a:r>
+              <a:rPr lang="en-US" smtClean="0"/>
+              <a:t>, </a:t>
+            </a:r>
+            <a:r>
+              <a:rPr lang="en-US">
+                <a:latin typeface="Consolas" panose="020B0609020204030204" pitchFamily="49" charset="0"/>
+                <a:cs typeface="Consolas" panose="020B0609020204030204" pitchFamily="49" charset="0"/>
+              </a:rPr>
+              <a:t>mutate</a:t>
+            </a:r>
+            <a:r>
+              <a:rPr lang="en-US" smtClean="0"/>
+              <a:t>, </a:t>
+            </a:r>
+            <a:r>
+              <a:rPr lang="en-US">
+                <a:latin typeface="Consolas" panose="020B0609020204030204" pitchFamily="49" charset="0"/>
+                <a:cs typeface="Consolas" panose="020B0609020204030204" pitchFamily="49" charset="0"/>
+              </a:rPr>
+              <a:t>summarise </a:t>
+            </a:r>
+            <a:r>
+              <a:rPr lang="en-US" smtClean="0"/>
+              <a:t>and </a:t>
+            </a:r>
+            <a:r>
+              <a:rPr lang="en-US" smtClean="0">
+                <a:latin typeface="Consolas" panose="020B0609020204030204" pitchFamily="49" charset="0"/>
+                <a:cs typeface="Consolas" panose="020B0609020204030204" pitchFamily="49" charset="0"/>
+              </a:rPr>
+              <a:t>group_by</a:t>
+            </a:r>
+            <a:r>
+              <a:rPr lang="en-US" smtClean="0"/>
+              <a:t> </a:t>
+            </a:r>
+          </a:p>
+          <a:p>
+            <a:r>
+              <a:rPr lang="en-US" smtClean="0"/>
+              <a:t>Each verb is a function that behaves in the same way:</a:t>
+            </a:r>
+          </a:p>
+          <a:p>
+            <a:pPr marL="457200" indent="-457200">
+              <a:buFont typeface="+mj-lt"/>
+              <a:buAutoNum type="arabicPeriod"/>
+            </a:pPr>
+            <a:r>
+              <a:rPr lang="en-US"/>
+              <a:t>The first argument is a data frame.</a:t>
+            </a:r>
+          </a:p>
+          <a:p>
+            <a:pPr marL="457200" indent="-457200">
+              <a:buFont typeface="+mj-lt"/>
+              <a:buAutoNum type="arabicPeriod"/>
+            </a:pPr>
+            <a:r>
+              <a:rPr lang="en-US"/>
+              <a:t>The subsequent arguments describe what to do with the data frame, using the variable names (without quotes).</a:t>
+            </a:r>
+          </a:p>
+          <a:p>
+            <a:pPr marL="457200" indent="-457200">
+              <a:buFont typeface="+mj-lt"/>
+              <a:buAutoNum type="arabicPeriod"/>
+            </a:pPr>
+            <a:r>
+              <a:rPr lang="en-US"/>
+              <a:t>The result is a new data frame.</a:t>
+            </a:r>
+          </a:p>
+          <a:p>
+            <a:endParaRPr lang="en-US"/>
+          </a:p>
+        </p:txBody>
+      </p:sp>
+      <p:sp>
+        <p:nvSpPr>
+          <p:cNvPr id="4" name="Date Placeholder 3"/>
+          <p:cNvSpPr>
+            <a:spLocks noGrp="1"/>
+          </p:cNvSpPr>
+          <p:nvPr>
+            <p:ph type="dt" sz="half" idx="10"/>
+          </p:nvPr>
+        </p:nvSpPr>
+        <p:spPr/>
+        <p:txBody>
+          <a:bodyPr/>
+          <a:lstStyle/>
+          <a:p>
+            <a:pPr>
+              <a:defRPr/>
+            </a:pPr>
+            <a:r>
+              <a:rPr lang="fi-FI" smtClean="0"/>
+              <a:t>2018-02-06</a:t>
+            </a:r>
+            <a:endParaRPr lang="en-US"/>
+          </a:p>
+        </p:txBody>
+      </p:sp>
+      <p:sp>
+        <p:nvSpPr>
+          <p:cNvPr id="5" name="Slide Number Placeholder 4"/>
+          <p:cNvSpPr>
+            <a:spLocks noGrp="1"/>
+          </p:cNvSpPr>
+          <p:nvPr>
+            <p:ph type="sldNum" sz="quarter" idx="12"/>
+          </p:nvPr>
+        </p:nvSpPr>
+        <p:spPr/>
+        <p:txBody>
+          <a:bodyPr/>
+          <a:lstStyle/>
+          <a:p>
+            <a:pPr>
+              <a:defRPr/>
+            </a:pPr>
+            <a:fld id="{2BC46539-7FEE-8846-9EF1-6D13C0293C6C}" type="slidenum">
+              <a:rPr lang="en-US" smtClean="0"/>
+              <a:pPr>
+                <a:defRPr/>
+              </a:pPr>
+              <a:t>22</a:t>
+            </a:fld>
+            <a:endParaRPr lang="en-US"/>
+          </a:p>
+        </p:txBody>
+      </p:sp>
+    </p:spTree>
+    <p:extLst>
+      <p:ext uri="{BB962C8B-B14F-4D97-AF65-F5344CB8AC3E}">
+        <p14:creationId xmlns:p14="http://schemas.microsoft.com/office/powerpoint/2010/main" val="2516587120"/>
+      </p:ext>
+    </p:extLst>
+  </p:cSld>
+  <p:clrMapOvr>
+    <a:masterClrMapping/>
+  </p:clrMapOvr>
+</p:sld>
+</file>
+
+<file path=ppt/slides/slide23.xml><?xml version="1.0" encoding="utf-8"?>
+<p:sld xmlns:a="http://schemas.openxmlformats.org/drawingml/2006/main" xmlns:r="http://schemas.openxmlformats.org/officeDocument/2006/relationships" xmlns:p="http://schemas.openxmlformats.org/presentationml/2006/main">
+  <p:cSld>
+    <p:spTree>
+      <p:nvGrpSpPr>
+        <p:cNvPr id="1" name=""/>
+        <p:cNvGrpSpPr/>
+        <p:nvPr/>
+      </p:nvGrpSpPr>
+      <p:grpSpPr>
+        <a:xfrm>
+          <a:off x="0" y="0"/>
+          <a:ext cx="0" cy="0"/>
+          <a:chOff x="0" y="0"/>
+          <a:chExt cx="0" cy="0"/>
+        </a:xfrm>
+      </p:grpSpPr>
+      <p:sp>
+        <p:nvSpPr>
+          <p:cNvPr id="2" name="Title 1"/>
+          <p:cNvSpPr>
+            <a:spLocks noGrp="1"/>
+          </p:cNvSpPr>
+          <p:nvPr>
+            <p:ph type="title"/>
+          </p:nvPr>
+        </p:nvSpPr>
+        <p:spPr/>
+        <p:txBody>
+          <a:bodyPr/>
+          <a:lstStyle/>
+          <a:p>
+            <a:r>
+              <a:rPr lang="en-US"/>
+              <a:t>5.2 Filter rows with </a:t>
+            </a:r>
+            <a:r>
+              <a:rPr lang="en-US">
+                <a:latin typeface="Consolas" panose="020B0609020204030204" pitchFamily="49" charset="0"/>
+                <a:cs typeface="Consolas" panose="020B0609020204030204" pitchFamily="49" charset="0"/>
+              </a:rPr>
+              <a:t>filter</a:t>
+            </a:r>
+            <a:r>
+              <a:rPr lang="en-US" smtClean="0">
+                <a:latin typeface="Consolas" panose="020B0609020204030204" pitchFamily="49" charset="0"/>
+                <a:cs typeface="Consolas" panose="020B0609020204030204" pitchFamily="49" charset="0"/>
+              </a:rPr>
+              <a:t>()</a:t>
+            </a:r>
+            <a:endParaRPr lang="en-US">
+              <a:latin typeface="Consolas" panose="020B0609020204030204" pitchFamily="49" charset="0"/>
+              <a:cs typeface="Consolas" panose="020B0609020204030204" pitchFamily="49" charset="0"/>
+            </a:endParaRPr>
+          </a:p>
+        </p:txBody>
+      </p:sp>
+      <p:sp>
+        <p:nvSpPr>
+          <p:cNvPr id="3" name="Content Placeholder 2"/>
+          <p:cNvSpPr>
+            <a:spLocks noGrp="1"/>
+          </p:cNvSpPr>
+          <p:nvPr>
+            <p:ph idx="1"/>
+          </p:nvPr>
+        </p:nvSpPr>
+        <p:spPr/>
+        <p:txBody>
+          <a:bodyPr/>
+          <a:lstStyle/>
+          <a:p>
+            <a:r>
+              <a:rPr lang="en-US" smtClean="0"/>
+              <a:t>The </a:t>
+            </a:r>
+            <a:r>
+              <a:rPr lang="en-US"/>
+              <a:t>first argument is the name of the data frame. The second and subsequent arguments are the expressions that filter the data </a:t>
+            </a:r>
+            <a:r>
+              <a:rPr lang="en-US" smtClean="0"/>
+              <a:t>frame</a:t>
+            </a:r>
+            <a:endParaRPr lang="en-US"/>
+          </a:p>
+          <a:p>
+            <a:r>
+              <a:rPr lang="en-US" smtClean="0"/>
+              <a:t>Remember the usual comparison operators and the shorthand </a:t>
+            </a:r>
+            <a:r>
+              <a:rPr lang="en-US" smtClean="0">
+                <a:latin typeface="Consolas" panose="020B0609020204030204" pitchFamily="49" charset="0"/>
+                <a:cs typeface="Consolas" panose="020B0609020204030204" pitchFamily="49" charset="0"/>
+              </a:rPr>
+              <a:t>%in%</a:t>
+            </a:r>
+          </a:p>
+        </p:txBody>
+      </p:sp>
+      <p:sp>
+        <p:nvSpPr>
+          <p:cNvPr id="4" name="Date Placeholder 3"/>
+          <p:cNvSpPr>
+            <a:spLocks noGrp="1"/>
+          </p:cNvSpPr>
+          <p:nvPr>
+            <p:ph type="dt" sz="half" idx="10"/>
+          </p:nvPr>
+        </p:nvSpPr>
+        <p:spPr/>
+        <p:txBody>
+          <a:bodyPr/>
+          <a:lstStyle/>
+          <a:p>
+            <a:pPr>
+              <a:defRPr/>
+            </a:pPr>
+            <a:r>
+              <a:rPr lang="fi-FI" smtClean="0"/>
+              <a:t>2018-02-06</a:t>
+            </a:r>
+            <a:endParaRPr lang="en-US"/>
+          </a:p>
+        </p:txBody>
+      </p:sp>
+      <p:sp>
+        <p:nvSpPr>
+          <p:cNvPr id="5" name="Slide Number Placeholder 4"/>
+          <p:cNvSpPr>
+            <a:spLocks noGrp="1"/>
+          </p:cNvSpPr>
+          <p:nvPr>
+            <p:ph type="sldNum" sz="quarter" idx="12"/>
+          </p:nvPr>
+        </p:nvSpPr>
+        <p:spPr/>
+        <p:txBody>
+          <a:bodyPr/>
+          <a:lstStyle/>
+          <a:p>
+            <a:pPr>
+              <a:defRPr/>
+            </a:pPr>
+            <a:fld id="{2BC46539-7FEE-8846-9EF1-6D13C0293C6C}" type="slidenum">
+              <a:rPr lang="en-US" smtClean="0"/>
+              <a:pPr>
+                <a:defRPr/>
+              </a:pPr>
+              <a:t>23</a:t>
+            </a:fld>
+            <a:endParaRPr lang="en-US"/>
+          </a:p>
+        </p:txBody>
+      </p:sp>
+    </p:spTree>
+    <p:extLst>
+      <p:ext uri="{BB962C8B-B14F-4D97-AF65-F5344CB8AC3E}">
+        <p14:creationId xmlns:p14="http://schemas.microsoft.com/office/powerpoint/2010/main" val="1000813141"/>
+      </p:ext>
+    </p:extLst>
+  </p:cSld>
+  <p:clrMapOvr>
+    <a:masterClrMapping/>
+  </p:clrMapOvr>
+</p:sld>
+</file>
+
+<file path=ppt/slides/slide24.xml><?xml version="1.0" encoding="utf-8"?>
+<p:sld xmlns:a="http://schemas.openxmlformats.org/drawingml/2006/main" xmlns:r="http://schemas.openxmlformats.org/officeDocument/2006/relationships" xmlns:p="http://schemas.openxmlformats.org/presentationml/2006/main">
+  <p:cSld>
+    <p:spTree>
+      <p:nvGrpSpPr>
+        <p:cNvPr id="1" name=""/>
+        <p:cNvGrpSpPr/>
+        <p:nvPr/>
+      </p:nvGrpSpPr>
+      <p:grpSpPr>
+        <a:xfrm>
+          <a:off x="0" y="0"/>
+          <a:ext cx="0" cy="0"/>
+          <a:chOff x="0" y="0"/>
+          <a:chExt cx="0" cy="0"/>
+        </a:xfrm>
+      </p:grpSpPr>
+      <p:sp>
+        <p:nvSpPr>
+          <p:cNvPr id="2" name="Title 1"/>
+          <p:cNvSpPr>
+            <a:spLocks noGrp="1"/>
+          </p:cNvSpPr>
+          <p:nvPr>
+            <p:ph type="title"/>
+          </p:nvPr>
+        </p:nvSpPr>
+        <p:spPr/>
+        <p:txBody>
+          <a:bodyPr/>
+          <a:lstStyle/>
+          <a:p>
+            <a:r>
+              <a:rPr lang="en-US" smtClean="0"/>
+              <a:t>5.2.4 Exercises</a:t>
+            </a:r>
+            <a:endParaRPr lang="en-US"/>
+          </a:p>
+        </p:txBody>
+      </p:sp>
+      <p:sp>
+        <p:nvSpPr>
+          <p:cNvPr id="3" name="Content Placeholder 2"/>
+          <p:cNvSpPr>
+            <a:spLocks noGrp="1"/>
+          </p:cNvSpPr>
+          <p:nvPr>
+            <p:ph idx="1"/>
+          </p:nvPr>
+        </p:nvSpPr>
+        <p:spPr>
+          <a:xfrm>
+            <a:off x="609600" y="1262130"/>
+            <a:ext cx="10749565" cy="4864033"/>
+          </a:xfrm>
+        </p:spPr>
+        <p:txBody>
+          <a:bodyPr/>
+          <a:lstStyle/>
+          <a:p>
+            <a:pPr marL="457200" indent="-457200">
+              <a:buFont typeface="+mj-lt"/>
+              <a:buAutoNum type="arabicPeriod"/>
+            </a:pPr>
+            <a:r>
+              <a:rPr lang="en-US" sz="1600"/>
+              <a:t>Find all flights that</a:t>
+            </a:r>
+          </a:p>
+          <a:p>
+            <a:pPr lvl="1"/>
+            <a:r>
+              <a:rPr lang="en-US" sz="1200"/>
+              <a:t>Had an arrival delay of two or more hours</a:t>
+            </a:r>
+          </a:p>
+          <a:p>
+            <a:pPr lvl="1"/>
+            <a:r>
+              <a:rPr lang="en-US" sz="1200"/>
+              <a:t>Flew to Houston (IAH or HOU)</a:t>
+            </a:r>
+          </a:p>
+          <a:p>
+            <a:pPr lvl="1"/>
+            <a:r>
+              <a:rPr lang="en-US" sz="1200"/>
+              <a:t>Were operated by United, American, or Delta</a:t>
+            </a:r>
+          </a:p>
+          <a:p>
+            <a:pPr lvl="1"/>
+            <a:r>
+              <a:rPr lang="en-US" sz="1200"/>
+              <a:t>Departed in summer (July, August, and September)</a:t>
+            </a:r>
+          </a:p>
+          <a:p>
+            <a:pPr lvl="1"/>
+            <a:r>
+              <a:rPr lang="en-US" sz="1200"/>
+              <a:t>Arrived more than two hours late, but didn’t leave late</a:t>
+            </a:r>
+          </a:p>
+          <a:p>
+            <a:pPr lvl="1"/>
+            <a:r>
+              <a:rPr lang="en-US" sz="1200"/>
+              <a:t>Were delayed by at least an hour, but made up over 30 minutes in flight</a:t>
+            </a:r>
+          </a:p>
+          <a:p>
+            <a:pPr lvl="1"/>
+            <a:r>
+              <a:rPr lang="en-US" sz="1200"/>
+              <a:t>Departed between midnight and 6am (inclusive)</a:t>
+            </a:r>
+          </a:p>
+          <a:p>
+            <a:pPr marL="457200" indent="-457200">
+              <a:buFont typeface="+mj-lt"/>
+              <a:buAutoNum type="arabicPeriod"/>
+            </a:pPr>
+            <a:r>
+              <a:rPr lang="en-US" sz="1600"/>
+              <a:t>Another useful dplyr filtering helper is between(). What does it do? Can you use it to simplify the code needed to answer the previous challenges</a:t>
+            </a:r>
+            <a:r>
+              <a:rPr lang="en-US" sz="1600" smtClean="0"/>
+              <a:t>?</a:t>
+            </a:r>
+            <a:endParaRPr lang="en-US" sz="1600"/>
+          </a:p>
+          <a:p>
+            <a:pPr marL="457200" indent="-457200">
+              <a:buFont typeface="+mj-lt"/>
+              <a:buAutoNum type="arabicPeriod"/>
+            </a:pPr>
+            <a:r>
+              <a:rPr lang="en-US" sz="1600"/>
+              <a:t>How many flights have a missing dep_time? What other variables are missing? What might these rows represent</a:t>
+            </a:r>
+            <a:r>
+              <a:rPr lang="en-US" sz="1600" smtClean="0"/>
+              <a:t>?</a:t>
+            </a:r>
+            <a:endParaRPr lang="en-US" sz="1600"/>
+          </a:p>
+          <a:p>
+            <a:pPr marL="457200" indent="-457200">
+              <a:buFont typeface="+mj-lt"/>
+              <a:buAutoNum type="arabicPeriod"/>
+            </a:pPr>
+            <a:r>
+              <a:rPr lang="en-US" sz="1600"/>
+              <a:t>Why is NA ^ 0 not missing? Why is NA | TRUE not missing? Why is FALSE &amp; NA not missing? Can you figure out the general rule? (NA * 0 is a tricky counterexample</a:t>
+            </a:r>
+            <a:r>
+              <a:rPr lang="en-US" sz="1600" smtClean="0"/>
+              <a:t>!)</a:t>
+            </a:r>
+            <a:endParaRPr lang="en-US" sz="1600" b="1"/>
+          </a:p>
+          <a:p>
+            <a:r>
+              <a:rPr lang="en-US" sz="1600">
+                <a:latin typeface="Corbel" panose="020B0503020204020204" pitchFamily="34" charset="0"/>
+                <a:cs typeface="Consolas" panose="020B0609020204030204" pitchFamily="49" charset="0"/>
+              </a:rPr>
+              <a:t>Suggested order/importance</a:t>
+            </a:r>
+            <a:r>
+              <a:rPr lang="en-US" sz="1600" smtClean="0">
+                <a:latin typeface="Corbel" panose="020B0503020204020204" pitchFamily="34" charset="0"/>
+                <a:cs typeface="Consolas" panose="020B0609020204030204" pitchFamily="49" charset="0"/>
+              </a:rPr>
+              <a:t>: 1, then 2 and 3. 4 is for math geeks.</a:t>
+            </a:r>
+            <a:r>
+              <a:rPr lang="en-US" sz="1600" b="1" smtClean="0"/>
+              <a:t/>
+            </a:r>
+            <a:br>
+              <a:rPr lang="en-US" sz="1600" b="1" smtClean="0"/>
+            </a:br>
+            <a:endParaRPr lang="en-US" sz="1600" b="1" smtClean="0"/>
+          </a:p>
+          <a:p>
+            <a:endParaRPr lang="en-US" sz="1600" b="1"/>
+          </a:p>
+        </p:txBody>
+      </p:sp>
+      <p:sp>
+        <p:nvSpPr>
+          <p:cNvPr id="4" name="Date Placeholder 3"/>
+          <p:cNvSpPr>
+            <a:spLocks noGrp="1"/>
+          </p:cNvSpPr>
+          <p:nvPr>
+            <p:ph type="dt" sz="half" idx="10"/>
+          </p:nvPr>
+        </p:nvSpPr>
+        <p:spPr/>
+        <p:txBody>
+          <a:bodyPr/>
+          <a:lstStyle/>
+          <a:p>
+            <a:pPr>
+              <a:defRPr/>
+            </a:pPr>
+            <a:r>
+              <a:rPr lang="fi-FI" smtClean="0"/>
+              <a:t>2018-02-06</a:t>
+            </a:r>
+            <a:endParaRPr lang="en-US"/>
+          </a:p>
+        </p:txBody>
+      </p:sp>
+      <p:sp>
+        <p:nvSpPr>
+          <p:cNvPr id="5" name="Slide Number Placeholder 4"/>
+          <p:cNvSpPr>
+            <a:spLocks noGrp="1"/>
+          </p:cNvSpPr>
+          <p:nvPr>
+            <p:ph type="sldNum" sz="quarter" idx="12"/>
+          </p:nvPr>
+        </p:nvSpPr>
+        <p:spPr/>
+        <p:txBody>
+          <a:bodyPr/>
+          <a:lstStyle/>
+          <a:p>
+            <a:pPr>
+              <a:defRPr/>
+            </a:pPr>
+            <a:fld id="{2BC46539-7FEE-8846-9EF1-6D13C0293C6C}" type="slidenum">
+              <a:rPr lang="en-US" smtClean="0"/>
+              <a:pPr>
+                <a:defRPr/>
+              </a:pPr>
+              <a:t>24</a:t>
+            </a:fld>
+            <a:endParaRPr lang="en-US"/>
+          </a:p>
+        </p:txBody>
+      </p:sp>
+    </p:spTree>
+    <p:extLst>
+      <p:ext uri="{BB962C8B-B14F-4D97-AF65-F5344CB8AC3E}">
+        <p14:creationId xmlns:p14="http://schemas.microsoft.com/office/powerpoint/2010/main" val="718470251"/>
+      </p:ext>
+    </p:extLst>
+  </p:cSld>
+  <p:clrMapOvr>
+    <a:masterClrMapping/>
+  </p:clrMapOvr>
+</p:sld>
+</file>
+
+<file path=ppt/slides/slide25.xml><?xml version="1.0" encoding="utf-8"?>
+<p:sld xmlns:a="http://schemas.openxmlformats.org/drawingml/2006/main" xmlns:r="http://schemas.openxmlformats.org/officeDocument/2006/relationships" xmlns:p="http://schemas.openxmlformats.org/presentationml/2006/main">
+  <p:cSld>
+    <p:spTree>
+      <p:nvGrpSpPr>
+        <p:cNvPr id="1" name=""/>
+        <p:cNvGrpSpPr/>
+        <p:nvPr/>
+      </p:nvGrpSpPr>
+      <p:grpSpPr>
+        <a:xfrm>
+          <a:off x="0" y="0"/>
+          <a:ext cx="0" cy="0"/>
+          <a:chOff x="0" y="0"/>
+          <a:chExt cx="0" cy="0"/>
+        </a:xfrm>
+      </p:grpSpPr>
+      <p:sp>
+        <p:nvSpPr>
+          <p:cNvPr id="2" name="Title 1"/>
+          <p:cNvSpPr>
+            <a:spLocks noGrp="1"/>
+          </p:cNvSpPr>
+          <p:nvPr>
+            <p:ph type="title"/>
+          </p:nvPr>
+        </p:nvSpPr>
+        <p:spPr/>
+        <p:txBody>
+          <a:bodyPr/>
+          <a:lstStyle/>
+          <a:p>
+            <a:r>
+              <a:rPr lang="en-US" smtClean="0"/>
+              <a:t>5.4 Select columns </a:t>
+            </a:r>
+            <a:r>
+              <a:rPr lang="en-US"/>
+              <a:t>with </a:t>
+            </a:r>
+            <a:r>
+              <a:rPr lang="en-US" smtClean="0">
+                <a:latin typeface="Consolas" panose="020B0609020204030204" pitchFamily="49" charset="0"/>
+                <a:cs typeface="Consolas" panose="020B0609020204030204" pitchFamily="49" charset="0"/>
+              </a:rPr>
+              <a:t>select()</a:t>
+            </a:r>
+            <a:endParaRPr lang="en-US">
+              <a:latin typeface="Consolas" panose="020B0609020204030204" pitchFamily="49" charset="0"/>
+              <a:cs typeface="Consolas" panose="020B0609020204030204" pitchFamily="49" charset="0"/>
+            </a:endParaRPr>
+          </a:p>
+        </p:txBody>
+      </p:sp>
+      <p:sp>
+        <p:nvSpPr>
+          <p:cNvPr id="3" name="Content Placeholder 2"/>
+          <p:cNvSpPr>
+            <a:spLocks noGrp="1"/>
+          </p:cNvSpPr>
+          <p:nvPr>
+            <p:ph idx="1"/>
+          </p:nvPr>
+        </p:nvSpPr>
+        <p:spPr/>
+        <p:txBody>
+          <a:bodyPr/>
+          <a:lstStyle/>
+          <a:p>
+            <a:r>
+              <a:rPr lang="en-US" smtClean="0"/>
+              <a:t>The </a:t>
+            </a:r>
+            <a:r>
+              <a:rPr lang="en-US"/>
+              <a:t>first argument is the name of the data frame. </a:t>
+            </a:r>
+            <a:r>
+              <a:rPr lang="en-US" smtClean="0"/>
+              <a:t>After that come the names of the columns to select or a more complicated expression:</a:t>
+            </a:r>
+          </a:p>
+          <a:p>
+            <a:pPr lvl="1"/>
+            <a:r>
+              <a:rPr lang="en-US" smtClean="0"/>
+              <a:t>a range of columns using :</a:t>
+            </a:r>
+          </a:p>
+          <a:p>
+            <a:pPr lvl="1"/>
+            <a:r>
+              <a:rPr lang="en-US" smtClean="0"/>
+              <a:t>"everything but" using -</a:t>
+            </a:r>
+          </a:p>
+          <a:p>
+            <a:pPr lvl="1"/>
+            <a:r>
+              <a:rPr lang="en-US" smtClean="0"/>
+              <a:t>helper functions that deal with patterns in column names: starts_with, ends_with etc</a:t>
+            </a:r>
+          </a:p>
+          <a:p>
+            <a:r>
+              <a:rPr lang="en-US" smtClean="0">
+                <a:latin typeface="Consolas" panose="020B0609020204030204" pitchFamily="49" charset="0"/>
+                <a:cs typeface="Consolas" panose="020B0609020204030204" pitchFamily="49" charset="0"/>
+              </a:rPr>
+              <a:t>rename() </a:t>
+            </a:r>
+            <a:r>
+              <a:rPr lang="en-US" smtClean="0"/>
+              <a:t>is a variant of </a:t>
+            </a:r>
+            <a:r>
+              <a:rPr lang="en-US">
+                <a:latin typeface="Consolas" panose="020B0609020204030204" pitchFamily="49" charset="0"/>
+                <a:cs typeface="Consolas" panose="020B0609020204030204" pitchFamily="49" charset="0"/>
+              </a:rPr>
+              <a:t>select() </a:t>
+            </a:r>
+            <a:r>
+              <a:rPr lang="en-US" smtClean="0"/>
+              <a:t>for easy renaming of columns</a:t>
+            </a:r>
+          </a:p>
+          <a:p>
+            <a:pPr lvl="1"/>
+            <a:endParaRPr lang="en-US" smtClean="0"/>
+          </a:p>
+          <a:p>
+            <a:pPr lvl="1"/>
+            <a:endParaRPr lang="en-US"/>
+          </a:p>
+        </p:txBody>
+      </p:sp>
+      <p:sp>
+        <p:nvSpPr>
+          <p:cNvPr id="4" name="Date Placeholder 3"/>
+          <p:cNvSpPr>
+            <a:spLocks noGrp="1"/>
+          </p:cNvSpPr>
+          <p:nvPr>
+            <p:ph type="dt" sz="half" idx="10"/>
+          </p:nvPr>
+        </p:nvSpPr>
+        <p:spPr/>
+        <p:txBody>
+          <a:bodyPr/>
+          <a:lstStyle/>
+          <a:p>
+            <a:pPr>
+              <a:defRPr/>
+            </a:pPr>
+            <a:r>
+              <a:rPr lang="fi-FI" smtClean="0"/>
+              <a:t>2018-02-06</a:t>
+            </a:r>
+            <a:endParaRPr lang="en-US"/>
+          </a:p>
+        </p:txBody>
+      </p:sp>
+      <p:sp>
+        <p:nvSpPr>
+          <p:cNvPr id="5" name="Slide Number Placeholder 4"/>
+          <p:cNvSpPr>
+            <a:spLocks noGrp="1"/>
+          </p:cNvSpPr>
+          <p:nvPr>
+            <p:ph type="sldNum" sz="quarter" idx="12"/>
+          </p:nvPr>
+        </p:nvSpPr>
+        <p:spPr/>
+        <p:txBody>
+          <a:bodyPr/>
+          <a:lstStyle/>
+          <a:p>
+            <a:pPr>
+              <a:defRPr/>
+            </a:pPr>
+            <a:fld id="{2BC46539-7FEE-8846-9EF1-6D13C0293C6C}" type="slidenum">
+              <a:rPr lang="en-US" smtClean="0"/>
+              <a:pPr>
+                <a:defRPr/>
+              </a:pPr>
+              <a:t>25</a:t>
+            </a:fld>
+            <a:endParaRPr lang="en-US"/>
+          </a:p>
+        </p:txBody>
+      </p:sp>
+    </p:spTree>
+    <p:extLst>
+      <p:ext uri="{BB962C8B-B14F-4D97-AF65-F5344CB8AC3E}">
+        <p14:creationId xmlns:p14="http://schemas.microsoft.com/office/powerpoint/2010/main" val="1992223438"/>
+      </p:ext>
+    </p:extLst>
+  </p:cSld>
+  <p:clrMapOvr>
+    <a:masterClrMapping/>
+  </p:clrMapOvr>
+</p:sld>
+</file>
+
+<file path=ppt/slides/slide26.xml><?xml version="1.0" encoding="utf-8"?>
+<p:sld xmlns:a="http://schemas.openxmlformats.org/drawingml/2006/main" xmlns:r="http://schemas.openxmlformats.org/officeDocument/2006/relationships" xmlns:p="http://schemas.openxmlformats.org/presentationml/2006/main">
+  <p:cSld>
+    <p:spTree>
+      <p:nvGrpSpPr>
+        <p:cNvPr id="1" name=""/>
+        <p:cNvGrpSpPr/>
+        <p:nvPr/>
+      </p:nvGrpSpPr>
+      <p:grpSpPr>
+        <a:xfrm>
+          <a:off x="0" y="0"/>
+          <a:ext cx="0" cy="0"/>
+          <a:chOff x="0" y="0"/>
+          <a:chExt cx="0" cy="0"/>
+        </a:xfrm>
+      </p:grpSpPr>
+      <p:sp>
+        <p:nvSpPr>
+          <p:cNvPr id="2" name="Title 1"/>
+          <p:cNvSpPr>
+            <a:spLocks noGrp="1"/>
+          </p:cNvSpPr>
+          <p:nvPr>
+            <p:ph type="title"/>
+          </p:nvPr>
+        </p:nvSpPr>
+        <p:spPr/>
+        <p:txBody>
+          <a:bodyPr/>
+          <a:lstStyle/>
+          <a:p>
+            <a:r>
+              <a:rPr lang="en-US" smtClean="0"/>
+              <a:t>5.4.1 Exercises</a:t>
+            </a:r>
+            <a:endParaRPr lang="en-US"/>
+          </a:p>
+        </p:txBody>
+      </p:sp>
+      <p:sp>
+        <p:nvSpPr>
+          <p:cNvPr id="3" name="Content Placeholder 2"/>
+          <p:cNvSpPr>
+            <a:spLocks noGrp="1"/>
+          </p:cNvSpPr>
+          <p:nvPr>
+            <p:ph idx="1"/>
+          </p:nvPr>
+        </p:nvSpPr>
+        <p:spPr>
+          <a:xfrm>
+            <a:off x="609600" y="1262130"/>
+            <a:ext cx="10749565" cy="4864033"/>
+          </a:xfrm>
+        </p:spPr>
+        <p:txBody>
+          <a:bodyPr/>
+          <a:lstStyle/>
+          <a:p>
+            <a:pPr marL="457200" indent="-457200">
+              <a:buFont typeface="+mj-lt"/>
+              <a:buAutoNum type="arabicPeriod"/>
+            </a:pPr>
+            <a:r>
+              <a:rPr lang="en-US" sz="1600"/>
+              <a:t>Brainstorm as many ways as possible to select dep_time, dep_delay, arr_time, and arr_delay from flights</a:t>
+            </a:r>
+            <a:r>
+              <a:rPr lang="en-US" sz="1600" smtClean="0"/>
+              <a:t>.</a:t>
+            </a:r>
+            <a:endParaRPr lang="en-US" sz="1600"/>
+          </a:p>
+          <a:p>
+            <a:pPr marL="457200" indent="-457200">
+              <a:buFont typeface="+mj-lt"/>
+              <a:buAutoNum type="arabicPeriod"/>
+            </a:pPr>
+            <a:r>
+              <a:rPr lang="en-US" sz="1600"/>
+              <a:t>What happens if you include the name of a variable multiple times in a select() call</a:t>
+            </a:r>
+            <a:r>
+              <a:rPr lang="en-US" sz="1600" smtClean="0"/>
+              <a:t>?</a:t>
+            </a:r>
+            <a:endParaRPr lang="en-US" sz="1600"/>
+          </a:p>
+          <a:p>
+            <a:pPr marL="457200" indent="-457200">
+              <a:buFont typeface="+mj-lt"/>
+              <a:buAutoNum type="arabicPeriod"/>
+            </a:pPr>
+            <a:r>
+              <a:rPr lang="en-US" sz="1600"/>
+              <a:t>What does the one_of() function do? Why might it be helpful in conjunction with this </a:t>
+            </a:r>
+            <a:r>
+              <a:rPr lang="en-US" sz="1600" smtClean="0"/>
+              <a:t>vector?</a:t>
+            </a:r>
+            <a:br>
+              <a:rPr lang="en-US" sz="1600" smtClean="0"/>
+            </a:br>
+            <a:r>
+              <a:rPr lang="en-US" sz="1600" smtClean="0"/>
+              <a:t>vars </a:t>
+            </a:r>
+            <a:r>
+              <a:rPr lang="en-US" sz="1600"/>
+              <a:t>&lt;- c("year", "month", "day", "dep_delay", "arr_delay</a:t>
+            </a:r>
+            <a:r>
+              <a:rPr lang="en-US" sz="1600" smtClean="0"/>
+              <a:t>")</a:t>
+            </a:r>
+            <a:endParaRPr lang="en-US" sz="1600"/>
+          </a:p>
+          <a:p>
+            <a:pPr marL="457200" indent="-457200">
+              <a:buFont typeface="+mj-lt"/>
+              <a:buAutoNum type="arabicPeriod"/>
+            </a:pPr>
+            <a:r>
+              <a:rPr lang="en-US" sz="1600"/>
+              <a:t>Does the result of running the following code surprise you? How do the select helpers deal with case by default? How can you change that </a:t>
+            </a:r>
+            <a:r>
+              <a:rPr lang="en-US" sz="1600" smtClean="0"/>
+              <a:t>default? </a:t>
+            </a:r>
+            <a:br>
+              <a:rPr lang="en-US" sz="1600" smtClean="0"/>
+            </a:br>
+            <a:r>
+              <a:rPr lang="en-US" sz="1600" smtClean="0"/>
+              <a:t>select(flights</a:t>
+            </a:r>
+            <a:r>
+              <a:rPr lang="en-US" sz="1600"/>
+              <a:t>, contains("TIME"))</a:t>
+            </a:r>
+          </a:p>
+          <a:p>
+            <a:pPr marL="457200" indent="-457200">
+              <a:buFont typeface="+mj-lt"/>
+              <a:buAutoNum type="arabicPeriod"/>
+            </a:pPr>
+            <a:endParaRPr lang="en-US" sz="1600"/>
+          </a:p>
+          <a:p>
+            <a:r>
+              <a:rPr lang="en-US" sz="1600" smtClean="0">
+                <a:latin typeface="Corbel" panose="020B0503020204020204" pitchFamily="34" charset="0"/>
+                <a:cs typeface="Consolas" panose="020B0609020204030204" pitchFamily="49" charset="0"/>
+              </a:rPr>
+              <a:t>Suggested </a:t>
+            </a:r>
+            <a:r>
+              <a:rPr lang="en-US" sz="1600">
+                <a:latin typeface="Corbel" panose="020B0503020204020204" pitchFamily="34" charset="0"/>
+                <a:cs typeface="Consolas" panose="020B0609020204030204" pitchFamily="49" charset="0"/>
+              </a:rPr>
+              <a:t>order/importance</a:t>
+            </a:r>
+            <a:r>
+              <a:rPr lang="en-US" sz="1600" smtClean="0">
+                <a:latin typeface="Corbel" panose="020B0503020204020204" pitchFamily="34" charset="0"/>
+                <a:cs typeface="Consolas" panose="020B0609020204030204" pitchFamily="49" charset="0"/>
+              </a:rPr>
+              <a:t>: 1 and 2 mainly</a:t>
+            </a:r>
+            <a:r>
+              <a:rPr lang="en-US" sz="1600" b="1" smtClean="0"/>
+              <a:t/>
+            </a:r>
+            <a:br>
+              <a:rPr lang="en-US" sz="1600" b="1" smtClean="0"/>
+            </a:br>
+            <a:endParaRPr lang="en-US" sz="1600" b="1" smtClean="0"/>
+          </a:p>
+          <a:p>
+            <a:endParaRPr lang="en-US" sz="1600" b="1"/>
+          </a:p>
+        </p:txBody>
+      </p:sp>
+      <p:sp>
+        <p:nvSpPr>
+          <p:cNvPr id="4" name="Date Placeholder 3"/>
+          <p:cNvSpPr>
+            <a:spLocks noGrp="1"/>
+          </p:cNvSpPr>
+          <p:nvPr>
+            <p:ph type="dt" sz="half" idx="10"/>
+          </p:nvPr>
+        </p:nvSpPr>
+        <p:spPr/>
+        <p:txBody>
+          <a:bodyPr/>
+          <a:lstStyle/>
+          <a:p>
+            <a:pPr>
+              <a:defRPr/>
+            </a:pPr>
+            <a:r>
+              <a:rPr lang="fi-FI" smtClean="0"/>
+              <a:t>2018-02-06</a:t>
+            </a:r>
+            <a:endParaRPr lang="en-US"/>
+          </a:p>
+        </p:txBody>
+      </p:sp>
+      <p:sp>
+        <p:nvSpPr>
+          <p:cNvPr id="5" name="Slide Number Placeholder 4"/>
+          <p:cNvSpPr>
+            <a:spLocks noGrp="1"/>
+          </p:cNvSpPr>
+          <p:nvPr>
+            <p:ph type="sldNum" sz="quarter" idx="12"/>
+          </p:nvPr>
+        </p:nvSpPr>
+        <p:spPr/>
+        <p:txBody>
+          <a:bodyPr/>
+          <a:lstStyle/>
+          <a:p>
+            <a:pPr>
+              <a:defRPr/>
+            </a:pPr>
+            <a:fld id="{2BC46539-7FEE-8846-9EF1-6D13C0293C6C}" type="slidenum">
+              <a:rPr lang="en-US" smtClean="0"/>
+              <a:pPr>
+                <a:defRPr/>
+              </a:pPr>
+              <a:t>26</a:t>
+            </a:fld>
+            <a:endParaRPr lang="en-US"/>
+          </a:p>
+        </p:txBody>
+      </p:sp>
+    </p:spTree>
+    <p:extLst>
+      <p:ext uri="{BB962C8B-B14F-4D97-AF65-F5344CB8AC3E}">
+        <p14:creationId xmlns:p14="http://schemas.microsoft.com/office/powerpoint/2010/main" val="1840055725"/>
+      </p:ext>
+    </p:extLst>
+  </p:cSld>
+  <p:clrMapOvr>
+    <a:masterClrMapping/>
+  </p:clrMapOvr>
+</p:sld>
+</file>
+
+<file path=ppt/slides/slide27.xml><?xml version="1.0" encoding="utf-8"?>
+<p:sld xmlns:a="http://schemas.openxmlformats.org/drawingml/2006/main" xmlns:r="http://schemas.openxmlformats.org/officeDocument/2006/relationships" xmlns:p="http://schemas.openxmlformats.org/presentationml/2006/main">
+  <p:cSld>
+    <p:spTree>
+      <p:nvGrpSpPr>
+        <p:cNvPr id="1" name=""/>
+        <p:cNvGrpSpPr/>
+        <p:nvPr/>
+      </p:nvGrpSpPr>
+      <p:grpSpPr>
+        <a:xfrm>
+          <a:off x="0" y="0"/>
+          <a:ext cx="0" cy="0"/>
+          <a:chOff x="0" y="0"/>
+          <a:chExt cx="0" cy="0"/>
+        </a:xfrm>
+      </p:grpSpPr>
+      <p:sp>
+        <p:nvSpPr>
+          <p:cNvPr id="2" name="Title 1"/>
+          <p:cNvSpPr>
+            <a:spLocks noGrp="1"/>
+          </p:cNvSpPr>
+          <p:nvPr>
+            <p:ph type="title"/>
+          </p:nvPr>
+        </p:nvSpPr>
+        <p:spPr/>
+        <p:txBody>
+          <a:bodyPr/>
+          <a:lstStyle/>
+          <a:p>
+            <a:r>
+              <a:rPr lang="en-US" smtClean="0"/>
+              <a:t>5.5 </a:t>
+            </a:r>
+            <a:r>
+              <a:rPr lang="en-US"/>
+              <a:t>Add new variables with </a:t>
+            </a:r>
+            <a:r>
+              <a:rPr lang="en-US" smtClean="0">
+                <a:latin typeface="Consolas" panose="020B0609020204030204" pitchFamily="49" charset="0"/>
+                <a:cs typeface="Consolas" panose="020B0609020204030204" pitchFamily="49" charset="0"/>
+              </a:rPr>
+              <a:t>mutate()</a:t>
+            </a:r>
+            <a:endParaRPr lang="en-US">
+              <a:latin typeface="Consolas" panose="020B0609020204030204" pitchFamily="49" charset="0"/>
+              <a:cs typeface="Consolas" panose="020B0609020204030204" pitchFamily="49" charset="0"/>
+            </a:endParaRPr>
+          </a:p>
+        </p:txBody>
+      </p:sp>
+      <p:sp>
+        <p:nvSpPr>
+          <p:cNvPr id="3" name="Content Placeholder 2"/>
+          <p:cNvSpPr>
+            <a:spLocks noGrp="1"/>
+          </p:cNvSpPr>
+          <p:nvPr>
+            <p:ph idx="1"/>
+          </p:nvPr>
+        </p:nvSpPr>
+        <p:spPr/>
+        <p:txBody>
+          <a:bodyPr/>
+          <a:lstStyle/>
+          <a:p>
+            <a:r>
+              <a:rPr lang="en-US" smtClean="0"/>
+              <a:t>The </a:t>
+            </a:r>
+            <a:r>
+              <a:rPr lang="en-US"/>
+              <a:t>first argument is the name of the data frame. </a:t>
+            </a:r>
+            <a:r>
+              <a:rPr lang="en-US" smtClean="0"/>
+              <a:t>After that come the names of the new columns and how to create them</a:t>
+            </a:r>
+          </a:p>
+          <a:p>
+            <a:r>
+              <a:rPr lang="en-US" smtClean="0"/>
+              <a:t>All the arithmetic and math you can think of is in use!</a:t>
+            </a:r>
+          </a:p>
+          <a:p>
+            <a:r>
+              <a:rPr lang="en-US" smtClean="0"/>
+              <a:t>Also all kinds of ranks, lags, lead, cumulative sums...</a:t>
+            </a:r>
+          </a:p>
+          <a:p>
+            <a:endParaRPr lang="en-US" smtClean="0"/>
+          </a:p>
+        </p:txBody>
+      </p:sp>
+      <p:sp>
+        <p:nvSpPr>
+          <p:cNvPr id="4" name="Date Placeholder 3"/>
+          <p:cNvSpPr>
+            <a:spLocks noGrp="1"/>
+          </p:cNvSpPr>
+          <p:nvPr>
+            <p:ph type="dt" sz="half" idx="10"/>
+          </p:nvPr>
+        </p:nvSpPr>
+        <p:spPr/>
+        <p:txBody>
+          <a:bodyPr/>
+          <a:lstStyle/>
+          <a:p>
+            <a:pPr>
+              <a:defRPr/>
+            </a:pPr>
+            <a:r>
+              <a:rPr lang="fi-FI" smtClean="0"/>
+              <a:t>2018-02-06</a:t>
+            </a:r>
+            <a:endParaRPr lang="en-US"/>
+          </a:p>
+        </p:txBody>
+      </p:sp>
+      <p:sp>
+        <p:nvSpPr>
+          <p:cNvPr id="5" name="Slide Number Placeholder 4"/>
+          <p:cNvSpPr>
+            <a:spLocks noGrp="1"/>
+          </p:cNvSpPr>
+          <p:nvPr>
+            <p:ph type="sldNum" sz="quarter" idx="12"/>
+          </p:nvPr>
+        </p:nvSpPr>
+        <p:spPr/>
+        <p:txBody>
+          <a:bodyPr/>
+          <a:lstStyle/>
+          <a:p>
+            <a:pPr>
+              <a:defRPr/>
+            </a:pPr>
+            <a:fld id="{2BC46539-7FEE-8846-9EF1-6D13C0293C6C}" type="slidenum">
+              <a:rPr lang="en-US" smtClean="0"/>
+              <a:pPr>
+                <a:defRPr/>
+              </a:pPr>
+              <a:t>27</a:t>
+            </a:fld>
+            <a:endParaRPr lang="en-US"/>
+          </a:p>
+        </p:txBody>
+      </p:sp>
+    </p:spTree>
+    <p:extLst>
+      <p:ext uri="{BB962C8B-B14F-4D97-AF65-F5344CB8AC3E}">
+        <p14:creationId xmlns:p14="http://schemas.microsoft.com/office/powerpoint/2010/main" val="1381927984"/>
+      </p:ext>
+    </p:extLst>
+  </p:cSld>
+  <p:clrMapOvr>
+    <a:masterClrMapping/>
+  </p:clrMapOvr>
+</p:sld>
+</file>
+
+<file path=ppt/slides/slide28.xml><?xml version="1.0" encoding="utf-8"?>
+<p:sld xmlns:a="http://schemas.openxmlformats.org/drawingml/2006/main" xmlns:r="http://schemas.openxmlformats.org/officeDocument/2006/relationships" xmlns:p="http://schemas.openxmlformats.org/presentationml/2006/main">
+  <p:cSld>
+    <p:spTree>
+      <p:nvGrpSpPr>
+        <p:cNvPr id="1" name=""/>
+        <p:cNvGrpSpPr/>
+        <p:nvPr/>
+      </p:nvGrpSpPr>
+      <p:grpSpPr>
+        <a:xfrm>
+          <a:off x="0" y="0"/>
+          <a:ext cx="0" cy="0"/>
+          <a:chOff x="0" y="0"/>
+          <a:chExt cx="0" cy="0"/>
+        </a:xfrm>
+      </p:grpSpPr>
+      <p:sp>
+        <p:nvSpPr>
+          <p:cNvPr id="2" name="Title 1"/>
+          <p:cNvSpPr>
+            <a:spLocks noGrp="1"/>
+          </p:cNvSpPr>
+          <p:nvPr>
+            <p:ph type="title"/>
+          </p:nvPr>
+        </p:nvSpPr>
+        <p:spPr/>
+        <p:txBody>
+          <a:bodyPr/>
+          <a:lstStyle/>
+          <a:p>
+            <a:r>
+              <a:rPr lang="en-US" smtClean="0"/>
+              <a:t>5.4.1 Exercises</a:t>
+            </a:r>
+            <a:endParaRPr lang="en-US"/>
+          </a:p>
+        </p:txBody>
+      </p:sp>
+      <p:sp>
+        <p:nvSpPr>
+          <p:cNvPr id="3" name="Content Placeholder 2"/>
+          <p:cNvSpPr>
+            <a:spLocks noGrp="1"/>
+          </p:cNvSpPr>
+          <p:nvPr>
+            <p:ph idx="1"/>
+          </p:nvPr>
+        </p:nvSpPr>
+        <p:spPr>
+          <a:xfrm>
+            <a:off x="609600" y="1262130"/>
+            <a:ext cx="10749565" cy="4864033"/>
+          </a:xfrm>
+        </p:spPr>
+        <p:txBody>
+          <a:bodyPr/>
+          <a:lstStyle/>
+          <a:p>
+            <a:pPr marL="457200" indent="-457200">
+              <a:buFont typeface="+mj-lt"/>
+              <a:buAutoNum type="arabicPeriod"/>
+            </a:pPr>
+            <a:r>
+              <a:rPr lang="en-US" sz="1600"/>
+              <a:t>Currently dep_time and sched_dep_time are convenient to look at, but hard to compute with because they’re not really continuous numbers. Convert them to a more convenient representation of number of minutes since midnight.</a:t>
+            </a:r>
+          </a:p>
+          <a:p>
+            <a:pPr marL="457200" indent="-457200">
+              <a:buFont typeface="+mj-lt"/>
+              <a:buAutoNum type="arabicPeriod"/>
+            </a:pPr>
+            <a:r>
+              <a:rPr lang="en-US" sz="1600"/>
+              <a:t>Compare air_time with arr_time - dep_time. What do you expect to see? What do you see? What do you need to do to fix it?</a:t>
+            </a:r>
+          </a:p>
+          <a:p>
+            <a:pPr marL="457200" indent="-457200">
+              <a:buFont typeface="+mj-lt"/>
+              <a:buAutoNum type="arabicPeriod"/>
+            </a:pPr>
+            <a:r>
+              <a:rPr lang="en-US" sz="1600"/>
+              <a:t>Compare dep_time, sched_dep_time, and dep_delay. How would you expect those three numbers to be related?</a:t>
+            </a:r>
+          </a:p>
+          <a:p>
+            <a:pPr marL="457200" indent="-457200">
+              <a:buFont typeface="+mj-lt"/>
+              <a:buAutoNum type="arabicPeriod"/>
+            </a:pPr>
+            <a:r>
+              <a:rPr lang="en-US" sz="1600"/>
+              <a:t>Find the 10 most delayed flights using a ranking function. How do you want to handle ties? Carefully read the documentation for min_rank().</a:t>
+            </a:r>
+          </a:p>
+          <a:p>
+            <a:pPr marL="457200" indent="-457200">
+              <a:buFont typeface="+mj-lt"/>
+              <a:buAutoNum type="arabicPeriod"/>
+            </a:pPr>
+            <a:r>
+              <a:rPr lang="en-US" sz="1600"/>
+              <a:t>What does 1:3 + 1:10 return? Why?</a:t>
+            </a:r>
+          </a:p>
+          <a:p>
+            <a:pPr marL="457200" indent="-457200">
+              <a:buFont typeface="+mj-lt"/>
+              <a:buAutoNum type="arabicPeriod"/>
+            </a:pPr>
+            <a:r>
+              <a:rPr lang="en-US" sz="1600"/>
+              <a:t>What trigonometric functions does R provide?</a:t>
+            </a:r>
+          </a:p>
+          <a:p>
+            <a:pPr marL="457200" indent="-457200">
+              <a:buFont typeface="+mj-lt"/>
+              <a:buAutoNum type="arabicPeriod"/>
+            </a:pPr>
+            <a:endParaRPr lang="en-US" sz="1600"/>
+          </a:p>
+          <a:p>
+            <a:r>
+              <a:rPr lang="en-US" sz="1600" smtClean="0">
+                <a:latin typeface="Corbel" panose="020B0503020204020204" pitchFamily="34" charset="0"/>
+                <a:cs typeface="Consolas" panose="020B0609020204030204" pitchFamily="49" charset="0"/>
+              </a:rPr>
+              <a:t>Suggested </a:t>
+            </a:r>
+            <a:r>
+              <a:rPr lang="en-US" sz="1600">
+                <a:latin typeface="Corbel" panose="020B0503020204020204" pitchFamily="34" charset="0"/>
+                <a:cs typeface="Consolas" panose="020B0609020204030204" pitchFamily="49" charset="0"/>
+              </a:rPr>
+              <a:t>order/importance</a:t>
+            </a:r>
+            <a:r>
+              <a:rPr lang="en-US" sz="1600" smtClean="0">
+                <a:latin typeface="Corbel" panose="020B0503020204020204" pitchFamily="34" charset="0"/>
+                <a:cs typeface="Consolas" panose="020B0609020204030204" pitchFamily="49" charset="0"/>
+              </a:rPr>
+              <a:t>: 1, 2 and 3 mainly</a:t>
+            </a:r>
+            <a:r>
+              <a:rPr lang="en-US" sz="1600" b="1" smtClean="0"/>
+              <a:t/>
+            </a:r>
+            <a:br>
+              <a:rPr lang="en-US" sz="1600" b="1" smtClean="0"/>
+            </a:br>
+            <a:endParaRPr lang="en-US" sz="1600" b="1" smtClean="0"/>
+          </a:p>
+          <a:p>
+            <a:endParaRPr lang="en-US" sz="1600" b="1"/>
+          </a:p>
+        </p:txBody>
+      </p:sp>
+      <p:sp>
+        <p:nvSpPr>
+          <p:cNvPr id="4" name="Date Placeholder 3"/>
+          <p:cNvSpPr>
+            <a:spLocks noGrp="1"/>
+          </p:cNvSpPr>
+          <p:nvPr>
+            <p:ph type="dt" sz="half" idx="10"/>
+          </p:nvPr>
+        </p:nvSpPr>
+        <p:spPr/>
+        <p:txBody>
+          <a:bodyPr/>
+          <a:lstStyle/>
+          <a:p>
+            <a:pPr>
+              <a:defRPr/>
+            </a:pPr>
+            <a:r>
+              <a:rPr lang="fi-FI" smtClean="0"/>
+              <a:t>2018-02-06</a:t>
+            </a:r>
+            <a:endParaRPr lang="en-US"/>
+          </a:p>
+        </p:txBody>
+      </p:sp>
+      <p:sp>
+        <p:nvSpPr>
+          <p:cNvPr id="5" name="Slide Number Placeholder 4"/>
+          <p:cNvSpPr>
+            <a:spLocks noGrp="1"/>
+          </p:cNvSpPr>
+          <p:nvPr>
+            <p:ph type="sldNum" sz="quarter" idx="12"/>
+          </p:nvPr>
+        </p:nvSpPr>
+        <p:spPr/>
+        <p:txBody>
+          <a:bodyPr/>
+          <a:lstStyle/>
+          <a:p>
+            <a:pPr>
+              <a:defRPr/>
+            </a:pPr>
+            <a:fld id="{2BC46539-7FEE-8846-9EF1-6D13C0293C6C}" type="slidenum">
+              <a:rPr lang="en-US" smtClean="0"/>
+              <a:pPr>
+                <a:defRPr/>
+              </a:pPr>
+              <a:t>28</a:t>
+            </a:fld>
+            <a:endParaRPr lang="en-US"/>
+          </a:p>
+        </p:txBody>
+      </p:sp>
+    </p:spTree>
+    <p:extLst>
+      <p:ext uri="{BB962C8B-B14F-4D97-AF65-F5344CB8AC3E}">
+        <p14:creationId xmlns:p14="http://schemas.microsoft.com/office/powerpoint/2010/main" val="163977682"/>
+      </p:ext>
+    </p:extLst>
+  </p:cSld>
+  <p:clrMapOvr>
+    <a:masterClrMapping/>
+  </p:clrMapOvr>
+</p:sld>
+</file>
+
+<file path=ppt/slides/slide29.xml><?xml version="1.0" encoding="utf-8"?>
+<p:sld xmlns:a="http://schemas.openxmlformats.org/drawingml/2006/main" xmlns:r="http://schemas.openxmlformats.org/officeDocument/2006/relationships" xmlns:p="http://schemas.openxmlformats.org/presentationml/2006/main">
+  <p:cSld>
+    <p:spTree>
+      <p:nvGrpSpPr>
+        <p:cNvPr id="1" name=""/>
+        <p:cNvGrpSpPr/>
+        <p:nvPr/>
+      </p:nvGrpSpPr>
+      <p:grpSpPr>
+        <a:xfrm>
+          <a:off x="0" y="0"/>
+          <a:ext cx="0" cy="0"/>
+          <a:chOff x="0" y="0"/>
+          <a:chExt cx="0" cy="0"/>
+        </a:xfrm>
+      </p:grpSpPr>
+      <p:sp>
+        <p:nvSpPr>
+          <p:cNvPr id="2" name="Title 1"/>
+          <p:cNvSpPr>
+            <a:spLocks noGrp="1"/>
+          </p:cNvSpPr>
+          <p:nvPr>
+            <p:ph type="title"/>
+          </p:nvPr>
+        </p:nvSpPr>
+        <p:spPr/>
+        <p:txBody>
+          <a:bodyPr/>
+          <a:lstStyle/>
+          <a:p>
+            <a:r>
+              <a:rPr lang="en-US" smtClean="0"/>
+              <a:t>5.6 Grouped summaries </a:t>
+            </a:r>
+            <a:r>
+              <a:rPr lang="en-US"/>
+              <a:t>with </a:t>
+            </a:r>
+            <a:r>
+              <a:rPr lang="en-US" smtClean="0">
+                <a:latin typeface="Consolas" panose="020B0609020204030204" pitchFamily="49" charset="0"/>
+                <a:cs typeface="Consolas" panose="020B0609020204030204" pitchFamily="49" charset="0"/>
+              </a:rPr>
+              <a:t>summarise()</a:t>
+            </a:r>
+            <a:endParaRPr lang="en-US">
+              <a:latin typeface="Consolas" panose="020B0609020204030204" pitchFamily="49" charset="0"/>
+              <a:cs typeface="Consolas" panose="020B0609020204030204" pitchFamily="49" charset="0"/>
+            </a:endParaRPr>
+          </a:p>
+        </p:txBody>
+      </p:sp>
+      <p:sp>
+        <p:nvSpPr>
+          <p:cNvPr id="3" name="Content Placeholder 2"/>
+          <p:cNvSpPr>
+            <a:spLocks noGrp="1"/>
+          </p:cNvSpPr>
+          <p:nvPr>
+            <p:ph idx="1"/>
+          </p:nvPr>
+        </p:nvSpPr>
+        <p:spPr/>
+        <p:txBody>
+          <a:bodyPr/>
+          <a:lstStyle/>
+          <a:p>
+            <a:r>
+              <a:rPr lang="en-US" smtClean="0"/>
+              <a:t>On its own collapses the whole data frame in to a single result of one function taken on a single column - not very useful!</a:t>
+            </a:r>
+          </a:p>
+          <a:p>
+            <a:r>
+              <a:rPr lang="en-US" smtClean="0"/>
+              <a:t>Together with </a:t>
+            </a:r>
+            <a:r>
+              <a:rPr lang="en-US" smtClean="0">
+                <a:latin typeface="Consolas" panose="020B0609020204030204" pitchFamily="49" charset="0"/>
+                <a:cs typeface="Consolas" panose="020B0609020204030204" pitchFamily="49" charset="0"/>
+              </a:rPr>
+              <a:t>group_by() </a:t>
+            </a:r>
+            <a:r>
+              <a:rPr lang="en-US" smtClean="0">
+                <a:latin typeface="Corbel" panose="020B0503020204020204" pitchFamily="34" charset="0"/>
+                <a:cs typeface="Consolas" panose="020B0609020204030204" pitchFamily="49" charset="0"/>
+              </a:rPr>
+              <a:t>calculates the function by group - really useful!</a:t>
+            </a:r>
+          </a:p>
+          <a:p>
+            <a:r>
+              <a:rPr lang="en-US">
+                <a:latin typeface="Consolas" panose="020B0609020204030204" pitchFamily="49" charset="0"/>
+                <a:cs typeface="Consolas" panose="020B0609020204030204" pitchFamily="49" charset="0"/>
+              </a:rPr>
+              <a:t>group_by</a:t>
+            </a:r>
+            <a:r>
+              <a:rPr lang="en-US" smtClean="0">
+                <a:latin typeface="Consolas" panose="020B0609020204030204" pitchFamily="49" charset="0"/>
+                <a:cs typeface="Consolas" panose="020B0609020204030204" pitchFamily="49" charset="0"/>
+              </a:rPr>
+              <a:t>()</a:t>
+            </a:r>
+            <a:r>
+              <a:rPr lang="en-US">
+                <a:cs typeface="Consolas" panose="020B0609020204030204" pitchFamily="49" charset="0"/>
+              </a:rPr>
+              <a:t> </a:t>
+            </a:r>
+            <a:r>
+              <a:rPr lang="en-US" smtClean="0">
+                <a:cs typeface="Consolas" panose="020B0609020204030204" pitchFamily="49" charset="0"/>
+              </a:rPr>
+              <a:t>does work with more than one grouping variable</a:t>
+            </a:r>
+          </a:p>
+          <a:p>
+            <a:r>
+              <a:rPr lang="en-US" smtClean="0">
+                <a:latin typeface="Corbel" panose="020B0503020204020204" pitchFamily="34" charset="0"/>
+                <a:cs typeface="Consolas" panose="020B0609020204030204" pitchFamily="49" charset="0"/>
+              </a:rPr>
+              <a:t>Occasionally you might want to </a:t>
+            </a:r>
+            <a:r>
+              <a:rPr lang="en-US" smtClean="0">
+                <a:latin typeface="Consolas" panose="020B0609020204030204" pitchFamily="49" charset="0"/>
+                <a:cs typeface="Consolas" panose="020B0609020204030204" pitchFamily="49" charset="0"/>
+              </a:rPr>
+              <a:t>ungroup()</a:t>
+            </a:r>
+            <a:r>
+              <a:rPr lang="en-US" smtClean="0">
+                <a:latin typeface="Corbel" panose="020B0503020204020204" pitchFamily="34" charset="0"/>
+                <a:cs typeface="Consolas" panose="020B0609020204030204" pitchFamily="49" charset="0"/>
+              </a:rPr>
+              <a:t> afterwards</a:t>
+            </a:r>
+            <a:r>
+              <a:rPr lang="en-US" smtClean="0">
+                <a:latin typeface="Consolas" panose="020B0609020204030204" pitchFamily="49" charset="0"/>
+                <a:cs typeface="Consolas" panose="020B0609020204030204" pitchFamily="49" charset="0"/>
+              </a:rPr>
+              <a:t> </a:t>
+            </a:r>
+            <a:endParaRPr lang="en-US" smtClean="0">
+              <a:latin typeface="Corbel" panose="020B0503020204020204" pitchFamily="34" charset="0"/>
+              <a:cs typeface="Consolas" panose="020B0609020204030204" pitchFamily="49" charset="0"/>
+            </a:endParaRPr>
+          </a:p>
+          <a:p>
+            <a:endParaRPr lang="en-US" smtClean="0">
+              <a:latin typeface="Consolas" panose="020B0609020204030204" pitchFamily="49" charset="0"/>
+              <a:cs typeface="Consolas" panose="020B0609020204030204" pitchFamily="49" charset="0"/>
+            </a:endParaRPr>
+          </a:p>
+        </p:txBody>
+      </p:sp>
+      <p:sp>
+        <p:nvSpPr>
+          <p:cNvPr id="4" name="Date Placeholder 3"/>
+          <p:cNvSpPr>
+            <a:spLocks noGrp="1"/>
+          </p:cNvSpPr>
+          <p:nvPr>
+            <p:ph type="dt" sz="half" idx="10"/>
+          </p:nvPr>
+        </p:nvSpPr>
+        <p:spPr/>
+        <p:txBody>
+          <a:bodyPr/>
+          <a:lstStyle/>
+          <a:p>
+            <a:pPr>
+              <a:defRPr/>
+            </a:pPr>
+            <a:r>
+              <a:rPr lang="fi-FI" smtClean="0"/>
+              <a:t>2018-02-06</a:t>
+            </a:r>
+            <a:endParaRPr lang="en-US"/>
+          </a:p>
+        </p:txBody>
+      </p:sp>
+      <p:sp>
+        <p:nvSpPr>
+          <p:cNvPr id="5" name="Slide Number Placeholder 4"/>
+          <p:cNvSpPr>
+            <a:spLocks noGrp="1"/>
+          </p:cNvSpPr>
+          <p:nvPr>
+            <p:ph type="sldNum" sz="quarter" idx="12"/>
+          </p:nvPr>
+        </p:nvSpPr>
+        <p:spPr/>
+        <p:txBody>
+          <a:bodyPr/>
+          <a:lstStyle/>
+          <a:p>
+            <a:pPr>
+              <a:defRPr/>
+            </a:pPr>
+            <a:fld id="{2BC46539-7FEE-8846-9EF1-6D13C0293C6C}" type="slidenum">
+              <a:rPr lang="en-US" smtClean="0"/>
+              <a:pPr>
+                <a:defRPr/>
+              </a:pPr>
+              <a:t>29</a:t>
+            </a:fld>
+            <a:endParaRPr lang="en-US"/>
+          </a:p>
+        </p:txBody>
+      </p:sp>
+    </p:spTree>
+    <p:extLst>
+      <p:ext uri="{BB962C8B-B14F-4D97-AF65-F5344CB8AC3E}">
+        <p14:creationId xmlns:p14="http://schemas.microsoft.com/office/powerpoint/2010/main" val="1203859242"/>
+      </p:ext>
+    </p:extLst>
+  </p:cSld>
+  <p:clrMapOvr>
+    <a:masterClrMapping/>
+  </p:clrMapOvr>
+</p:sld>
+</file>
+
+<file path=ppt/slides/slide3.xml><?xml version="1.0" encoding="utf-8"?>
+<p:sld xmlns:a="http://schemas.openxmlformats.org/drawingml/2006/main" xmlns:r="http://schemas.openxmlformats.org/officeDocument/2006/relationships" xmlns:p="http://schemas.openxmlformats.org/presentationml/2006/main">
+  <p:cSld>
+    <p:spTree>
+      <p:nvGrpSpPr>
+        <p:cNvPr id="1" name=""/>
+        <p:cNvGrpSpPr/>
+        <p:nvPr/>
+      </p:nvGrpSpPr>
+      <p:grpSpPr>
+        <a:xfrm>
+          <a:off x="0" y="0"/>
+          <a:ext cx="0" cy="0"/>
+          <a:chOff x="0" y="0"/>
+          <a:chExt cx="0" cy="0"/>
+        </a:xfrm>
+      </p:grpSpPr>
+      <p:sp>
+        <p:nvSpPr>
+          <p:cNvPr id="2" name="Title 1"/>
+          <p:cNvSpPr>
+            <a:spLocks noGrp="1"/>
+          </p:cNvSpPr>
+          <p:nvPr>
+            <p:ph type="title"/>
+          </p:nvPr>
+        </p:nvSpPr>
+        <p:spPr/>
+        <p:txBody>
+          <a:bodyPr/>
+          <a:lstStyle/>
+          <a:p>
+            <a:r>
+              <a:rPr lang="en-US" smtClean="0"/>
+              <a:t>Which RStudio will you be using?</a:t>
+            </a:r>
+            <a:endParaRPr lang="en-US"/>
+          </a:p>
+        </p:txBody>
+      </p:sp>
+      <p:sp>
+        <p:nvSpPr>
+          <p:cNvPr id="3" name="Content Placeholder 2"/>
+          <p:cNvSpPr>
+            <a:spLocks noGrp="1"/>
+          </p:cNvSpPr>
+          <p:nvPr>
+            <p:ph idx="1"/>
+          </p:nvPr>
+        </p:nvSpPr>
+        <p:spPr/>
+        <p:txBody>
+          <a:bodyPr/>
+          <a:lstStyle/>
+          <a:p>
+            <a:r>
+              <a:rPr lang="en-US" smtClean="0"/>
+              <a:t>The desktop version installed on the classroom computers</a:t>
+            </a:r>
+          </a:p>
+          <a:p>
+            <a:pPr lvl="1"/>
+            <a:r>
+              <a:rPr lang="en-US" smtClean="0"/>
+              <a:t>either on Linux or Windows</a:t>
+            </a:r>
+          </a:p>
+          <a:p>
+            <a:r>
+              <a:rPr lang="en-US" smtClean="0"/>
+              <a:t>The desktop version installed on your own laptop</a:t>
+            </a:r>
+          </a:p>
+          <a:p>
+            <a:r>
+              <a:rPr lang="en-US" smtClean="0"/>
+              <a:t>The server version on </a:t>
+            </a:r>
+            <a:r>
+              <a:rPr lang="en-US" smtClean="0">
+                <a:hlinkClick r:id="rId2"/>
+              </a:rPr>
+              <a:t>notebooks.csc.fi</a:t>
+            </a:r>
+            <a:endParaRPr lang="en-US" smtClean="0"/>
+          </a:p>
+          <a:p>
+            <a:pPr lvl="1"/>
+            <a:r>
+              <a:rPr lang="en-US" smtClean="0"/>
+              <a:t>using either your own laptop or the classroom computer</a:t>
+            </a:r>
+          </a:p>
+          <a:p>
+            <a:pPr lvl="1"/>
+            <a:endParaRPr lang="en-US"/>
+          </a:p>
+          <a:p>
+            <a:pPr marL="0" indent="0">
+              <a:buNone/>
+            </a:pPr>
+            <a:r>
+              <a:rPr lang="en-US" smtClean="0"/>
+              <a:t>Getting started for the course is slightly different in all these cases, but the end experience is the same.</a:t>
+            </a:r>
+          </a:p>
+        </p:txBody>
+      </p:sp>
+      <p:sp>
+        <p:nvSpPr>
+          <p:cNvPr id="4" name="Date Placeholder 3"/>
+          <p:cNvSpPr>
+            <a:spLocks noGrp="1"/>
+          </p:cNvSpPr>
+          <p:nvPr>
+            <p:ph type="dt" sz="half" idx="10"/>
+          </p:nvPr>
+        </p:nvSpPr>
+        <p:spPr/>
+        <p:txBody>
+          <a:bodyPr/>
+          <a:lstStyle/>
+          <a:p>
+            <a:pPr>
+              <a:defRPr/>
+            </a:pPr>
+            <a:r>
+              <a:rPr lang="fi-FI" smtClean="0"/>
+              <a:t>2018-02-06</a:t>
+            </a:r>
+            <a:endParaRPr lang="en-US"/>
+          </a:p>
+        </p:txBody>
+      </p:sp>
+      <p:sp>
+        <p:nvSpPr>
+          <p:cNvPr id="5" name="Slide Number Placeholder 4"/>
+          <p:cNvSpPr>
+            <a:spLocks noGrp="1"/>
+          </p:cNvSpPr>
+          <p:nvPr>
+            <p:ph type="sldNum" sz="quarter" idx="12"/>
+          </p:nvPr>
+        </p:nvSpPr>
+        <p:spPr/>
+        <p:txBody>
+          <a:bodyPr/>
+          <a:lstStyle/>
+          <a:p>
+            <a:pPr>
+              <a:defRPr/>
+            </a:pPr>
+            <a:fld id="{02605DE2-1972-E240-9BF7-5A80054B62E0}" type="slidenum">
+              <a:rPr lang="en-US" smtClean="0"/>
+              <a:pPr>
+                <a:defRPr/>
+              </a:pPr>
+              <a:t>3</a:t>
+            </a:fld>
+            <a:endParaRPr lang="en-US"/>
+          </a:p>
+        </p:txBody>
+      </p:sp>
+    </p:spTree>
+    <p:extLst>
+      <p:ext uri="{BB962C8B-B14F-4D97-AF65-F5344CB8AC3E}">
+        <p14:creationId xmlns:p14="http://schemas.microsoft.com/office/powerpoint/2010/main" val="3675230093"/>
+      </p:ext>
+    </p:extLst>
+  </p:cSld>
+  <p:clrMapOvr>
+    <a:masterClrMapping/>
+  </p:clrMapOvr>
+</p:sld>
+</file>
+
+<file path=ppt/slides/slide30.xml><?xml version="1.0" encoding="utf-8"?>
+<p:sld xmlns:a="http://schemas.openxmlformats.org/drawingml/2006/main" xmlns:r="http://schemas.openxmlformats.org/officeDocument/2006/relationships" xmlns:p="http://schemas.openxmlformats.org/presentationml/2006/main">
+  <p:cSld>
+    <p:spTree>
+      <p:nvGrpSpPr>
+        <p:cNvPr id="1" name=""/>
+        <p:cNvGrpSpPr/>
+        <p:nvPr/>
+      </p:nvGrpSpPr>
+      <p:grpSpPr>
+        <a:xfrm>
+          <a:off x="0" y="0"/>
+          <a:ext cx="0" cy="0"/>
+          <a:chOff x="0" y="0"/>
+          <a:chExt cx="0" cy="0"/>
+        </a:xfrm>
+      </p:grpSpPr>
+      <p:sp>
+        <p:nvSpPr>
+          <p:cNvPr id="2" name="Title 1"/>
+          <p:cNvSpPr>
+            <a:spLocks noGrp="1"/>
+          </p:cNvSpPr>
+          <p:nvPr>
+            <p:ph type="title"/>
+          </p:nvPr>
+        </p:nvSpPr>
+        <p:spPr/>
+        <p:txBody>
+          <a:bodyPr/>
+          <a:lstStyle/>
+          <a:p>
+            <a:r>
+              <a:rPr lang="en-US" smtClean="0"/>
+              <a:t>5.6.1 Combining </a:t>
+            </a:r>
+            <a:r>
+              <a:rPr lang="en-US"/>
+              <a:t>multiple operations with the pipe</a:t>
+            </a:r>
+          </a:p>
+        </p:txBody>
+      </p:sp>
+      <p:sp>
+        <p:nvSpPr>
+          <p:cNvPr id="3" name="Content Placeholder 2"/>
+          <p:cNvSpPr>
+            <a:spLocks noGrp="1"/>
+          </p:cNvSpPr>
+          <p:nvPr>
+            <p:ph idx="1"/>
+          </p:nvPr>
+        </p:nvSpPr>
+        <p:spPr>
+          <a:xfrm>
+            <a:off x="609601" y="1600200"/>
+            <a:ext cx="9281374" cy="4525963"/>
+          </a:xfrm>
+        </p:spPr>
+        <p:txBody>
+          <a:bodyPr/>
+          <a:lstStyle/>
+          <a:p>
+            <a:r>
+              <a:rPr lang="en-US"/>
+              <a:t>Piping improves readability of the R code, and also helps simultaneous thinking and </a:t>
+            </a:r>
+            <a:r>
+              <a:rPr lang="en-US" smtClean="0"/>
+              <a:t>writing. Read it as "and then".</a:t>
+            </a:r>
+            <a:endParaRPr lang="en-US"/>
+          </a:p>
+          <a:p>
+            <a:r>
+              <a:rPr lang="en-US"/>
+              <a:t>the result on the left becomes the first argument on the right:</a:t>
+            </a:r>
+            <a:br>
+              <a:rPr lang="en-US"/>
+            </a:br>
+            <a:r>
+              <a:rPr lang="en-US" i="1"/>
+              <a:t>firstfun(x) %&gt;% secondfun(y) </a:t>
+            </a:r>
+            <a:r>
+              <a:rPr lang="en-US"/>
+              <a:t>is the same as </a:t>
+            </a:r>
+            <a:r>
+              <a:rPr lang="en-US" i="1"/>
+              <a:t>secondfun(firstfun(x),y</a:t>
+            </a:r>
+            <a:r>
+              <a:rPr lang="en-US" i="1" smtClean="0"/>
+              <a:t>)</a:t>
+            </a:r>
+            <a:endParaRPr lang="en-US">
+              <a:latin typeface="Consolas" panose="020B0609020204030204" pitchFamily="49" charset="0"/>
+              <a:cs typeface="Consolas" panose="020B0609020204030204" pitchFamily="49" charset="0"/>
+            </a:endParaRPr>
+          </a:p>
+          <a:p>
+            <a:r>
+              <a:rPr lang="en-US" smtClean="0">
+                <a:latin typeface="Corbel" panose="020B0503020204020204" pitchFamily="34" charset="0"/>
+              </a:rPr>
+              <a:t>If you know the Linux/UNIX pipe, this is basically the same thing</a:t>
+            </a:r>
+          </a:p>
+          <a:p>
+            <a:r>
+              <a:rPr lang="en-US" smtClean="0">
+                <a:latin typeface="Corbel" panose="020B0503020204020204" pitchFamily="34" charset="0"/>
+              </a:rPr>
+              <a:t>If you know your math, this is exactly the same thing as function composition</a:t>
+            </a:r>
+          </a:p>
+          <a:p>
+            <a:r>
+              <a:rPr lang="en-US" smtClean="0">
+                <a:latin typeface="Corbel" panose="020B0503020204020204" pitchFamily="34" charset="0"/>
+              </a:rPr>
+              <a:t>Shift + Ctrl + M is the keyboard shortcut</a:t>
+            </a:r>
+            <a:endParaRPr lang="en-US">
+              <a:latin typeface="Corbel" panose="020B0503020204020204" pitchFamily="34" charset="0"/>
+            </a:endParaRPr>
+          </a:p>
+        </p:txBody>
+      </p:sp>
+      <p:sp>
+        <p:nvSpPr>
+          <p:cNvPr id="4" name="Date Placeholder 3"/>
+          <p:cNvSpPr>
+            <a:spLocks noGrp="1"/>
+          </p:cNvSpPr>
+          <p:nvPr>
+            <p:ph type="dt" sz="half" idx="10"/>
+          </p:nvPr>
+        </p:nvSpPr>
+        <p:spPr/>
+        <p:txBody>
+          <a:bodyPr/>
+          <a:lstStyle/>
+          <a:p>
+            <a:pPr>
+              <a:defRPr/>
+            </a:pPr>
+            <a:r>
+              <a:rPr lang="fi-FI" smtClean="0"/>
+              <a:t>2018-02-06</a:t>
+            </a:r>
+            <a:endParaRPr lang="en-US"/>
+          </a:p>
+        </p:txBody>
+      </p:sp>
+      <p:sp>
+        <p:nvSpPr>
+          <p:cNvPr id="5" name="Slide Number Placeholder 4"/>
+          <p:cNvSpPr>
+            <a:spLocks noGrp="1"/>
+          </p:cNvSpPr>
+          <p:nvPr>
+            <p:ph type="sldNum" sz="quarter" idx="12"/>
+          </p:nvPr>
+        </p:nvSpPr>
+        <p:spPr/>
+        <p:txBody>
+          <a:bodyPr/>
+          <a:lstStyle/>
+          <a:p>
+            <a:pPr>
+              <a:defRPr/>
+            </a:pPr>
+            <a:fld id="{2BC46539-7FEE-8846-9EF1-6D13C0293C6C}" type="slidenum">
+              <a:rPr lang="en-US" smtClean="0"/>
+              <a:pPr>
+                <a:defRPr/>
+              </a:pPr>
+              <a:t>30</a:t>
+            </a:fld>
+            <a:endParaRPr lang="en-US"/>
+          </a:p>
+        </p:txBody>
+      </p:sp>
+    </p:spTree>
+    <p:extLst>
+      <p:ext uri="{BB962C8B-B14F-4D97-AF65-F5344CB8AC3E}">
+        <p14:creationId xmlns:p14="http://schemas.microsoft.com/office/powerpoint/2010/main" val="3308428153"/>
+      </p:ext>
+    </p:extLst>
+  </p:cSld>
+  <p:clrMapOvr>
+    <a:masterClrMapping/>
+  </p:clrMapOvr>
+</p:sld>
+</file>
+
+<file path=ppt/slides/slide31.xml><?xml version="1.0" encoding="utf-8"?>
+<p:sld xmlns:a="http://schemas.openxmlformats.org/drawingml/2006/main" xmlns:r="http://schemas.openxmlformats.org/officeDocument/2006/relationships" xmlns:p="http://schemas.openxmlformats.org/presentationml/2006/main">
+  <p:cSld>
+    <p:spTree>
+      <p:nvGrpSpPr>
+        <p:cNvPr id="1" name=""/>
+        <p:cNvGrpSpPr/>
+        <p:nvPr/>
+      </p:nvGrpSpPr>
+      <p:grpSpPr>
+        <a:xfrm>
+          <a:off x="0" y="0"/>
+          <a:ext cx="0" cy="0"/>
+          <a:chOff x="0" y="0"/>
+          <a:chExt cx="0" cy="0"/>
+        </a:xfrm>
+      </p:grpSpPr>
+      <p:sp>
+        <p:nvSpPr>
+          <p:cNvPr id="2" name="Title 1"/>
+          <p:cNvSpPr>
+            <a:spLocks noGrp="1"/>
+          </p:cNvSpPr>
+          <p:nvPr>
+            <p:ph type="title"/>
+          </p:nvPr>
+        </p:nvSpPr>
+        <p:spPr/>
+        <p:txBody>
+          <a:bodyPr/>
+          <a:lstStyle/>
+          <a:p>
+            <a:r>
+              <a:rPr lang="en-US" smtClean="0"/>
+              <a:t>5.4.1 Exercises</a:t>
+            </a:r>
+            <a:endParaRPr lang="en-US"/>
+          </a:p>
+        </p:txBody>
+      </p:sp>
+      <p:sp>
+        <p:nvSpPr>
+          <p:cNvPr id="3" name="Content Placeholder 2"/>
+          <p:cNvSpPr>
+            <a:spLocks noGrp="1"/>
+          </p:cNvSpPr>
+          <p:nvPr>
+            <p:ph idx="1"/>
+          </p:nvPr>
+        </p:nvSpPr>
+        <p:spPr>
+          <a:xfrm>
+            <a:off x="609600" y="1262130"/>
+            <a:ext cx="10749565" cy="4864033"/>
+          </a:xfrm>
+        </p:spPr>
+        <p:txBody>
+          <a:bodyPr/>
+          <a:lstStyle/>
+          <a:p>
+            <a:pPr marL="457200" indent="-457200">
+              <a:buFont typeface="+mj-lt"/>
+              <a:buAutoNum type="arabicPeriod"/>
+            </a:pPr>
+            <a:r>
+              <a:rPr lang="en-US" sz="1600"/>
+              <a:t>Brainstorm at least 5 different ways to assess the typical delay characteristics of a group of flights. Consider the following scenarios:</a:t>
+            </a:r>
+          </a:p>
+          <a:p>
+            <a:pPr lvl="1"/>
+            <a:r>
+              <a:rPr lang="en-US" sz="1200"/>
+              <a:t>A flight is 15 minutes early 50% of the time, and 15 minutes late 50% of the time.</a:t>
+            </a:r>
+          </a:p>
+          <a:p>
+            <a:pPr lvl="1"/>
+            <a:r>
+              <a:rPr lang="en-US" sz="1200"/>
+              <a:t>A flight is always 10 minutes late.</a:t>
+            </a:r>
+          </a:p>
+          <a:p>
+            <a:pPr lvl="1"/>
+            <a:r>
+              <a:rPr lang="en-US" sz="1200"/>
+              <a:t>A flight is 30 minutes early 50% of the time, and 30 minutes late 50% of the time.</a:t>
+            </a:r>
+          </a:p>
+          <a:p>
+            <a:pPr lvl="1"/>
+            <a:r>
+              <a:rPr lang="en-US" sz="1200"/>
+              <a:t>99% of the time a flight is on time. 1% of the time it’s 2 hours </a:t>
+            </a:r>
+            <a:r>
+              <a:rPr lang="en-US" sz="1200" smtClean="0"/>
+              <a:t>late.</a:t>
+            </a:r>
+          </a:p>
+          <a:p>
+            <a:pPr marL="349200" lvl="1" indent="0">
+              <a:buNone/>
+            </a:pPr>
+            <a:r>
+              <a:rPr lang="en-US" sz="1200"/>
+              <a:t>Which is more important: arrival delay or departure delay? </a:t>
+            </a:r>
+            <a:endParaRPr lang="en-US" sz="1200" smtClean="0"/>
+          </a:p>
+          <a:p>
+            <a:pPr marL="342900" indent="-342900">
+              <a:buFont typeface="+mj-lt"/>
+              <a:buAutoNum type="arabicPeriod"/>
+            </a:pPr>
+            <a:r>
+              <a:rPr lang="en-US" sz="1600" b="1"/>
+              <a:t>Come up with another approach that will give you the same output as not_cancelled %&gt;% count(dest) and not_cancelled %&gt;% count(tailnum, wt = distance) (without using count()).</a:t>
+            </a:r>
+          </a:p>
+          <a:p>
+            <a:pPr marL="342900" indent="-342900">
+              <a:buFont typeface="+mj-lt"/>
+              <a:buAutoNum type="arabicPeriod"/>
+            </a:pPr>
+            <a:r>
+              <a:rPr lang="en-US" sz="1600"/>
+              <a:t>Our definition of cancelled flights (is.na(dep_delay) | is.na(arr_delay) ) is slightly suboptimal. Why? Which is the most important column?</a:t>
+            </a:r>
+          </a:p>
+          <a:p>
+            <a:pPr marL="342900" indent="-342900">
+              <a:buFont typeface="+mj-lt"/>
+              <a:buAutoNum type="arabicPeriod"/>
+            </a:pPr>
+            <a:r>
+              <a:rPr lang="en-US" sz="1600" b="1"/>
+              <a:t>Look at the number of cancelled flights per day. Is there a pattern? Is the proportion of cancelled flights related to the average delay?</a:t>
+            </a:r>
+          </a:p>
+          <a:p>
+            <a:pPr marL="342900" indent="-342900">
+              <a:buFont typeface="+mj-lt"/>
+              <a:buAutoNum type="arabicPeriod"/>
+            </a:pPr>
+            <a:r>
+              <a:rPr lang="en-US" sz="1600"/>
+              <a:t>Which carrier has the worst delays? Challenge: can you disentangle the effects of bad airports vs. bad carriers? Why/why not? (Hint: think about flights %&gt;% group_by(carrier, dest) %&gt;% summarise(n()))</a:t>
+            </a:r>
+          </a:p>
+          <a:p>
+            <a:pPr marL="342900" indent="-342900">
+              <a:buFont typeface="+mj-lt"/>
+              <a:buAutoNum type="arabicPeriod"/>
+            </a:pPr>
+            <a:r>
+              <a:rPr lang="en-US" sz="1600"/>
+              <a:t>What does the sort argument to count() do. When might you use it?</a:t>
+            </a:r>
+          </a:p>
+          <a:p>
+            <a:pPr marL="0" indent="0">
+              <a:buNone/>
+            </a:pPr>
+            <a:endParaRPr lang="en-US" sz="1600">
+              <a:latin typeface="Corbel" panose="020B0503020204020204" pitchFamily="34" charset="0"/>
+              <a:cs typeface="Consolas" panose="020B0609020204030204" pitchFamily="49" charset="0"/>
+            </a:endParaRPr>
+          </a:p>
+          <a:p>
+            <a:r>
+              <a:rPr lang="en-US" sz="1600" smtClean="0">
+                <a:latin typeface="Corbel" panose="020B0503020204020204" pitchFamily="34" charset="0"/>
+                <a:cs typeface="Consolas" panose="020B0609020204030204" pitchFamily="49" charset="0"/>
+              </a:rPr>
+              <a:t>Suggested </a:t>
+            </a:r>
+            <a:r>
+              <a:rPr lang="en-US" sz="1600">
+                <a:latin typeface="Corbel" panose="020B0503020204020204" pitchFamily="34" charset="0"/>
+                <a:cs typeface="Consolas" panose="020B0609020204030204" pitchFamily="49" charset="0"/>
+              </a:rPr>
+              <a:t>order/importance</a:t>
+            </a:r>
+            <a:r>
+              <a:rPr lang="en-US" sz="1600" smtClean="0">
+                <a:latin typeface="Corbel" panose="020B0503020204020204" pitchFamily="34" charset="0"/>
+                <a:cs typeface="Consolas" panose="020B0609020204030204" pitchFamily="49" charset="0"/>
+              </a:rPr>
+              <a:t>: 1, 2 and 3 mainly</a:t>
+            </a:r>
+            <a:r>
+              <a:rPr lang="en-US" sz="1600" b="1" smtClean="0"/>
+              <a:t/>
+            </a:r>
+            <a:br>
+              <a:rPr lang="en-US" sz="1600" b="1" smtClean="0"/>
+            </a:br>
+            <a:endParaRPr lang="en-US" sz="1600" b="1" smtClean="0"/>
+          </a:p>
+          <a:p>
+            <a:endParaRPr lang="en-US" sz="1600" b="1"/>
+          </a:p>
+        </p:txBody>
+      </p:sp>
+      <p:sp>
+        <p:nvSpPr>
+          <p:cNvPr id="4" name="Date Placeholder 3"/>
+          <p:cNvSpPr>
+            <a:spLocks noGrp="1"/>
+          </p:cNvSpPr>
+          <p:nvPr>
+            <p:ph type="dt" sz="half" idx="10"/>
+          </p:nvPr>
+        </p:nvSpPr>
+        <p:spPr/>
+        <p:txBody>
+          <a:bodyPr/>
+          <a:lstStyle/>
+          <a:p>
+            <a:pPr>
+              <a:defRPr/>
+            </a:pPr>
+            <a:r>
+              <a:rPr lang="fi-FI" smtClean="0"/>
+              <a:t>2018-02-06</a:t>
+            </a:r>
+            <a:endParaRPr lang="en-US"/>
+          </a:p>
+        </p:txBody>
+      </p:sp>
+      <p:sp>
+        <p:nvSpPr>
+          <p:cNvPr id="5" name="Slide Number Placeholder 4"/>
+          <p:cNvSpPr>
+            <a:spLocks noGrp="1"/>
+          </p:cNvSpPr>
+          <p:nvPr>
+            <p:ph type="sldNum" sz="quarter" idx="12"/>
+          </p:nvPr>
+        </p:nvSpPr>
+        <p:spPr/>
+        <p:txBody>
+          <a:bodyPr/>
+          <a:lstStyle/>
+          <a:p>
+            <a:pPr>
+              <a:defRPr/>
+            </a:pPr>
+            <a:fld id="{2BC46539-7FEE-8846-9EF1-6D13C0293C6C}" type="slidenum">
+              <a:rPr lang="en-US" smtClean="0"/>
+              <a:pPr>
+                <a:defRPr/>
+              </a:pPr>
+              <a:t>31</a:t>
+            </a:fld>
+            <a:endParaRPr lang="en-US"/>
+          </a:p>
+        </p:txBody>
+      </p:sp>
+    </p:spTree>
+    <p:extLst>
+      <p:ext uri="{BB962C8B-B14F-4D97-AF65-F5344CB8AC3E}">
+        <p14:creationId xmlns:p14="http://schemas.microsoft.com/office/powerpoint/2010/main" val="1781969830"/>
+      </p:ext>
+    </p:extLst>
+  </p:cSld>
+  <p:clrMapOvr>
+    <a:masterClrMapping/>
+  </p:clrMapOvr>
+</p:sld>
+</file>
+
+<file path=ppt/slides/slide32.xml><?xml version="1.0" encoding="utf-8"?>
+<p:sld xmlns:a="http://schemas.openxmlformats.org/drawingml/2006/main" xmlns:r="http://schemas.openxmlformats.org/officeDocument/2006/relationships" xmlns:p="http://schemas.openxmlformats.org/presentationml/2006/main">
+  <p:cSld>
+    <p:spTree>
+      <p:nvGrpSpPr>
+        <p:cNvPr id="1" name=""/>
+        <p:cNvGrpSpPr/>
+        <p:nvPr/>
+      </p:nvGrpSpPr>
+      <p:grpSpPr>
+        <a:xfrm>
+          <a:off x="0" y="0"/>
+          <a:ext cx="0" cy="0"/>
+          <a:chOff x="0" y="0"/>
+          <a:chExt cx="0" cy="0"/>
+        </a:xfrm>
+      </p:grpSpPr>
+      <p:sp>
+        <p:nvSpPr>
+          <p:cNvPr id="6" name="Title 5"/>
+          <p:cNvSpPr>
+            <a:spLocks noGrp="1"/>
+          </p:cNvSpPr>
+          <p:nvPr>
+            <p:ph type="ctrTitle"/>
+          </p:nvPr>
+        </p:nvSpPr>
+        <p:spPr/>
+        <p:txBody>
+          <a:bodyPr/>
+          <a:lstStyle/>
+          <a:p>
+            <a:r>
+              <a:rPr lang="en-US" smtClean="0"/>
+              <a:t>Extra!</a:t>
+            </a:r>
+            <a:endParaRPr lang="en-US"/>
+          </a:p>
+        </p:txBody>
+      </p:sp>
+      <p:sp>
+        <p:nvSpPr>
+          <p:cNvPr id="4" name="Date Placeholder 3"/>
+          <p:cNvSpPr>
+            <a:spLocks noGrp="1"/>
+          </p:cNvSpPr>
+          <p:nvPr>
+            <p:ph type="dt" sz="half" idx="4294967295"/>
+          </p:nvPr>
+        </p:nvSpPr>
+        <p:spPr>
+          <a:xfrm>
+            <a:off x="0" y="6378575"/>
+            <a:ext cx="1300163" cy="315913"/>
+          </a:xfrm>
+        </p:spPr>
+        <p:txBody>
+          <a:bodyPr/>
+          <a:lstStyle/>
+          <a:p>
+            <a:pPr>
+              <a:defRPr/>
+            </a:pPr>
+            <a:r>
+              <a:rPr lang="fi-FI" smtClean="0"/>
+              <a:t>2018-02-06</a:t>
+            </a:r>
+            <a:endParaRPr lang="en-US"/>
+          </a:p>
+        </p:txBody>
+      </p:sp>
+      <p:sp>
+        <p:nvSpPr>
+          <p:cNvPr id="5" name="Slide Number Placeholder 4"/>
+          <p:cNvSpPr>
+            <a:spLocks noGrp="1"/>
+          </p:cNvSpPr>
+          <p:nvPr>
+            <p:ph type="sldNum" sz="quarter" idx="4294967295"/>
+          </p:nvPr>
+        </p:nvSpPr>
+        <p:spPr>
+          <a:xfrm>
+            <a:off x="0" y="6378575"/>
+            <a:ext cx="862013" cy="315913"/>
+          </a:xfrm>
+        </p:spPr>
+        <p:txBody>
+          <a:bodyPr/>
+          <a:lstStyle/>
+          <a:p>
+            <a:pPr>
+              <a:defRPr/>
+            </a:pPr>
+            <a:fld id="{2BC46539-7FEE-8846-9EF1-6D13C0293C6C}" type="slidenum">
+              <a:rPr lang="en-US" smtClean="0"/>
+              <a:pPr>
+                <a:defRPr/>
+              </a:pPr>
+              <a:t>32</a:t>
+            </a:fld>
+            <a:endParaRPr lang="en-US"/>
+          </a:p>
+        </p:txBody>
+      </p:sp>
+    </p:spTree>
+    <p:extLst>
+      <p:ext uri="{BB962C8B-B14F-4D97-AF65-F5344CB8AC3E}">
+        <p14:creationId xmlns:p14="http://schemas.microsoft.com/office/powerpoint/2010/main" val="3126052383"/>
+      </p:ext>
+    </p:extLst>
+  </p:cSld>
+  <p:clrMapOvr>
+    <a:masterClrMapping/>
+  </p:clrMapOvr>
+</p:sld>
+</file>
+
+<file path=ppt/slides/slide33.xml><?xml version="1.0" encoding="utf-8"?>
+<p:sld xmlns:a="http://schemas.openxmlformats.org/drawingml/2006/main" xmlns:r="http://schemas.openxmlformats.org/officeDocument/2006/relationships" xmlns:p="http://schemas.openxmlformats.org/presentationml/2006/main">
+  <p:cSld>
+    <p:spTree>
+      <p:nvGrpSpPr>
+        <p:cNvPr id="1" name=""/>
+        <p:cNvGrpSpPr/>
+        <p:nvPr/>
+      </p:nvGrpSpPr>
+      <p:grpSpPr>
+        <a:xfrm>
+          <a:off x="0" y="0"/>
+          <a:ext cx="0" cy="0"/>
+          <a:chOff x="0" y="0"/>
+          <a:chExt cx="0" cy="0"/>
+        </a:xfrm>
+      </p:grpSpPr>
+      <p:sp>
+        <p:nvSpPr>
+          <p:cNvPr id="2" name="Title 1"/>
+          <p:cNvSpPr>
+            <a:spLocks noGrp="1"/>
+          </p:cNvSpPr>
+          <p:nvPr>
+            <p:ph type="title"/>
+          </p:nvPr>
+        </p:nvSpPr>
+        <p:spPr/>
+        <p:txBody>
+          <a:bodyPr/>
+          <a:lstStyle/>
+          <a:p>
+            <a:r>
+              <a:rPr lang="en-US" smtClean="0"/>
+              <a:t>Tidy data</a:t>
+            </a:r>
+            <a:endParaRPr lang="en-US"/>
+          </a:p>
+        </p:txBody>
+      </p:sp>
+      <p:sp>
+        <p:nvSpPr>
+          <p:cNvPr id="3" name="Content Placeholder 2"/>
+          <p:cNvSpPr>
+            <a:spLocks noGrp="1"/>
+          </p:cNvSpPr>
+          <p:nvPr>
+            <p:ph idx="1"/>
+          </p:nvPr>
+        </p:nvSpPr>
+        <p:spPr/>
+        <p:txBody>
+          <a:bodyPr/>
+          <a:lstStyle/>
+          <a:p>
+            <a:r>
+              <a:rPr lang="en-US" smtClean="0"/>
+              <a:t>The </a:t>
+            </a:r>
+            <a:r>
+              <a:rPr lang="en-US" dirty="0" smtClean="0"/>
+              <a:t>short version:</a:t>
+            </a:r>
+          </a:p>
+          <a:p>
+            <a:pPr lvl="1"/>
+            <a:r>
+              <a:rPr lang="en-US" dirty="0" smtClean="0"/>
+              <a:t>you want single columns to be single variables</a:t>
+            </a:r>
+          </a:p>
+          <a:p>
+            <a:pPr lvl="1"/>
+            <a:r>
+              <a:rPr lang="en-US" dirty="0" smtClean="0"/>
+              <a:t>you want single rows to be single observations</a:t>
+            </a:r>
+          </a:p>
+          <a:p>
+            <a:pPr lvl="1"/>
+            <a:r>
+              <a:rPr lang="en-US" dirty="0" smtClean="0"/>
+              <a:t>(you want one type of data in one table)</a:t>
+            </a:r>
+          </a:p>
+          <a:p>
+            <a:r>
+              <a:rPr lang="en-US" dirty="0" smtClean="0"/>
+              <a:t>All of </a:t>
+            </a:r>
+            <a:r>
+              <a:rPr lang="en-US" i="1" dirty="0" err="1" smtClean="0"/>
+              <a:t>tidyverse</a:t>
+            </a:r>
+            <a:r>
+              <a:rPr lang="en-US" dirty="0" smtClean="0"/>
+              <a:t> </a:t>
+            </a:r>
+            <a:r>
+              <a:rPr lang="en-US" smtClean="0"/>
+              <a:t>(</a:t>
+            </a:r>
+            <a:r>
+              <a:rPr lang="en-US" i="1" smtClean="0"/>
+              <a:t>ggplot2</a:t>
+            </a:r>
+            <a:r>
+              <a:rPr lang="en-US" smtClean="0"/>
+              <a:t> </a:t>
+            </a:r>
+            <a:r>
+              <a:rPr lang="en-US" dirty="0" smtClean="0"/>
+              <a:t>in particular) relies on this idea</a:t>
+            </a:r>
+          </a:p>
+          <a:p>
+            <a:pPr lvl="1"/>
+            <a:r>
+              <a:rPr lang="en-US" dirty="0" smtClean="0"/>
+              <a:t>but some other packages / software might not, and you have to deal with this</a:t>
+            </a:r>
+          </a:p>
+          <a:p>
+            <a:r>
+              <a:rPr lang="en-US" dirty="0" smtClean="0"/>
+              <a:t>The relevant functions are </a:t>
+            </a:r>
+            <a:r>
+              <a:rPr lang="en-US" i="1" dirty="0" smtClean="0"/>
+              <a:t>gather</a:t>
+            </a:r>
+            <a:r>
+              <a:rPr lang="en-US" dirty="0" smtClean="0"/>
+              <a:t> and </a:t>
+            </a:r>
+            <a:r>
+              <a:rPr lang="en-US" i="1" dirty="0" smtClean="0"/>
+              <a:t>spread</a:t>
+            </a:r>
+            <a:r>
+              <a:rPr lang="en-US" dirty="0" smtClean="0"/>
+              <a:t>, and </a:t>
+            </a:r>
+            <a:r>
+              <a:rPr lang="en-US" i="1" dirty="0" smtClean="0"/>
+              <a:t>separate</a:t>
+            </a:r>
+            <a:endParaRPr lang="en-US" i="1" dirty="0"/>
+          </a:p>
+        </p:txBody>
+      </p:sp>
+      <p:sp>
+        <p:nvSpPr>
+          <p:cNvPr id="4" name="Date Placeholder 3"/>
+          <p:cNvSpPr>
+            <a:spLocks noGrp="1"/>
+          </p:cNvSpPr>
+          <p:nvPr>
+            <p:ph type="dt" sz="half" idx="10"/>
+          </p:nvPr>
+        </p:nvSpPr>
+        <p:spPr/>
+        <p:txBody>
+          <a:bodyPr/>
+          <a:lstStyle/>
+          <a:p>
+            <a:pPr>
+              <a:defRPr/>
+            </a:pPr>
+            <a:r>
+              <a:rPr lang="fi-FI" smtClean="0"/>
+              <a:t>2018-02-06</a:t>
+            </a:r>
+            <a:endParaRPr lang="en-US"/>
+          </a:p>
+        </p:txBody>
+      </p:sp>
+      <p:sp>
+        <p:nvSpPr>
+          <p:cNvPr id="5" name="Slide Number Placeholder 4"/>
+          <p:cNvSpPr>
+            <a:spLocks noGrp="1"/>
+          </p:cNvSpPr>
+          <p:nvPr>
+            <p:ph type="sldNum" sz="quarter" idx="12"/>
+          </p:nvPr>
+        </p:nvSpPr>
+        <p:spPr/>
+        <p:txBody>
+          <a:bodyPr/>
+          <a:lstStyle/>
+          <a:p>
+            <a:pPr>
+              <a:defRPr/>
+            </a:pPr>
+            <a:fld id="{2BC46539-7FEE-8846-9EF1-6D13C0293C6C}" type="slidenum">
+              <a:rPr lang="en-US" smtClean="0"/>
+              <a:pPr>
+                <a:defRPr/>
+              </a:pPr>
+              <a:t>33</a:t>
             </a:fld>
             <a:endParaRPr lang="en-US"/>
           </a:p>
@@ -22637,7 +27858,7 @@
 </p:sld>
 </file>
 
-<file path=ppt/slides/slide14.xml><?xml version="1.0" encoding="utf-8"?>
+<file path=ppt/slides/slide34.xml><?xml version="1.0" encoding="utf-8"?>
 <p:sld xmlns:a="http://schemas.openxmlformats.org/drawingml/2006/main" xmlns:r="http://schemas.openxmlformats.org/officeDocument/2006/relationships" xmlns:p="http://schemas.openxmlformats.org/presentationml/2006/main">
   <p:cSld>
     <p:spTree>
@@ -22779,7 +28000,7 @@
             </a:pPr>
             <a:r>
               <a:rPr lang="fi-FI" smtClean="0"/>
-              <a:t>2017-03-08</a:t>
+              <a:t>2018-02-06</a:t>
             </a:r>
             <a:endParaRPr lang="en-US"/>
           </a:p>
@@ -22808,7 +28029,7 @@
               <a:pPr>
                 <a:defRPr/>
               </a:pPr>
-              <a:t>14</a:t>
+              <a:t>34</a:t>
             </a:fld>
             <a:endParaRPr lang="en-US"/>
           </a:p>
@@ -22834,7 +28055,7 @@
 </p:sld>
 </file>
 
-<file path=ppt/slides/slide15.xml><?xml version="1.0" encoding="utf-8"?>
+<file path=ppt/slides/slide35.xml><?xml version="1.0" encoding="utf-8"?>
 <p:sld xmlns:a="http://schemas.openxmlformats.org/drawingml/2006/main" xmlns:r="http://schemas.openxmlformats.org/officeDocument/2006/relationships" xmlns:p="http://schemas.openxmlformats.org/presentationml/2006/main">
   <p:cSld>
     <p:spTree>
@@ -22927,358 +28148,6 @@
     <p:extLst>
       <p:ext uri="{BB962C8B-B14F-4D97-AF65-F5344CB8AC3E}">
         <p14:creationId xmlns:p14="http://schemas.microsoft.com/office/powerpoint/2010/main" val="2061839335"/>
-      </p:ext>
-    </p:extLst>
-  </p:cSld>
-  <p:clrMapOvr>
-    <a:masterClrMapping/>
-  </p:clrMapOvr>
-  <p:timing>
-    <p:tnLst>
-      <p:par>
-        <p:cTn id="1" dur="indefinite" restart="never" nodeType="tmRoot"/>
-      </p:par>
-    </p:tnLst>
-  </p:timing>
-</p:sld>
-</file>
-
-<file path=ppt/slides/slide2.xml><?xml version="1.0" encoding="utf-8"?>
-<p:sld xmlns:a="http://schemas.openxmlformats.org/drawingml/2006/main" xmlns:r="http://schemas.openxmlformats.org/officeDocument/2006/relationships" xmlns:p="http://schemas.openxmlformats.org/presentationml/2006/main">
-  <p:cSld>
-    <p:spTree>
-      <p:nvGrpSpPr>
-        <p:cNvPr id="1" name=""/>
-        <p:cNvGrpSpPr/>
-        <p:nvPr/>
-      </p:nvGrpSpPr>
-      <p:grpSpPr>
-        <a:xfrm>
-          <a:off x="0" y="0"/>
-          <a:ext cx="0" cy="0"/>
-          <a:chOff x="0" y="0"/>
-          <a:chExt cx="0" cy="0"/>
-        </a:xfrm>
-      </p:grpSpPr>
-      <p:sp>
-        <p:nvSpPr>
-          <p:cNvPr id="6" name="Title 5"/>
-          <p:cNvSpPr>
-            <a:spLocks noGrp="1"/>
-          </p:cNvSpPr>
-          <p:nvPr>
-            <p:ph type="title"/>
-          </p:nvPr>
-        </p:nvSpPr>
-        <p:spPr/>
-        <p:txBody>
-          <a:bodyPr/>
-          <a:lstStyle/>
-          <a:p>
-            <a:r>
-              <a:rPr lang="en-US" smtClean="0"/>
-              <a:t>Foreword</a:t>
-            </a:r>
-            <a:endParaRPr lang="en-US"/>
-          </a:p>
-        </p:txBody>
-      </p:sp>
-      <p:sp>
-        <p:nvSpPr>
-          <p:cNvPr id="7" name="Content Placeholder 6"/>
-          <p:cNvSpPr>
-            <a:spLocks noGrp="1"/>
-          </p:cNvSpPr>
-          <p:nvPr>
-            <p:ph idx="1"/>
-          </p:nvPr>
-        </p:nvSpPr>
-        <p:spPr>
-          <a:xfrm>
-            <a:off x="609601" y="1600200"/>
-            <a:ext cx="10323512" cy="4525963"/>
-          </a:xfrm>
-        </p:spPr>
-        <p:txBody>
-          <a:bodyPr/>
-          <a:lstStyle/>
-          <a:p>
-            <a:pPr marL="0" indent="0">
-              <a:buNone/>
-            </a:pPr>
-            <a:r>
-              <a:rPr lang="en-US" dirty="0" smtClean="0"/>
-              <a:t>This document is intended to go together with a course day with roughly the same name. Therefore, it is not self-supporting: it serves as reminder to both the teacher and the course participants of what will be or what was talked about. Most of the actual content is somewhere else: in the R documentation, cheat sheets, examples shown during the course etc.</a:t>
-            </a:r>
-          </a:p>
-          <a:p>
-            <a:pPr marL="0" indent="0">
-              <a:buNone/>
-            </a:pPr>
-            <a:r>
-              <a:rPr lang="en-US" dirty="0" smtClean="0"/>
-              <a:t>So if you are reading this to learn on your own, treat it as a roadmap, not as study material. These things were deemed important enough to mention, and they were mentioned in this order, but you will need another source to actually study.</a:t>
-            </a:r>
-            <a:endParaRPr lang="en-US" dirty="0"/>
-          </a:p>
-        </p:txBody>
-      </p:sp>
-      <p:sp>
-        <p:nvSpPr>
-          <p:cNvPr id="2" name="Date Placeholder 1"/>
-          <p:cNvSpPr>
-            <a:spLocks noGrp="1"/>
-          </p:cNvSpPr>
-          <p:nvPr>
-            <p:ph type="dt" sz="half" idx="10"/>
-          </p:nvPr>
-        </p:nvSpPr>
-        <p:spPr/>
-        <p:txBody>
-          <a:bodyPr/>
-          <a:lstStyle/>
-          <a:p>
-            <a:pPr>
-              <a:defRPr/>
-            </a:pPr>
-            <a:r>
-              <a:rPr lang="fi-FI" smtClean="0"/>
-              <a:t>2017-03-08</a:t>
-            </a:r>
-            <a:endParaRPr lang="en-US"/>
-          </a:p>
-        </p:txBody>
-      </p:sp>
-      <p:sp>
-        <p:nvSpPr>
-          <p:cNvPr id="3" name="Slide Number Placeholder 2"/>
-          <p:cNvSpPr>
-            <a:spLocks noGrp="1"/>
-          </p:cNvSpPr>
-          <p:nvPr>
-            <p:ph type="sldNum" sz="quarter" idx="12"/>
-          </p:nvPr>
-        </p:nvSpPr>
-        <p:spPr/>
-        <p:txBody>
-          <a:bodyPr/>
-          <a:lstStyle/>
-          <a:p>
-            <a:pPr>
-              <a:defRPr/>
-            </a:pPr>
-            <a:fld id="{02605DE2-1972-E240-9BF7-5A80054B62E0}" type="slidenum">
-              <a:rPr lang="en-US" smtClean="0"/>
-              <a:pPr>
-                <a:defRPr/>
-              </a:pPr>
-              <a:t>2</a:t>
-            </a:fld>
-            <a:endParaRPr lang="en-US"/>
-          </a:p>
-        </p:txBody>
-      </p:sp>
-    </p:spTree>
-    <p:extLst>
-      <p:ext uri="{BB962C8B-B14F-4D97-AF65-F5344CB8AC3E}">
-        <p14:creationId xmlns:p14="http://schemas.microsoft.com/office/powerpoint/2010/main" val="4219158439"/>
-      </p:ext>
-    </p:extLst>
-  </p:cSld>
-  <p:clrMapOvr>
-    <a:masterClrMapping/>
-  </p:clrMapOvr>
-  <p:timing>
-    <p:tnLst>
-      <p:par>
-        <p:cTn id="1" dur="indefinite" restart="never" nodeType="tmRoot"/>
-      </p:par>
-    </p:tnLst>
-  </p:timing>
-</p:sld>
-</file>
-
-<file path=ppt/slides/slide3.xml><?xml version="1.0" encoding="utf-8"?>
-<p:sld xmlns:a="http://schemas.openxmlformats.org/drawingml/2006/main" xmlns:r="http://schemas.openxmlformats.org/officeDocument/2006/relationships" xmlns:p="http://schemas.openxmlformats.org/presentationml/2006/main">
-  <p:cSld>
-    <p:spTree>
-      <p:nvGrpSpPr>
-        <p:cNvPr id="1" name=""/>
-        <p:cNvGrpSpPr/>
-        <p:nvPr/>
-      </p:nvGrpSpPr>
-      <p:grpSpPr>
-        <a:xfrm>
-          <a:off x="0" y="0"/>
-          <a:ext cx="0" cy="0"/>
-          <a:chOff x="0" y="0"/>
-          <a:chExt cx="0" cy="0"/>
-        </a:xfrm>
-      </p:grpSpPr>
-      <p:sp>
-        <p:nvSpPr>
-          <p:cNvPr id="2" name="Title 1"/>
-          <p:cNvSpPr>
-            <a:spLocks noGrp="1"/>
-          </p:cNvSpPr>
-          <p:nvPr>
-            <p:ph type="title"/>
-          </p:nvPr>
-        </p:nvSpPr>
-        <p:spPr/>
-        <p:txBody>
-          <a:bodyPr/>
-          <a:lstStyle/>
-          <a:p>
-            <a:r>
-              <a:rPr lang="en-US" smtClean="0"/>
-              <a:t>RStudio interface</a:t>
-            </a:r>
-            <a:endParaRPr lang="en-US"/>
-          </a:p>
-        </p:txBody>
-      </p:sp>
-      <p:sp>
-        <p:nvSpPr>
-          <p:cNvPr id="3" name="Content Placeholder 2"/>
-          <p:cNvSpPr>
-            <a:spLocks noGrp="1"/>
-          </p:cNvSpPr>
-          <p:nvPr>
-            <p:ph idx="1"/>
-          </p:nvPr>
-        </p:nvSpPr>
-        <p:spPr/>
-        <p:txBody>
-          <a:bodyPr/>
-          <a:lstStyle/>
-          <a:p>
-            <a:r>
-              <a:rPr lang="en-US" dirty="0" smtClean="0"/>
-              <a:t>Please also look at the cheat sheet and the keyboard shortcuts!</a:t>
-            </a:r>
-          </a:p>
-          <a:p>
-            <a:r>
-              <a:rPr lang="en-US" dirty="0" smtClean="0"/>
-              <a:t>Four panes: </a:t>
-            </a:r>
-          </a:p>
-          <a:p>
-            <a:pPr lvl="1"/>
-            <a:r>
-              <a:rPr lang="en-US" dirty="0" smtClean="0"/>
-              <a:t>top left: Scripts and data views</a:t>
-            </a:r>
-          </a:p>
-          <a:p>
-            <a:pPr lvl="1"/>
-            <a:r>
-              <a:rPr lang="en-US" dirty="0" smtClean="0"/>
-              <a:t>bottom left: Console</a:t>
-            </a:r>
-          </a:p>
-          <a:p>
-            <a:pPr lvl="1"/>
-            <a:r>
-              <a:rPr lang="en-US" dirty="0" smtClean="0"/>
-              <a:t>top right: Environment and history</a:t>
-            </a:r>
-          </a:p>
-          <a:p>
-            <a:pPr lvl="1"/>
-            <a:r>
-              <a:rPr lang="en-US" dirty="0" smtClean="0"/>
-              <a:t>bottom right</a:t>
-            </a:r>
-            <a:r>
-              <a:rPr lang="en-US" smtClean="0"/>
-              <a:t>: plots, help, file viewer, package viewer</a:t>
-            </a:r>
-            <a:endParaRPr lang="en-US" dirty="0" smtClean="0"/>
-          </a:p>
-          <a:p>
-            <a:r>
-              <a:rPr lang="en-US" dirty="0" smtClean="0"/>
-              <a:t>Scripts:</a:t>
-            </a:r>
-          </a:p>
-          <a:p>
-            <a:pPr lvl="1"/>
-            <a:r>
-              <a:rPr lang="en-US" dirty="0" smtClean="0"/>
-              <a:t>this is where you should preferably write your code, then run/source it, and not directly to the console!</a:t>
-            </a:r>
-          </a:p>
-          <a:p>
-            <a:pPr lvl="1"/>
-            <a:r>
-              <a:rPr lang="en-US" dirty="0" smtClean="0"/>
-              <a:t>plenty of nice editing tricks in the Edit and Code menus</a:t>
-            </a:r>
-            <a:endParaRPr lang="en-US" dirty="0"/>
-          </a:p>
-        </p:txBody>
-      </p:sp>
-      <p:sp>
-        <p:nvSpPr>
-          <p:cNvPr id="4" name="Date Placeholder 3"/>
-          <p:cNvSpPr>
-            <a:spLocks noGrp="1"/>
-          </p:cNvSpPr>
-          <p:nvPr>
-            <p:ph type="dt" sz="half" idx="10"/>
-          </p:nvPr>
-        </p:nvSpPr>
-        <p:spPr/>
-        <p:txBody>
-          <a:bodyPr/>
-          <a:lstStyle/>
-          <a:p>
-            <a:pPr>
-              <a:defRPr/>
-            </a:pPr>
-            <a:r>
-              <a:rPr lang="fi-FI" smtClean="0"/>
-              <a:t>2017-03-08</a:t>
-            </a:r>
-            <a:endParaRPr lang="en-US"/>
-          </a:p>
-        </p:txBody>
-      </p:sp>
-      <p:sp>
-        <p:nvSpPr>
-          <p:cNvPr id="5" name="Slide Number Placeholder 4"/>
-          <p:cNvSpPr>
-            <a:spLocks noGrp="1"/>
-          </p:cNvSpPr>
-          <p:nvPr>
-            <p:ph type="sldNum" sz="quarter" idx="12"/>
-          </p:nvPr>
-        </p:nvSpPr>
-        <p:spPr/>
-        <p:txBody>
-          <a:bodyPr/>
-          <a:lstStyle/>
-          <a:p>
-            <a:pPr>
-              <a:defRPr/>
-            </a:pPr>
-            <a:fld id="{2BC46539-7FEE-8846-9EF1-6D13C0293C6C}" type="slidenum">
-              <a:rPr lang="en-US" smtClean="0"/>
-              <a:pPr>
-                <a:defRPr/>
-              </a:pPr>
-              <a:t>3</a:t>
-            </a:fld>
-            <a:endParaRPr lang="en-US"/>
-          </a:p>
-        </p:txBody>
-      </p:sp>
-    </p:spTree>
-    <p:extLst>
-      <p:ext uri="{BB962C8B-B14F-4D97-AF65-F5344CB8AC3E}">
-        <p14:creationId xmlns:p14="http://schemas.microsoft.com/office/powerpoint/2010/main" val="2433974728"/>
       </p:ext>
     </p:extLst>
   </p:cSld>
@@ -23329,7 +28198,7 @@
           <a:p>
             <a:r>
               <a:rPr lang="en-US" smtClean="0"/>
-              <a:t>RStudio interface</a:t>
+              <a:t>Getting the course material</a:t>
             </a:r>
             <a:endParaRPr lang="en-US"/>
           </a:p>
@@ -23351,88 +28220,81 @@
           <a:lstStyle/>
           <a:p>
             <a:r>
-              <a:rPr lang="en-US" b="1" dirty="0"/>
-              <a:t>Projects</a:t>
-            </a:r>
-            <a:r>
-              <a:rPr lang="en-US" dirty="0"/>
-              <a:t> will keep you organized when you need to switch from one context </a:t>
-            </a:r>
-            <a:r>
-              <a:rPr lang="en-US"/>
-              <a:t>to </a:t>
-            </a:r>
-            <a:r>
               <a:rPr lang="en-US" smtClean="0"/>
-              <a:t>another</a:t>
-            </a:r>
-          </a:p>
-          <a:p>
+              <a:t>All of the material is available as a Github repository at </a:t>
+            </a:r>
+            <a:r>
+              <a:rPr lang="en-US" smtClean="0">
+                <a:hlinkClick r:id="rId2"/>
+              </a:rPr>
+              <a:t>https://github.com/csc-training/wrangling-with-R</a:t>
+            </a:r>
+            <a:endParaRPr lang="en-US" smtClean="0"/>
+          </a:p>
+          <a:p>
+            <a:pPr lvl="1"/>
             <a:r>
               <a:rPr lang="en-US" smtClean="0"/>
-              <a:t>A project corresponds to a folder (also the working directory)</a:t>
-            </a:r>
+              <a:t>If your RStudio knows about git, </a:t>
+            </a:r>
+            <a:r>
+              <a:rPr lang="en-US" b="1" smtClean="0"/>
+              <a:t>clone the repo to a new RStudio project </a:t>
+            </a:r>
+            <a:r>
+              <a:rPr lang="en-US" sz="1600" smtClean="0"/>
+              <a:t>(and if </a:t>
+            </a:r>
+            <a:r>
+              <a:rPr lang="en-US" sz="1600" i="1" smtClean="0"/>
+              <a:t>you</a:t>
+            </a:r>
+            <a:r>
+              <a:rPr lang="en-US" sz="1600" smtClean="0"/>
+              <a:t> know git, you might consider forking the repo and cloning your fork instead)</a:t>
+            </a:r>
+            <a:endParaRPr lang="en-US" sz="1600" b="1" smtClean="0"/>
           </a:p>
           <a:p>
             <a:pPr lvl="1"/>
             <a:r>
               <a:rPr lang="en-US" smtClean="0"/>
-              <a:t>and/or a version control repository, an R package in development etc</a:t>
-            </a:r>
-          </a:p>
-          <a:p>
-            <a:pPr lvl="1"/>
+              <a:t>If your RStudio does not know about git, </a:t>
+            </a:r>
+            <a:r>
+              <a:rPr lang="en-US" b="1" smtClean="0"/>
+              <a:t>manually download the repo as a zip, unzip it, and create a new RStudio project in the folder</a:t>
+            </a:r>
+            <a:endParaRPr lang="en-US" smtClean="0"/>
+          </a:p>
+          <a:p>
             <a:r>
               <a:rPr lang="en-US" smtClean="0"/>
-              <a:t>when you create a new project, you choose either a new or existing folder, where the .Rproj file then be created</a:t>
-            </a:r>
-            <a:endParaRPr lang="en-US" dirty="0"/>
+              <a:t>The r4ds book is at </a:t>
+            </a:r>
+            <a:r>
+              <a:rPr lang="en-US" smtClean="0">
+                <a:hlinkClick r:id="rId3"/>
+              </a:rPr>
+              <a:t>http://r4ds.had.co.nz/</a:t>
+            </a:r>
+            <a:endParaRPr lang="en-US" smtClean="0"/>
           </a:p>
           <a:p>
             <a:r>
               <a:rPr lang="en-US" smtClean="0"/>
-              <a:t>When </a:t>
-            </a:r>
-            <a:r>
-              <a:rPr lang="en-US"/>
-              <a:t>you </a:t>
-            </a:r>
-            <a:r>
-              <a:rPr lang="en-US" smtClean="0"/>
-              <a:t>close a </a:t>
-            </a:r>
-            <a:r>
-              <a:rPr lang="en-US" dirty="0"/>
-              <a:t>project</a:t>
-            </a:r>
-            <a:r>
-              <a:rPr lang="en-US"/>
-              <a:t>, </a:t>
-            </a:r>
-            <a:r>
-              <a:rPr lang="en-US" smtClean="0"/>
-              <a:t>the currently open script tabs etc. will be saved, and restored when the project is reopened</a:t>
-            </a:r>
-            <a:endParaRPr lang="en-US" dirty="0" smtClean="0"/>
-          </a:p>
-          <a:p>
-            <a:pPr lvl="1"/>
-            <a:r>
-              <a:rPr lang="en-US" dirty="0" smtClean="0"/>
-              <a:t>... but not loaded packages, since the R session is restarted </a:t>
-            </a:r>
-            <a:r>
-              <a:rPr lang="en-US" smtClean="0"/>
-              <a:t>every time</a:t>
-            </a:r>
-          </a:p>
-          <a:p>
-            <a:pPr lvl="1"/>
-            <a:r>
-              <a:rPr lang="en-US" smtClean="0"/>
-              <a:t>the environment and history are saved to and loaded from the .RData and .Rhistory files just like when using only "base" R</a:t>
-            </a:r>
-            <a:endParaRPr lang="en-US" dirty="0"/>
+              <a:t>Cheat sheets at </a:t>
+            </a:r>
+            <a:r>
+              <a:rPr lang="en-US" smtClean="0">
+                <a:hlinkClick r:id="rId4"/>
+              </a:rPr>
+              <a:t>https://www.rstudio.com/resources/cheatsheets/</a:t>
+            </a:r>
+            <a:endParaRPr lang="en-US" smtClean="0"/>
+          </a:p>
+          <a:p>
+            <a:endParaRPr lang="en-US" smtClean="0"/>
           </a:p>
         </p:txBody>
       </p:sp>
@@ -23456,7 +28318,7 @@
             </a:pPr>
             <a:r>
               <a:rPr lang="fi-FI" smtClean="0"/>
-              <a:t>2017-03-08</a:t>
+              <a:t>2018-02-06</a:t>
             </a:r>
             <a:endParaRPr lang="en-US"/>
           </a:p>
@@ -23480,7 +28342,7 @@
             <a:pPr>
               <a:defRPr/>
             </a:pPr>
-            <a:fld id="{2BC46539-7FEE-8846-9EF1-6D13C0293C6C}" type="slidenum">
+            <a:fld id="{02605DE2-1972-E240-9BF7-5A80054B62E0}" type="slidenum">
               <a:rPr lang="en-US" smtClean="0"/>
               <a:pPr>
                 <a:defRPr/>
@@ -23494,20 +28356,13 @@
     </p:spTree>
     <p:extLst>
       <p:ext uri="{BB962C8B-B14F-4D97-AF65-F5344CB8AC3E}">
-        <p14:creationId xmlns:p14="http://schemas.microsoft.com/office/powerpoint/2010/main" val="3098988554"/>
+        <p14:creationId xmlns:p14="http://schemas.microsoft.com/office/powerpoint/2010/main" val="1214626483"/>
       </p:ext>
     </p:extLst>
   </p:cSld>
   <p:clrMapOvr>
     <a:masterClrMapping/>
   </p:clrMapOvr>
-  <p:timing>
-    <p:tnLst>
-      <p:par>
-        <p:cTn id="1" dur="indefinite" restart="never" nodeType="tmRoot"/>
-      </p:par>
-    </p:tnLst>
-  </p:timing>
 </p:sld>
 </file>
 
@@ -23567,52 +28422,90 @@
           <a:lstStyle/>
           <a:p>
             <a:r>
+              <a:rPr lang="en-US" dirty="0" smtClean="0"/>
+              <a:t>Please also look at </a:t>
+            </a:r>
+            <a:r>
               <a:rPr lang="en-US" smtClean="0"/>
-              <a:t>You </a:t>
+              <a:t>the </a:t>
+            </a:r>
+            <a:r>
+              <a:rPr lang="en-US" smtClean="0"/>
+              <a:t>cheat sheet </a:t>
             </a:r>
             <a:r>
               <a:rPr lang="en-US" dirty="0" smtClean="0"/>
-              <a:t>can install and load packages, and access their vignettes and other documentation, on the </a:t>
-            </a:r>
-            <a:r>
-              <a:rPr lang="en-US" b="1" dirty="0" smtClean="0"/>
-              <a:t>Packages</a:t>
-            </a:r>
+              <a:t>and the keyboard shortcuts!</a:t>
+            </a:r>
+          </a:p>
+          <a:p>
             <a:r>
               <a:rPr lang="en-US" dirty="0" smtClean="0"/>
-              <a:t> tab</a:t>
+              <a:t>Four panes: </a:t>
             </a:r>
           </a:p>
           <a:p>
             <a:pPr lvl="1"/>
             <a:r>
               <a:rPr lang="en-US" dirty="0" smtClean="0"/>
-              <a:t>you can still also install and load them using the code commands</a:t>
+              <a:t>top left: Scripts and data views</a:t>
+            </a:r>
+          </a:p>
+          <a:p>
+            <a:pPr lvl="1"/>
+            <a:r>
+              <a:rPr lang="en-US" dirty="0" smtClean="0"/>
+              <a:t>bottom left: Console</a:t>
+            </a:r>
+          </a:p>
+          <a:p>
+            <a:pPr lvl="1"/>
+            <a:r>
+              <a:rPr lang="en-US" dirty="0" smtClean="0"/>
+              <a:t>top right: Environment </a:t>
+            </a:r>
+            <a:r>
+              <a:rPr lang="en-US" smtClean="0"/>
+              <a:t>and </a:t>
+            </a:r>
+            <a:r>
+              <a:rPr lang="en-US" smtClean="0"/>
+              <a:t>history, data import wizard (and git)</a:t>
+            </a:r>
+            <a:endParaRPr lang="en-US" dirty="0" smtClean="0"/>
+          </a:p>
+          <a:p>
+            <a:pPr lvl="1"/>
+            <a:r>
+              <a:rPr lang="en-US" dirty="0" smtClean="0"/>
+              <a:t>bottom right</a:t>
+            </a:r>
+            <a:r>
+              <a:rPr lang="en-US" smtClean="0"/>
+              <a:t>: plots, help, file viewer, package viewer</a:t>
+            </a:r>
+            <a:endParaRPr lang="en-US" dirty="0" smtClean="0"/>
+          </a:p>
+          <a:p>
+            <a:r>
+              <a:rPr lang="en-US" dirty="0" smtClean="0"/>
+              <a:t>Scripts:</a:t>
+            </a:r>
+          </a:p>
+          <a:p>
+            <a:pPr lvl="1"/>
+            <a:r>
+              <a:rPr lang="en-US" dirty="0" smtClean="0"/>
+              <a:t>this is where you should preferably write your code, then run/source it, and not directly to the console!</a:t>
+            </a:r>
+          </a:p>
+          <a:p>
+            <a:pPr lvl="1"/>
+            <a:r>
+              <a:rPr lang="en-US" dirty="0" smtClean="0"/>
+              <a:t>plenty of nice editing tricks in the Edit and Code menus</a:t>
             </a:r>
             <a:endParaRPr lang="en-US" dirty="0"/>
-          </a:p>
-          <a:p>
-            <a:pPr lvl="1"/>
-            <a:r>
-              <a:rPr lang="en-US" dirty="0" smtClean="0"/>
-              <a:t>in fact, you might want to put all the </a:t>
-            </a:r>
-            <a:r>
-              <a:rPr lang="en-US" i="1" dirty="0" smtClean="0"/>
-              <a:t>library(</a:t>
-            </a:r>
-            <a:r>
-              <a:rPr lang="en-US" i="1" dirty="0" err="1" smtClean="0"/>
-              <a:t>dplyr</a:t>
-            </a:r>
-            <a:r>
-              <a:rPr lang="en-US" i="1" dirty="0" smtClean="0"/>
-              <a:t>) </a:t>
-            </a:r>
-            <a:r>
-              <a:rPr lang="en-US" dirty="0" smtClean="0"/>
-              <a:t>etc. commands at the start of your script</a:t>
-            </a:r>
           </a:p>
         </p:txBody>
       </p:sp>
@@ -23636,7 +28529,7 @@
             </a:pPr>
             <a:r>
               <a:rPr lang="fi-FI" smtClean="0"/>
-              <a:t>2017-03-08</a:t>
+              <a:t>2018-02-06</a:t>
             </a:r>
             <a:endParaRPr lang="en-US"/>
           </a:p>
@@ -23674,7 +28567,7 @@
     </p:spTree>
     <p:extLst>
       <p:ext uri="{BB962C8B-B14F-4D97-AF65-F5344CB8AC3E}">
-        <p14:creationId xmlns:p14="http://schemas.microsoft.com/office/powerpoint/2010/main" val="3031207083"/>
+        <p14:creationId xmlns:p14="http://schemas.microsoft.com/office/powerpoint/2010/main" val="2433974728"/>
       </p:ext>
     </p:extLst>
   </p:cSld>
@@ -23725,7 +28618,7 @@
           <a:p>
             <a:r>
               <a:rPr lang="en-US" smtClean="0"/>
-              <a:t>Tibble and data.table</a:t>
+              <a:t>RStudio interface</a:t>
             </a:r>
             <a:endParaRPr lang="en-US"/>
           </a:p>
@@ -23747,144 +28640,52 @@
           <a:lstStyle/>
           <a:p>
             <a:r>
+              <a:rPr lang="en-US" smtClean="0"/>
+              <a:t>You </a:t>
+            </a:r>
+            <a:r>
+              <a:rPr lang="en-US" dirty="0" smtClean="0"/>
+              <a:t>can install and load packages, and access their vignettes and other documentation, on the </a:t>
+            </a:r>
+            <a:r>
+              <a:rPr lang="en-US" b="1" dirty="0" smtClean="0"/>
+              <a:t>Packages</a:t>
+            </a:r>
+            <a:r>
+              <a:rPr lang="en-US" dirty="0" smtClean="0"/>
+              <a:t> tab</a:t>
+            </a:r>
+          </a:p>
+          <a:p>
+            <a:pPr lvl="1"/>
+            <a:r>
+              <a:rPr lang="en-US" dirty="0" smtClean="0"/>
+              <a:t>you can still also install and load them using the code commands</a:t>
+            </a:r>
+            <a:endParaRPr lang="en-US" dirty="0"/>
+          </a:p>
+          <a:p>
+            <a:pPr lvl="1"/>
+            <a:r>
+              <a:rPr lang="en-US" dirty="0" smtClean="0"/>
+              <a:t>in fact, you might want to put all the </a:t>
+            </a:r>
+            <a:r>
+              <a:rPr lang="en-US" i="1" dirty="0" smtClean="0"/>
+              <a:t>library(</a:t>
+            </a:r>
+            <a:r>
               <a:rPr lang="en-US" i="1" dirty="0" err="1" smtClean="0"/>
-              <a:t>tibble</a:t>
+              <a:t>dplyr</a:t>
+            </a:r>
+            <a:r>
+              <a:rPr lang="en-US" i="1" dirty="0" smtClean="0"/>
+              <a:t>) </a:t>
             </a:r>
             <a:r>
               <a:rPr lang="en-US" dirty="0" smtClean="0"/>
-              <a:t> and </a:t>
-            </a:r>
-            <a:r>
-              <a:rPr lang="en-US" i="1" dirty="0" err="1" smtClean="0"/>
-              <a:t>data.table</a:t>
-            </a:r>
-            <a:r>
-              <a:rPr lang="en-US" dirty="0" smtClean="0"/>
-              <a:t> are enhanced versions of the base R </a:t>
-            </a:r>
-            <a:r>
-              <a:rPr lang="en-US" i="1" dirty="0" err="1" smtClean="0"/>
-              <a:t>data.frame</a:t>
-            </a:r>
-            <a:r>
-              <a:rPr lang="en-US" dirty="0" smtClean="0"/>
-              <a:t>, implemented in packages with the same names</a:t>
-            </a:r>
-          </a:p>
-          <a:p>
-            <a:pPr lvl="1"/>
-            <a:r>
-              <a:rPr lang="en-US" i="1" dirty="0" err="1" smtClean="0"/>
-              <a:t>tibble</a:t>
-            </a:r>
-            <a:r>
-              <a:rPr lang="en-US" dirty="0" smtClean="0"/>
-              <a:t> is included in the</a:t>
-            </a:r>
-            <a:r>
-              <a:rPr lang="en-US" i="1" dirty="0" smtClean="0"/>
-              <a:t> </a:t>
-            </a:r>
-            <a:r>
-              <a:rPr lang="en-US" i="1" dirty="0" err="1" smtClean="0"/>
-              <a:t>tidyverse</a:t>
-            </a:r>
-            <a:r>
-              <a:rPr lang="en-US" i="1" dirty="0" smtClean="0"/>
-              <a:t> </a:t>
-            </a:r>
-            <a:r>
-              <a:rPr lang="en-US" dirty="0" smtClean="0"/>
-              <a:t>collection, </a:t>
-            </a:r>
-            <a:r>
-              <a:rPr lang="en-US" i="1" dirty="0" err="1" smtClean="0"/>
-              <a:t>data.table</a:t>
-            </a:r>
-            <a:r>
-              <a:rPr lang="en-US" dirty="0" smtClean="0"/>
-              <a:t> you would need to install yourself - or possibly </a:t>
-            </a:r>
-            <a:r>
-              <a:rPr lang="en-US" dirty="0" err="1" smtClean="0"/>
-              <a:t>RStudio</a:t>
-            </a:r>
-            <a:r>
-              <a:rPr lang="en-US" dirty="0" smtClean="0"/>
-              <a:t> will automatically install it for you when needed</a:t>
-            </a:r>
-          </a:p>
-          <a:p>
-            <a:r>
-              <a:rPr lang="en-US" dirty="0" smtClean="0"/>
-              <a:t>(At the time of writing this) </a:t>
-            </a:r>
-            <a:r>
-              <a:rPr lang="en-US" dirty="0" err="1" smtClean="0"/>
-              <a:t>RStudio's</a:t>
-            </a:r>
-            <a:r>
-              <a:rPr lang="en-US" dirty="0" smtClean="0"/>
-              <a:t> data import wizard will produce (at least) </a:t>
-            </a:r>
-            <a:r>
-              <a:rPr lang="en-US" dirty="0" err="1" smtClean="0"/>
-              <a:t>tibbles</a:t>
-            </a:r>
-            <a:endParaRPr lang="en-US" dirty="0" smtClean="0"/>
-          </a:p>
-          <a:p>
-            <a:r>
-              <a:rPr lang="en-US" dirty="0" smtClean="0"/>
-              <a:t>Both work just like a data frame, but better</a:t>
-            </a:r>
-          </a:p>
-          <a:p>
-            <a:pPr lvl="1"/>
-            <a:r>
-              <a:rPr lang="en-US" dirty="0" smtClean="0"/>
-              <a:t>except when they don't</a:t>
-            </a:r>
-          </a:p>
-          <a:p>
-            <a:pPr lvl="1"/>
-            <a:r>
-              <a:rPr lang="en-US" dirty="0" smtClean="0"/>
-              <a:t>both actually </a:t>
-            </a:r>
-            <a:r>
-              <a:rPr lang="en-US" b="1" dirty="0" smtClean="0"/>
-              <a:t>are</a:t>
-            </a:r>
-            <a:r>
-              <a:rPr lang="en-US" dirty="0" smtClean="0"/>
-              <a:t> </a:t>
-            </a:r>
-            <a:r>
-              <a:rPr lang="en-US" dirty="0" err="1" smtClean="0"/>
-              <a:t>data.frames</a:t>
-            </a:r>
-            <a:r>
-              <a:rPr lang="en-US" dirty="0" smtClean="0"/>
-              <a:t>, in a sense: </a:t>
-            </a:r>
-            <a:r>
-              <a:rPr lang="en-US" i="1" dirty="0" err="1" smtClean="0"/>
-              <a:t>is.data.frame</a:t>
-            </a:r>
-            <a:r>
-              <a:rPr lang="en-US" i="1" dirty="0" smtClean="0"/>
-              <a:t>()</a:t>
-            </a:r>
-            <a:r>
-              <a:rPr lang="en-US" dirty="0" smtClean="0"/>
-              <a:t> will return </a:t>
-            </a:r>
-            <a:r>
-              <a:rPr lang="en-US" i="1" dirty="0" smtClean="0"/>
-              <a:t>TRUE</a:t>
-            </a:r>
-            <a:endParaRPr lang="en-US" i="1" dirty="0"/>
+              <a:t>etc. commands at the start of your script</a:t>
+            </a:r>
           </a:p>
         </p:txBody>
       </p:sp>
@@ -23908,7 +28709,7 @@
             </a:pPr>
             <a:r>
               <a:rPr lang="fi-FI" smtClean="0"/>
-              <a:t>2017-03-08</a:t>
+              <a:t>2018-02-06</a:t>
             </a:r>
             <a:endParaRPr lang="en-US"/>
           </a:p>
@@ -23946,7 +28747,7 @@
     </p:spTree>
     <p:extLst>
       <p:ext uri="{BB962C8B-B14F-4D97-AF65-F5344CB8AC3E}">
-        <p14:creationId xmlns:p14="http://schemas.microsoft.com/office/powerpoint/2010/main" val="3318352732"/>
+        <p14:creationId xmlns:p14="http://schemas.microsoft.com/office/powerpoint/2010/main" val="3031207083"/>
       </p:ext>
     </p:extLst>
   </p:cSld>
@@ -23997,7 +28798,11 @@
           <a:p>
             <a:r>
               <a:rPr lang="en-US" smtClean="0"/>
-              <a:t>Data import wizard</a:t>
+              <a:t>RStudio </a:t>
+            </a:r>
+            <a:r>
+              <a:rPr lang="en-US" smtClean="0"/>
+              <a:t>projects</a:t>
             </a:r>
             <a:endParaRPr lang="en-US"/>
           </a:p>
@@ -24019,58 +28824,89 @@
           <a:lstStyle/>
           <a:p>
             <a:r>
+              <a:rPr lang="en-US" b="1" dirty="0"/>
+              <a:t>Projects</a:t>
+            </a:r>
+            <a:r>
+              <a:rPr lang="en-US" dirty="0"/>
+              <a:t> will keep you organized when you need to switch from one context </a:t>
+            </a:r>
+            <a:r>
+              <a:rPr lang="en-US"/>
+              <a:t>to </a:t>
+            </a:r>
+            <a:r>
               <a:rPr lang="en-US" smtClean="0"/>
-              <a:t>The wizard opens a dialogue where you can easily browse for the file, or paste the URL, of the CSV you want to import</a:t>
+              <a:t>another. See the R4ds chapter.</a:t>
+            </a:r>
+            <a:endParaRPr lang="en-US" smtClean="0"/>
+          </a:p>
+          <a:p>
+            <a:r>
+              <a:rPr lang="en-US" smtClean="0"/>
+              <a:t>A project corresponds to a folder (also the working directory)</a:t>
             </a:r>
           </a:p>
           <a:p>
             <a:pPr lvl="1"/>
             <a:r>
               <a:rPr lang="en-US" smtClean="0"/>
-              <a:t>Instead of CSV you can (maybe?) also import some proprietary file formats</a:t>
-            </a:r>
-          </a:p>
-          <a:p>
+              <a:t>and/or a version control repository, an R package in development etc</a:t>
+            </a:r>
+          </a:p>
+          <a:p>
+            <a:pPr lvl="1"/>
             <a:r>
               <a:rPr lang="en-US" smtClean="0"/>
-              <a:t>You can make several choices on the wizard, about delimiters, encoding, etc.</a:t>
-            </a:r>
+              <a:t>when you create a new project, you choose either a new or existing folder, where the .Rproj file then be created</a:t>
+            </a:r>
+            <a:endParaRPr lang="en-US" dirty="0"/>
+          </a:p>
+          <a:p>
+            <a:r>
+              <a:rPr lang="en-US" smtClean="0"/>
+              <a:t>When </a:t>
+            </a:r>
+            <a:r>
+              <a:rPr lang="en-US"/>
+              <a:t>you </a:t>
+            </a:r>
+            <a:r>
+              <a:rPr lang="en-US" smtClean="0"/>
+              <a:t>close a </a:t>
+            </a:r>
+            <a:r>
+              <a:rPr lang="en-US" dirty="0"/>
+              <a:t>project</a:t>
+            </a:r>
+            <a:r>
+              <a:rPr lang="en-US"/>
+              <a:t>, </a:t>
+            </a:r>
+            <a:r>
+              <a:rPr lang="en-US" smtClean="0"/>
+              <a:t>the currently open script tabs etc. will be saved, and restored when the project is reopened</a:t>
+            </a:r>
+            <a:endParaRPr lang="en-US" dirty="0" smtClean="0"/>
           </a:p>
           <a:p>
             <a:pPr lvl="1"/>
             <a:r>
+              <a:rPr lang="en-US" dirty="0" smtClean="0"/>
+              <a:t>... but not loaded packages, since the R session is restarted </a:t>
+            </a:r>
+            <a:r>
               <a:rPr lang="en-US" smtClean="0"/>
-              <a:t>choices match to the arguments of </a:t>
-            </a:r>
-            <a:r>
-              <a:rPr lang="en-US" i="1" smtClean="0"/>
-              <a:t>readr::read_csv</a:t>
-            </a:r>
+              <a:t>every time</a:t>
+            </a:r>
+          </a:p>
+          <a:p>
+            <a:pPr lvl="1"/>
             <a:r>
               <a:rPr lang="en-US" smtClean="0"/>
-              <a:t> function</a:t>
-            </a:r>
-          </a:p>
-          <a:p>
-            <a:pPr lvl="1"/>
-            <a:r>
-              <a:rPr lang="en-US" smtClean="0"/>
-              <a:t>things like row names will be a problem </a:t>
-            </a:r>
-          </a:p>
-          <a:p>
-            <a:r>
-              <a:rPr lang="en-US" smtClean="0"/>
-              <a:t>the wizard creates a piece of code that will actually do the importing</a:t>
-            </a:r>
-          </a:p>
-          <a:p>
-            <a:pPr lvl="1"/>
-            <a:r>
-              <a:rPr lang="en-US" smtClean="0"/>
-              <a:t>you might want to save, edit and rerun it in your script</a:t>
-            </a:r>
-            <a:endParaRPr lang="en-US"/>
+              <a:t>the environment and history are saved to and loaded from the .RData and .Rhistory files just like when using only "base" R</a:t>
+            </a:r>
+            <a:endParaRPr lang="en-US" dirty="0"/>
           </a:p>
         </p:txBody>
       </p:sp>
@@ -24094,7 +28930,7 @@
             </a:pPr>
             <a:r>
               <a:rPr lang="fi-FI" smtClean="0"/>
-              <a:t>2017-03-08</a:t>
+              <a:t>2018-02-06</a:t>
             </a:r>
             <a:endParaRPr lang="en-US"/>
           </a:p>
@@ -24132,7 +28968,7 @@
     </p:spTree>
     <p:extLst>
       <p:ext uri="{BB962C8B-B14F-4D97-AF65-F5344CB8AC3E}">
-        <p14:creationId xmlns:p14="http://schemas.microsoft.com/office/powerpoint/2010/main" val="1902030502"/>
+        <p14:creationId xmlns:p14="http://schemas.microsoft.com/office/powerpoint/2010/main" val="3098988554"/>
       </p:ext>
     </p:extLst>
   </p:cSld>
@@ -24183,7 +29019,7 @@
           <a:p>
             <a:r>
               <a:rPr lang="en-US" smtClean="0"/>
-              <a:t>ggplot2</a:t>
+              <a:t>Data import wizard</a:t>
             </a:r>
             <a:endParaRPr lang="en-US"/>
           </a:p>
@@ -24206,84 +29042,57 @@
           <a:p>
             <a:r>
               <a:rPr lang="en-US" smtClean="0"/>
-              <a:t>"It's </a:t>
-            </a:r>
-            <a:r>
-              <a:rPr lang="en-US"/>
-              <a:t>hard to succintly describe how ggplot2 works because it embodies a deep philosophy of visualisation</a:t>
-            </a:r>
+              <a:t>The wizard opens a dialogue where you can easily browse for the file, or paste the URL, of the CSV you want to import</a:t>
+            </a:r>
+          </a:p>
+          <a:p>
+            <a:pPr lvl="1"/>
             <a:r>
               <a:rPr lang="en-US" smtClean="0"/>
-              <a:t>."</a:t>
+              <a:t>Instead of CSV you can (maybe?) also import some proprietary file formats</a:t>
             </a:r>
           </a:p>
           <a:p>
             <a:r>
               <a:rPr lang="en-US" smtClean="0"/>
-              <a:t>But here's a simple example:</a:t>
-            </a:r>
-          </a:p>
-          <a:p>
-            <a:pPr marL="349200" lvl="1" indent="0">
-              <a:buNone/>
-            </a:pPr>
+              <a:t>You can make several choices on the wizard, about delimiters, encoding, etc.</a:t>
+            </a:r>
+          </a:p>
+          <a:p>
+            <a:pPr lvl="1"/>
             <a:r>
               <a:rPr lang="en-US" smtClean="0"/>
-              <a:t>ggplot(iris)+</a:t>
-            </a:r>
-          </a:p>
-          <a:p>
-            <a:pPr marL="349200" lvl="1" indent="0">
-              <a:buNone/>
-            </a:pPr>
+              <a:t>choices match to the arguments of </a:t>
+            </a:r>
+            <a:r>
+              <a:rPr lang="en-US" i="1" smtClean="0"/>
+              <a:t>readr::read_csv</a:t>
+            </a:r>
             <a:r>
               <a:rPr lang="en-US" smtClean="0"/>
-              <a:t>geom_point(aes(x=Sepal.Width</a:t>
-            </a:r>
+              <a:t> function</a:t>
+            </a:r>
+          </a:p>
+          <a:p>
+            <a:pPr lvl="1"/>
             <a:r>
               <a:rPr lang="en-US" smtClean="0"/>
-              <a:t>, y=Sepal.Length, col=Species))</a:t>
+              <a:t>things like row names will be a problem </a:t>
+            </a:r>
+          </a:p>
+          <a:p>
+            <a:r>
+              <a:rPr lang="en-US" smtClean="0"/>
+              <a:t>the wizard creates a piece of code that will actually do the importing</a:t>
+            </a:r>
+          </a:p>
+          <a:p>
+            <a:pPr lvl="1"/>
+            <a:r>
+              <a:rPr lang="en-US" smtClean="0"/>
+              <a:t>you might want to save, edit and rerun it in your script</a:t>
             </a:r>
             <a:endParaRPr lang="en-US"/>
-          </a:p>
-          <a:p>
-            <a:r>
-              <a:rPr lang="en-US" smtClean="0"/>
-              <a:t>Think of that as saying: "Hey ggplot, I want to make a graph out of the iris data </a:t>
-            </a:r>
-            <a:r>
-              <a:rPr lang="en-US"/>
-              <a:t>set. And I want there to be </a:t>
-            </a:r>
-            <a:r>
-              <a:rPr lang="en-US" smtClean="0"/>
-              <a:t>points, </a:t>
-            </a:r>
-            <a:r>
-              <a:rPr lang="en-US"/>
-              <a:t>so </a:t>
-            </a:r>
-            <a:r>
-              <a:rPr lang="en-US" smtClean="0"/>
-              <a:t>that Sepal.Width maps to their x coord., Sepal.Length to y coord., and Species to their color."</a:t>
-            </a:r>
-          </a:p>
-          <a:p>
-            <a:r>
-              <a:rPr lang="en-US"/>
-              <a:t>Please </a:t>
-            </a:r>
-            <a:r>
-              <a:rPr lang="en-US" smtClean="0"/>
-              <a:t>read </a:t>
-            </a:r>
-            <a:r>
-              <a:rPr lang="en-US">
-                <a:hlinkClick r:id="rId2" tooltip="http://r4ds.had.co.nz/data-visualisation.html"/>
-              </a:rPr>
-              <a:t>http://r4ds.had.co.nz/data-visualisation.html</a:t>
-            </a:r>
-            <a:endParaRPr lang="en-US" smtClean="0"/>
           </a:p>
         </p:txBody>
       </p:sp>
@@ -24307,7 +29116,7 @@
             </a:pPr>
             <a:r>
               <a:rPr lang="fi-FI" smtClean="0"/>
-              <a:t>2017-03-08</a:t>
+              <a:t>2018-02-06</a:t>
             </a:r>
             <a:endParaRPr lang="en-US"/>
           </a:p>
@@ -24345,7 +29154,7 @@
     </p:spTree>
     <p:extLst>
       <p:ext uri="{BB962C8B-B14F-4D97-AF65-F5344CB8AC3E}">
-        <p14:creationId xmlns:p14="http://schemas.microsoft.com/office/powerpoint/2010/main" val="2176735659"/>
+        <p14:creationId xmlns:p14="http://schemas.microsoft.com/office/powerpoint/2010/main" val="1902030502"/>
       </p:ext>
     </p:extLst>
   </p:cSld>
@@ -24381,12 +29190,12 @@
       </p:grpSpPr>
       <p:sp>
         <p:nvSpPr>
-          <p:cNvPr id="2" name="Title 1"/>
+          <p:cNvPr id="10" name="Title 9"/>
           <p:cNvSpPr>
             <a:spLocks noGrp="1"/>
           </p:cNvSpPr>
           <p:nvPr>
-            <p:ph type="title"/>
+            <p:ph type="ctrTitle"/>
           </p:nvPr>
         </p:nvSpPr>
         <p:spPr/>
@@ -24395,113 +29204,10 @@
           <a:lstStyle/>
           <a:p>
             <a:r>
-              <a:rPr lang="en-US"/>
-              <a:t>f</a:t>
-            </a:r>
-            <a:r>
               <a:rPr lang="en-US" smtClean="0"/>
-              <a:t>ilter, arrange, select</a:t>
+              <a:t>Visualisation</a:t>
             </a:r>
             <a:endParaRPr lang="en-US"/>
-          </a:p>
-        </p:txBody>
-      </p:sp>
-      <p:sp>
-        <p:nvSpPr>
-          <p:cNvPr id="3" name="Content Placeholder 2"/>
-          <p:cNvSpPr>
-            <a:spLocks noGrp="1"/>
-          </p:cNvSpPr>
-          <p:nvPr>
-            <p:ph idx="1"/>
-          </p:nvPr>
-        </p:nvSpPr>
-        <p:spPr/>
-        <p:txBody>
-          <a:bodyPr/>
-          <a:lstStyle/>
-          <a:p>
-            <a:r>
-              <a:rPr lang="en-US" smtClean="0"/>
-              <a:t>Please read </a:t>
-            </a:r>
-            <a:r>
-              <a:rPr lang="en-US" smtClean="0">
-                <a:hlinkClick r:id="rId2"/>
-              </a:rPr>
-              <a:t>http://r4ds.had.co.nz/transform.html</a:t>
-            </a:r>
-            <a:r>
-              <a:rPr lang="en-US" smtClean="0"/>
-              <a:t> and the Data Wrangling cheat sheet</a:t>
-            </a:r>
-            <a:endParaRPr lang="en-US" dirty="0" smtClean="0"/>
-          </a:p>
-          <a:p>
-            <a:r>
-              <a:rPr lang="en-US" i="1" dirty="0" smtClean="0"/>
-              <a:t>filter</a:t>
-            </a:r>
-            <a:r>
-              <a:rPr lang="en-US" dirty="0" smtClean="0"/>
-              <a:t> is the function in </a:t>
-            </a:r>
-            <a:r>
-              <a:rPr lang="en-US" i="1" dirty="0" err="1" smtClean="0"/>
-              <a:t>dplyr</a:t>
-            </a:r>
-            <a:r>
-              <a:rPr lang="en-US" dirty="0" smtClean="0"/>
-              <a:t> that works like subset in base R</a:t>
-            </a:r>
-          </a:p>
-          <a:p>
-            <a:pPr lvl="1"/>
-            <a:r>
-              <a:rPr lang="en-US" dirty="0" smtClean="0"/>
-              <a:t>note the ready made functions for random sampling, and extracting unique rows</a:t>
-            </a:r>
-          </a:p>
-          <a:p>
-            <a:r>
-              <a:rPr lang="en-US" i="1"/>
-              <a:t>arrange</a:t>
-            </a:r>
-            <a:r>
-              <a:rPr lang="en-US"/>
-              <a:t> is the function for arranging rows according to values of a </a:t>
-            </a:r>
-            <a:r>
-              <a:rPr lang="en-US" smtClean="0"/>
-              <a:t>column</a:t>
-            </a:r>
-            <a:endParaRPr lang="en-US" i="1" smtClean="0"/>
-          </a:p>
-          <a:p>
-            <a:r>
-              <a:rPr lang="en-US" i="1" smtClean="0"/>
-              <a:t>select</a:t>
-            </a:r>
-            <a:r>
-              <a:rPr lang="en-US" smtClean="0"/>
-              <a:t> </a:t>
-            </a:r>
-            <a:r>
-              <a:rPr lang="en-US" dirty="0" smtClean="0"/>
-              <a:t>is the function for selecting columns</a:t>
-            </a:r>
-          </a:p>
-          <a:p>
-            <a:pPr lvl="1"/>
-            <a:r>
-              <a:rPr lang="en-US" dirty="0" smtClean="0"/>
-              <a:t>note the </a:t>
-            </a:r>
-            <a:r>
-              <a:rPr lang="en-US" smtClean="0"/>
-              <a:t>helper functions</a:t>
-            </a:r>
-            <a:endParaRPr lang="en-US" dirty="0" smtClean="0"/>
           </a:p>
         </p:txBody>
       </p:sp>
@@ -24512,10 +29218,15 @@
             <a:spLocks noGrp="1"/>
           </p:cNvSpPr>
           <p:nvPr>
-            <p:ph type="dt" sz="half" idx="10"/>
+            <p:ph type="dt" sz="half" idx="4294967295"/>
           </p:nvPr>
         </p:nvSpPr>
-        <p:spPr/>
+        <p:spPr>
+          <a:xfrm>
+            <a:off x="0" y="6378575"/>
+            <a:ext cx="1300163" cy="315913"/>
+          </a:xfrm>
+        </p:spPr>
         <p:txBody>
           <a:bodyPr/>
           <a:lstStyle/>
@@ -24525,7 +29236,7 @@
             </a:pPr>
             <a:r>
               <a:rPr lang="fi-FI" smtClean="0"/>
-              <a:t>2017-03-08</a:t>
+              <a:t>2018-02-06</a:t>
             </a:r>
             <a:endParaRPr lang="en-US"/>
           </a:p>
@@ -24538,10 +29249,15 @@
             <a:spLocks noGrp="1"/>
           </p:cNvSpPr>
           <p:nvPr>
-            <p:ph type="sldNum" sz="quarter" idx="12"/>
+            <p:ph type="sldNum" sz="quarter" idx="4294967295"/>
           </p:nvPr>
         </p:nvSpPr>
-        <p:spPr/>
+        <p:spPr>
+          <a:xfrm>
+            <a:off x="0" y="6378575"/>
+            <a:ext cx="862013" cy="315913"/>
+          </a:xfrm>
+        </p:spPr>
         <p:txBody>
           <a:bodyPr/>
           <a:lstStyle/>
@@ -24563,20 +29279,13 @@
     </p:spTree>
     <p:extLst>
       <p:ext uri="{BB962C8B-B14F-4D97-AF65-F5344CB8AC3E}">
-        <p14:creationId xmlns:p14="http://schemas.microsoft.com/office/powerpoint/2010/main" val="581569891"/>
+        <p14:creationId xmlns:p14="http://schemas.microsoft.com/office/powerpoint/2010/main" val="275554055"/>
       </p:ext>
     </p:extLst>
   </p:cSld>
   <p:clrMapOvr>
     <a:masterClrMapping/>
   </p:clrMapOvr>
-  <p:timing>
-    <p:tnLst>
-      <p:par>
-        <p:cTn id="1" dur="indefinite" restart="never" nodeType="tmRoot"/>
-      </p:par>
-    </p:tnLst>
-  </p:timing>
 </p:sld>
 </file>
 
@@ -25507,61 +30216,6 @@
 </file>
 
 <file path=customXml/item1.xml><?xml version="1.0" encoding="utf-8"?>
-<?mso-contentType ?>
-<FormTemplates xmlns="http://schemas.microsoft.com/sharepoint/v3/contenttype/forms">
-  <Display>DocumentLibraryForm</Display>
-  <Edit>DocumentLibraryForm</Edit>
-  <New>DocumentLibraryForm</New>
-</FormTemplates>
-</file>
-
-<file path=customXml/item2.xml><?xml version="1.0" encoding="utf-8"?>
-<p:properties xmlns:p="http://schemas.microsoft.com/office/2006/metadata/properties" xmlns:xsi="http://www.w3.org/2001/XMLSchema-instance" xmlns:pc="http://schemas.microsoft.com/office/infopath/2007/PartnerControls">
-  <documentManagement>
-    <PublishingRollupImage xmlns="http://schemas.microsoft.com/sharepoint/v3" xsi:nil="true"/>
-    <CSC_x0020_Language xmlns="b542780c-f3c1-48de-9090-e65480539529">
-      <Value>English</Value>
-    </CSC_x0020_Language>
-    <Translation xmlns="b542780c-f3c1-48de-9090-e65480539529">
-      <Url xsi:nil="true"/>
-      <Description xsi:nil="true"/>
-    </Translation>
-    <PublishingContactEmail xmlns="http://schemas.microsoft.com/sharepoint/v3" xsi:nil="true"/>
-    <PublishingPageContent xmlns="http://schemas.microsoft.com/sharepoint/v3" xsi:nil="true"/>
-    <PublishingVariationRelationshipLinkFieldID xmlns="http://schemas.microsoft.com/sharepoint/v3">
-      <Url xsi:nil="true"/>
-      <Description xsi:nil="true"/>
-    </PublishingVariationRelationshipLinkFieldID>
-    <CSC_x0020_Category xmlns="b542780c-f3c1-48de-9090-e65480539529">Templates</CSC_x0020_Category>
-    <SeoKeywords xmlns="http://schemas.microsoft.com/sharepoint/v3" xsi:nil="true"/>
-    <PublishingVariationGroupID xmlns="http://schemas.microsoft.com/sharepoint/v3" xsi:nil="true"/>
-    <PublishingIsFurlPage xmlns="http://schemas.microsoft.com/sharepoint/v3">false</PublishingIsFurlPage>
-    <Audience xmlns="http://schemas.microsoft.com/sharepoint/v3" xsi:nil="true"/>
-    <CSC_x0020_Group xmlns="b542780c-f3c1-48de-9090-e65480539529">MARCOM</CSC_x0020_Group>
-    <SeoBrowserTitle xmlns="http://schemas.microsoft.com/sharepoint/v3" xsi:nil="true"/>
-    <PublishingExpirationDate xmlns="http://schemas.microsoft.com/sharepoint/v3" xsi:nil="true"/>
-    <PublishingContactPicture xmlns="http://schemas.microsoft.com/sharepoint/v3">
-      <Url xsi:nil="true"/>
-      <Description xsi:nil="true"/>
-    </PublishingContactPicture>
-    <SeoRobotsNoIndex xmlns="http://schemas.microsoft.com/sharepoint/v3" xsi:nil="true"/>
-    <PublishingStartDate xmlns="http://schemas.microsoft.com/sharepoint/v3" xsi:nil="true"/>
-    <SeoMetaDescription xmlns="http://schemas.microsoft.com/sharepoint/v3" xsi:nil="true"/>
-    <PublishingContact xmlns="http://schemas.microsoft.com/sharepoint/v3">
-      <UserInfo>
-        <DisplayName/>
-        <AccountId xsi:nil="true"/>
-        <AccountType/>
-      </UserInfo>
-    </PublishingContact>
-    <PublishingContactName xmlns="http://schemas.microsoft.com/sharepoint/v3" xsi:nil="true"/>
-    <Comments xmlns="http://schemas.microsoft.com/sharepoint/v3">CSC's official PowerPoint-template
-Version 04.11.2016/Marketing and Communications</Comments>
-  </documentManagement>
-</p:properties>
-</file>
-
-<file path=customXml/item3.xml><?xml version="1.0" encoding="utf-8"?>
 <ct:contentTypeSchema xmlns:ct="http://schemas.microsoft.com/office/2006/metadata/contentType" xmlns:ma="http://schemas.microsoft.com/office/2006/metadata/properties/metaAttributes" ct:_="" ma:_="" ma:contentTypeName="Guidelines Article" ma:contentTypeID="0x010100C568DB52D9D0A14D9B2FDCC96666E9F2007948130EC3DB064584E219954237AF39005865AF1693B9994CA07D29D3EBFFF69500D5CFB1A256BDC0439FEF5B0324F021D6" ma:contentTypeVersion="30" ma:contentTypeDescription="" ma:contentTypeScope="" ma:versionID="4cb75ce876bc9bb0bf3ca65d73c8002f">
   <xsd:schema xmlns:xsd="http://www.w3.org/2001/XMLSchema" xmlns:xs="http://www.w3.org/2001/XMLSchema" xmlns:p="http://schemas.microsoft.com/office/2006/metadata/properties" xmlns:ns1="http://schemas.microsoft.com/sharepoint/v3" xmlns:ns3="b542780c-f3c1-48de-9090-e65480539529" targetNamespace="http://schemas.microsoft.com/office/2006/metadata/properties" ma:root="true" ma:fieldsID="179bbc1ef3caf76c6e1127b99eabb6f9" ns1:_="" ns3:_="">
     <xsd:import namespace="http://schemas.microsoft.com/sharepoint/v3"/>
@@ -25938,32 +30592,62 @@
 </ct:contentTypeSchema>
 </file>
 
-<file path=customXml/itemProps1.xml><?xml version="1.0" encoding="utf-8"?>
-<ds:datastoreItem xmlns:ds="http://schemas.openxmlformats.org/officeDocument/2006/customXml" ds:itemID="{D4C4CBFC-2EF1-4092-8F2F-5A5B86A85C2F}">
-  <ds:schemaRefs>
-    <ds:schemaRef ds:uri="http://schemas.microsoft.com/sharepoint/v3/contenttype/forms"/>
-  </ds:schemaRefs>
-</ds:datastoreItem>
+<file path=customXml/item2.xml><?xml version="1.0" encoding="utf-8"?>
+<?mso-contentType ?>
+<FormTemplates xmlns="http://schemas.microsoft.com/sharepoint/v3/contenttype/forms">
+  <Display>DocumentLibraryForm</Display>
+  <Edit>DocumentLibraryForm</Edit>
+  <New>DocumentLibraryForm</New>
+</FormTemplates>
 </file>
 
-<file path=customXml/itemProps2.xml><?xml version="1.0" encoding="utf-8"?>
-<ds:datastoreItem xmlns:ds="http://schemas.openxmlformats.org/officeDocument/2006/customXml" ds:itemID="{47279921-A1B4-472D-B7BD-F638B6892104}">
-  <ds:schemaRefs>
-    <ds:schemaRef ds:uri="b542780c-f3c1-48de-9090-e65480539529"/>
-    <ds:schemaRef ds:uri="http://www.w3.org/XML/1998/namespace"/>
-    <ds:schemaRef ds:uri="http://schemas.microsoft.com/office/2006/documentManagement/types"/>
-    <ds:schemaRef ds:uri="http://purl.org/dc/terms/"/>
-    <ds:schemaRef ds:uri="http://purl.org/dc/elements/1.1/"/>
-    <ds:schemaRef ds:uri="http://schemas.openxmlformats.org/package/2006/metadata/core-properties"/>
-    <ds:schemaRef ds:uri="http://schemas.microsoft.com/office/infopath/2007/PartnerControls"/>
-    <ds:schemaRef ds:uri="http://schemas.microsoft.com/sharepoint/v3"/>
-    <ds:schemaRef ds:uri="http://schemas.microsoft.com/office/2006/metadata/properties"/>
-    <ds:schemaRef ds:uri="http://purl.org/dc/dcmitype/"/>
-  </ds:schemaRefs>
-</ds:datastoreItem>
+<file path=customXml/item3.xml><?xml version="1.0" encoding="utf-8"?>
+<p:properties xmlns:p="http://schemas.microsoft.com/office/2006/metadata/properties" xmlns:xsi="http://www.w3.org/2001/XMLSchema-instance" xmlns:pc="http://schemas.microsoft.com/office/infopath/2007/PartnerControls">
+  <documentManagement>
+    <PublishingRollupImage xmlns="http://schemas.microsoft.com/sharepoint/v3" xsi:nil="true"/>
+    <CSC_x0020_Language xmlns="b542780c-f3c1-48de-9090-e65480539529">
+      <Value>English</Value>
+    </CSC_x0020_Language>
+    <Translation xmlns="b542780c-f3c1-48de-9090-e65480539529">
+      <Url xsi:nil="true"/>
+      <Description xsi:nil="true"/>
+    </Translation>
+    <PublishingContactEmail xmlns="http://schemas.microsoft.com/sharepoint/v3" xsi:nil="true"/>
+    <PublishingPageContent xmlns="http://schemas.microsoft.com/sharepoint/v3" xsi:nil="true"/>
+    <PublishingVariationRelationshipLinkFieldID xmlns="http://schemas.microsoft.com/sharepoint/v3">
+      <Url xsi:nil="true"/>
+      <Description xsi:nil="true"/>
+    </PublishingVariationRelationshipLinkFieldID>
+    <CSC_x0020_Category xmlns="b542780c-f3c1-48de-9090-e65480539529">Templates</CSC_x0020_Category>
+    <SeoKeywords xmlns="http://schemas.microsoft.com/sharepoint/v3" xsi:nil="true"/>
+    <PublishingVariationGroupID xmlns="http://schemas.microsoft.com/sharepoint/v3" xsi:nil="true"/>
+    <PublishingIsFurlPage xmlns="http://schemas.microsoft.com/sharepoint/v3">false</PublishingIsFurlPage>
+    <Audience xmlns="http://schemas.microsoft.com/sharepoint/v3" xsi:nil="true"/>
+    <CSC_x0020_Group xmlns="b542780c-f3c1-48de-9090-e65480539529">MARCOM</CSC_x0020_Group>
+    <SeoBrowserTitle xmlns="http://schemas.microsoft.com/sharepoint/v3" xsi:nil="true"/>
+    <PublishingExpirationDate xmlns="http://schemas.microsoft.com/sharepoint/v3" xsi:nil="true"/>
+    <PublishingContactPicture xmlns="http://schemas.microsoft.com/sharepoint/v3">
+      <Url xsi:nil="true"/>
+      <Description xsi:nil="true"/>
+    </PublishingContactPicture>
+    <SeoRobotsNoIndex xmlns="http://schemas.microsoft.com/sharepoint/v3" xsi:nil="true"/>
+    <PublishingStartDate xmlns="http://schemas.microsoft.com/sharepoint/v3" xsi:nil="true"/>
+    <SeoMetaDescription xmlns="http://schemas.microsoft.com/sharepoint/v3" xsi:nil="true"/>
+    <PublishingContact xmlns="http://schemas.microsoft.com/sharepoint/v3">
+      <UserInfo>
+        <DisplayName/>
+        <AccountId xsi:nil="true"/>
+        <AccountType/>
+      </UserInfo>
+    </PublishingContact>
+    <PublishingContactName xmlns="http://schemas.microsoft.com/sharepoint/v3" xsi:nil="true"/>
+    <Comments xmlns="http://schemas.microsoft.com/sharepoint/v3">CSC's official PowerPoint-template
+Version 04.11.2016/Marketing and Communications</Comments>
+  </documentManagement>
+</p:properties>
 </file>
 
-<file path=customXml/itemProps3.xml><?xml version="1.0" encoding="utf-8"?>
+<file path=customXml/itemProps1.xml><?xml version="1.0" encoding="utf-8"?>
 <ds:datastoreItem xmlns:ds="http://schemas.openxmlformats.org/officeDocument/2006/customXml" ds:itemID="{652D4B87-A129-49B6-A00B-E280DAE4F0D2}">
   <ds:schemaRefs>
     <ds:schemaRef ds:uri="http://schemas.microsoft.com/office/2006/metadata/contentType"/>
@@ -25980,4 +30664,29 @@
     <ds:schemaRef ds:uri="http://schemas.microsoft.com/internal/obd"/>
   </ds:schemaRefs>
 </ds:datastoreItem>
+</file>
+
+<file path=customXml/itemProps2.xml><?xml version="1.0" encoding="utf-8"?>
+<ds:datastoreItem xmlns:ds="http://schemas.openxmlformats.org/officeDocument/2006/customXml" ds:itemID="{D4C4CBFC-2EF1-4092-8F2F-5A5B86A85C2F}">
+  <ds:schemaRefs>
+    <ds:schemaRef ds:uri="http://schemas.microsoft.com/sharepoint/v3/contenttype/forms"/>
+  </ds:schemaRefs>
+</ds:datastoreItem>
+</file>
+
+<file path=customXml/itemProps3.xml><?xml version="1.0" encoding="utf-8"?>
+<ds:datastoreItem xmlns:ds="http://schemas.openxmlformats.org/officeDocument/2006/customXml" ds:itemID="{47279921-A1B4-472D-B7BD-F638B6892104}">
+  <ds:schemaRefs>
+    <ds:schemaRef ds:uri="http://schemas.microsoft.com/office/2006/documentManagement/types"/>
+    <ds:schemaRef ds:uri="http://schemas.openxmlformats.org/package/2006/metadata/core-properties"/>
+    <ds:schemaRef ds:uri="http://purl.org/dc/dcmitype/"/>
+    <ds:schemaRef ds:uri="http://www.w3.org/XML/1998/namespace"/>
+    <ds:schemaRef ds:uri="http://schemas.microsoft.com/sharepoint/v3"/>
+    <ds:schemaRef ds:uri="b542780c-f3c1-48de-9090-e65480539529"/>
+    <ds:schemaRef ds:uri="http://purl.org/dc/terms/"/>
+    <ds:schemaRef ds:uri="http://schemas.microsoft.com/office/infopath/2007/PartnerControls"/>
+    <ds:schemaRef ds:uri="http://schemas.microsoft.com/office/2006/metadata/properties"/>
+    <ds:schemaRef ds:uri="http://purl.org/dc/elements/1.1/"/>
+  </ds:schemaRefs>
+</ds:datastoreItem>
 </file>
--- a/wrangling_with_r.pptx
+++ b/wrangling_with_r.pptx
@@ -308,7 +308,7 @@
               <a:pPr>
                 <a:defRPr/>
               </a:pPr>
-              <a:t>2/4/2018</a:t>
+              <a:t>2/6/2018</a:t>
             </a:fld>
             <a:endParaRPr lang="en-US" dirty="0">
               <a:latin typeface="Corbel"/>
@@ -540,7 +540,7 @@
               <a:pPr>
                 <a:defRPr/>
               </a:pPr>
-              <a:t>2/4/2018</a:t>
+              <a:t>2/6/2018</a:t>
             </a:fld>
             <a:endParaRPr lang="en-US" dirty="0"/>
           </a:p>
@@ -10583,14 +10583,14 @@
           </a:ln>
           <a:extLst>
             <a:ext uri="{909E8E84-426E-40dd-AFC4-6F175D3DCCD1}">
-              <a14:hiddenFill xmlns:a14="http://schemas.microsoft.com/office/drawing/2010/main" xmlns="">
+              <a14:hiddenFill xmlns="" xmlns:a14="http://schemas.microsoft.com/office/drawing/2010/main">
                 <a:solidFill>
                   <a:srgbClr val="FFFFFF"/>
                 </a:solidFill>
               </a14:hiddenFill>
             </a:ext>
             <a:ext uri="{91240B29-F687-4f45-9708-019B960494DF}">
-              <a14:hiddenLine xmlns:a14="http://schemas.microsoft.com/office/drawing/2010/main" xmlns="" w="9525">
+              <a14:hiddenLine xmlns="" xmlns:a14="http://schemas.microsoft.com/office/drawing/2010/main" w="9525">
                 <a:solidFill>
                   <a:srgbClr val="000000"/>
                 </a:solidFill>
@@ -10600,7 +10600,7 @@
               </a14:hiddenLine>
             </a:ext>
             <a:ext uri="{FAA26D3D-D897-4be2-8F04-BA451C77F1D7}">
-              <ma14:placeholderFlag xmlns:ma14="http://schemas.microsoft.com/office/mac/drawingml/2011/main" xmlns="" val="1"/>
+              <ma14:placeholderFlag xmlns="" xmlns:ma14="http://schemas.microsoft.com/office/mac/drawingml/2011/main" val="1"/>
             </a:ext>
           </a:extLst>
         </p:spPr>
@@ -13861,7 +13861,7 @@
             <a:effectLst/>
             <a:extLst>
               <a:ext uri="{91240B29-F687-4f45-9708-019B960494DF}">
-                <a14:hiddenLine xmlns:a14="http://schemas.microsoft.com/office/drawing/2010/main" xmlns="" w="9525" cap="flat">
+                <a14:hiddenLine xmlns="" xmlns:a14="http://schemas.microsoft.com/office/drawing/2010/main" w="9525" cap="flat">
                   <a:solidFill>
                     <a:srgbClr val="808080"/>
                   </a:solidFill>
@@ -13871,7 +13871,7 @@
                 </a14:hiddenLine>
               </a:ext>
               <a:ext uri="{AF507438-7753-43e0-B8FC-AC1667EBCBE1}">
-                <a14:hiddenEffects xmlns:a14="http://schemas.microsoft.com/office/drawing/2010/main" xmlns="">
+                <a14:hiddenEffects xmlns="" xmlns:a14="http://schemas.microsoft.com/office/drawing/2010/main">
                   <a:effectLst>
                     <a:outerShdw blurRad="63500" dist="38099" dir="2700000" algn="ctr" rotWithShape="0">
                       <a:srgbClr val="000000">
@@ -14069,7 +14069,7 @@
             <a:effectLst/>
             <a:extLst>
               <a:ext uri="{91240B29-F687-4f45-9708-019B960494DF}">
-                <a14:hiddenLine xmlns:a14="http://schemas.microsoft.com/office/drawing/2010/main" xmlns="" w="9525" cap="flat">
+                <a14:hiddenLine xmlns="" xmlns:a14="http://schemas.microsoft.com/office/drawing/2010/main" w="9525" cap="flat">
                   <a:solidFill>
                     <a:srgbClr val="808080"/>
                   </a:solidFill>
@@ -14079,7 +14079,7 @@
                 </a14:hiddenLine>
               </a:ext>
               <a:ext uri="{AF507438-7753-43e0-B8FC-AC1667EBCBE1}">
-                <a14:hiddenEffects xmlns:a14="http://schemas.microsoft.com/office/drawing/2010/main" xmlns="">
+                <a14:hiddenEffects xmlns="" xmlns:a14="http://schemas.microsoft.com/office/drawing/2010/main">
                   <a:effectLst>
                     <a:outerShdw blurRad="63500" dist="38099" dir="2700000" algn="ctr" rotWithShape="0">
                       <a:srgbClr val="000000">
@@ -14198,7 +14198,7 @@
             <a:effectLst/>
             <a:extLst>
               <a:ext uri="{91240B29-F687-4f45-9708-019B960494DF}">
-                <a14:hiddenLine xmlns:a14="http://schemas.microsoft.com/office/drawing/2010/main" xmlns="" w="9525" cap="flat">
+                <a14:hiddenLine xmlns="" xmlns:a14="http://schemas.microsoft.com/office/drawing/2010/main" w="9525" cap="flat">
                   <a:solidFill>
                     <a:srgbClr val="808080"/>
                   </a:solidFill>
@@ -14208,7 +14208,7 @@
                 </a14:hiddenLine>
               </a:ext>
               <a:ext uri="{AF507438-7753-43e0-B8FC-AC1667EBCBE1}">
-                <a14:hiddenEffects xmlns:a14="http://schemas.microsoft.com/office/drawing/2010/main" xmlns="">
+                <a14:hiddenEffects xmlns="" xmlns:a14="http://schemas.microsoft.com/office/drawing/2010/main">
                   <a:effectLst>
                     <a:outerShdw blurRad="63500" dist="38099" dir="2700000" algn="ctr" rotWithShape="0">
                       <a:srgbClr val="000000">
@@ -14480,7 +14480,7 @@
             <a:effectLst/>
             <a:extLst>
               <a:ext uri="{91240B29-F687-4f45-9708-019B960494DF}">
-                <a14:hiddenLine xmlns:a14="http://schemas.microsoft.com/office/drawing/2010/main" xmlns="" w="9525" cap="flat">
+                <a14:hiddenLine xmlns="" xmlns:a14="http://schemas.microsoft.com/office/drawing/2010/main" w="9525" cap="flat">
                   <a:solidFill>
                     <a:srgbClr val="808080"/>
                   </a:solidFill>
@@ -14490,7 +14490,7 @@
                 </a14:hiddenLine>
               </a:ext>
               <a:ext uri="{AF507438-7753-43e0-B8FC-AC1667EBCBE1}">
-                <a14:hiddenEffects xmlns:a14="http://schemas.microsoft.com/office/drawing/2010/main" xmlns="">
+                <a14:hiddenEffects xmlns="" xmlns:a14="http://schemas.microsoft.com/office/drawing/2010/main">
                   <a:effectLst>
                     <a:outerShdw blurRad="63500" dist="38099" dir="2700000" algn="ctr" rotWithShape="0">
                       <a:srgbClr val="000000">
@@ -14609,7 +14609,7 @@
             <a:effectLst/>
             <a:extLst>
               <a:ext uri="{91240B29-F687-4f45-9708-019B960494DF}">
-                <a14:hiddenLine xmlns:a14="http://schemas.microsoft.com/office/drawing/2010/main" xmlns="" w="9525" cap="flat">
+                <a14:hiddenLine xmlns="" xmlns:a14="http://schemas.microsoft.com/office/drawing/2010/main" w="9525" cap="flat">
                   <a:solidFill>
                     <a:srgbClr val="808080"/>
                   </a:solidFill>
@@ -14619,7 +14619,7 @@
                 </a14:hiddenLine>
               </a:ext>
               <a:ext uri="{AF507438-7753-43e0-B8FC-AC1667EBCBE1}">
-                <a14:hiddenEffects xmlns:a14="http://schemas.microsoft.com/office/drawing/2010/main" xmlns="">
+                <a14:hiddenEffects xmlns="" xmlns:a14="http://schemas.microsoft.com/office/drawing/2010/main">
                   <a:effectLst>
                     <a:outerShdw blurRad="63500" dist="38099" dir="2700000" algn="ctr" rotWithShape="0">
                       <a:srgbClr val="000000">
@@ -14805,7 +14805,7 @@
             <a:effectLst/>
             <a:extLst>
               <a:ext uri="{91240B29-F687-4f45-9708-019B960494DF}">
-                <a14:hiddenLine xmlns:a14="http://schemas.microsoft.com/office/drawing/2010/main" xmlns="" w="9525" cap="flat">
+                <a14:hiddenLine xmlns="" xmlns:a14="http://schemas.microsoft.com/office/drawing/2010/main" w="9525" cap="flat">
                   <a:solidFill>
                     <a:srgbClr val="808080"/>
                   </a:solidFill>
@@ -14815,7 +14815,7 @@
                 </a14:hiddenLine>
               </a:ext>
               <a:ext uri="{AF507438-7753-43e0-B8FC-AC1667EBCBE1}">
-                <a14:hiddenEffects xmlns:a14="http://schemas.microsoft.com/office/drawing/2010/main" xmlns="">
+                <a14:hiddenEffects xmlns="" xmlns:a14="http://schemas.microsoft.com/office/drawing/2010/main">
                   <a:effectLst>
                     <a:outerShdw blurRad="63500" dist="38099" dir="2700000" algn="ctr" rotWithShape="0">
                       <a:srgbClr val="000000">
@@ -15041,7 +15041,7 @@
             <a:effectLst/>
             <a:extLst>
               <a:ext uri="{91240B29-F687-4f45-9708-019B960494DF}">
-                <a14:hiddenLine xmlns:a14="http://schemas.microsoft.com/office/drawing/2010/main" xmlns="" w="9525" cap="flat">
+                <a14:hiddenLine xmlns="" xmlns:a14="http://schemas.microsoft.com/office/drawing/2010/main" w="9525" cap="flat">
                   <a:solidFill>
                     <a:srgbClr val="808080"/>
                   </a:solidFill>
@@ -15051,7 +15051,7 @@
                 </a14:hiddenLine>
               </a:ext>
               <a:ext uri="{AF507438-7753-43e0-B8FC-AC1667EBCBE1}">
-                <a14:hiddenEffects xmlns:a14="http://schemas.microsoft.com/office/drawing/2010/main" xmlns="">
+                <a14:hiddenEffects xmlns="" xmlns:a14="http://schemas.microsoft.com/office/drawing/2010/main">
                   <a:effectLst>
                     <a:outerShdw blurRad="63500" dist="38099" dir="2700000" algn="ctr" rotWithShape="0">
                       <a:srgbClr val="000000">
@@ -15189,7 +15189,7 @@
             <a:effectLst/>
             <a:extLst>
               <a:ext uri="{91240B29-F687-4f45-9708-019B960494DF}">
-                <a14:hiddenLine xmlns:a14="http://schemas.microsoft.com/office/drawing/2010/main" xmlns="" w="9525" cap="flat">
+                <a14:hiddenLine xmlns="" xmlns:a14="http://schemas.microsoft.com/office/drawing/2010/main" w="9525" cap="flat">
                   <a:solidFill>
                     <a:srgbClr val="808080"/>
                   </a:solidFill>
@@ -15199,7 +15199,7 @@
                 </a14:hiddenLine>
               </a:ext>
               <a:ext uri="{AF507438-7753-43e0-B8FC-AC1667EBCBE1}">
-                <a14:hiddenEffects xmlns:a14="http://schemas.microsoft.com/office/drawing/2010/main" xmlns="">
+                <a14:hiddenEffects xmlns="" xmlns:a14="http://schemas.microsoft.com/office/drawing/2010/main">
                   <a:effectLst>
                     <a:outerShdw blurRad="63500" dist="38099" dir="2700000" algn="ctr" rotWithShape="0">
                       <a:srgbClr val="000000">
@@ -15485,7 +15485,7 @@
             <a:effectLst/>
             <a:extLst>
               <a:ext uri="{91240B29-F687-4f45-9708-019B960494DF}">
-                <a14:hiddenLine xmlns:a14="http://schemas.microsoft.com/office/drawing/2010/main" xmlns="" w="9525" cap="flat">
+                <a14:hiddenLine xmlns="" xmlns:a14="http://schemas.microsoft.com/office/drawing/2010/main" w="9525" cap="flat">
                   <a:solidFill>
                     <a:srgbClr val="808080"/>
                   </a:solidFill>
@@ -15495,7 +15495,7 @@
                 </a14:hiddenLine>
               </a:ext>
               <a:ext uri="{AF507438-7753-43e0-B8FC-AC1667EBCBE1}">
-                <a14:hiddenEffects xmlns:a14="http://schemas.microsoft.com/office/drawing/2010/main" xmlns="">
+                <a14:hiddenEffects xmlns="" xmlns:a14="http://schemas.microsoft.com/office/drawing/2010/main">
                   <a:effectLst>
                     <a:outerShdw blurRad="63500" dist="38099" dir="2700000" algn="ctr" rotWithShape="0">
                       <a:srgbClr val="000000">
@@ -15733,7 +15733,7 @@
             <a:effectLst/>
             <a:extLst>
               <a:ext uri="{91240B29-F687-4f45-9708-019B960494DF}">
-                <a14:hiddenLine xmlns:a14="http://schemas.microsoft.com/office/drawing/2010/main" xmlns="" w="9525" cap="flat">
+                <a14:hiddenLine xmlns="" xmlns:a14="http://schemas.microsoft.com/office/drawing/2010/main" w="9525" cap="flat">
                   <a:solidFill>
                     <a:srgbClr val="808080"/>
                   </a:solidFill>
@@ -15743,7 +15743,7 @@
                 </a14:hiddenLine>
               </a:ext>
               <a:ext uri="{AF507438-7753-43e0-B8FC-AC1667EBCBE1}">
-                <a14:hiddenEffects xmlns:a14="http://schemas.microsoft.com/office/drawing/2010/main" xmlns="">
+                <a14:hiddenEffects xmlns="" xmlns:a14="http://schemas.microsoft.com/office/drawing/2010/main">
                   <a:effectLst>
                     <a:outerShdw blurRad="63500" dist="38099" dir="2700000" algn="ctr" rotWithShape="0">
                       <a:srgbClr val="000000">
@@ -15929,7 +15929,7 @@
             <a:effectLst/>
             <a:extLst>
               <a:ext uri="{91240B29-F687-4f45-9708-019B960494DF}">
-                <a14:hiddenLine xmlns:a14="http://schemas.microsoft.com/office/drawing/2010/main" xmlns="" w="9525" cap="flat">
+                <a14:hiddenLine xmlns="" xmlns:a14="http://schemas.microsoft.com/office/drawing/2010/main" w="9525" cap="flat">
                   <a:solidFill>
                     <a:srgbClr val="808080"/>
                   </a:solidFill>
@@ -15939,7 +15939,7 @@
                 </a14:hiddenLine>
               </a:ext>
               <a:ext uri="{AF507438-7753-43e0-B8FC-AC1667EBCBE1}">
-                <a14:hiddenEffects xmlns:a14="http://schemas.microsoft.com/office/drawing/2010/main" xmlns="">
+                <a14:hiddenEffects xmlns="" xmlns:a14="http://schemas.microsoft.com/office/drawing/2010/main">
                   <a:effectLst>
                     <a:outerShdw blurRad="63500" dist="38099" dir="2700000" algn="ctr" rotWithShape="0">
                       <a:srgbClr val="000000">
@@ -16067,7 +16067,7 @@
             <a:effectLst/>
             <a:extLst>
               <a:ext uri="{91240B29-F687-4f45-9708-019B960494DF}">
-                <a14:hiddenLine xmlns:a14="http://schemas.microsoft.com/office/drawing/2010/main" xmlns="" w="9525" cap="flat">
+                <a14:hiddenLine xmlns="" xmlns:a14="http://schemas.microsoft.com/office/drawing/2010/main" w="9525" cap="flat">
                   <a:solidFill>
                     <a:srgbClr val="808080"/>
                   </a:solidFill>
@@ -16077,7 +16077,7 @@
                 </a14:hiddenLine>
               </a:ext>
               <a:ext uri="{AF507438-7753-43e0-B8FC-AC1667EBCBE1}">
-                <a14:hiddenEffects xmlns:a14="http://schemas.microsoft.com/office/drawing/2010/main" xmlns="">
+                <a14:hiddenEffects xmlns="" xmlns:a14="http://schemas.microsoft.com/office/drawing/2010/main">
                   <a:effectLst>
                     <a:outerShdw blurRad="63500" dist="38099" dir="2700000" algn="ctr" rotWithShape="0">
                       <a:srgbClr val="000000">
@@ -16196,7 +16196,7 @@
             <a:effectLst/>
             <a:extLst>
               <a:ext uri="{91240B29-F687-4f45-9708-019B960494DF}">
-                <a14:hiddenLine xmlns:a14="http://schemas.microsoft.com/office/drawing/2010/main" xmlns="" w="9525" cap="flat">
+                <a14:hiddenLine xmlns="" xmlns:a14="http://schemas.microsoft.com/office/drawing/2010/main" w="9525" cap="flat">
                   <a:solidFill>
                     <a:srgbClr val="808080"/>
                   </a:solidFill>
@@ -16206,7 +16206,7 @@
                 </a14:hiddenLine>
               </a:ext>
               <a:ext uri="{AF507438-7753-43e0-B8FC-AC1667EBCBE1}">
-                <a14:hiddenEffects xmlns:a14="http://schemas.microsoft.com/office/drawing/2010/main" xmlns="">
+                <a14:hiddenEffects xmlns="" xmlns:a14="http://schemas.microsoft.com/office/drawing/2010/main">
                   <a:effectLst>
                     <a:outerShdw blurRad="63500" dist="38099" dir="2700000" algn="ctr" rotWithShape="0">
                       <a:srgbClr val="000000">
@@ -16352,7 +16352,7 @@
             <a:effectLst/>
             <a:extLst>
               <a:ext uri="{91240B29-F687-4f45-9708-019B960494DF}">
-                <a14:hiddenLine xmlns:a14="http://schemas.microsoft.com/office/drawing/2010/main" xmlns="" w="9525" cap="flat">
+                <a14:hiddenLine xmlns="" xmlns:a14="http://schemas.microsoft.com/office/drawing/2010/main" w="9525" cap="flat">
                   <a:solidFill>
                     <a:srgbClr val="808080"/>
                   </a:solidFill>
@@ -16362,7 +16362,7 @@
                 </a14:hiddenLine>
               </a:ext>
               <a:ext uri="{AF507438-7753-43e0-B8FC-AC1667EBCBE1}">
-                <a14:hiddenEffects xmlns:a14="http://schemas.microsoft.com/office/drawing/2010/main" xmlns="">
+                <a14:hiddenEffects xmlns="" xmlns:a14="http://schemas.microsoft.com/office/drawing/2010/main">
                   <a:effectLst>
                     <a:outerShdw blurRad="63500" dist="38099" dir="2700000" algn="ctr" rotWithShape="0">
                       <a:srgbClr val="000000">
@@ -16542,7 +16542,7 @@
             <a:effectLst/>
             <a:extLst>
               <a:ext uri="{91240B29-F687-4f45-9708-019B960494DF}">
-                <a14:hiddenLine xmlns:a14="http://schemas.microsoft.com/office/drawing/2010/main" xmlns="" w="9525" cap="flat">
+                <a14:hiddenLine xmlns="" xmlns:a14="http://schemas.microsoft.com/office/drawing/2010/main" w="9525" cap="flat">
                   <a:solidFill>
                     <a:srgbClr val="808080"/>
                   </a:solidFill>
@@ -16552,7 +16552,7 @@
                 </a14:hiddenLine>
               </a:ext>
               <a:ext uri="{AF507438-7753-43e0-B8FC-AC1667EBCBE1}">
-                <a14:hiddenEffects xmlns:a14="http://schemas.microsoft.com/office/drawing/2010/main" xmlns="">
+                <a14:hiddenEffects xmlns="" xmlns:a14="http://schemas.microsoft.com/office/drawing/2010/main">
                   <a:effectLst>
                     <a:outerShdw blurRad="63500" dist="38099" dir="2700000" algn="ctr" rotWithShape="0">
                       <a:srgbClr val="000000">
@@ -20026,14 +20026,14 @@
           </a:ln>
           <a:extLst>
             <a:ext uri="{909E8E84-426E-40dd-AFC4-6F175D3DCCD1}">
-              <a14:hiddenFill xmlns:a14="http://schemas.microsoft.com/office/drawing/2010/main" xmlns="">
+              <a14:hiddenFill xmlns="" xmlns:a14="http://schemas.microsoft.com/office/drawing/2010/main">
                 <a:solidFill>
                   <a:srgbClr val="FFFFFF"/>
                 </a:solidFill>
               </a14:hiddenFill>
             </a:ext>
             <a:ext uri="{91240B29-F687-4f45-9708-019B960494DF}">
-              <a14:hiddenLine xmlns:a14="http://schemas.microsoft.com/office/drawing/2010/main" xmlns="" w="9525">
+              <a14:hiddenLine xmlns="" xmlns:a14="http://schemas.microsoft.com/office/drawing/2010/main" w="9525">
                 <a:solidFill>
                   <a:srgbClr val="000000"/>
                 </a:solidFill>
@@ -20043,7 +20043,7 @@
               </a14:hiddenLine>
             </a:ext>
             <a:ext uri="{FAA26D3D-D897-4be2-8F04-BA451C77F1D7}">
-              <ma14:placeholderFlag xmlns:ma14="http://schemas.microsoft.com/office/mac/drawingml/2011/main" xmlns="" val="1"/>
+              <ma14:placeholderFlag xmlns="" xmlns:ma14="http://schemas.microsoft.com/office/mac/drawingml/2011/main" val="1"/>
             </a:ext>
           </a:extLst>
         </p:spPr>
@@ -20088,14 +20088,14 @@
           </a:ln>
           <a:extLst>
             <a:ext uri="{909E8E84-426E-40dd-AFC4-6F175D3DCCD1}">
-              <a14:hiddenFill xmlns:a14="http://schemas.microsoft.com/office/drawing/2010/main" xmlns="">
+              <a14:hiddenFill xmlns="" xmlns:a14="http://schemas.microsoft.com/office/drawing/2010/main">
                 <a:solidFill>
                   <a:srgbClr val="FFFFFF"/>
                 </a:solidFill>
               </a14:hiddenFill>
             </a:ext>
             <a:ext uri="{91240B29-F687-4f45-9708-019B960494DF}">
-              <a14:hiddenLine xmlns:a14="http://schemas.microsoft.com/office/drawing/2010/main" xmlns="" w="9525">
+              <a14:hiddenLine xmlns="" xmlns:a14="http://schemas.microsoft.com/office/drawing/2010/main" w="9525">
                 <a:solidFill>
                   <a:srgbClr val="000000"/>
                 </a:solidFill>
@@ -20105,7 +20105,7 @@
               </a14:hiddenLine>
             </a:ext>
             <a:ext uri="{FAA26D3D-D897-4be2-8F04-BA451C77F1D7}">
-              <ma14:placeholderFlag xmlns:ma14="http://schemas.microsoft.com/office/mac/drawingml/2011/main" xmlns="" val="1"/>
+              <ma14:placeholderFlag xmlns="" xmlns:ma14="http://schemas.microsoft.com/office/mac/drawingml/2011/main" val="1"/>
             </a:ext>
           </a:extLst>
         </p:spPr>
@@ -21800,11 +21800,7 @@
           <a:p>
             <a:r>
               <a:rPr lang="en-US" smtClean="0"/>
-              <a:t>Data </a:t>
-            </a:r>
-            <a:r>
-              <a:rPr lang="en-US" smtClean="0"/>
-              <a:t>visualization using RStudio and ggplot </a:t>
+              <a:t>Data visualization using RStudio and ggplot </a:t>
             </a:r>
             <a:endParaRPr lang="en-US"/>
           </a:p>
@@ -24260,7 +24256,11 @@
           <a:p>
             <a:r>
               <a:rPr lang="en-US" smtClean="0"/>
-              <a:t>3.5.1 Exercises</a:t>
+              <a:t>3.6.1 </a:t>
+            </a:r>
+            <a:r>
+              <a:rPr lang="en-US" smtClean="0"/>
+              <a:t>Exercises</a:t>
             </a:r>
             <a:endParaRPr lang="en-US"/>
           </a:p>
@@ -28427,11 +28427,7 @@
             </a:r>
             <a:r>
               <a:rPr lang="en-US" smtClean="0"/>
-              <a:t>the </a:t>
-            </a:r>
-            <a:r>
-              <a:rPr lang="en-US" smtClean="0"/>
-              <a:t>cheat sheet </a:t>
+              <a:t>the cheat sheet </a:t>
             </a:r>
             <a:r>
               <a:rPr lang="en-US" dirty="0" smtClean="0"/>
@@ -28466,11 +28462,7 @@
             </a:r>
             <a:r>
               <a:rPr lang="en-US" smtClean="0"/>
-              <a:t>and </a:t>
-            </a:r>
-            <a:r>
-              <a:rPr lang="en-US" smtClean="0"/>
-              <a:t>history, data import wizard (and git)</a:t>
+              <a:t>and history, data import wizard (and git)</a:t>
             </a:r>
             <a:endParaRPr lang="en-US" dirty="0" smtClean="0"/>
           </a:p>
@@ -28798,11 +28790,7 @@
           <a:p>
             <a:r>
               <a:rPr lang="en-US" smtClean="0"/>
-              <a:t>RStudio </a:t>
-            </a:r>
-            <a:r>
-              <a:rPr lang="en-US" smtClean="0"/>
-              <a:t>projects</a:t>
+              <a:t>RStudio projects</a:t>
             </a:r>
             <a:endParaRPr lang="en-US"/>
           </a:p>
@@ -28839,7 +28827,6 @@
               <a:rPr lang="en-US" smtClean="0"/>
               <a:t>another. See the R4ds chapter.</a:t>
             </a:r>
-            <a:endParaRPr lang="en-US" smtClean="0"/>
           </a:p>
           <a:p>
             <a:r>
@@ -30216,6 +30203,61 @@
 </file>
 
 <file path=customXml/item1.xml><?xml version="1.0" encoding="utf-8"?>
+<p:properties xmlns:p="http://schemas.microsoft.com/office/2006/metadata/properties" xmlns:xsi="http://www.w3.org/2001/XMLSchema-instance" xmlns:pc="http://schemas.microsoft.com/office/infopath/2007/PartnerControls">
+  <documentManagement>
+    <PublishingRollupImage xmlns="http://schemas.microsoft.com/sharepoint/v3" xsi:nil="true"/>
+    <CSC_x0020_Language xmlns="b542780c-f3c1-48de-9090-e65480539529">
+      <Value>English</Value>
+    </CSC_x0020_Language>
+    <Translation xmlns="b542780c-f3c1-48de-9090-e65480539529">
+      <Url xsi:nil="true"/>
+      <Description xsi:nil="true"/>
+    </Translation>
+    <PublishingContactEmail xmlns="http://schemas.microsoft.com/sharepoint/v3" xsi:nil="true"/>
+    <PublishingPageContent xmlns="http://schemas.microsoft.com/sharepoint/v3" xsi:nil="true"/>
+    <PublishingVariationRelationshipLinkFieldID xmlns="http://schemas.microsoft.com/sharepoint/v3">
+      <Url xsi:nil="true"/>
+      <Description xsi:nil="true"/>
+    </PublishingVariationRelationshipLinkFieldID>
+    <CSC_x0020_Category xmlns="b542780c-f3c1-48de-9090-e65480539529">Templates</CSC_x0020_Category>
+    <SeoKeywords xmlns="http://schemas.microsoft.com/sharepoint/v3" xsi:nil="true"/>
+    <PublishingVariationGroupID xmlns="http://schemas.microsoft.com/sharepoint/v3" xsi:nil="true"/>
+    <PublishingIsFurlPage xmlns="http://schemas.microsoft.com/sharepoint/v3">false</PublishingIsFurlPage>
+    <Audience xmlns="http://schemas.microsoft.com/sharepoint/v3" xsi:nil="true"/>
+    <CSC_x0020_Group xmlns="b542780c-f3c1-48de-9090-e65480539529">MARCOM</CSC_x0020_Group>
+    <SeoBrowserTitle xmlns="http://schemas.microsoft.com/sharepoint/v3" xsi:nil="true"/>
+    <PublishingExpirationDate xmlns="http://schemas.microsoft.com/sharepoint/v3" xsi:nil="true"/>
+    <PublishingContactPicture xmlns="http://schemas.microsoft.com/sharepoint/v3">
+      <Url xsi:nil="true"/>
+      <Description xsi:nil="true"/>
+    </PublishingContactPicture>
+    <SeoRobotsNoIndex xmlns="http://schemas.microsoft.com/sharepoint/v3" xsi:nil="true"/>
+    <PublishingStartDate xmlns="http://schemas.microsoft.com/sharepoint/v3" xsi:nil="true"/>
+    <SeoMetaDescription xmlns="http://schemas.microsoft.com/sharepoint/v3" xsi:nil="true"/>
+    <PublishingContact xmlns="http://schemas.microsoft.com/sharepoint/v3">
+      <UserInfo>
+        <DisplayName/>
+        <AccountId xsi:nil="true"/>
+        <AccountType/>
+      </UserInfo>
+    </PublishingContact>
+    <PublishingContactName xmlns="http://schemas.microsoft.com/sharepoint/v3" xsi:nil="true"/>
+    <Comments xmlns="http://schemas.microsoft.com/sharepoint/v3">CSC's official PowerPoint-template
+Version 04.11.2016/Marketing and Communications</Comments>
+  </documentManagement>
+</p:properties>
+</file>
+
+<file path=customXml/item2.xml><?xml version="1.0" encoding="utf-8"?>
+<?mso-contentType ?>
+<FormTemplates xmlns="http://schemas.microsoft.com/sharepoint/v3/contenttype/forms">
+  <Display>DocumentLibraryForm</Display>
+  <Edit>DocumentLibraryForm</Edit>
+  <New>DocumentLibraryForm</New>
+</FormTemplates>
+</file>
+
+<file path=customXml/item3.xml><?xml version="1.0" encoding="utf-8"?>
 <ct:contentTypeSchema xmlns:ct="http://schemas.microsoft.com/office/2006/metadata/contentType" xmlns:ma="http://schemas.microsoft.com/office/2006/metadata/properties/metaAttributes" ct:_="" ma:_="" ma:contentTypeName="Guidelines Article" ma:contentTypeID="0x010100C568DB52D9D0A14D9B2FDCC96666E9F2007948130EC3DB064584E219954237AF39005865AF1693B9994CA07D29D3EBFFF69500D5CFB1A256BDC0439FEF5B0324F021D6" ma:contentTypeVersion="30" ma:contentTypeDescription="" ma:contentTypeScope="" ma:versionID="4cb75ce876bc9bb0bf3ca65d73c8002f">
   <xsd:schema xmlns:xsd="http://www.w3.org/2001/XMLSchema" xmlns:xs="http://www.w3.org/2001/XMLSchema" xmlns:p="http://schemas.microsoft.com/office/2006/metadata/properties" xmlns:ns1="http://schemas.microsoft.com/sharepoint/v3" xmlns:ns3="b542780c-f3c1-48de-9090-e65480539529" targetNamespace="http://schemas.microsoft.com/office/2006/metadata/properties" ma:root="true" ma:fieldsID="179bbc1ef3caf76c6e1127b99eabb6f9" ns1:_="" ns3:_="">
     <xsd:import namespace="http://schemas.microsoft.com/sharepoint/v3"/>
@@ -30592,62 +30634,32 @@
 </ct:contentTypeSchema>
 </file>
 
-<file path=customXml/item2.xml><?xml version="1.0" encoding="utf-8"?>
-<?mso-contentType ?>
-<FormTemplates xmlns="http://schemas.microsoft.com/sharepoint/v3/contenttype/forms">
-  <Display>DocumentLibraryForm</Display>
-  <Edit>DocumentLibraryForm</Edit>
-  <New>DocumentLibraryForm</New>
-</FormTemplates>
+<file path=customXml/itemProps1.xml><?xml version="1.0" encoding="utf-8"?>
+<ds:datastoreItem xmlns:ds="http://schemas.openxmlformats.org/officeDocument/2006/customXml" ds:itemID="{47279921-A1B4-472D-B7BD-F638B6892104}">
+  <ds:schemaRefs>
+    <ds:schemaRef ds:uri="http://schemas.microsoft.com/office/2006/documentManagement/types"/>
+    <ds:schemaRef ds:uri="http://schemas.openxmlformats.org/package/2006/metadata/core-properties"/>
+    <ds:schemaRef ds:uri="http://purl.org/dc/dcmitype/"/>
+    <ds:schemaRef ds:uri="http://www.w3.org/XML/1998/namespace"/>
+    <ds:schemaRef ds:uri="http://schemas.microsoft.com/sharepoint/v3"/>
+    <ds:schemaRef ds:uri="b542780c-f3c1-48de-9090-e65480539529"/>
+    <ds:schemaRef ds:uri="http://purl.org/dc/terms/"/>
+    <ds:schemaRef ds:uri="http://schemas.microsoft.com/office/infopath/2007/PartnerControls"/>
+    <ds:schemaRef ds:uri="http://schemas.microsoft.com/office/2006/metadata/properties"/>
+    <ds:schemaRef ds:uri="http://purl.org/dc/elements/1.1/"/>
+  </ds:schemaRefs>
+</ds:datastoreItem>
 </file>
 
-<file path=customXml/item3.xml><?xml version="1.0" encoding="utf-8"?>
-<p:properties xmlns:p="http://schemas.microsoft.com/office/2006/metadata/properties" xmlns:xsi="http://www.w3.org/2001/XMLSchema-instance" xmlns:pc="http://schemas.microsoft.com/office/infopath/2007/PartnerControls">
-  <documentManagement>
-    <PublishingRollupImage xmlns="http://schemas.microsoft.com/sharepoint/v3" xsi:nil="true"/>
-    <CSC_x0020_Language xmlns="b542780c-f3c1-48de-9090-e65480539529">
-      <Value>English</Value>
-    </CSC_x0020_Language>
-    <Translation xmlns="b542780c-f3c1-48de-9090-e65480539529">
-      <Url xsi:nil="true"/>
-      <Description xsi:nil="true"/>
-    </Translation>
-    <PublishingContactEmail xmlns="http://schemas.microsoft.com/sharepoint/v3" xsi:nil="true"/>
-    <PublishingPageContent xmlns="http://schemas.microsoft.com/sharepoint/v3" xsi:nil="true"/>
-    <PublishingVariationRelationshipLinkFieldID xmlns="http://schemas.microsoft.com/sharepoint/v3">
-      <Url xsi:nil="true"/>
-      <Description xsi:nil="true"/>
-    </PublishingVariationRelationshipLinkFieldID>
-    <CSC_x0020_Category xmlns="b542780c-f3c1-48de-9090-e65480539529">Templates</CSC_x0020_Category>
-    <SeoKeywords xmlns="http://schemas.microsoft.com/sharepoint/v3" xsi:nil="true"/>
-    <PublishingVariationGroupID xmlns="http://schemas.microsoft.com/sharepoint/v3" xsi:nil="true"/>
-    <PublishingIsFurlPage xmlns="http://schemas.microsoft.com/sharepoint/v3">false</PublishingIsFurlPage>
-    <Audience xmlns="http://schemas.microsoft.com/sharepoint/v3" xsi:nil="true"/>
-    <CSC_x0020_Group xmlns="b542780c-f3c1-48de-9090-e65480539529">MARCOM</CSC_x0020_Group>
-    <SeoBrowserTitle xmlns="http://schemas.microsoft.com/sharepoint/v3" xsi:nil="true"/>
-    <PublishingExpirationDate xmlns="http://schemas.microsoft.com/sharepoint/v3" xsi:nil="true"/>
-    <PublishingContactPicture xmlns="http://schemas.microsoft.com/sharepoint/v3">
-      <Url xsi:nil="true"/>
-      <Description xsi:nil="true"/>
-    </PublishingContactPicture>
-    <SeoRobotsNoIndex xmlns="http://schemas.microsoft.com/sharepoint/v3" xsi:nil="true"/>
-    <PublishingStartDate xmlns="http://schemas.microsoft.com/sharepoint/v3" xsi:nil="true"/>
-    <SeoMetaDescription xmlns="http://schemas.microsoft.com/sharepoint/v3" xsi:nil="true"/>
-    <PublishingContact xmlns="http://schemas.microsoft.com/sharepoint/v3">
-      <UserInfo>
-        <DisplayName/>
-        <AccountId xsi:nil="true"/>
-        <AccountType/>
-      </UserInfo>
-    </PublishingContact>
-    <PublishingContactName xmlns="http://schemas.microsoft.com/sharepoint/v3" xsi:nil="true"/>
-    <Comments xmlns="http://schemas.microsoft.com/sharepoint/v3">CSC's official PowerPoint-template
-Version 04.11.2016/Marketing and Communications</Comments>
-  </documentManagement>
-</p:properties>
+<file path=customXml/itemProps2.xml><?xml version="1.0" encoding="utf-8"?>
+<ds:datastoreItem xmlns:ds="http://schemas.openxmlformats.org/officeDocument/2006/customXml" ds:itemID="{D4C4CBFC-2EF1-4092-8F2F-5A5B86A85C2F}">
+  <ds:schemaRefs>
+    <ds:schemaRef ds:uri="http://schemas.microsoft.com/sharepoint/v3/contenttype/forms"/>
+  </ds:schemaRefs>
+</ds:datastoreItem>
 </file>
 
-<file path=customXml/itemProps1.xml><?xml version="1.0" encoding="utf-8"?>
+<file path=customXml/itemProps3.xml><?xml version="1.0" encoding="utf-8"?>
 <ds:datastoreItem xmlns:ds="http://schemas.openxmlformats.org/officeDocument/2006/customXml" ds:itemID="{652D4B87-A129-49B6-A00B-E280DAE4F0D2}">
   <ds:schemaRefs>
     <ds:schemaRef ds:uri="http://schemas.microsoft.com/office/2006/metadata/contentType"/>
@@ -30664,29 +30676,4 @@
     <ds:schemaRef ds:uri="http://schemas.microsoft.com/internal/obd"/>
   </ds:schemaRefs>
 </ds:datastoreItem>
-</file>
-
-<file path=customXml/itemProps2.xml><?xml version="1.0" encoding="utf-8"?>
-<ds:datastoreItem xmlns:ds="http://schemas.openxmlformats.org/officeDocument/2006/customXml" ds:itemID="{D4C4CBFC-2EF1-4092-8F2F-5A5B86A85C2F}">
-  <ds:schemaRefs>
-    <ds:schemaRef ds:uri="http://schemas.microsoft.com/sharepoint/v3/contenttype/forms"/>
-  </ds:schemaRefs>
-</ds:datastoreItem>
-</file>
-
-<file path=customXml/itemProps3.xml><?xml version="1.0" encoding="utf-8"?>
-<ds:datastoreItem xmlns:ds="http://schemas.openxmlformats.org/officeDocument/2006/customXml" ds:itemID="{47279921-A1B4-472D-B7BD-F638B6892104}">
-  <ds:schemaRefs>
-    <ds:schemaRef ds:uri="http://schemas.microsoft.com/office/2006/documentManagement/types"/>
-    <ds:schemaRef ds:uri="http://schemas.openxmlformats.org/package/2006/metadata/core-properties"/>
-    <ds:schemaRef ds:uri="http://purl.org/dc/dcmitype/"/>
-    <ds:schemaRef ds:uri="http://www.w3.org/XML/1998/namespace"/>
-    <ds:schemaRef ds:uri="http://schemas.microsoft.com/sharepoint/v3"/>
-    <ds:schemaRef ds:uri="b542780c-f3c1-48de-9090-e65480539529"/>
-    <ds:schemaRef ds:uri="http://purl.org/dc/terms/"/>
-    <ds:schemaRef ds:uri="http://schemas.microsoft.com/office/infopath/2007/PartnerControls"/>
-    <ds:schemaRef ds:uri="http://schemas.microsoft.com/office/2006/metadata/properties"/>
-    <ds:schemaRef ds:uri="http://purl.org/dc/elements/1.1/"/>
-  </ds:schemaRefs>
-</ds:datastoreItem>
 </file>